--- a/Змейка.pptx
+++ b/Змейка.pptx
@@ -7,7 +7,11 @@
   <p:sldIdLst>
     <p:sldId id="256" r:id="rId2"/>
     <p:sldId id="257" r:id="rId3"/>
-    <p:sldId id="258" r:id="rId4"/>
+    <p:sldId id="263" r:id="rId4"/>
+    <p:sldId id="258" r:id="rId5"/>
+    <p:sldId id="259" r:id="rId6"/>
+    <p:sldId id="260" r:id="rId7"/>
+    <p:sldId id="261" r:id="rId8"/>
   </p:sldIdLst>
   <p:sldSz cx="12192000" cy="6858000"/>
   <p:notesSz cx="6858000" cy="9144000"/>
@@ -106,7 +110,8649 @@
       </a:defRPr>
     </a:lvl9pPr>
   </p:defaultTextStyle>
+  <p:extLst>
+    <p:ext uri="{EFAFB233-063F-42B5-8137-9DF3F51BA10A}">
+      <p15:sldGuideLst xmlns:p15="http://schemas.microsoft.com/office/powerpoint/2012/main"/>
+    </p:ext>
+  </p:extLst>
 </p:presentation>
+</file>
+
+<file path=ppt/diagrams/colors1.xml><?xml version="1.0" encoding="utf-8"?>
+<dgm:colorsDef xmlns:dgm="http://schemas.openxmlformats.org/drawingml/2006/diagram" xmlns:a="http://schemas.openxmlformats.org/drawingml/2006/main" uniqueId="urn:microsoft.com/office/officeart/2005/8/colors/accent1_2">
+  <dgm:title val=""/>
+  <dgm:desc val=""/>
+  <dgm:catLst>
+    <dgm:cat type="accent1" pri="11200"/>
+  </dgm:catLst>
+  <dgm:styleLbl name="node0">
+    <dgm:fillClrLst meth="repeat">
+      <a:schemeClr val="accent1"/>
+    </dgm:fillClrLst>
+    <dgm:linClrLst meth="repeat">
+      <a:schemeClr val="lt1"/>
+    </dgm:linClrLst>
+    <dgm:effectClrLst/>
+    <dgm:txLinClrLst/>
+    <dgm:txFillClrLst/>
+    <dgm:txEffectClrLst/>
+  </dgm:styleLbl>
+  <dgm:styleLbl name="alignNode1">
+    <dgm:fillClrLst meth="repeat">
+      <a:schemeClr val="accent1"/>
+    </dgm:fillClrLst>
+    <dgm:linClrLst meth="repeat">
+      <a:schemeClr val="accent1"/>
+    </dgm:linClrLst>
+    <dgm:effectClrLst/>
+    <dgm:txLinClrLst/>
+    <dgm:txFillClrLst/>
+    <dgm:txEffectClrLst/>
+  </dgm:styleLbl>
+  <dgm:styleLbl name="node1">
+    <dgm:fillClrLst meth="repeat">
+      <a:schemeClr val="accent1"/>
+    </dgm:fillClrLst>
+    <dgm:linClrLst meth="repeat">
+      <a:schemeClr val="lt1"/>
+    </dgm:linClrLst>
+    <dgm:effectClrLst/>
+    <dgm:txLinClrLst/>
+    <dgm:txFillClrLst/>
+    <dgm:txEffectClrLst/>
+  </dgm:styleLbl>
+  <dgm:styleLbl name="lnNode1">
+    <dgm:fillClrLst meth="repeat">
+      <a:schemeClr val="accent1"/>
+    </dgm:fillClrLst>
+    <dgm:linClrLst meth="repeat">
+      <a:schemeClr val="lt1"/>
+    </dgm:linClrLst>
+    <dgm:effectClrLst/>
+    <dgm:txLinClrLst/>
+    <dgm:txFillClrLst/>
+    <dgm:txEffectClrLst/>
+  </dgm:styleLbl>
+  <dgm:styleLbl name="vennNode1">
+    <dgm:fillClrLst meth="repeat">
+      <a:schemeClr val="accent1">
+        <a:alpha val="50000"/>
+      </a:schemeClr>
+    </dgm:fillClrLst>
+    <dgm:linClrLst meth="repeat">
+      <a:schemeClr val="lt1"/>
+    </dgm:linClrLst>
+    <dgm:effectClrLst/>
+    <dgm:txLinClrLst/>
+    <dgm:txFillClrLst/>
+    <dgm:txEffectClrLst/>
+  </dgm:styleLbl>
+  <dgm:styleLbl name="node2">
+    <dgm:fillClrLst meth="repeat">
+      <a:schemeClr val="accent1"/>
+    </dgm:fillClrLst>
+    <dgm:linClrLst meth="repeat">
+      <a:schemeClr val="lt1"/>
+    </dgm:linClrLst>
+    <dgm:effectClrLst/>
+    <dgm:txLinClrLst/>
+    <dgm:txFillClrLst/>
+    <dgm:txEffectClrLst/>
+  </dgm:styleLbl>
+  <dgm:styleLbl name="node3">
+    <dgm:fillClrLst meth="repeat">
+      <a:schemeClr val="accent1"/>
+    </dgm:fillClrLst>
+    <dgm:linClrLst meth="repeat">
+      <a:schemeClr val="lt1"/>
+    </dgm:linClrLst>
+    <dgm:effectClrLst/>
+    <dgm:txLinClrLst/>
+    <dgm:txFillClrLst/>
+    <dgm:txEffectClrLst/>
+  </dgm:styleLbl>
+  <dgm:styleLbl name="node4">
+    <dgm:fillClrLst meth="repeat">
+      <a:schemeClr val="accent1"/>
+    </dgm:fillClrLst>
+    <dgm:linClrLst meth="repeat">
+      <a:schemeClr val="lt1"/>
+    </dgm:linClrLst>
+    <dgm:effectClrLst/>
+    <dgm:txLinClrLst/>
+    <dgm:txFillClrLst/>
+    <dgm:txEffectClrLst/>
+  </dgm:styleLbl>
+  <dgm:styleLbl name="fgImgPlace1">
+    <dgm:fillClrLst meth="repeat">
+      <a:schemeClr val="accent1">
+        <a:tint val="50000"/>
+      </a:schemeClr>
+    </dgm:fillClrLst>
+    <dgm:linClrLst meth="repeat">
+      <a:schemeClr val="lt1"/>
+    </dgm:linClrLst>
+    <dgm:effectClrLst/>
+    <dgm:txLinClrLst/>
+    <dgm:txFillClrLst meth="repeat">
+      <a:schemeClr val="lt1"/>
+    </dgm:txFillClrLst>
+    <dgm:txEffectClrLst/>
+  </dgm:styleLbl>
+  <dgm:styleLbl name="alignImgPlace1">
+    <dgm:fillClrLst meth="repeat">
+      <a:schemeClr val="accent1">
+        <a:tint val="50000"/>
+      </a:schemeClr>
+    </dgm:fillClrLst>
+    <dgm:linClrLst meth="repeat">
+      <a:schemeClr val="lt1"/>
+    </dgm:linClrLst>
+    <dgm:effectClrLst/>
+    <dgm:txLinClrLst/>
+    <dgm:txFillClrLst meth="repeat">
+      <a:schemeClr val="lt1"/>
+    </dgm:txFillClrLst>
+    <dgm:txEffectClrLst/>
+  </dgm:styleLbl>
+  <dgm:styleLbl name="bgImgPlace1">
+    <dgm:fillClrLst meth="repeat">
+      <a:schemeClr val="accent1">
+        <a:tint val="50000"/>
+      </a:schemeClr>
+    </dgm:fillClrLst>
+    <dgm:linClrLst meth="repeat">
+      <a:schemeClr val="lt1"/>
+    </dgm:linClrLst>
+    <dgm:effectClrLst/>
+    <dgm:txLinClrLst/>
+    <dgm:txFillClrLst meth="repeat">
+      <a:schemeClr val="lt1"/>
+    </dgm:txFillClrLst>
+    <dgm:txEffectClrLst/>
+  </dgm:styleLbl>
+  <dgm:styleLbl name="sibTrans2D1">
+    <dgm:fillClrLst meth="repeat">
+      <a:schemeClr val="accent1">
+        <a:tint val="60000"/>
+      </a:schemeClr>
+    </dgm:fillClrLst>
+    <dgm:linClrLst meth="repeat">
+      <a:schemeClr val="accent1">
+        <a:tint val="60000"/>
+      </a:schemeClr>
+    </dgm:linClrLst>
+    <dgm:effectClrLst/>
+    <dgm:txLinClrLst/>
+    <dgm:txFillClrLst/>
+    <dgm:txEffectClrLst/>
+  </dgm:styleLbl>
+  <dgm:styleLbl name="fgSibTrans2D1">
+    <dgm:fillClrLst meth="repeat">
+      <a:schemeClr val="accent1">
+        <a:tint val="60000"/>
+      </a:schemeClr>
+    </dgm:fillClrLst>
+    <dgm:linClrLst meth="repeat">
+      <a:schemeClr val="accent1">
+        <a:tint val="60000"/>
+      </a:schemeClr>
+    </dgm:linClrLst>
+    <dgm:effectClrLst/>
+    <dgm:txLinClrLst/>
+    <dgm:txFillClrLst/>
+    <dgm:txEffectClrLst/>
+  </dgm:styleLbl>
+  <dgm:styleLbl name="bgSibTrans2D1">
+    <dgm:fillClrLst meth="repeat">
+      <a:schemeClr val="accent1">
+        <a:tint val="60000"/>
+      </a:schemeClr>
+    </dgm:fillClrLst>
+    <dgm:linClrLst meth="repeat">
+      <a:schemeClr val="accent1">
+        <a:tint val="60000"/>
+      </a:schemeClr>
+    </dgm:linClrLst>
+    <dgm:effectClrLst/>
+    <dgm:txLinClrLst/>
+    <dgm:txFillClrLst/>
+    <dgm:txEffectClrLst/>
+  </dgm:styleLbl>
+  <dgm:styleLbl name="sibTrans1D1">
+    <dgm:fillClrLst meth="repeat">
+      <a:schemeClr val="accent1"/>
+    </dgm:fillClrLst>
+    <dgm:linClrLst meth="repeat">
+      <a:schemeClr val="accent1"/>
+    </dgm:linClrLst>
+    <dgm:effectClrLst/>
+    <dgm:txLinClrLst/>
+    <dgm:txFillClrLst meth="repeat">
+      <a:schemeClr val="tx1"/>
+    </dgm:txFillClrLst>
+    <dgm:txEffectClrLst/>
+  </dgm:styleLbl>
+  <dgm:styleLbl name="callout">
+    <dgm:fillClrLst meth="repeat">
+      <a:schemeClr val="accent1"/>
+    </dgm:fillClrLst>
+    <dgm:linClrLst meth="repeat">
+      <a:schemeClr val="accent1">
+        <a:tint val="50000"/>
+      </a:schemeClr>
+    </dgm:linClrLst>
+    <dgm:effectClrLst/>
+    <dgm:txLinClrLst/>
+    <dgm:txFillClrLst meth="repeat">
+      <a:schemeClr val="tx1"/>
+    </dgm:txFillClrLst>
+    <dgm:txEffectClrLst/>
+  </dgm:styleLbl>
+  <dgm:styleLbl name="asst0">
+    <dgm:fillClrLst meth="repeat">
+      <a:schemeClr val="accent1"/>
+    </dgm:fillClrLst>
+    <dgm:linClrLst meth="repeat">
+      <a:schemeClr val="lt1"/>
+    </dgm:linClrLst>
+    <dgm:effectClrLst/>
+    <dgm:txLinClrLst/>
+    <dgm:txFillClrLst/>
+    <dgm:txEffectClrLst/>
+  </dgm:styleLbl>
+  <dgm:styleLbl name="asst1">
+    <dgm:fillClrLst meth="repeat">
+      <a:schemeClr val="accent1"/>
+    </dgm:fillClrLst>
+    <dgm:linClrLst meth="repeat">
+      <a:schemeClr val="lt1"/>
+    </dgm:linClrLst>
+    <dgm:effectClrLst/>
+    <dgm:txLinClrLst/>
+    <dgm:txFillClrLst/>
+    <dgm:txEffectClrLst/>
+  </dgm:styleLbl>
+  <dgm:styleLbl name="asst2">
+    <dgm:fillClrLst meth="repeat">
+      <a:schemeClr val="accent1"/>
+    </dgm:fillClrLst>
+    <dgm:linClrLst meth="repeat">
+      <a:schemeClr val="lt1"/>
+    </dgm:linClrLst>
+    <dgm:effectClrLst/>
+    <dgm:txLinClrLst/>
+    <dgm:txFillClrLst/>
+    <dgm:txEffectClrLst/>
+  </dgm:styleLbl>
+  <dgm:styleLbl name="asst3">
+    <dgm:fillClrLst meth="repeat">
+      <a:schemeClr val="accent1"/>
+    </dgm:fillClrLst>
+    <dgm:linClrLst meth="repeat">
+      <a:schemeClr val="lt1"/>
+    </dgm:linClrLst>
+    <dgm:effectClrLst/>
+    <dgm:txLinClrLst/>
+    <dgm:txFillClrLst/>
+    <dgm:txEffectClrLst/>
+  </dgm:styleLbl>
+  <dgm:styleLbl name="asst4">
+    <dgm:fillClrLst meth="repeat">
+      <a:schemeClr val="accent1"/>
+    </dgm:fillClrLst>
+    <dgm:linClrLst meth="repeat">
+      <a:schemeClr val="lt1"/>
+    </dgm:linClrLst>
+    <dgm:effectClrLst/>
+    <dgm:txLinClrLst/>
+    <dgm:txFillClrLst/>
+    <dgm:txEffectClrLst/>
+  </dgm:styleLbl>
+  <dgm:styleLbl name="parChTrans2D1">
+    <dgm:fillClrLst meth="repeat">
+      <a:schemeClr val="accent1">
+        <a:tint val="60000"/>
+      </a:schemeClr>
+    </dgm:fillClrLst>
+    <dgm:linClrLst meth="repeat">
+      <a:schemeClr val="accent1">
+        <a:tint val="60000"/>
+      </a:schemeClr>
+    </dgm:linClrLst>
+    <dgm:effectClrLst/>
+    <dgm:txLinClrLst/>
+    <dgm:txFillClrLst meth="repeat">
+      <a:schemeClr val="lt1"/>
+    </dgm:txFillClrLst>
+    <dgm:txEffectClrLst/>
+  </dgm:styleLbl>
+  <dgm:styleLbl name="parChTrans2D2">
+    <dgm:fillClrLst meth="repeat">
+      <a:schemeClr val="accent1"/>
+    </dgm:fillClrLst>
+    <dgm:linClrLst meth="repeat">
+      <a:schemeClr val="accent1"/>
+    </dgm:linClrLst>
+    <dgm:effectClrLst/>
+    <dgm:txLinClrLst/>
+    <dgm:txFillClrLst meth="repeat">
+      <a:schemeClr val="lt1"/>
+    </dgm:txFillClrLst>
+    <dgm:txEffectClrLst/>
+  </dgm:styleLbl>
+  <dgm:styleLbl name="parChTrans2D3">
+    <dgm:fillClrLst meth="repeat">
+      <a:schemeClr val="accent1"/>
+    </dgm:fillClrLst>
+    <dgm:linClrLst meth="repeat">
+      <a:schemeClr val="accent1"/>
+    </dgm:linClrLst>
+    <dgm:effectClrLst/>
+    <dgm:txLinClrLst/>
+    <dgm:txFillClrLst meth="repeat">
+      <a:schemeClr val="lt1"/>
+    </dgm:txFillClrLst>
+    <dgm:txEffectClrLst/>
+  </dgm:styleLbl>
+  <dgm:styleLbl name="parChTrans2D4">
+    <dgm:fillClrLst meth="repeat">
+      <a:schemeClr val="accent1"/>
+    </dgm:fillClrLst>
+    <dgm:linClrLst meth="repeat">
+      <a:schemeClr val="accent1"/>
+    </dgm:linClrLst>
+    <dgm:effectClrLst/>
+    <dgm:txLinClrLst/>
+    <dgm:txFillClrLst meth="repeat">
+      <a:schemeClr val="lt1"/>
+    </dgm:txFillClrLst>
+    <dgm:txEffectClrLst/>
+  </dgm:styleLbl>
+  <dgm:styleLbl name="parChTrans1D1">
+    <dgm:fillClrLst meth="repeat">
+      <a:schemeClr val="accent1"/>
+    </dgm:fillClrLst>
+    <dgm:linClrLst meth="repeat">
+      <a:schemeClr val="accent1">
+        <a:shade val="60000"/>
+      </a:schemeClr>
+    </dgm:linClrLst>
+    <dgm:effectClrLst/>
+    <dgm:txLinClrLst/>
+    <dgm:txFillClrLst meth="repeat">
+      <a:schemeClr val="tx1"/>
+    </dgm:txFillClrLst>
+    <dgm:txEffectClrLst/>
+  </dgm:styleLbl>
+  <dgm:styleLbl name="parChTrans1D2">
+    <dgm:fillClrLst meth="repeat">
+      <a:schemeClr val="accent1"/>
+    </dgm:fillClrLst>
+    <dgm:linClrLst meth="repeat">
+      <a:schemeClr val="accent1">
+        <a:shade val="60000"/>
+      </a:schemeClr>
+    </dgm:linClrLst>
+    <dgm:effectClrLst/>
+    <dgm:txLinClrLst/>
+    <dgm:txFillClrLst meth="repeat">
+      <a:schemeClr val="tx1"/>
+    </dgm:txFillClrLst>
+    <dgm:txEffectClrLst/>
+  </dgm:styleLbl>
+  <dgm:styleLbl name="parChTrans1D3">
+    <dgm:fillClrLst meth="repeat">
+      <a:schemeClr val="accent1"/>
+    </dgm:fillClrLst>
+    <dgm:linClrLst meth="repeat">
+      <a:schemeClr val="accent1">
+        <a:shade val="80000"/>
+      </a:schemeClr>
+    </dgm:linClrLst>
+    <dgm:effectClrLst/>
+    <dgm:txLinClrLst/>
+    <dgm:txFillClrLst meth="repeat">
+      <a:schemeClr val="tx1"/>
+    </dgm:txFillClrLst>
+    <dgm:txEffectClrLst/>
+  </dgm:styleLbl>
+  <dgm:styleLbl name="parChTrans1D4">
+    <dgm:fillClrLst meth="repeat">
+      <a:schemeClr val="accent1"/>
+    </dgm:fillClrLst>
+    <dgm:linClrLst meth="repeat">
+      <a:schemeClr val="accent1">
+        <a:shade val="80000"/>
+      </a:schemeClr>
+    </dgm:linClrLst>
+    <dgm:effectClrLst/>
+    <dgm:txLinClrLst/>
+    <dgm:txFillClrLst meth="repeat">
+      <a:schemeClr val="tx1"/>
+    </dgm:txFillClrLst>
+    <dgm:txEffectClrLst/>
+  </dgm:styleLbl>
+  <dgm:styleLbl name="fgAcc1">
+    <dgm:fillClrLst meth="repeat">
+      <a:schemeClr val="lt1">
+        <a:alpha val="90000"/>
+      </a:schemeClr>
+    </dgm:fillClrLst>
+    <dgm:linClrLst meth="repeat">
+      <a:schemeClr val="accent1"/>
+    </dgm:linClrLst>
+    <dgm:effectClrLst/>
+    <dgm:txLinClrLst/>
+    <dgm:txFillClrLst meth="repeat">
+      <a:schemeClr val="dk1"/>
+    </dgm:txFillClrLst>
+    <dgm:txEffectClrLst/>
+  </dgm:styleLbl>
+  <dgm:styleLbl name="conFgAcc1">
+    <dgm:fillClrLst meth="repeat">
+      <a:schemeClr val="lt1">
+        <a:alpha val="90000"/>
+      </a:schemeClr>
+    </dgm:fillClrLst>
+    <dgm:linClrLst meth="repeat">
+      <a:schemeClr val="accent1"/>
+    </dgm:linClrLst>
+    <dgm:effectClrLst/>
+    <dgm:txLinClrLst/>
+    <dgm:txFillClrLst meth="repeat">
+      <a:schemeClr val="dk1"/>
+    </dgm:txFillClrLst>
+    <dgm:txEffectClrLst/>
+  </dgm:styleLbl>
+  <dgm:styleLbl name="alignAcc1">
+    <dgm:fillClrLst meth="repeat">
+      <a:schemeClr val="lt1">
+        <a:alpha val="90000"/>
+      </a:schemeClr>
+    </dgm:fillClrLst>
+    <dgm:linClrLst meth="repeat">
+      <a:schemeClr val="accent1"/>
+    </dgm:linClrLst>
+    <dgm:effectClrLst/>
+    <dgm:txLinClrLst/>
+    <dgm:txFillClrLst meth="repeat">
+      <a:schemeClr val="dk1"/>
+    </dgm:txFillClrLst>
+    <dgm:txEffectClrLst/>
+  </dgm:styleLbl>
+  <dgm:styleLbl name="trAlignAcc1">
+    <dgm:fillClrLst meth="repeat">
+      <a:schemeClr val="lt1">
+        <a:alpha val="40000"/>
+      </a:schemeClr>
+    </dgm:fillClrLst>
+    <dgm:linClrLst meth="repeat">
+      <a:schemeClr val="accent1"/>
+    </dgm:linClrLst>
+    <dgm:effectClrLst/>
+    <dgm:txLinClrLst/>
+    <dgm:txFillClrLst meth="repeat">
+      <a:schemeClr val="dk1"/>
+    </dgm:txFillClrLst>
+    <dgm:txEffectClrLst/>
+  </dgm:styleLbl>
+  <dgm:styleLbl name="bgAcc1">
+    <dgm:fillClrLst meth="repeat">
+      <a:schemeClr val="lt1">
+        <a:alpha val="90000"/>
+      </a:schemeClr>
+    </dgm:fillClrLst>
+    <dgm:linClrLst meth="repeat">
+      <a:schemeClr val="accent1"/>
+    </dgm:linClrLst>
+    <dgm:effectClrLst/>
+    <dgm:txLinClrLst/>
+    <dgm:txFillClrLst meth="repeat">
+      <a:schemeClr val="dk1"/>
+    </dgm:txFillClrLst>
+    <dgm:txEffectClrLst/>
+  </dgm:styleLbl>
+  <dgm:styleLbl name="solidFgAcc1">
+    <dgm:fillClrLst meth="repeat">
+      <a:schemeClr val="lt1"/>
+    </dgm:fillClrLst>
+    <dgm:linClrLst meth="repeat">
+      <a:schemeClr val="accent1"/>
+    </dgm:linClrLst>
+    <dgm:effectClrLst/>
+    <dgm:txLinClrLst/>
+    <dgm:txFillClrLst meth="repeat">
+      <a:schemeClr val="dk1"/>
+    </dgm:txFillClrLst>
+    <dgm:txEffectClrLst/>
+  </dgm:styleLbl>
+  <dgm:styleLbl name="solidAlignAcc1">
+    <dgm:fillClrLst meth="repeat">
+      <a:schemeClr val="lt1"/>
+    </dgm:fillClrLst>
+    <dgm:linClrLst meth="repeat">
+      <a:schemeClr val="accent1"/>
+    </dgm:linClrLst>
+    <dgm:effectClrLst/>
+    <dgm:txLinClrLst/>
+    <dgm:txFillClrLst meth="repeat">
+      <a:schemeClr val="dk1"/>
+    </dgm:txFillClrLst>
+    <dgm:txEffectClrLst/>
+  </dgm:styleLbl>
+  <dgm:styleLbl name="solidBgAcc1">
+    <dgm:fillClrLst meth="repeat">
+      <a:schemeClr val="lt1"/>
+    </dgm:fillClrLst>
+    <dgm:linClrLst meth="repeat">
+      <a:schemeClr val="accent1"/>
+    </dgm:linClrLst>
+    <dgm:effectClrLst/>
+    <dgm:txLinClrLst/>
+    <dgm:txFillClrLst meth="repeat">
+      <a:schemeClr val="dk1"/>
+    </dgm:txFillClrLst>
+    <dgm:txEffectClrLst/>
+  </dgm:styleLbl>
+  <dgm:styleLbl name="fgAccFollowNode1">
+    <dgm:fillClrLst meth="repeat">
+      <a:schemeClr val="accent1">
+        <a:alpha val="90000"/>
+        <a:tint val="40000"/>
+      </a:schemeClr>
+    </dgm:fillClrLst>
+    <dgm:linClrLst meth="repeat">
+      <a:schemeClr val="accent1">
+        <a:alpha val="90000"/>
+        <a:tint val="40000"/>
+      </a:schemeClr>
+    </dgm:linClrLst>
+    <dgm:effectClrLst/>
+    <dgm:txLinClrLst/>
+    <dgm:txFillClrLst meth="repeat">
+      <a:schemeClr val="dk1"/>
+    </dgm:txFillClrLst>
+    <dgm:txEffectClrLst/>
+  </dgm:styleLbl>
+  <dgm:styleLbl name="alignAccFollowNode1">
+    <dgm:fillClrLst meth="repeat">
+      <a:schemeClr val="accent1">
+        <a:alpha val="90000"/>
+        <a:tint val="40000"/>
+      </a:schemeClr>
+    </dgm:fillClrLst>
+    <dgm:linClrLst meth="repeat">
+      <a:schemeClr val="accent1">
+        <a:alpha val="90000"/>
+        <a:tint val="40000"/>
+      </a:schemeClr>
+    </dgm:linClrLst>
+    <dgm:effectClrLst/>
+    <dgm:txLinClrLst/>
+    <dgm:txFillClrLst meth="repeat">
+      <a:schemeClr val="dk1"/>
+    </dgm:txFillClrLst>
+    <dgm:txEffectClrLst/>
+  </dgm:styleLbl>
+  <dgm:styleLbl name="bgAccFollowNode1">
+    <dgm:fillClrLst meth="repeat">
+      <a:schemeClr val="accent1">
+        <a:alpha val="90000"/>
+        <a:tint val="40000"/>
+      </a:schemeClr>
+    </dgm:fillClrLst>
+    <dgm:linClrLst meth="repeat">
+      <a:schemeClr val="accent1">
+        <a:alpha val="90000"/>
+        <a:tint val="40000"/>
+      </a:schemeClr>
+    </dgm:linClrLst>
+    <dgm:effectClrLst/>
+    <dgm:txLinClrLst/>
+    <dgm:txFillClrLst meth="repeat">
+      <a:schemeClr val="dk1"/>
+    </dgm:txFillClrLst>
+    <dgm:txEffectClrLst/>
+  </dgm:styleLbl>
+  <dgm:styleLbl name="fgAcc0">
+    <dgm:fillClrLst meth="repeat">
+      <a:schemeClr val="lt1">
+        <a:alpha val="90000"/>
+      </a:schemeClr>
+    </dgm:fillClrLst>
+    <dgm:linClrLst meth="repeat">
+      <a:schemeClr val="accent1"/>
+    </dgm:linClrLst>
+    <dgm:effectClrLst/>
+    <dgm:txLinClrLst/>
+    <dgm:txFillClrLst meth="repeat">
+      <a:schemeClr val="dk1"/>
+    </dgm:txFillClrLst>
+    <dgm:txEffectClrLst/>
+  </dgm:styleLbl>
+  <dgm:styleLbl name="fgAcc2">
+    <dgm:fillClrLst meth="repeat">
+      <a:schemeClr val="lt1">
+        <a:alpha val="90000"/>
+      </a:schemeClr>
+    </dgm:fillClrLst>
+    <dgm:linClrLst meth="repeat">
+      <a:schemeClr val="accent1"/>
+    </dgm:linClrLst>
+    <dgm:effectClrLst/>
+    <dgm:txLinClrLst/>
+    <dgm:txFillClrLst meth="repeat">
+      <a:schemeClr val="dk1"/>
+    </dgm:txFillClrLst>
+    <dgm:txEffectClrLst/>
+  </dgm:styleLbl>
+  <dgm:styleLbl name="fgAcc3">
+    <dgm:fillClrLst meth="repeat">
+      <a:schemeClr val="lt1">
+        <a:alpha val="90000"/>
+      </a:schemeClr>
+    </dgm:fillClrLst>
+    <dgm:linClrLst meth="repeat">
+      <a:schemeClr val="accent1"/>
+    </dgm:linClrLst>
+    <dgm:effectClrLst/>
+    <dgm:txLinClrLst/>
+    <dgm:txFillClrLst meth="repeat">
+      <a:schemeClr val="dk1"/>
+    </dgm:txFillClrLst>
+    <dgm:txEffectClrLst/>
+  </dgm:styleLbl>
+  <dgm:styleLbl name="fgAcc4">
+    <dgm:fillClrLst meth="repeat">
+      <a:schemeClr val="lt1">
+        <a:alpha val="90000"/>
+      </a:schemeClr>
+    </dgm:fillClrLst>
+    <dgm:linClrLst meth="repeat">
+      <a:schemeClr val="accent1"/>
+    </dgm:linClrLst>
+    <dgm:effectClrLst/>
+    <dgm:txLinClrLst/>
+    <dgm:txFillClrLst meth="repeat">
+      <a:schemeClr val="dk1"/>
+    </dgm:txFillClrLst>
+    <dgm:txEffectClrLst/>
+  </dgm:styleLbl>
+  <dgm:styleLbl name="bgShp">
+    <dgm:fillClrLst meth="repeat">
+      <a:schemeClr val="accent1">
+        <a:tint val="40000"/>
+      </a:schemeClr>
+    </dgm:fillClrLst>
+    <dgm:linClrLst meth="repeat">
+      <a:schemeClr val="accent1"/>
+    </dgm:linClrLst>
+    <dgm:effectClrLst/>
+    <dgm:txLinClrLst/>
+    <dgm:txFillClrLst meth="repeat">
+      <a:schemeClr val="dk1"/>
+    </dgm:txFillClrLst>
+    <dgm:txEffectClrLst/>
+  </dgm:styleLbl>
+  <dgm:styleLbl name="dkBgShp">
+    <dgm:fillClrLst meth="repeat">
+      <a:schemeClr val="accent1">
+        <a:shade val="80000"/>
+      </a:schemeClr>
+    </dgm:fillClrLst>
+    <dgm:linClrLst meth="repeat">
+      <a:schemeClr val="accent1"/>
+    </dgm:linClrLst>
+    <dgm:effectClrLst/>
+    <dgm:txLinClrLst/>
+    <dgm:txFillClrLst meth="repeat">
+      <a:schemeClr val="lt1"/>
+    </dgm:txFillClrLst>
+    <dgm:txEffectClrLst/>
+  </dgm:styleLbl>
+  <dgm:styleLbl name="trBgShp">
+    <dgm:fillClrLst meth="repeat">
+      <a:schemeClr val="accent1">
+        <a:tint val="50000"/>
+        <a:alpha val="40000"/>
+      </a:schemeClr>
+    </dgm:fillClrLst>
+    <dgm:linClrLst meth="repeat">
+      <a:schemeClr val="accent1"/>
+    </dgm:linClrLst>
+    <dgm:effectClrLst/>
+    <dgm:txLinClrLst/>
+    <dgm:txFillClrLst meth="repeat">
+      <a:schemeClr val="lt1"/>
+    </dgm:txFillClrLst>
+    <dgm:txEffectClrLst/>
+  </dgm:styleLbl>
+  <dgm:styleLbl name="fgShp">
+    <dgm:fillClrLst meth="repeat">
+      <a:schemeClr val="accent1">
+        <a:tint val="60000"/>
+      </a:schemeClr>
+    </dgm:fillClrLst>
+    <dgm:linClrLst meth="repeat">
+      <a:schemeClr val="lt1"/>
+    </dgm:linClrLst>
+    <dgm:effectClrLst/>
+    <dgm:txLinClrLst/>
+    <dgm:txFillClrLst meth="repeat">
+      <a:schemeClr val="dk1"/>
+    </dgm:txFillClrLst>
+    <dgm:txEffectClrLst/>
+  </dgm:styleLbl>
+  <dgm:styleLbl name="revTx">
+    <dgm:fillClrLst meth="repeat">
+      <a:schemeClr val="lt1">
+        <a:alpha val="0"/>
+      </a:schemeClr>
+    </dgm:fillClrLst>
+    <dgm:linClrLst meth="repeat">
+      <a:schemeClr val="dk1">
+        <a:alpha val="0"/>
+      </a:schemeClr>
+    </dgm:linClrLst>
+    <dgm:effectClrLst/>
+    <dgm:txLinClrLst/>
+    <dgm:txFillClrLst meth="repeat">
+      <a:schemeClr val="tx1"/>
+    </dgm:txFillClrLst>
+    <dgm:txEffectClrLst/>
+  </dgm:styleLbl>
+</dgm:colorsDef>
+</file>
+
+<file path=ppt/diagrams/colors2.xml><?xml version="1.0" encoding="utf-8"?>
+<dgm:colorsDef xmlns:dgm="http://schemas.openxmlformats.org/drawingml/2006/diagram" xmlns:a="http://schemas.openxmlformats.org/drawingml/2006/main" uniqueId="urn:microsoft.com/office/officeart/2005/8/colors/accent1_2">
+  <dgm:title val=""/>
+  <dgm:desc val=""/>
+  <dgm:catLst>
+    <dgm:cat type="accent1" pri="11200"/>
+  </dgm:catLst>
+  <dgm:styleLbl name="node0">
+    <dgm:fillClrLst meth="repeat">
+      <a:schemeClr val="accent1"/>
+    </dgm:fillClrLst>
+    <dgm:linClrLst meth="repeat">
+      <a:schemeClr val="lt1"/>
+    </dgm:linClrLst>
+    <dgm:effectClrLst/>
+    <dgm:txLinClrLst/>
+    <dgm:txFillClrLst/>
+    <dgm:txEffectClrLst/>
+  </dgm:styleLbl>
+  <dgm:styleLbl name="alignNode1">
+    <dgm:fillClrLst meth="repeat">
+      <a:schemeClr val="accent1"/>
+    </dgm:fillClrLst>
+    <dgm:linClrLst meth="repeat">
+      <a:schemeClr val="accent1"/>
+    </dgm:linClrLst>
+    <dgm:effectClrLst/>
+    <dgm:txLinClrLst/>
+    <dgm:txFillClrLst/>
+    <dgm:txEffectClrLst/>
+  </dgm:styleLbl>
+  <dgm:styleLbl name="node1">
+    <dgm:fillClrLst meth="repeat">
+      <a:schemeClr val="accent1"/>
+    </dgm:fillClrLst>
+    <dgm:linClrLst meth="repeat">
+      <a:schemeClr val="lt1"/>
+    </dgm:linClrLst>
+    <dgm:effectClrLst/>
+    <dgm:txLinClrLst/>
+    <dgm:txFillClrLst/>
+    <dgm:txEffectClrLst/>
+  </dgm:styleLbl>
+  <dgm:styleLbl name="lnNode1">
+    <dgm:fillClrLst meth="repeat">
+      <a:schemeClr val="accent1"/>
+    </dgm:fillClrLst>
+    <dgm:linClrLst meth="repeat">
+      <a:schemeClr val="lt1"/>
+    </dgm:linClrLst>
+    <dgm:effectClrLst/>
+    <dgm:txLinClrLst/>
+    <dgm:txFillClrLst/>
+    <dgm:txEffectClrLst/>
+  </dgm:styleLbl>
+  <dgm:styleLbl name="vennNode1">
+    <dgm:fillClrLst meth="repeat">
+      <a:schemeClr val="accent1">
+        <a:alpha val="50000"/>
+      </a:schemeClr>
+    </dgm:fillClrLst>
+    <dgm:linClrLst meth="repeat">
+      <a:schemeClr val="lt1"/>
+    </dgm:linClrLst>
+    <dgm:effectClrLst/>
+    <dgm:txLinClrLst/>
+    <dgm:txFillClrLst/>
+    <dgm:txEffectClrLst/>
+  </dgm:styleLbl>
+  <dgm:styleLbl name="node2">
+    <dgm:fillClrLst meth="repeat">
+      <a:schemeClr val="accent1"/>
+    </dgm:fillClrLst>
+    <dgm:linClrLst meth="repeat">
+      <a:schemeClr val="lt1"/>
+    </dgm:linClrLst>
+    <dgm:effectClrLst/>
+    <dgm:txLinClrLst/>
+    <dgm:txFillClrLst/>
+    <dgm:txEffectClrLst/>
+  </dgm:styleLbl>
+  <dgm:styleLbl name="node3">
+    <dgm:fillClrLst meth="repeat">
+      <a:schemeClr val="accent1"/>
+    </dgm:fillClrLst>
+    <dgm:linClrLst meth="repeat">
+      <a:schemeClr val="lt1"/>
+    </dgm:linClrLst>
+    <dgm:effectClrLst/>
+    <dgm:txLinClrLst/>
+    <dgm:txFillClrLst/>
+    <dgm:txEffectClrLst/>
+  </dgm:styleLbl>
+  <dgm:styleLbl name="node4">
+    <dgm:fillClrLst meth="repeat">
+      <a:schemeClr val="accent1"/>
+    </dgm:fillClrLst>
+    <dgm:linClrLst meth="repeat">
+      <a:schemeClr val="lt1"/>
+    </dgm:linClrLst>
+    <dgm:effectClrLst/>
+    <dgm:txLinClrLst/>
+    <dgm:txFillClrLst/>
+    <dgm:txEffectClrLst/>
+  </dgm:styleLbl>
+  <dgm:styleLbl name="fgImgPlace1">
+    <dgm:fillClrLst meth="repeat">
+      <a:schemeClr val="accent1">
+        <a:tint val="50000"/>
+      </a:schemeClr>
+    </dgm:fillClrLst>
+    <dgm:linClrLst meth="repeat">
+      <a:schemeClr val="lt1"/>
+    </dgm:linClrLst>
+    <dgm:effectClrLst/>
+    <dgm:txLinClrLst/>
+    <dgm:txFillClrLst meth="repeat">
+      <a:schemeClr val="lt1"/>
+    </dgm:txFillClrLst>
+    <dgm:txEffectClrLst/>
+  </dgm:styleLbl>
+  <dgm:styleLbl name="alignImgPlace1">
+    <dgm:fillClrLst meth="repeat">
+      <a:schemeClr val="accent1">
+        <a:tint val="50000"/>
+      </a:schemeClr>
+    </dgm:fillClrLst>
+    <dgm:linClrLst meth="repeat">
+      <a:schemeClr val="lt1"/>
+    </dgm:linClrLst>
+    <dgm:effectClrLst/>
+    <dgm:txLinClrLst/>
+    <dgm:txFillClrLst meth="repeat">
+      <a:schemeClr val="lt1"/>
+    </dgm:txFillClrLst>
+    <dgm:txEffectClrLst/>
+  </dgm:styleLbl>
+  <dgm:styleLbl name="bgImgPlace1">
+    <dgm:fillClrLst meth="repeat">
+      <a:schemeClr val="accent1">
+        <a:tint val="50000"/>
+      </a:schemeClr>
+    </dgm:fillClrLst>
+    <dgm:linClrLst meth="repeat">
+      <a:schemeClr val="lt1"/>
+    </dgm:linClrLst>
+    <dgm:effectClrLst/>
+    <dgm:txLinClrLst/>
+    <dgm:txFillClrLst meth="repeat">
+      <a:schemeClr val="lt1"/>
+    </dgm:txFillClrLst>
+    <dgm:txEffectClrLst/>
+  </dgm:styleLbl>
+  <dgm:styleLbl name="sibTrans2D1">
+    <dgm:fillClrLst meth="repeat">
+      <a:schemeClr val="accent1">
+        <a:tint val="60000"/>
+      </a:schemeClr>
+    </dgm:fillClrLst>
+    <dgm:linClrLst meth="repeat">
+      <a:schemeClr val="accent1">
+        <a:tint val="60000"/>
+      </a:schemeClr>
+    </dgm:linClrLst>
+    <dgm:effectClrLst/>
+    <dgm:txLinClrLst/>
+    <dgm:txFillClrLst/>
+    <dgm:txEffectClrLst/>
+  </dgm:styleLbl>
+  <dgm:styleLbl name="fgSibTrans2D1">
+    <dgm:fillClrLst meth="repeat">
+      <a:schemeClr val="accent1">
+        <a:tint val="60000"/>
+      </a:schemeClr>
+    </dgm:fillClrLst>
+    <dgm:linClrLst meth="repeat">
+      <a:schemeClr val="accent1">
+        <a:tint val="60000"/>
+      </a:schemeClr>
+    </dgm:linClrLst>
+    <dgm:effectClrLst/>
+    <dgm:txLinClrLst/>
+    <dgm:txFillClrLst/>
+    <dgm:txEffectClrLst/>
+  </dgm:styleLbl>
+  <dgm:styleLbl name="bgSibTrans2D1">
+    <dgm:fillClrLst meth="repeat">
+      <a:schemeClr val="accent1">
+        <a:tint val="60000"/>
+      </a:schemeClr>
+    </dgm:fillClrLst>
+    <dgm:linClrLst meth="repeat">
+      <a:schemeClr val="accent1">
+        <a:tint val="60000"/>
+      </a:schemeClr>
+    </dgm:linClrLst>
+    <dgm:effectClrLst/>
+    <dgm:txLinClrLst/>
+    <dgm:txFillClrLst/>
+    <dgm:txEffectClrLst/>
+  </dgm:styleLbl>
+  <dgm:styleLbl name="sibTrans1D1">
+    <dgm:fillClrLst meth="repeat">
+      <a:schemeClr val="accent1"/>
+    </dgm:fillClrLst>
+    <dgm:linClrLst meth="repeat">
+      <a:schemeClr val="accent1"/>
+    </dgm:linClrLst>
+    <dgm:effectClrLst/>
+    <dgm:txLinClrLst/>
+    <dgm:txFillClrLst meth="repeat">
+      <a:schemeClr val="tx1"/>
+    </dgm:txFillClrLst>
+    <dgm:txEffectClrLst/>
+  </dgm:styleLbl>
+  <dgm:styleLbl name="callout">
+    <dgm:fillClrLst meth="repeat">
+      <a:schemeClr val="accent1"/>
+    </dgm:fillClrLst>
+    <dgm:linClrLst meth="repeat">
+      <a:schemeClr val="accent1">
+        <a:tint val="50000"/>
+      </a:schemeClr>
+    </dgm:linClrLst>
+    <dgm:effectClrLst/>
+    <dgm:txLinClrLst/>
+    <dgm:txFillClrLst meth="repeat">
+      <a:schemeClr val="tx1"/>
+    </dgm:txFillClrLst>
+    <dgm:txEffectClrLst/>
+  </dgm:styleLbl>
+  <dgm:styleLbl name="asst0">
+    <dgm:fillClrLst meth="repeat">
+      <a:schemeClr val="accent1"/>
+    </dgm:fillClrLst>
+    <dgm:linClrLst meth="repeat">
+      <a:schemeClr val="lt1"/>
+    </dgm:linClrLst>
+    <dgm:effectClrLst/>
+    <dgm:txLinClrLst/>
+    <dgm:txFillClrLst/>
+    <dgm:txEffectClrLst/>
+  </dgm:styleLbl>
+  <dgm:styleLbl name="asst1">
+    <dgm:fillClrLst meth="repeat">
+      <a:schemeClr val="accent1"/>
+    </dgm:fillClrLst>
+    <dgm:linClrLst meth="repeat">
+      <a:schemeClr val="lt1"/>
+    </dgm:linClrLst>
+    <dgm:effectClrLst/>
+    <dgm:txLinClrLst/>
+    <dgm:txFillClrLst/>
+    <dgm:txEffectClrLst/>
+  </dgm:styleLbl>
+  <dgm:styleLbl name="asst2">
+    <dgm:fillClrLst meth="repeat">
+      <a:schemeClr val="accent1"/>
+    </dgm:fillClrLst>
+    <dgm:linClrLst meth="repeat">
+      <a:schemeClr val="lt1"/>
+    </dgm:linClrLst>
+    <dgm:effectClrLst/>
+    <dgm:txLinClrLst/>
+    <dgm:txFillClrLst/>
+    <dgm:txEffectClrLst/>
+  </dgm:styleLbl>
+  <dgm:styleLbl name="asst3">
+    <dgm:fillClrLst meth="repeat">
+      <a:schemeClr val="accent1"/>
+    </dgm:fillClrLst>
+    <dgm:linClrLst meth="repeat">
+      <a:schemeClr val="lt1"/>
+    </dgm:linClrLst>
+    <dgm:effectClrLst/>
+    <dgm:txLinClrLst/>
+    <dgm:txFillClrLst/>
+    <dgm:txEffectClrLst/>
+  </dgm:styleLbl>
+  <dgm:styleLbl name="asst4">
+    <dgm:fillClrLst meth="repeat">
+      <a:schemeClr val="accent1"/>
+    </dgm:fillClrLst>
+    <dgm:linClrLst meth="repeat">
+      <a:schemeClr val="lt1"/>
+    </dgm:linClrLst>
+    <dgm:effectClrLst/>
+    <dgm:txLinClrLst/>
+    <dgm:txFillClrLst/>
+    <dgm:txEffectClrLst/>
+  </dgm:styleLbl>
+  <dgm:styleLbl name="parChTrans2D1">
+    <dgm:fillClrLst meth="repeat">
+      <a:schemeClr val="accent1">
+        <a:tint val="60000"/>
+      </a:schemeClr>
+    </dgm:fillClrLst>
+    <dgm:linClrLst meth="repeat">
+      <a:schemeClr val="accent1">
+        <a:tint val="60000"/>
+      </a:schemeClr>
+    </dgm:linClrLst>
+    <dgm:effectClrLst/>
+    <dgm:txLinClrLst/>
+    <dgm:txFillClrLst meth="repeat">
+      <a:schemeClr val="lt1"/>
+    </dgm:txFillClrLst>
+    <dgm:txEffectClrLst/>
+  </dgm:styleLbl>
+  <dgm:styleLbl name="parChTrans2D2">
+    <dgm:fillClrLst meth="repeat">
+      <a:schemeClr val="accent1"/>
+    </dgm:fillClrLst>
+    <dgm:linClrLst meth="repeat">
+      <a:schemeClr val="accent1"/>
+    </dgm:linClrLst>
+    <dgm:effectClrLst/>
+    <dgm:txLinClrLst/>
+    <dgm:txFillClrLst meth="repeat">
+      <a:schemeClr val="lt1"/>
+    </dgm:txFillClrLst>
+    <dgm:txEffectClrLst/>
+  </dgm:styleLbl>
+  <dgm:styleLbl name="parChTrans2D3">
+    <dgm:fillClrLst meth="repeat">
+      <a:schemeClr val="accent1"/>
+    </dgm:fillClrLst>
+    <dgm:linClrLst meth="repeat">
+      <a:schemeClr val="accent1"/>
+    </dgm:linClrLst>
+    <dgm:effectClrLst/>
+    <dgm:txLinClrLst/>
+    <dgm:txFillClrLst meth="repeat">
+      <a:schemeClr val="lt1"/>
+    </dgm:txFillClrLst>
+    <dgm:txEffectClrLst/>
+  </dgm:styleLbl>
+  <dgm:styleLbl name="parChTrans2D4">
+    <dgm:fillClrLst meth="repeat">
+      <a:schemeClr val="accent1"/>
+    </dgm:fillClrLst>
+    <dgm:linClrLst meth="repeat">
+      <a:schemeClr val="accent1"/>
+    </dgm:linClrLst>
+    <dgm:effectClrLst/>
+    <dgm:txLinClrLst/>
+    <dgm:txFillClrLst meth="repeat">
+      <a:schemeClr val="lt1"/>
+    </dgm:txFillClrLst>
+    <dgm:txEffectClrLst/>
+  </dgm:styleLbl>
+  <dgm:styleLbl name="parChTrans1D1">
+    <dgm:fillClrLst meth="repeat">
+      <a:schemeClr val="accent1"/>
+    </dgm:fillClrLst>
+    <dgm:linClrLst meth="repeat">
+      <a:schemeClr val="accent1">
+        <a:shade val="60000"/>
+      </a:schemeClr>
+    </dgm:linClrLst>
+    <dgm:effectClrLst/>
+    <dgm:txLinClrLst/>
+    <dgm:txFillClrLst meth="repeat">
+      <a:schemeClr val="tx1"/>
+    </dgm:txFillClrLst>
+    <dgm:txEffectClrLst/>
+  </dgm:styleLbl>
+  <dgm:styleLbl name="parChTrans1D2">
+    <dgm:fillClrLst meth="repeat">
+      <a:schemeClr val="accent1"/>
+    </dgm:fillClrLst>
+    <dgm:linClrLst meth="repeat">
+      <a:schemeClr val="accent1">
+        <a:shade val="60000"/>
+      </a:schemeClr>
+    </dgm:linClrLst>
+    <dgm:effectClrLst/>
+    <dgm:txLinClrLst/>
+    <dgm:txFillClrLst meth="repeat">
+      <a:schemeClr val="tx1"/>
+    </dgm:txFillClrLst>
+    <dgm:txEffectClrLst/>
+  </dgm:styleLbl>
+  <dgm:styleLbl name="parChTrans1D3">
+    <dgm:fillClrLst meth="repeat">
+      <a:schemeClr val="accent1"/>
+    </dgm:fillClrLst>
+    <dgm:linClrLst meth="repeat">
+      <a:schemeClr val="accent1">
+        <a:shade val="80000"/>
+      </a:schemeClr>
+    </dgm:linClrLst>
+    <dgm:effectClrLst/>
+    <dgm:txLinClrLst/>
+    <dgm:txFillClrLst meth="repeat">
+      <a:schemeClr val="tx1"/>
+    </dgm:txFillClrLst>
+    <dgm:txEffectClrLst/>
+  </dgm:styleLbl>
+  <dgm:styleLbl name="parChTrans1D4">
+    <dgm:fillClrLst meth="repeat">
+      <a:schemeClr val="accent1"/>
+    </dgm:fillClrLst>
+    <dgm:linClrLst meth="repeat">
+      <a:schemeClr val="accent1">
+        <a:shade val="80000"/>
+      </a:schemeClr>
+    </dgm:linClrLst>
+    <dgm:effectClrLst/>
+    <dgm:txLinClrLst/>
+    <dgm:txFillClrLst meth="repeat">
+      <a:schemeClr val="tx1"/>
+    </dgm:txFillClrLst>
+    <dgm:txEffectClrLst/>
+  </dgm:styleLbl>
+  <dgm:styleLbl name="fgAcc1">
+    <dgm:fillClrLst meth="repeat">
+      <a:schemeClr val="lt1">
+        <a:alpha val="90000"/>
+      </a:schemeClr>
+    </dgm:fillClrLst>
+    <dgm:linClrLst meth="repeat">
+      <a:schemeClr val="accent1"/>
+    </dgm:linClrLst>
+    <dgm:effectClrLst/>
+    <dgm:txLinClrLst/>
+    <dgm:txFillClrLst meth="repeat">
+      <a:schemeClr val="dk1"/>
+    </dgm:txFillClrLst>
+    <dgm:txEffectClrLst/>
+  </dgm:styleLbl>
+  <dgm:styleLbl name="conFgAcc1">
+    <dgm:fillClrLst meth="repeat">
+      <a:schemeClr val="lt1">
+        <a:alpha val="90000"/>
+      </a:schemeClr>
+    </dgm:fillClrLst>
+    <dgm:linClrLst meth="repeat">
+      <a:schemeClr val="accent1"/>
+    </dgm:linClrLst>
+    <dgm:effectClrLst/>
+    <dgm:txLinClrLst/>
+    <dgm:txFillClrLst meth="repeat">
+      <a:schemeClr val="dk1"/>
+    </dgm:txFillClrLst>
+    <dgm:txEffectClrLst/>
+  </dgm:styleLbl>
+  <dgm:styleLbl name="alignAcc1">
+    <dgm:fillClrLst meth="repeat">
+      <a:schemeClr val="lt1">
+        <a:alpha val="90000"/>
+      </a:schemeClr>
+    </dgm:fillClrLst>
+    <dgm:linClrLst meth="repeat">
+      <a:schemeClr val="accent1"/>
+    </dgm:linClrLst>
+    <dgm:effectClrLst/>
+    <dgm:txLinClrLst/>
+    <dgm:txFillClrLst meth="repeat">
+      <a:schemeClr val="dk1"/>
+    </dgm:txFillClrLst>
+    <dgm:txEffectClrLst/>
+  </dgm:styleLbl>
+  <dgm:styleLbl name="trAlignAcc1">
+    <dgm:fillClrLst meth="repeat">
+      <a:schemeClr val="lt1">
+        <a:alpha val="40000"/>
+      </a:schemeClr>
+    </dgm:fillClrLst>
+    <dgm:linClrLst meth="repeat">
+      <a:schemeClr val="accent1"/>
+    </dgm:linClrLst>
+    <dgm:effectClrLst/>
+    <dgm:txLinClrLst/>
+    <dgm:txFillClrLst meth="repeat">
+      <a:schemeClr val="dk1"/>
+    </dgm:txFillClrLst>
+    <dgm:txEffectClrLst/>
+  </dgm:styleLbl>
+  <dgm:styleLbl name="bgAcc1">
+    <dgm:fillClrLst meth="repeat">
+      <a:schemeClr val="lt1">
+        <a:alpha val="90000"/>
+      </a:schemeClr>
+    </dgm:fillClrLst>
+    <dgm:linClrLst meth="repeat">
+      <a:schemeClr val="accent1"/>
+    </dgm:linClrLst>
+    <dgm:effectClrLst/>
+    <dgm:txLinClrLst/>
+    <dgm:txFillClrLst meth="repeat">
+      <a:schemeClr val="dk1"/>
+    </dgm:txFillClrLst>
+    <dgm:txEffectClrLst/>
+  </dgm:styleLbl>
+  <dgm:styleLbl name="solidFgAcc1">
+    <dgm:fillClrLst meth="repeat">
+      <a:schemeClr val="lt1"/>
+    </dgm:fillClrLst>
+    <dgm:linClrLst meth="repeat">
+      <a:schemeClr val="accent1"/>
+    </dgm:linClrLst>
+    <dgm:effectClrLst/>
+    <dgm:txLinClrLst/>
+    <dgm:txFillClrLst meth="repeat">
+      <a:schemeClr val="dk1"/>
+    </dgm:txFillClrLst>
+    <dgm:txEffectClrLst/>
+  </dgm:styleLbl>
+  <dgm:styleLbl name="solidAlignAcc1">
+    <dgm:fillClrLst meth="repeat">
+      <a:schemeClr val="lt1"/>
+    </dgm:fillClrLst>
+    <dgm:linClrLst meth="repeat">
+      <a:schemeClr val="accent1"/>
+    </dgm:linClrLst>
+    <dgm:effectClrLst/>
+    <dgm:txLinClrLst/>
+    <dgm:txFillClrLst meth="repeat">
+      <a:schemeClr val="dk1"/>
+    </dgm:txFillClrLst>
+    <dgm:txEffectClrLst/>
+  </dgm:styleLbl>
+  <dgm:styleLbl name="solidBgAcc1">
+    <dgm:fillClrLst meth="repeat">
+      <a:schemeClr val="lt1"/>
+    </dgm:fillClrLst>
+    <dgm:linClrLst meth="repeat">
+      <a:schemeClr val="accent1"/>
+    </dgm:linClrLst>
+    <dgm:effectClrLst/>
+    <dgm:txLinClrLst/>
+    <dgm:txFillClrLst meth="repeat">
+      <a:schemeClr val="dk1"/>
+    </dgm:txFillClrLst>
+    <dgm:txEffectClrLst/>
+  </dgm:styleLbl>
+  <dgm:styleLbl name="fgAccFollowNode1">
+    <dgm:fillClrLst meth="repeat">
+      <a:schemeClr val="accent1">
+        <a:alpha val="90000"/>
+        <a:tint val="40000"/>
+      </a:schemeClr>
+    </dgm:fillClrLst>
+    <dgm:linClrLst meth="repeat">
+      <a:schemeClr val="accent1">
+        <a:alpha val="90000"/>
+        <a:tint val="40000"/>
+      </a:schemeClr>
+    </dgm:linClrLst>
+    <dgm:effectClrLst/>
+    <dgm:txLinClrLst/>
+    <dgm:txFillClrLst meth="repeat">
+      <a:schemeClr val="dk1"/>
+    </dgm:txFillClrLst>
+    <dgm:txEffectClrLst/>
+  </dgm:styleLbl>
+  <dgm:styleLbl name="alignAccFollowNode1">
+    <dgm:fillClrLst meth="repeat">
+      <a:schemeClr val="accent1">
+        <a:alpha val="90000"/>
+        <a:tint val="40000"/>
+      </a:schemeClr>
+    </dgm:fillClrLst>
+    <dgm:linClrLst meth="repeat">
+      <a:schemeClr val="accent1">
+        <a:alpha val="90000"/>
+        <a:tint val="40000"/>
+      </a:schemeClr>
+    </dgm:linClrLst>
+    <dgm:effectClrLst/>
+    <dgm:txLinClrLst/>
+    <dgm:txFillClrLst meth="repeat">
+      <a:schemeClr val="dk1"/>
+    </dgm:txFillClrLst>
+    <dgm:txEffectClrLst/>
+  </dgm:styleLbl>
+  <dgm:styleLbl name="bgAccFollowNode1">
+    <dgm:fillClrLst meth="repeat">
+      <a:schemeClr val="accent1">
+        <a:alpha val="90000"/>
+        <a:tint val="40000"/>
+      </a:schemeClr>
+    </dgm:fillClrLst>
+    <dgm:linClrLst meth="repeat">
+      <a:schemeClr val="accent1">
+        <a:alpha val="90000"/>
+        <a:tint val="40000"/>
+      </a:schemeClr>
+    </dgm:linClrLst>
+    <dgm:effectClrLst/>
+    <dgm:txLinClrLst/>
+    <dgm:txFillClrLst meth="repeat">
+      <a:schemeClr val="dk1"/>
+    </dgm:txFillClrLst>
+    <dgm:txEffectClrLst/>
+  </dgm:styleLbl>
+  <dgm:styleLbl name="fgAcc0">
+    <dgm:fillClrLst meth="repeat">
+      <a:schemeClr val="lt1">
+        <a:alpha val="90000"/>
+      </a:schemeClr>
+    </dgm:fillClrLst>
+    <dgm:linClrLst meth="repeat">
+      <a:schemeClr val="accent1"/>
+    </dgm:linClrLst>
+    <dgm:effectClrLst/>
+    <dgm:txLinClrLst/>
+    <dgm:txFillClrLst meth="repeat">
+      <a:schemeClr val="dk1"/>
+    </dgm:txFillClrLst>
+    <dgm:txEffectClrLst/>
+  </dgm:styleLbl>
+  <dgm:styleLbl name="fgAcc2">
+    <dgm:fillClrLst meth="repeat">
+      <a:schemeClr val="lt1">
+        <a:alpha val="90000"/>
+      </a:schemeClr>
+    </dgm:fillClrLst>
+    <dgm:linClrLst meth="repeat">
+      <a:schemeClr val="accent1"/>
+    </dgm:linClrLst>
+    <dgm:effectClrLst/>
+    <dgm:txLinClrLst/>
+    <dgm:txFillClrLst meth="repeat">
+      <a:schemeClr val="dk1"/>
+    </dgm:txFillClrLst>
+    <dgm:txEffectClrLst/>
+  </dgm:styleLbl>
+  <dgm:styleLbl name="fgAcc3">
+    <dgm:fillClrLst meth="repeat">
+      <a:schemeClr val="lt1">
+        <a:alpha val="90000"/>
+      </a:schemeClr>
+    </dgm:fillClrLst>
+    <dgm:linClrLst meth="repeat">
+      <a:schemeClr val="accent1"/>
+    </dgm:linClrLst>
+    <dgm:effectClrLst/>
+    <dgm:txLinClrLst/>
+    <dgm:txFillClrLst meth="repeat">
+      <a:schemeClr val="dk1"/>
+    </dgm:txFillClrLst>
+    <dgm:txEffectClrLst/>
+  </dgm:styleLbl>
+  <dgm:styleLbl name="fgAcc4">
+    <dgm:fillClrLst meth="repeat">
+      <a:schemeClr val="lt1">
+        <a:alpha val="90000"/>
+      </a:schemeClr>
+    </dgm:fillClrLst>
+    <dgm:linClrLst meth="repeat">
+      <a:schemeClr val="accent1"/>
+    </dgm:linClrLst>
+    <dgm:effectClrLst/>
+    <dgm:txLinClrLst/>
+    <dgm:txFillClrLst meth="repeat">
+      <a:schemeClr val="dk1"/>
+    </dgm:txFillClrLst>
+    <dgm:txEffectClrLst/>
+  </dgm:styleLbl>
+  <dgm:styleLbl name="bgShp">
+    <dgm:fillClrLst meth="repeat">
+      <a:schemeClr val="accent1">
+        <a:tint val="40000"/>
+      </a:schemeClr>
+    </dgm:fillClrLst>
+    <dgm:linClrLst meth="repeat">
+      <a:schemeClr val="accent1"/>
+    </dgm:linClrLst>
+    <dgm:effectClrLst/>
+    <dgm:txLinClrLst/>
+    <dgm:txFillClrLst meth="repeat">
+      <a:schemeClr val="dk1"/>
+    </dgm:txFillClrLst>
+    <dgm:txEffectClrLst/>
+  </dgm:styleLbl>
+  <dgm:styleLbl name="dkBgShp">
+    <dgm:fillClrLst meth="repeat">
+      <a:schemeClr val="accent1">
+        <a:shade val="80000"/>
+      </a:schemeClr>
+    </dgm:fillClrLst>
+    <dgm:linClrLst meth="repeat">
+      <a:schemeClr val="accent1"/>
+    </dgm:linClrLst>
+    <dgm:effectClrLst/>
+    <dgm:txLinClrLst/>
+    <dgm:txFillClrLst meth="repeat">
+      <a:schemeClr val="lt1"/>
+    </dgm:txFillClrLst>
+    <dgm:txEffectClrLst/>
+  </dgm:styleLbl>
+  <dgm:styleLbl name="trBgShp">
+    <dgm:fillClrLst meth="repeat">
+      <a:schemeClr val="accent1">
+        <a:tint val="50000"/>
+        <a:alpha val="40000"/>
+      </a:schemeClr>
+    </dgm:fillClrLst>
+    <dgm:linClrLst meth="repeat">
+      <a:schemeClr val="accent1"/>
+    </dgm:linClrLst>
+    <dgm:effectClrLst/>
+    <dgm:txLinClrLst/>
+    <dgm:txFillClrLst meth="repeat">
+      <a:schemeClr val="lt1"/>
+    </dgm:txFillClrLst>
+    <dgm:txEffectClrLst/>
+  </dgm:styleLbl>
+  <dgm:styleLbl name="fgShp">
+    <dgm:fillClrLst meth="repeat">
+      <a:schemeClr val="accent1">
+        <a:tint val="60000"/>
+      </a:schemeClr>
+    </dgm:fillClrLst>
+    <dgm:linClrLst meth="repeat">
+      <a:schemeClr val="lt1"/>
+    </dgm:linClrLst>
+    <dgm:effectClrLst/>
+    <dgm:txLinClrLst/>
+    <dgm:txFillClrLst meth="repeat">
+      <a:schemeClr val="dk1"/>
+    </dgm:txFillClrLst>
+    <dgm:txEffectClrLst/>
+  </dgm:styleLbl>
+  <dgm:styleLbl name="revTx">
+    <dgm:fillClrLst meth="repeat">
+      <a:schemeClr val="lt1">
+        <a:alpha val="0"/>
+      </a:schemeClr>
+    </dgm:fillClrLst>
+    <dgm:linClrLst meth="repeat">
+      <a:schemeClr val="dk1">
+        <a:alpha val="0"/>
+      </a:schemeClr>
+    </dgm:linClrLst>
+    <dgm:effectClrLst/>
+    <dgm:txLinClrLst/>
+    <dgm:txFillClrLst meth="repeat">
+      <a:schemeClr val="tx1"/>
+    </dgm:txFillClrLst>
+    <dgm:txEffectClrLst/>
+  </dgm:styleLbl>
+</dgm:colorsDef>
+</file>
+
+<file path=ppt/diagrams/colors3.xml><?xml version="1.0" encoding="utf-8"?>
+<dgm:colorsDef xmlns:dgm="http://schemas.openxmlformats.org/drawingml/2006/diagram" xmlns:a="http://schemas.openxmlformats.org/drawingml/2006/main" uniqueId="urn:microsoft.com/office/officeart/2005/8/colors/accent0_3">
+  <dgm:title val=""/>
+  <dgm:desc val=""/>
+  <dgm:catLst>
+    <dgm:cat type="mainScheme" pri="10300"/>
+  </dgm:catLst>
+  <dgm:styleLbl name="node0">
+    <dgm:fillClrLst meth="repeat">
+      <a:schemeClr val="dk2"/>
+    </dgm:fillClrLst>
+    <dgm:linClrLst meth="repeat">
+      <a:schemeClr val="lt2"/>
+    </dgm:linClrLst>
+    <dgm:effectClrLst/>
+    <dgm:txLinClrLst/>
+    <dgm:txFillClrLst/>
+    <dgm:txEffectClrLst/>
+  </dgm:styleLbl>
+  <dgm:styleLbl name="alignNode1">
+    <dgm:fillClrLst meth="repeat">
+      <a:schemeClr val="dk2"/>
+    </dgm:fillClrLst>
+    <dgm:linClrLst meth="repeat">
+      <a:schemeClr val="dk2"/>
+    </dgm:linClrLst>
+    <dgm:effectClrLst/>
+    <dgm:txLinClrLst/>
+    <dgm:txFillClrLst/>
+    <dgm:txEffectClrLst/>
+  </dgm:styleLbl>
+  <dgm:styleLbl name="node1">
+    <dgm:fillClrLst meth="repeat">
+      <a:schemeClr val="dk2"/>
+    </dgm:fillClrLst>
+    <dgm:linClrLst meth="repeat">
+      <a:schemeClr val="lt2"/>
+    </dgm:linClrLst>
+    <dgm:effectClrLst/>
+    <dgm:txLinClrLst/>
+    <dgm:txFillClrLst/>
+    <dgm:txEffectClrLst/>
+  </dgm:styleLbl>
+  <dgm:styleLbl name="lnNode1">
+    <dgm:fillClrLst meth="repeat">
+      <a:schemeClr val="dk2"/>
+    </dgm:fillClrLst>
+    <dgm:linClrLst meth="repeat">
+      <a:schemeClr val="lt2"/>
+    </dgm:linClrLst>
+    <dgm:effectClrLst/>
+    <dgm:txLinClrLst/>
+    <dgm:txFillClrLst/>
+    <dgm:txEffectClrLst/>
+  </dgm:styleLbl>
+  <dgm:styleLbl name="vennNode1">
+    <dgm:fillClrLst meth="repeat">
+      <a:schemeClr val="dk2">
+        <a:alpha val="50000"/>
+      </a:schemeClr>
+    </dgm:fillClrLst>
+    <dgm:linClrLst meth="repeat">
+      <a:schemeClr val="lt2"/>
+    </dgm:linClrLst>
+    <dgm:effectClrLst/>
+    <dgm:txLinClrLst/>
+    <dgm:txFillClrLst/>
+    <dgm:txEffectClrLst/>
+  </dgm:styleLbl>
+  <dgm:styleLbl name="node2">
+    <dgm:fillClrLst meth="repeat">
+      <a:schemeClr val="dk2"/>
+    </dgm:fillClrLst>
+    <dgm:linClrLst meth="repeat">
+      <a:schemeClr val="lt2"/>
+    </dgm:linClrLst>
+    <dgm:effectClrLst/>
+    <dgm:txLinClrLst/>
+    <dgm:txFillClrLst/>
+    <dgm:txEffectClrLst/>
+  </dgm:styleLbl>
+  <dgm:styleLbl name="node3">
+    <dgm:fillClrLst meth="repeat">
+      <a:schemeClr val="dk2"/>
+    </dgm:fillClrLst>
+    <dgm:linClrLst meth="repeat">
+      <a:schemeClr val="lt2"/>
+    </dgm:linClrLst>
+    <dgm:effectClrLst/>
+    <dgm:txLinClrLst/>
+    <dgm:txFillClrLst/>
+    <dgm:txEffectClrLst/>
+  </dgm:styleLbl>
+  <dgm:styleLbl name="node4">
+    <dgm:fillClrLst meth="repeat">
+      <a:schemeClr val="dk2"/>
+    </dgm:fillClrLst>
+    <dgm:linClrLst meth="repeat">
+      <a:schemeClr val="lt2"/>
+    </dgm:linClrLst>
+    <dgm:effectClrLst/>
+    <dgm:txLinClrLst/>
+    <dgm:txFillClrLst/>
+    <dgm:txEffectClrLst/>
+  </dgm:styleLbl>
+  <dgm:styleLbl name="fgImgPlace1">
+    <dgm:fillClrLst meth="repeat">
+      <a:schemeClr val="dk2">
+        <a:tint val="50000"/>
+      </a:schemeClr>
+    </dgm:fillClrLst>
+    <dgm:linClrLst meth="repeat">
+      <a:schemeClr val="lt2"/>
+    </dgm:linClrLst>
+    <dgm:effectClrLst/>
+    <dgm:txLinClrLst/>
+    <dgm:txFillClrLst meth="repeat">
+      <a:schemeClr val="lt2"/>
+    </dgm:txFillClrLst>
+    <dgm:txEffectClrLst/>
+  </dgm:styleLbl>
+  <dgm:styleLbl name="alignImgPlace1">
+    <dgm:fillClrLst meth="repeat">
+      <a:schemeClr val="dk2">
+        <a:tint val="50000"/>
+      </a:schemeClr>
+    </dgm:fillClrLst>
+    <dgm:linClrLst meth="repeat">
+      <a:schemeClr val="dk2">
+        <a:shade val="80000"/>
+      </a:schemeClr>
+    </dgm:linClrLst>
+    <dgm:effectClrLst/>
+    <dgm:txLinClrLst/>
+    <dgm:txFillClrLst meth="repeat">
+      <a:schemeClr val="lt2"/>
+    </dgm:txFillClrLst>
+    <dgm:txEffectClrLst/>
+  </dgm:styleLbl>
+  <dgm:styleLbl name="bgImgPlace1">
+    <dgm:fillClrLst meth="repeat">
+      <a:schemeClr val="dk2">
+        <a:tint val="50000"/>
+      </a:schemeClr>
+    </dgm:fillClrLst>
+    <dgm:linClrLst meth="repeat">
+      <a:schemeClr val="dk2">
+        <a:shade val="80000"/>
+      </a:schemeClr>
+    </dgm:linClrLst>
+    <dgm:effectClrLst/>
+    <dgm:txLinClrLst/>
+    <dgm:txFillClrLst meth="repeat">
+      <a:schemeClr val="lt2"/>
+    </dgm:txFillClrLst>
+    <dgm:txEffectClrLst/>
+  </dgm:styleLbl>
+  <dgm:styleLbl name="sibTrans2D1">
+    <dgm:fillClrLst meth="repeat">
+      <a:schemeClr val="dk2">
+        <a:tint val="60000"/>
+      </a:schemeClr>
+    </dgm:fillClrLst>
+    <dgm:linClrLst meth="repeat">
+      <a:schemeClr val="dk2">
+        <a:tint val="60000"/>
+      </a:schemeClr>
+    </dgm:linClrLst>
+    <dgm:effectClrLst/>
+    <dgm:txLinClrLst/>
+    <dgm:txFillClrLst/>
+    <dgm:txEffectClrLst/>
+  </dgm:styleLbl>
+  <dgm:styleLbl name="fgSibTrans2D1">
+    <dgm:fillClrLst meth="repeat">
+      <a:schemeClr val="dk2">
+        <a:tint val="60000"/>
+      </a:schemeClr>
+    </dgm:fillClrLst>
+    <dgm:linClrLst meth="repeat">
+      <a:schemeClr val="dk2">
+        <a:tint val="60000"/>
+      </a:schemeClr>
+    </dgm:linClrLst>
+    <dgm:effectClrLst/>
+    <dgm:txLinClrLst/>
+    <dgm:txFillClrLst/>
+    <dgm:txEffectClrLst/>
+  </dgm:styleLbl>
+  <dgm:styleLbl name="bgSibTrans2D1">
+    <dgm:fillClrLst meth="repeat">
+      <a:schemeClr val="dk2">
+        <a:tint val="60000"/>
+      </a:schemeClr>
+    </dgm:fillClrLst>
+    <dgm:linClrLst meth="repeat">
+      <a:schemeClr val="dk2">
+        <a:tint val="60000"/>
+      </a:schemeClr>
+    </dgm:linClrLst>
+    <dgm:effectClrLst/>
+    <dgm:txLinClrLst/>
+    <dgm:txFillClrLst/>
+    <dgm:txEffectClrLst/>
+  </dgm:styleLbl>
+  <dgm:styleLbl name="sibTrans1D1">
+    <dgm:fillClrLst meth="repeat">
+      <a:schemeClr val="dk2"/>
+    </dgm:fillClrLst>
+    <dgm:linClrLst meth="repeat">
+      <a:schemeClr val="dk2"/>
+    </dgm:linClrLst>
+    <dgm:effectClrLst/>
+    <dgm:txLinClrLst/>
+    <dgm:txFillClrLst meth="repeat">
+      <a:schemeClr val="lt2"/>
+    </dgm:txFillClrLst>
+    <dgm:txEffectClrLst/>
+  </dgm:styleLbl>
+  <dgm:styleLbl name="callout">
+    <dgm:fillClrLst meth="repeat">
+      <a:schemeClr val="dk2"/>
+    </dgm:fillClrLst>
+    <dgm:linClrLst meth="repeat">
+      <a:schemeClr val="dk2">
+        <a:tint val="50000"/>
+      </a:schemeClr>
+    </dgm:linClrLst>
+    <dgm:effectClrLst/>
+    <dgm:txLinClrLst/>
+    <dgm:txFillClrLst meth="repeat">
+      <a:schemeClr val="lt2"/>
+    </dgm:txFillClrLst>
+    <dgm:txEffectClrLst/>
+  </dgm:styleLbl>
+  <dgm:styleLbl name="asst0">
+    <dgm:fillClrLst meth="repeat">
+      <a:schemeClr val="dk2"/>
+    </dgm:fillClrLst>
+    <dgm:linClrLst meth="repeat">
+      <a:schemeClr val="lt2"/>
+    </dgm:linClrLst>
+    <dgm:effectClrLst/>
+    <dgm:txLinClrLst/>
+    <dgm:txFillClrLst/>
+    <dgm:txEffectClrLst/>
+  </dgm:styleLbl>
+  <dgm:styleLbl name="asst1">
+    <dgm:fillClrLst meth="repeat">
+      <a:schemeClr val="dk2"/>
+    </dgm:fillClrLst>
+    <dgm:linClrLst meth="repeat">
+      <a:schemeClr val="lt2"/>
+    </dgm:linClrLst>
+    <dgm:effectClrLst/>
+    <dgm:txLinClrLst/>
+    <dgm:txFillClrLst/>
+    <dgm:txEffectClrLst/>
+  </dgm:styleLbl>
+  <dgm:styleLbl name="asst2">
+    <dgm:fillClrLst meth="repeat">
+      <a:schemeClr val="dk2"/>
+    </dgm:fillClrLst>
+    <dgm:linClrLst meth="repeat">
+      <a:schemeClr val="lt2"/>
+    </dgm:linClrLst>
+    <dgm:effectClrLst/>
+    <dgm:txLinClrLst/>
+    <dgm:txFillClrLst/>
+    <dgm:txEffectClrLst/>
+  </dgm:styleLbl>
+  <dgm:styleLbl name="asst3">
+    <dgm:fillClrLst meth="repeat">
+      <a:schemeClr val="dk2"/>
+    </dgm:fillClrLst>
+    <dgm:linClrLst meth="repeat">
+      <a:schemeClr val="lt2"/>
+    </dgm:linClrLst>
+    <dgm:effectClrLst/>
+    <dgm:txLinClrLst/>
+    <dgm:txFillClrLst/>
+    <dgm:txEffectClrLst/>
+  </dgm:styleLbl>
+  <dgm:styleLbl name="asst4">
+    <dgm:fillClrLst meth="repeat">
+      <a:schemeClr val="dk2"/>
+    </dgm:fillClrLst>
+    <dgm:linClrLst meth="repeat">
+      <a:schemeClr val="lt2"/>
+    </dgm:linClrLst>
+    <dgm:effectClrLst/>
+    <dgm:txLinClrLst/>
+    <dgm:txFillClrLst/>
+    <dgm:txEffectClrLst/>
+  </dgm:styleLbl>
+  <dgm:styleLbl name="parChTrans2D1">
+    <dgm:fillClrLst meth="repeat">
+      <a:schemeClr val="dk2">
+        <a:tint val="60000"/>
+      </a:schemeClr>
+    </dgm:fillClrLst>
+    <dgm:linClrLst meth="repeat">
+      <a:schemeClr val="dk2">
+        <a:tint val="60000"/>
+      </a:schemeClr>
+    </dgm:linClrLst>
+    <dgm:effectClrLst/>
+    <dgm:txLinClrLst/>
+    <dgm:txFillClrLst meth="repeat">
+      <a:schemeClr val="lt2"/>
+    </dgm:txFillClrLst>
+    <dgm:txEffectClrLst/>
+  </dgm:styleLbl>
+  <dgm:styleLbl name="parChTrans2D2">
+    <dgm:fillClrLst meth="repeat">
+      <a:schemeClr val="dk2"/>
+    </dgm:fillClrLst>
+    <dgm:linClrLst meth="repeat">
+      <a:schemeClr val="dk2"/>
+    </dgm:linClrLst>
+    <dgm:effectClrLst/>
+    <dgm:txLinClrLst/>
+    <dgm:txFillClrLst meth="repeat">
+      <a:schemeClr val="lt2"/>
+    </dgm:txFillClrLst>
+    <dgm:txEffectClrLst/>
+  </dgm:styleLbl>
+  <dgm:styleLbl name="parChTrans2D3">
+    <dgm:fillClrLst meth="repeat">
+      <a:schemeClr val="dk2"/>
+    </dgm:fillClrLst>
+    <dgm:linClrLst meth="repeat">
+      <a:schemeClr val="dk2"/>
+    </dgm:linClrLst>
+    <dgm:effectClrLst/>
+    <dgm:txLinClrLst/>
+    <dgm:txFillClrLst meth="repeat">
+      <a:schemeClr val="lt2"/>
+    </dgm:txFillClrLst>
+    <dgm:txEffectClrLst/>
+  </dgm:styleLbl>
+  <dgm:styleLbl name="parChTrans2D4">
+    <dgm:fillClrLst meth="repeat">
+      <a:schemeClr val="dk2"/>
+    </dgm:fillClrLst>
+    <dgm:linClrLst meth="repeat">
+      <a:schemeClr val="dk2"/>
+    </dgm:linClrLst>
+    <dgm:effectClrLst/>
+    <dgm:txLinClrLst/>
+    <dgm:txFillClrLst meth="repeat">
+      <a:schemeClr val="lt2"/>
+    </dgm:txFillClrLst>
+    <dgm:txEffectClrLst/>
+  </dgm:styleLbl>
+  <dgm:styleLbl name="parChTrans1D1">
+    <dgm:fillClrLst meth="repeat">
+      <a:schemeClr val="dk2"/>
+    </dgm:fillClrLst>
+    <dgm:linClrLst meth="repeat">
+      <a:schemeClr val="dk2">
+        <a:shade val="60000"/>
+      </a:schemeClr>
+    </dgm:linClrLst>
+    <dgm:effectClrLst/>
+    <dgm:txLinClrLst/>
+    <dgm:txFillClrLst meth="repeat">
+      <a:schemeClr val="tx1"/>
+    </dgm:txFillClrLst>
+    <dgm:txEffectClrLst/>
+  </dgm:styleLbl>
+  <dgm:styleLbl name="parChTrans1D2">
+    <dgm:fillClrLst meth="repeat">
+      <a:schemeClr val="dk2"/>
+    </dgm:fillClrLst>
+    <dgm:linClrLst meth="repeat">
+      <a:schemeClr val="dk2">
+        <a:shade val="60000"/>
+      </a:schemeClr>
+    </dgm:linClrLst>
+    <dgm:effectClrLst/>
+    <dgm:txLinClrLst/>
+    <dgm:txFillClrLst meth="repeat">
+      <a:schemeClr val="tx1"/>
+    </dgm:txFillClrLst>
+    <dgm:txEffectClrLst/>
+  </dgm:styleLbl>
+  <dgm:styleLbl name="parChTrans1D3">
+    <dgm:fillClrLst meth="repeat">
+      <a:schemeClr val="dk2"/>
+    </dgm:fillClrLst>
+    <dgm:linClrLst meth="repeat">
+      <a:schemeClr val="dk2">
+        <a:shade val="80000"/>
+      </a:schemeClr>
+    </dgm:linClrLst>
+    <dgm:effectClrLst/>
+    <dgm:txLinClrLst/>
+    <dgm:txFillClrLst meth="repeat">
+      <a:schemeClr val="tx1"/>
+    </dgm:txFillClrLst>
+    <dgm:txEffectClrLst/>
+  </dgm:styleLbl>
+  <dgm:styleLbl name="parChTrans1D4">
+    <dgm:fillClrLst meth="repeat">
+      <a:schemeClr val="dk2"/>
+    </dgm:fillClrLst>
+    <dgm:linClrLst meth="repeat">
+      <a:schemeClr val="dk2">
+        <a:shade val="80000"/>
+      </a:schemeClr>
+    </dgm:linClrLst>
+    <dgm:effectClrLst/>
+    <dgm:txLinClrLst/>
+    <dgm:txFillClrLst meth="repeat">
+      <a:schemeClr val="tx1"/>
+    </dgm:txFillClrLst>
+    <dgm:txEffectClrLst/>
+  </dgm:styleLbl>
+  <dgm:styleLbl name="fgAcc1">
+    <dgm:fillClrLst meth="repeat">
+      <a:schemeClr val="lt2">
+        <a:alpha val="90000"/>
+      </a:schemeClr>
+    </dgm:fillClrLst>
+    <dgm:linClrLst meth="repeat">
+      <a:schemeClr val="dk2"/>
+    </dgm:linClrLst>
+    <dgm:effectClrLst/>
+    <dgm:txLinClrLst/>
+    <dgm:txFillClrLst meth="repeat">
+      <a:schemeClr val="dk1"/>
+    </dgm:txFillClrLst>
+    <dgm:txEffectClrLst/>
+  </dgm:styleLbl>
+  <dgm:styleLbl name="conFgAcc1">
+    <dgm:fillClrLst meth="repeat">
+      <a:schemeClr val="lt2">
+        <a:alpha val="90000"/>
+      </a:schemeClr>
+    </dgm:fillClrLst>
+    <dgm:linClrLst meth="repeat">
+      <a:schemeClr val="dk2"/>
+    </dgm:linClrLst>
+    <dgm:effectClrLst/>
+    <dgm:txLinClrLst/>
+    <dgm:txFillClrLst meth="repeat">
+      <a:schemeClr val="dk1"/>
+    </dgm:txFillClrLst>
+    <dgm:txEffectClrLst/>
+  </dgm:styleLbl>
+  <dgm:styleLbl name="alignAcc1">
+    <dgm:fillClrLst meth="repeat">
+      <a:schemeClr val="lt2">
+        <a:alpha val="90000"/>
+      </a:schemeClr>
+    </dgm:fillClrLst>
+    <dgm:linClrLst meth="repeat">
+      <a:schemeClr val="dk2"/>
+    </dgm:linClrLst>
+    <dgm:effectClrLst/>
+    <dgm:txLinClrLst/>
+    <dgm:txFillClrLst meth="repeat">
+      <a:schemeClr val="dk1"/>
+    </dgm:txFillClrLst>
+    <dgm:txEffectClrLst/>
+  </dgm:styleLbl>
+  <dgm:styleLbl name="trAlignAcc1">
+    <dgm:fillClrLst meth="repeat">
+      <a:schemeClr val="lt2">
+        <a:alpha val="40000"/>
+      </a:schemeClr>
+    </dgm:fillClrLst>
+    <dgm:linClrLst meth="repeat">
+      <a:schemeClr val="dk2"/>
+    </dgm:linClrLst>
+    <dgm:effectClrLst/>
+    <dgm:txLinClrLst/>
+    <dgm:txFillClrLst meth="repeat">
+      <a:schemeClr val="dk1"/>
+    </dgm:txFillClrLst>
+    <dgm:txEffectClrLst/>
+  </dgm:styleLbl>
+  <dgm:styleLbl name="bgAcc1">
+    <dgm:fillClrLst meth="repeat">
+      <a:schemeClr val="lt2">
+        <a:alpha val="90000"/>
+      </a:schemeClr>
+    </dgm:fillClrLst>
+    <dgm:linClrLst meth="repeat">
+      <a:schemeClr val="dk2"/>
+    </dgm:linClrLst>
+    <dgm:effectClrLst/>
+    <dgm:txLinClrLst/>
+    <dgm:txFillClrLst meth="repeat">
+      <a:schemeClr val="dk1"/>
+    </dgm:txFillClrLst>
+    <dgm:txEffectClrLst/>
+  </dgm:styleLbl>
+  <dgm:styleLbl name="solidFgAcc1">
+    <dgm:fillClrLst meth="repeat">
+      <a:schemeClr val="lt2"/>
+    </dgm:fillClrLst>
+    <dgm:linClrLst meth="repeat">
+      <a:schemeClr val="dk2"/>
+    </dgm:linClrLst>
+    <dgm:effectClrLst/>
+    <dgm:txLinClrLst/>
+    <dgm:txFillClrLst meth="repeat">
+      <a:schemeClr val="dk1"/>
+    </dgm:txFillClrLst>
+    <dgm:txEffectClrLst/>
+  </dgm:styleLbl>
+  <dgm:styleLbl name="solidAlignAcc1">
+    <dgm:fillClrLst meth="repeat">
+      <a:schemeClr val="lt2"/>
+    </dgm:fillClrLst>
+    <dgm:linClrLst meth="repeat">
+      <a:schemeClr val="dk2"/>
+    </dgm:linClrLst>
+    <dgm:effectClrLst/>
+    <dgm:txLinClrLst/>
+    <dgm:txFillClrLst meth="repeat">
+      <a:schemeClr val="dk1"/>
+    </dgm:txFillClrLst>
+    <dgm:txEffectClrLst/>
+  </dgm:styleLbl>
+  <dgm:styleLbl name="solidBgAcc1">
+    <dgm:fillClrLst meth="repeat">
+      <a:schemeClr val="lt2"/>
+    </dgm:fillClrLst>
+    <dgm:linClrLst meth="repeat">
+      <a:schemeClr val="dk2"/>
+    </dgm:linClrLst>
+    <dgm:effectClrLst/>
+    <dgm:txLinClrLst/>
+    <dgm:txFillClrLst meth="repeat">
+      <a:schemeClr val="dk1"/>
+    </dgm:txFillClrLst>
+    <dgm:txEffectClrLst/>
+  </dgm:styleLbl>
+  <dgm:styleLbl name="fgAccFollowNode1">
+    <dgm:fillClrLst meth="repeat">
+      <a:schemeClr val="dk2">
+        <a:alpha val="90000"/>
+        <a:tint val="40000"/>
+      </a:schemeClr>
+    </dgm:fillClrLst>
+    <dgm:linClrLst meth="repeat">
+      <a:schemeClr val="dk2">
+        <a:alpha val="90000"/>
+        <a:tint val="40000"/>
+      </a:schemeClr>
+    </dgm:linClrLst>
+    <dgm:effectClrLst/>
+    <dgm:txLinClrLst/>
+    <dgm:txFillClrLst meth="repeat">
+      <a:schemeClr val="dk1"/>
+    </dgm:txFillClrLst>
+    <dgm:txEffectClrLst/>
+  </dgm:styleLbl>
+  <dgm:styleLbl name="alignAccFollowNode1">
+    <dgm:fillClrLst meth="repeat">
+      <a:schemeClr val="dk2">
+        <a:alpha val="90000"/>
+        <a:tint val="40000"/>
+      </a:schemeClr>
+    </dgm:fillClrLst>
+    <dgm:linClrLst meth="repeat">
+      <a:schemeClr val="dk2">
+        <a:alpha val="90000"/>
+        <a:tint val="40000"/>
+      </a:schemeClr>
+    </dgm:linClrLst>
+    <dgm:effectClrLst/>
+    <dgm:txLinClrLst/>
+    <dgm:txFillClrLst meth="repeat">
+      <a:schemeClr val="dk1"/>
+    </dgm:txFillClrLst>
+    <dgm:txEffectClrLst/>
+  </dgm:styleLbl>
+  <dgm:styleLbl name="bgAccFollowNode1">
+    <dgm:fillClrLst meth="repeat">
+      <a:schemeClr val="dk2">
+        <a:alpha val="90000"/>
+        <a:tint val="40000"/>
+      </a:schemeClr>
+    </dgm:fillClrLst>
+    <dgm:linClrLst meth="repeat">
+      <a:schemeClr val="dk2">
+        <a:alpha val="90000"/>
+        <a:tint val="40000"/>
+      </a:schemeClr>
+    </dgm:linClrLst>
+    <dgm:effectClrLst/>
+    <dgm:txLinClrLst/>
+    <dgm:txFillClrLst meth="repeat">
+      <a:schemeClr val="dk1"/>
+    </dgm:txFillClrLst>
+    <dgm:txEffectClrLst/>
+  </dgm:styleLbl>
+  <dgm:styleLbl name="fgAcc0">
+    <dgm:fillClrLst meth="repeat">
+      <a:schemeClr val="lt2">
+        <a:alpha val="90000"/>
+      </a:schemeClr>
+    </dgm:fillClrLst>
+    <dgm:linClrLst meth="repeat">
+      <a:schemeClr val="dk2"/>
+    </dgm:linClrLst>
+    <dgm:effectClrLst/>
+    <dgm:txLinClrLst/>
+    <dgm:txFillClrLst meth="repeat">
+      <a:schemeClr val="dk1"/>
+    </dgm:txFillClrLst>
+    <dgm:txEffectClrLst/>
+  </dgm:styleLbl>
+  <dgm:styleLbl name="fgAcc2">
+    <dgm:fillClrLst meth="repeat">
+      <a:schemeClr val="lt2">
+        <a:alpha val="90000"/>
+      </a:schemeClr>
+    </dgm:fillClrLst>
+    <dgm:linClrLst meth="repeat">
+      <a:schemeClr val="dk2"/>
+    </dgm:linClrLst>
+    <dgm:effectClrLst/>
+    <dgm:txLinClrLst/>
+    <dgm:txFillClrLst meth="repeat">
+      <a:schemeClr val="dk1"/>
+    </dgm:txFillClrLst>
+    <dgm:txEffectClrLst/>
+  </dgm:styleLbl>
+  <dgm:styleLbl name="fgAcc3">
+    <dgm:fillClrLst meth="repeat">
+      <a:schemeClr val="lt2">
+        <a:alpha val="90000"/>
+      </a:schemeClr>
+    </dgm:fillClrLst>
+    <dgm:linClrLst meth="repeat">
+      <a:schemeClr val="dk2"/>
+    </dgm:linClrLst>
+    <dgm:effectClrLst/>
+    <dgm:txLinClrLst/>
+    <dgm:txFillClrLst meth="repeat">
+      <a:schemeClr val="dk1"/>
+    </dgm:txFillClrLst>
+    <dgm:txEffectClrLst/>
+  </dgm:styleLbl>
+  <dgm:styleLbl name="fgAcc4">
+    <dgm:fillClrLst meth="repeat">
+      <a:schemeClr val="lt2">
+        <a:alpha val="90000"/>
+      </a:schemeClr>
+    </dgm:fillClrLst>
+    <dgm:linClrLst meth="repeat">
+      <a:schemeClr val="dk2"/>
+    </dgm:linClrLst>
+    <dgm:effectClrLst/>
+    <dgm:txLinClrLst/>
+    <dgm:txFillClrLst meth="repeat">
+      <a:schemeClr val="dk1"/>
+    </dgm:txFillClrLst>
+    <dgm:txEffectClrLst/>
+  </dgm:styleLbl>
+  <dgm:styleLbl name="bgShp">
+    <dgm:fillClrLst meth="repeat">
+      <a:schemeClr val="dk2">
+        <a:tint val="40000"/>
+      </a:schemeClr>
+    </dgm:fillClrLst>
+    <dgm:linClrLst meth="repeat">
+      <a:schemeClr val="dk2"/>
+    </dgm:linClrLst>
+    <dgm:effectClrLst/>
+    <dgm:txLinClrLst/>
+    <dgm:txFillClrLst meth="repeat">
+      <a:schemeClr val="dk1"/>
+    </dgm:txFillClrLst>
+    <dgm:txEffectClrLst/>
+  </dgm:styleLbl>
+  <dgm:styleLbl name="dkBgShp">
+    <dgm:fillClrLst meth="repeat">
+      <a:schemeClr val="dk2">
+        <a:shade val="80000"/>
+      </a:schemeClr>
+    </dgm:fillClrLst>
+    <dgm:linClrLst meth="repeat">
+      <a:schemeClr val="dk2"/>
+    </dgm:linClrLst>
+    <dgm:effectClrLst/>
+    <dgm:txLinClrLst/>
+    <dgm:txFillClrLst meth="repeat">
+      <a:schemeClr val="lt1"/>
+    </dgm:txFillClrLst>
+    <dgm:txEffectClrLst/>
+  </dgm:styleLbl>
+  <dgm:styleLbl name="trBgShp">
+    <dgm:fillClrLst meth="repeat">
+      <a:schemeClr val="dk2">
+        <a:tint val="50000"/>
+        <a:alpha val="40000"/>
+      </a:schemeClr>
+    </dgm:fillClrLst>
+    <dgm:linClrLst meth="repeat">
+      <a:schemeClr val="dk2"/>
+    </dgm:linClrLst>
+    <dgm:effectClrLst/>
+    <dgm:txLinClrLst/>
+    <dgm:txFillClrLst meth="repeat">
+      <a:schemeClr val="lt1"/>
+    </dgm:txFillClrLst>
+    <dgm:txEffectClrLst/>
+  </dgm:styleLbl>
+  <dgm:styleLbl name="fgShp">
+    <dgm:fillClrLst meth="repeat">
+      <a:schemeClr val="dk2">
+        <a:tint val="60000"/>
+      </a:schemeClr>
+    </dgm:fillClrLst>
+    <dgm:linClrLst meth="repeat">
+      <a:schemeClr val="lt2"/>
+    </dgm:linClrLst>
+    <dgm:effectClrLst/>
+    <dgm:txLinClrLst/>
+    <dgm:txFillClrLst meth="repeat">
+      <a:schemeClr val="dk1"/>
+    </dgm:txFillClrLst>
+    <dgm:txEffectClrLst/>
+  </dgm:styleLbl>
+  <dgm:styleLbl name="revTx">
+    <dgm:fillClrLst meth="repeat">
+      <a:schemeClr val="lt2">
+        <a:alpha val="0"/>
+      </a:schemeClr>
+    </dgm:fillClrLst>
+    <dgm:linClrLst meth="repeat">
+      <a:schemeClr val="dk1">
+        <a:alpha val="0"/>
+      </a:schemeClr>
+    </dgm:linClrLst>
+    <dgm:effectClrLst/>
+    <dgm:txLinClrLst/>
+    <dgm:txFillClrLst meth="repeat">
+      <a:schemeClr val="tx1"/>
+    </dgm:txFillClrLst>
+    <dgm:txEffectClrLst/>
+  </dgm:styleLbl>
+</dgm:colorsDef>
+</file>
+
+<file path=ppt/diagrams/data1.xml><?xml version="1.0" encoding="utf-8"?>
+<dgm:dataModel xmlns:dgm="http://schemas.openxmlformats.org/drawingml/2006/diagram" xmlns:a="http://schemas.openxmlformats.org/drawingml/2006/main">
+  <dgm:ptLst>
+    <dgm:pt modelId="{23457ED8-C092-4D39-BE47-448AD4529D31}" type="doc">
+      <dgm:prSet loTypeId="urn:microsoft.com/office/officeart/2018/2/layout/IconVerticalSolidList" loCatId="icon" qsTypeId="urn:microsoft.com/office/officeart/2005/8/quickstyle/simple1" qsCatId="simple" csTypeId="urn:microsoft.com/office/officeart/2005/8/colors/accent1_2" csCatId="accent1" phldr="1"/>
+      <dgm:spPr/>
+      <dgm:t>
+        <a:bodyPr/>
+        <a:lstStyle/>
+        <a:p>
+          <a:endParaRPr lang="en-US"/>
+        </a:p>
+      </dgm:t>
+    </dgm:pt>
+    <dgm:pt modelId="{8C96EA87-1B9F-4510-A522-D595FCB9BDEA}">
+      <dgm:prSet/>
+      <dgm:spPr/>
+      <dgm:t>
+        <a:bodyPr/>
+        <a:lstStyle/>
+        <a:p>
+          <a:pPr>
+            <a:lnSpc>
+              <a:spcPct val="100000"/>
+            </a:lnSpc>
+          </a:pPr>
+          <a:r>
+            <a:rPr lang="en-US"/>
+            <a:t>pygame, </a:t>
+          </a:r>
+          <a:r>
+            <a:rPr lang="ru-RU"/>
+            <a:t>игровой движок</a:t>
+          </a:r>
+          <a:endParaRPr lang="en-US"/>
+        </a:p>
+      </dgm:t>
+    </dgm:pt>
+    <dgm:pt modelId="{1C6C35D5-1E1D-411B-B7AD-D99CAA21C424}" type="parTrans" cxnId="{4AEBF4BD-DA77-4C62-9C2A-CE0AEA293C48}">
+      <dgm:prSet/>
+      <dgm:spPr/>
+      <dgm:t>
+        <a:bodyPr/>
+        <a:lstStyle/>
+        <a:p>
+          <a:endParaRPr lang="en-US"/>
+        </a:p>
+      </dgm:t>
+    </dgm:pt>
+    <dgm:pt modelId="{4A95640D-76E9-4EA1-AC98-C7067BC1B2C6}" type="sibTrans" cxnId="{4AEBF4BD-DA77-4C62-9C2A-CE0AEA293C48}">
+      <dgm:prSet/>
+      <dgm:spPr/>
+      <dgm:t>
+        <a:bodyPr/>
+        <a:lstStyle/>
+        <a:p>
+          <a:endParaRPr lang="en-US"/>
+        </a:p>
+      </dgm:t>
+    </dgm:pt>
+    <dgm:pt modelId="{E3225E2A-4FB5-4A40-A283-DCE2A9C3E7BF}">
+      <dgm:prSet/>
+      <dgm:spPr/>
+      <dgm:t>
+        <a:bodyPr/>
+        <a:lstStyle/>
+        <a:p>
+          <a:pPr>
+            <a:lnSpc>
+              <a:spcPct val="100000"/>
+            </a:lnSpc>
+          </a:pPr>
+          <a:r>
+            <a:rPr lang="en-US"/>
+            <a:t>json – </a:t>
+          </a:r>
+          <a:r>
+            <a:rPr lang="ru-RU"/>
+            <a:t>запись в файлы результатов</a:t>
+          </a:r>
+          <a:endParaRPr lang="en-US"/>
+        </a:p>
+      </dgm:t>
+    </dgm:pt>
+    <dgm:pt modelId="{70289349-6993-4208-8102-6BF935D4567F}" type="parTrans" cxnId="{82E2AE10-F03C-497C-A968-54FB9D40D30C}">
+      <dgm:prSet/>
+      <dgm:spPr/>
+      <dgm:t>
+        <a:bodyPr/>
+        <a:lstStyle/>
+        <a:p>
+          <a:endParaRPr lang="en-US"/>
+        </a:p>
+      </dgm:t>
+    </dgm:pt>
+    <dgm:pt modelId="{2073650D-E15C-4128-B1BC-86E894B52A49}" type="sibTrans" cxnId="{82E2AE10-F03C-497C-A968-54FB9D40D30C}">
+      <dgm:prSet/>
+      <dgm:spPr/>
+      <dgm:t>
+        <a:bodyPr/>
+        <a:lstStyle/>
+        <a:p>
+          <a:endParaRPr lang="en-US"/>
+        </a:p>
+      </dgm:t>
+    </dgm:pt>
+    <dgm:pt modelId="{569DC82F-3333-4A60-9966-26801395D93E}" type="pres">
+      <dgm:prSet presAssocID="{23457ED8-C092-4D39-BE47-448AD4529D31}" presName="root" presStyleCnt="0">
+        <dgm:presLayoutVars>
+          <dgm:dir/>
+          <dgm:resizeHandles val="exact"/>
+        </dgm:presLayoutVars>
+      </dgm:prSet>
+      <dgm:spPr/>
+    </dgm:pt>
+    <dgm:pt modelId="{760741CD-AFED-4197-BDD9-0F39167DB960}" type="pres">
+      <dgm:prSet presAssocID="{8C96EA87-1B9F-4510-A522-D595FCB9BDEA}" presName="compNode" presStyleCnt="0"/>
+      <dgm:spPr/>
+    </dgm:pt>
+    <dgm:pt modelId="{B9A82385-6047-4434-8DE7-AC75F277FFDC}" type="pres">
+      <dgm:prSet presAssocID="{8C96EA87-1B9F-4510-A522-D595FCB9BDEA}" presName="bgRect" presStyleLbl="bgShp" presStyleIdx="0" presStyleCnt="2"/>
+      <dgm:spPr/>
+    </dgm:pt>
+    <dgm:pt modelId="{05F2E0A1-AA6B-4634-9D0C-EF1414852D06}" type="pres">
+      <dgm:prSet presAssocID="{8C96EA87-1B9F-4510-A522-D595FCB9BDEA}" presName="iconRect" presStyleLbl="node1" presStyleIdx="0" presStyleCnt="2"/>
+      <dgm:spPr>
+        <a:blipFill>
+          <a:blip xmlns:r="http://schemas.openxmlformats.org/officeDocument/2006/relationships" r:embed="rId1">
+            <a:extLst>
+              <a:ext uri="{28A0092B-C50C-407E-A947-70E740481C1C}">
+                <a14:useLocalDpi xmlns:a14="http://schemas.microsoft.com/office/drawing/2010/main" val="0"/>
+              </a:ext>
+              <a:ext uri="{96DAC541-7B7A-43D3-8B79-37D633B846F1}">
+                <asvg:svgBlip xmlns:asvg="http://schemas.microsoft.com/office/drawing/2016/SVG/main" r:embed="rId2"/>
+              </a:ext>
+            </a:extLst>
+          </a:blip>
+          <a:stretch>
+            <a:fillRect/>
+          </a:stretch>
+        </a:blipFill>
+      </dgm:spPr>
+      <dgm:extLst>
+        <a:ext uri="{E40237B7-FDA0-4F09-8148-C483321AD2D9}">
+          <dgm14:cNvPr xmlns:dgm14="http://schemas.microsoft.com/office/drawing/2010/diagram" id="0" name="" descr="Шестеренки"/>
+        </a:ext>
+      </dgm:extLst>
+    </dgm:pt>
+    <dgm:pt modelId="{2620AB91-CACF-44B3-AC14-9606A5969777}" type="pres">
+      <dgm:prSet presAssocID="{8C96EA87-1B9F-4510-A522-D595FCB9BDEA}" presName="spaceRect" presStyleCnt="0"/>
+      <dgm:spPr/>
+    </dgm:pt>
+    <dgm:pt modelId="{9132600E-7EC0-4B90-8083-9F15F06CEF06}" type="pres">
+      <dgm:prSet presAssocID="{8C96EA87-1B9F-4510-A522-D595FCB9BDEA}" presName="parTx" presStyleLbl="revTx" presStyleIdx="0" presStyleCnt="2">
+        <dgm:presLayoutVars>
+          <dgm:chMax val="0"/>
+          <dgm:chPref val="0"/>
+        </dgm:presLayoutVars>
+      </dgm:prSet>
+      <dgm:spPr/>
+    </dgm:pt>
+    <dgm:pt modelId="{C6F54ED4-535C-40DA-A8B6-7736255EE2E2}" type="pres">
+      <dgm:prSet presAssocID="{4A95640D-76E9-4EA1-AC98-C7067BC1B2C6}" presName="sibTrans" presStyleCnt="0"/>
+      <dgm:spPr/>
+    </dgm:pt>
+    <dgm:pt modelId="{2B6B0F6D-DE8B-44FF-B049-2BD3F1B653CA}" type="pres">
+      <dgm:prSet presAssocID="{E3225E2A-4FB5-4A40-A283-DCE2A9C3E7BF}" presName="compNode" presStyleCnt="0"/>
+      <dgm:spPr/>
+    </dgm:pt>
+    <dgm:pt modelId="{B34B93FC-821B-4CA7-826C-BC2B13F9E99C}" type="pres">
+      <dgm:prSet presAssocID="{E3225E2A-4FB5-4A40-A283-DCE2A9C3E7BF}" presName="bgRect" presStyleLbl="bgShp" presStyleIdx="1" presStyleCnt="2"/>
+      <dgm:spPr/>
+    </dgm:pt>
+    <dgm:pt modelId="{D125A438-377F-446D-9F3F-B4068764D36B}" type="pres">
+      <dgm:prSet presAssocID="{E3225E2A-4FB5-4A40-A283-DCE2A9C3E7BF}" presName="iconRect" presStyleLbl="node1" presStyleIdx="1" presStyleCnt="2"/>
+      <dgm:spPr>
+        <a:blipFill>
+          <a:blip xmlns:r="http://schemas.openxmlformats.org/officeDocument/2006/relationships" r:embed="rId3">
+            <a:extLst>
+              <a:ext uri="{28A0092B-C50C-407E-A947-70E740481C1C}">
+                <a14:useLocalDpi xmlns:a14="http://schemas.microsoft.com/office/drawing/2010/main" val="0"/>
+              </a:ext>
+              <a:ext uri="{96DAC541-7B7A-43D3-8B79-37D633B846F1}">
+                <asvg:svgBlip xmlns:asvg="http://schemas.microsoft.com/office/drawing/2016/SVG/main" r:embed="rId4"/>
+              </a:ext>
+            </a:extLst>
+          </a:blip>
+          <a:stretch>
+            <a:fillRect/>
+          </a:stretch>
+        </a:blipFill>
+      </dgm:spPr>
+      <dgm:extLst>
+        <a:ext uri="{E40237B7-FDA0-4F09-8148-C483321AD2D9}">
+          <dgm14:cNvPr xmlns:dgm14="http://schemas.microsoft.com/office/drawing/2010/diagram" id="0" name="" descr="Компьютер"/>
+        </a:ext>
+      </dgm:extLst>
+    </dgm:pt>
+    <dgm:pt modelId="{6AC48B57-9C93-4F11-B59E-079D86A37258}" type="pres">
+      <dgm:prSet presAssocID="{E3225E2A-4FB5-4A40-A283-DCE2A9C3E7BF}" presName="spaceRect" presStyleCnt="0"/>
+      <dgm:spPr/>
+    </dgm:pt>
+    <dgm:pt modelId="{CB9B9131-A0B8-489A-8E76-FAD4556D787B}" type="pres">
+      <dgm:prSet presAssocID="{E3225E2A-4FB5-4A40-A283-DCE2A9C3E7BF}" presName="parTx" presStyleLbl="revTx" presStyleIdx="1" presStyleCnt="2">
+        <dgm:presLayoutVars>
+          <dgm:chMax val="0"/>
+          <dgm:chPref val="0"/>
+        </dgm:presLayoutVars>
+      </dgm:prSet>
+      <dgm:spPr/>
+    </dgm:pt>
+  </dgm:ptLst>
+  <dgm:cxnLst>
+    <dgm:cxn modelId="{82E2AE10-F03C-497C-A968-54FB9D40D30C}" srcId="{23457ED8-C092-4D39-BE47-448AD4529D31}" destId="{E3225E2A-4FB5-4A40-A283-DCE2A9C3E7BF}" srcOrd="1" destOrd="0" parTransId="{70289349-6993-4208-8102-6BF935D4567F}" sibTransId="{2073650D-E15C-4128-B1BC-86E894B52A49}"/>
+    <dgm:cxn modelId="{6D58E04A-2357-46B8-B329-A7EE67F88F84}" type="presOf" srcId="{23457ED8-C092-4D39-BE47-448AD4529D31}" destId="{569DC82F-3333-4A60-9966-26801395D93E}" srcOrd="0" destOrd="0" presId="urn:microsoft.com/office/officeart/2018/2/layout/IconVerticalSolidList"/>
+    <dgm:cxn modelId="{E055FDA0-1ED4-4B30-AC10-D4F669DB2CC0}" type="presOf" srcId="{E3225E2A-4FB5-4A40-A283-DCE2A9C3E7BF}" destId="{CB9B9131-A0B8-489A-8E76-FAD4556D787B}" srcOrd="0" destOrd="0" presId="urn:microsoft.com/office/officeart/2018/2/layout/IconVerticalSolidList"/>
+    <dgm:cxn modelId="{A5EDE9AF-7A65-451B-8B97-1245DFC05E4E}" type="presOf" srcId="{8C96EA87-1B9F-4510-A522-D595FCB9BDEA}" destId="{9132600E-7EC0-4B90-8083-9F15F06CEF06}" srcOrd="0" destOrd="0" presId="urn:microsoft.com/office/officeart/2018/2/layout/IconVerticalSolidList"/>
+    <dgm:cxn modelId="{4AEBF4BD-DA77-4C62-9C2A-CE0AEA293C48}" srcId="{23457ED8-C092-4D39-BE47-448AD4529D31}" destId="{8C96EA87-1B9F-4510-A522-D595FCB9BDEA}" srcOrd="0" destOrd="0" parTransId="{1C6C35D5-1E1D-411B-B7AD-D99CAA21C424}" sibTransId="{4A95640D-76E9-4EA1-AC98-C7067BC1B2C6}"/>
+    <dgm:cxn modelId="{78DCFC22-9374-4F38-A066-FE3864261C20}" type="presParOf" srcId="{569DC82F-3333-4A60-9966-26801395D93E}" destId="{760741CD-AFED-4197-BDD9-0F39167DB960}" srcOrd="0" destOrd="0" presId="urn:microsoft.com/office/officeart/2018/2/layout/IconVerticalSolidList"/>
+    <dgm:cxn modelId="{91CDC3F5-AC25-46E7-AC15-B464FD7814B8}" type="presParOf" srcId="{760741CD-AFED-4197-BDD9-0F39167DB960}" destId="{B9A82385-6047-4434-8DE7-AC75F277FFDC}" srcOrd="0" destOrd="0" presId="urn:microsoft.com/office/officeart/2018/2/layout/IconVerticalSolidList"/>
+    <dgm:cxn modelId="{B2935C88-4024-4465-A1D6-E90B8CB55279}" type="presParOf" srcId="{760741CD-AFED-4197-BDD9-0F39167DB960}" destId="{05F2E0A1-AA6B-4634-9D0C-EF1414852D06}" srcOrd="1" destOrd="0" presId="urn:microsoft.com/office/officeart/2018/2/layout/IconVerticalSolidList"/>
+    <dgm:cxn modelId="{5C84C6E4-4E8B-43A8-8B55-A141D7B46A87}" type="presParOf" srcId="{760741CD-AFED-4197-BDD9-0F39167DB960}" destId="{2620AB91-CACF-44B3-AC14-9606A5969777}" srcOrd="2" destOrd="0" presId="urn:microsoft.com/office/officeart/2018/2/layout/IconVerticalSolidList"/>
+    <dgm:cxn modelId="{14369ABD-7AE5-4ABB-BBBE-5341F290C42F}" type="presParOf" srcId="{760741CD-AFED-4197-BDD9-0F39167DB960}" destId="{9132600E-7EC0-4B90-8083-9F15F06CEF06}" srcOrd="3" destOrd="0" presId="urn:microsoft.com/office/officeart/2018/2/layout/IconVerticalSolidList"/>
+    <dgm:cxn modelId="{8ACE327C-5BF7-44E9-A300-FEF1CC4508CF}" type="presParOf" srcId="{569DC82F-3333-4A60-9966-26801395D93E}" destId="{C6F54ED4-535C-40DA-A8B6-7736255EE2E2}" srcOrd="1" destOrd="0" presId="urn:microsoft.com/office/officeart/2018/2/layout/IconVerticalSolidList"/>
+    <dgm:cxn modelId="{9199F315-CE9F-4074-A428-1B7781C79C0D}" type="presParOf" srcId="{569DC82F-3333-4A60-9966-26801395D93E}" destId="{2B6B0F6D-DE8B-44FF-B049-2BD3F1B653CA}" srcOrd="2" destOrd="0" presId="urn:microsoft.com/office/officeart/2018/2/layout/IconVerticalSolidList"/>
+    <dgm:cxn modelId="{32405817-DAEB-44E2-811E-5A96D009F154}" type="presParOf" srcId="{2B6B0F6D-DE8B-44FF-B049-2BD3F1B653CA}" destId="{B34B93FC-821B-4CA7-826C-BC2B13F9E99C}" srcOrd="0" destOrd="0" presId="urn:microsoft.com/office/officeart/2018/2/layout/IconVerticalSolidList"/>
+    <dgm:cxn modelId="{8F931E7E-9025-480F-A540-22A2E0F562E6}" type="presParOf" srcId="{2B6B0F6D-DE8B-44FF-B049-2BD3F1B653CA}" destId="{D125A438-377F-446D-9F3F-B4068764D36B}" srcOrd="1" destOrd="0" presId="urn:microsoft.com/office/officeart/2018/2/layout/IconVerticalSolidList"/>
+    <dgm:cxn modelId="{85E3B9C0-24DC-404C-B9EE-E75860F8D87F}" type="presParOf" srcId="{2B6B0F6D-DE8B-44FF-B049-2BD3F1B653CA}" destId="{6AC48B57-9C93-4F11-B59E-079D86A37258}" srcOrd="2" destOrd="0" presId="urn:microsoft.com/office/officeart/2018/2/layout/IconVerticalSolidList"/>
+    <dgm:cxn modelId="{9E6B87B0-7FB1-4CA2-99EF-EDEF91CC7ADD}" type="presParOf" srcId="{2B6B0F6D-DE8B-44FF-B049-2BD3F1B653CA}" destId="{CB9B9131-A0B8-489A-8E76-FAD4556D787B}" srcOrd="3" destOrd="0" presId="urn:microsoft.com/office/officeart/2018/2/layout/IconVerticalSolidList"/>
+  </dgm:cxnLst>
+  <dgm:bg/>
+  <dgm:whole/>
+  <dgm:extLst>
+    <a:ext uri="http://schemas.microsoft.com/office/drawing/2008/diagram">
+      <dsp:dataModelExt xmlns:dsp="http://schemas.microsoft.com/office/drawing/2008/diagram" relId="rId6" minVer="http://schemas.openxmlformats.org/drawingml/2006/diagram"/>
+    </a:ext>
+  </dgm:extLst>
+</dgm:dataModel>
+</file>
+
+<file path=ppt/diagrams/data2.xml><?xml version="1.0" encoding="utf-8"?>
+<dgm:dataModel xmlns:dgm="http://schemas.openxmlformats.org/drawingml/2006/diagram" xmlns:a="http://schemas.openxmlformats.org/drawingml/2006/main">
+  <dgm:ptLst>
+    <dgm:pt modelId="{41E042BB-36AC-47A5-8919-DC16FD2CBD57}" type="doc">
+      <dgm:prSet loTypeId="urn:microsoft.com/office/officeart/2008/layout/LinedList" loCatId="list" qsTypeId="urn:microsoft.com/office/officeart/2005/8/quickstyle/simple1" qsCatId="simple" csTypeId="urn:microsoft.com/office/officeart/2005/8/colors/accent1_2" csCatId="accent1"/>
+      <dgm:spPr/>
+      <dgm:t>
+        <a:bodyPr/>
+        <a:lstStyle/>
+        <a:p>
+          <a:endParaRPr lang="en-US"/>
+        </a:p>
+      </dgm:t>
+    </dgm:pt>
+    <dgm:pt modelId="{0C344FEC-F2D3-47A9-8B58-3E9D5903D36F}">
+      <dgm:prSet custT="1"/>
+      <dgm:spPr/>
+      <dgm:t>
+        <a:bodyPr/>
+        <a:lstStyle/>
+        <a:p>
+          <a:r>
+            <a:rPr lang="ru-RU" sz="2400"/>
+            <a:t>Игровой фон, отрисовка изображений сегментов</a:t>
+          </a:r>
+          <a:endParaRPr lang="en-US" sz="2400"/>
+        </a:p>
+      </dgm:t>
+    </dgm:pt>
+    <dgm:pt modelId="{0D35F67D-1CCF-4CC3-BA7D-9BC11EC3862A}" type="parTrans" cxnId="{79B46C26-31CB-4475-977D-CCDED2A75704}">
+      <dgm:prSet/>
+      <dgm:spPr/>
+      <dgm:t>
+        <a:bodyPr/>
+        <a:lstStyle/>
+        <a:p>
+          <a:endParaRPr lang="en-US"/>
+        </a:p>
+      </dgm:t>
+    </dgm:pt>
+    <dgm:pt modelId="{6D73A3A9-F22F-4522-9B0B-6B688532AFA7}" type="sibTrans" cxnId="{79B46C26-31CB-4475-977D-CCDED2A75704}">
+      <dgm:prSet/>
+      <dgm:spPr/>
+      <dgm:t>
+        <a:bodyPr/>
+        <a:lstStyle/>
+        <a:p>
+          <a:endParaRPr lang="en-US"/>
+        </a:p>
+      </dgm:t>
+    </dgm:pt>
+    <dgm:pt modelId="{A5741C0A-F462-40D3-9D44-3295F7C690E4}">
+      <dgm:prSet custT="1"/>
+      <dgm:spPr/>
+      <dgm:t>
+        <a:bodyPr/>
+        <a:lstStyle/>
+        <a:p>
+          <a:r>
+            <a:rPr lang="ru-RU" sz="2400"/>
+            <a:t>Случайное появление яблок на игровом поле</a:t>
+          </a:r>
+          <a:endParaRPr lang="en-US" sz="2400"/>
+        </a:p>
+      </dgm:t>
+    </dgm:pt>
+    <dgm:pt modelId="{3122410B-BADB-40BE-8F88-DB18B2B911FB}" type="parTrans" cxnId="{0DFEB7BE-CFB5-42DE-8F3A-9DF2DE666210}">
+      <dgm:prSet/>
+      <dgm:spPr/>
+      <dgm:t>
+        <a:bodyPr/>
+        <a:lstStyle/>
+        <a:p>
+          <a:endParaRPr lang="en-US"/>
+        </a:p>
+      </dgm:t>
+    </dgm:pt>
+    <dgm:pt modelId="{49B4EE80-C240-4335-8A14-E1744F8E350E}" type="sibTrans" cxnId="{0DFEB7BE-CFB5-42DE-8F3A-9DF2DE666210}">
+      <dgm:prSet/>
+      <dgm:spPr/>
+      <dgm:t>
+        <a:bodyPr/>
+        <a:lstStyle/>
+        <a:p>
+          <a:endParaRPr lang="en-US"/>
+        </a:p>
+      </dgm:t>
+    </dgm:pt>
+    <dgm:pt modelId="{BE49069B-4848-4F4F-96CF-DC0AB077D2CD}">
+      <dgm:prSet custT="1"/>
+      <dgm:spPr/>
+      <dgm:t>
+        <a:bodyPr/>
+        <a:lstStyle/>
+        <a:p>
+          <a:r>
+            <a:rPr lang="ru-RU" sz="2400"/>
+            <a:t>Движение головы змеи</a:t>
+          </a:r>
+          <a:endParaRPr lang="en-US" sz="2400"/>
+        </a:p>
+      </dgm:t>
+    </dgm:pt>
+    <dgm:pt modelId="{3CA121F2-215B-4BD6-9BAE-99920D26E215}" type="parTrans" cxnId="{875E6F59-8133-42DC-A4F1-09F2BF24B791}">
+      <dgm:prSet/>
+      <dgm:spPr/>
+      <dgm:t>
+        <a:bodyPr/>
+        <a:lstStyle/>
+        <a:p>
+          <a:endParaRPr lang="en-US"/>
+        </a:p>
+      </dgm:t>
+    </dgm:pt>
+    <dgm:pt modelId="{B8F1D1BA-4CC3-4965-ABA6-527875B8CB5C}" type="sibTrans" cxnId="{875E6F59-8133-42DC-A4F1-09F2BF24B791}">
+      <dgm:prSet/>
+      <dgm:spPr/>
+      <dgm:t>
+        <a:bodyPr/>
+        <a:lstStyle/>
+        <a:p>
+          <a:endParaRPr lang="en-US"/>
+        </a:p>
+      </dgm:t>
+    </dgm:pt>
+    <dgm:pt modelId="{098E8732-22E6-40B1-9E66-1ED517231FE1}">
+      <dgm:prSet custT="1"/>
+      <dgm:spPr/>
+      <dgm:t>
+        <a:bodyPr/>
+        <a:lstStyle/>
+        <a:p>
+          <a:r>
+            <a:rPr lang="ru-RU" sz="2400"/>
+            <a:t>Прикрепление к ней сегментов</a:t>
+          </a:r>
+          <a:endParaRPr lang="en-US" sz="2400"/>
+        </a:p>
+      </dgm:t>
+    </dgm:pt>
+    <dgm:pt modelId="{C22493E7-BA86-46DA-BD91-0A74CF3638BA}" type="parTrans" cxnId="{4B475DD6-670E-4B2D-9308-581FF818B34B}">
+      <dgm:prSet/>
+      <dgm:spPr/>
+      <dgm:t>
+        <a:bodyPr/>
+        <a:lstStyle/>
+        <a:p>
+          <a:endParaRPr lang="en-US"/>
+        </a:p>
+      </dgm:t>
+    </dgm:pt>
+    <dgm:pt modelId="{4BE09792-8266-47FC-A64C-FB87A6AF6168}" type="sibTrans" cxnId="{4B475DD6-670E-4B2D-9308-581FF818B34B}">
+      <dgm:prSet/>
+      <dgm:spPr/>
+      <dgm:t>
+        <a:bodyPr/>
+        <a:lstStyle/>
+        <a:p>
+          <a:endParaRPr lang="en-US"/>
+        </a:p>
+      </dgm:t>
+    </dgm:pt>
+    <dgm:pt modelId="{01420E9C-0E0B-474A-853A-EB8FCC9270B4}">
+      <dgm:prSet custT="1"/>
+      <dgm:spPr/>
+      <dgm:t>
+        <a:bodyPr/>
+        <a:lstStyle/>
+        <a:p>
+          <a:r>
+            <a:rPr lang="ru-RU" sz="2400" dirty="0"/>
+            <a:t>Запись и подсчет результатов</a:t>
+          </a:r>
+          <a:endParaRPr lang="en-US" sz="2400" dirty="0"/>
+        </a:p>
+      </dgm:t>
+    </dgm:pt>
+    <dgm:pt modelId="{B46596E4-9842-4FE1-8C6A-62F930F52219}" type="parTrans" cxnId="{0C8B8C5B-8F60-4F84-B48E-3A5E4F844188}">
+      <dgm:prSet/>
+      <dgm:spPr/>
+      <dgm:t>
+        <a:bodyPr/>
+        <a:lstStyle/>
+        <a:p>
+          <a:endParaRPr lang="en-US"/>
+        </a:p>
+      </dgm:t>
+    </dgm:pt>
+    <dgm:pt modelId="{37471127-04D7-4015-9784-0A799A7A0A97}" type="sibTrans" cxnId="{0C8B8C5B-8F60-4F84-B48E-3A5E4F844188}">
+      <dgm:prSet/>
+      <dgm:spPr/>
+      <dgm:t>
+        <a:bodyPr/>
+        <a:lstStyle/>
+        <a:p>
+          <a:endParaRPr lang="en-US"/>
+        </a:p>
+      </dgm:t>
+    </dgm:pt>
+    <dgm:pt modelId="{6509B230-E484-4BDB-91AF-5E676BA98BE5}">
+      <dgm:prSet custT="1"/>
+      <dgm:spPr/>
+      <dgm:t>
+        <a:bodyPr/>
+        <a:lstStyle/>
+        <a:p>
+          <a:r>
+            <a:rPr lang="ru-RU" sz="2400" dirty="0"/>
+            <a:t>Кнопки настройки скорости движения и начала игры</a:t>
+          </a:r>
+          <a:endParaRPr lang="en-US" sz="2400" dirty="0"/>
+        </a:p>
+      </dgm:t>
+    </dgm:pt>
+    <dgm:pt modelId="{9EFE4979-4D5A-4C11-8B92-D689F2B72B52}" type="parTrans" cxnId="{0DE0CA5C-0AE9-43E8-A0AE-0EF07C95EA9F}">
+      <dgm:prSet/>
+      <dgm:spPr/>
+      <dgm:t>
+        <a:bodyPr/>
+        <a:lstStyle/>
+        <a:p>
+          <a:endParaRPr lang="en-US"/>
+        </a:p>
+      </dgm:t>
+    </dgm:pt>
+    <dgm:pt modelId="{76A9497B-3429-4D70-9FA1-35CF37FDDFCB}" type="sibTrans" cxnId="{0DE0CA5C-0AE9-43E8-A0AE-0EF07C95EA9F}">
+      <dgm:prSet/>
+      <dgm:spPr/>
+      <dgm:t>
+        <a:bodyPr/>
+        <a:lstStyle/>
+        <a:p>
+          <a:endParaRPr lang="en-US"/>
+        </a:p>
+      </dgm:t>
+    </dgm:pt>
+    <dgm:pt modelId="{651951E6-81C5-4C1F-8ABA-B17CF03B2BD0}" type="pres">
+      <dgm:prSet presAssocID="{41E042BB-36AC-47A5-8919-DC16FD2CBD57}" presName="vert0" presStyleCnt="0">
+        <dgm:presLayoutVars>
+          <dgm:dir/>
+          <dgm:animOne val="branch"/>
+          <dgm:animLvl val="lvl"/>
+        </dgm:presLayoutVars>
+      </dgm:prSet>
+      <dgm:spPr/>
+    </dgm:pt>
+    <dgm:pt modelId="{D8759DA1-2E8F-4AF2-BA42-013E92518D88}" type="pres">
+      <dgm:prSet presAssocID="{0C344FEC-F2D3-47A9-8B58-3E9D5903D36F}" presName="thickLine" presStyleLbl="alignNode1" presStyleIdx="0" presStyleCnt="6"/>
+      <dgm:spPr/>
+    </dgm:pt>
+    <dgm:pt modelId="{AB78AC06-4491-49FA-955A-7C8FAB50614E}" type="pres">
+      <dgm:prSet presAssocID="{0C344FEC-F2D3-47A9-8B58-3E9D5903D36F}" presName="horz1" presStyleCnt="0"/>
+      <dgm:spPr/>
+    </dgm:pt>
+    <dgm:pt modelId="{6270C8CD-B5EF-4B7F-9A75-AA2E0ED3954A}" type="pres">
+      <dgm:prSet presAssocID="{0C344FEC-F2D3-47A9-8B58-3E9D5903D36F}" presName="tx1" presStyleLbl="revTx" presStyleIdx="0" presStyleCnt="6"/>
+      <dgm:spPr/>
+    </dgm:pt>
+    <dgm:pt modelId="{815CF3D2-CC26-484B-A025-0A2FFEC2092C}" type="pres">
+      <dgm:prSet presAssocID="{0C344FEC-F2D3-47A9-8B58-3E9D5903D36F}" presName="vert1" presStyleCnt="0"/>
+      <dgm:spPr/>
+    </dgm:pt>
+    <dgm:pt modelId="{36147585-689E-45C9-97F1-59273DE30695}" type="pres">
+      <dgm:prSet presAssocID="{A5741C0A-F462-40D3-9D44-3295F7C690E4}" presName="thickLine" presStyleLbl="alignNode1" presStyleIdx="1" presStyleCnt="6"/>
+      <dgm:spPr/>
+    </dgm:pt>
+    <dgm:pt modelId="{AB4A9FCF-25FD-4A71-A706-391AE66F0ECF}" type="pres">
+      <dgm:prSet presAssocID="{A5741C0A-F462-40D3-9D44-3295F7C690E4}" presName="horz1" presStyleCnt="0"/>
+      <dgm:spPr/>
+    </dgm:pt>
+    <dgm:pt modelId="{F14A6B18-6C4A-4C03-B74C-4010C0EAF5A9}" type="pres">
+      <dgm:prSet presAssocID="{A5741C0A-F462-40D3-9D44-3295F7C690E4}" presName="tx1" presStyleLbl="revTx" presStyleIdx="1" presStyleCnt="6"/>
+      <dgm:spPr/>
+    </dgm:pt>
+    <dgm:pt modelId="{0EF2AC75-08F3-4758-AED4-16469D8101C1}" type="pres">
+      <dgm:prSet presAssocID="{A5741C0A-F462-40D3-9D44-3295F7C690E4}" presName="vert1" presStyleCnt="0"/>
+      <dgm:spPr/>
+    </dgm:pt>
+    <dgm:pt modelId="{A2FD83C6-D6DC-4923-9AED-8C552DB83FFF}" type="pres">
+      <dgm:prSet presAssocID="{BE49069B-4848-4F4F-96CF-DC0AB077D2CD}" presName="thickLine" presStyleLbl="alignNode1" presStyleIdx="2" presStyleCnt="6"/>
+      <dgm:spPr/>
+    </dgm:pt>
+    <dgm:pt modelId="{542D6709-1F39-4E61-93A8-A965C3A26F6D}" type="pres">
+      <dgm:prSet presAssocID="{BE49069B-4848-4F4F-96CF-DC0AB077D2CD}" presName="horz1" presStyleCnt="0"/>
+      <dgm:spPr/>
+    </dgm:pt>
+    <dgm:pt modelId="{9871352F-58FF-46AF-9AEC-110177DA9E3B}" type="pres">
+      <dgm:prSet presAssocID="{BE49069B-4848-4F4F-96CF-DC0AB077D2CD}" presName="tx1" presStyleLbl="revTx" presStyleIdx="2" presStyleCnt="6"/>
+      <dgm:spPr/>
+    </dgm:pt>
+    <dgm:pt modelId="{B9BBBFA7-C327-46BC-8755-05BFA6787A75}" type="pres">
+      <dgm:prSet presAssocID="{BE49069B-4848-4F4F-96CF-DC0AB077D2CD}" presName="vert1" presStyleCnt="0"/>
+      <dgm:spPr/>
+    </dgm:pt>
+    <dgm:pt modelId="{8EBEEC43-9F41-4CAD-A9C2-030466C826CC}" type="pres">
+      <dgm:prSet presAssocID="{098E8732-22E6-40B1-9E66-1ED517231FE1}" presName="thickLine" presStyleLbl="alignNode1" presStyleIdx="3" presStyleCnt="6"/>
+      <dgm:spPr/>
+    </dgm:pt>
+    <dgm:pt modelId="{54C7B9B7-41CD-47DC-9AFD-99A50E1C9FD6}" type="pres">
+      <dgm:prSet presAssocID="{098E8732-22E6-40B1-9E66-1ED517231FE1}" presName="horz1" presStyleCnt="0"/>
+      <dgm:spPr/>
+    </dgm:pt>
+    <dgm:pt modelId="{40E948BF-4BE4-459C-AD0D-2959A1A2565B}" type="pres">
+      <dgm:prSet presAssocID="{098E8732-22E6-40B1-9E66-1ED517231FE1}" presName="tx1" presStyleLbl="revTx" presStyleIdx="3" presStyleCnt="6"/>
+      <dgm:spPr/>
+    </dgm:pt>
+    <dgm:pt modelId="{EAC23DFC-85D1-4B2E-A615-6CB3D5BB035D}" type="pres">
+      <dgm:prSet presAssocID="{098E8732-22E6-40B1-9E66-1ED517231FE1}" presName="vert1" presStyleCnt="0"/>
+      <dgm:spPr/>
+    </dgm:pt>
+    <dgm:pt modelId="{956D056F-A9CE-4865-9756-E8EAF5960C8C}" type="pres">
+      <dgm:prSet presAssocID="{01420E9C-0E0B-474A-853A-EB8FCC9270B4}" presName="thickLine" presStyleLbl="alignNode1" presStyleIdx="4" presStyleCnt="6"/>
+      <dgm:spPr/>
+    </dgm:pt>
+    <dgm:pt modelId="{576D642B-1598-4313-824D-1844820E3CB2}" type="pres">
+      <dgm:prSet presAssocID="{01420E9C-0E0B-474A-853A-EB8FCC9270B4}" presName="horz1" presStyleCnt="0"/>
+      <dgm:spPr/>
+    </dgm:pt>
+    <dgm:pt modelId="{311DD5AD-8D7C-46DC-A9C4-919BB2E948A1}" type="pres">
+      <dgm:prSet presAssocID="{01420E9C-0E0B-474A-853A-EB8FCC9270B4}" presName="tx1" presStyleLbl="revTx" presStyleIdx="4" presStyleCnt="6"/>
+      <dgm:spPr/>
+    </dgm:pt>
+    <dgm:pt modelId="{6DE22B4D-4500-47E5-BAF6-E2E76F2E738D}" type="pres">
+      <dgm:prSet presAssocID="{01420E9C-0E0B-474A-853A-EB8FCC9270B4}" presName="vert1" presStyleCnt="0"/>
+      <dgm:spPr/>
+    </dgm:pt>
+    <dgm:pt modelId="{7F364BE3-1128-4F28-92FC-457AFA3B91D9}" type="pres">
+      <dgm:prSet presAssocID="{6509B230-E484-4BDB-91AF-5E676BA98BE5}" presName="thickLine" presStyleLbl="alignNode1" presStyleIdx="5" presStyleCnt="6"/>
+      <dgm:spPr/>
+    </dgm:pt>
+    <dgm:pt modelId="{C5DE81CA-B389-4969-94D9-8C2165913F36}" type="pres">
+      <dgm:prSet presAssocID="{6509B230-E484-4BDB-91AF-5E676BA98BE5}" presName="horz1" presStyleCnt="0"/>
+      <dgm:spPr/>
+    </dgm:pt>
+    <dgm:pt modelId="{C3F7EC63-0F91-4D89-89DB-B416CF656C3D}" type="pres">
+      <dgm:prSet presAssocID="{6509B230-E484-4BDB-91AF-5E676BA98BE5}" presName="tx1" presStyleLbl="revTx" presStyleIdx="5" presStyleCnt="6"/>
+      <dgm:spPr/>
+    </dgm:pt>
+    <dgm:pt modelId="{EAB69E89-332A-4728-8CDA-FBCE247B3CF3}" type="pres">
+      <dgm:prSet presAssocID="{6509B230-E484-4BDB-91AF-5E676BA98BE5}" presName="vert1" presStyleCnt="0"/>
+      <dgm:spPr/>
+    </dgm:pt>
+  </dgm:ptLst>
+  <dgm:cxnLst>
+    <dgm:cxn modelId="{5C674101-912B-412E-803C-FFB0261671AC}" type="presOf" srcId="{098E8732-22E6-40B1-9E66-1ED517231FE1}" destId="{40E948BF-4BE4-459C-AD0D-2959A1A2565B}" srcOrd="0" destOrd="0" presId="urn:microsoft.com/office/officeart/2008/layout/LinedList"/>
+    <dgm:cxn modelId="{21B88004-D811-4459-B634-6285F658C8CA}" type="presOf" srcId="{01420E9C-0E0B-474A-853A-EB8FCC9270B4}" destId="{311DD5AD-8D7C-46DC-A9C4-919BB2E948A1}" srcOrd="0" destOrd="0" presId="urn:microsoft.com/office/officeart/2008/layout/LinedList"/>
+    <dgm:cxn modelId="{79B46C26-31CB-4475-977D-CCDED2A75704}" srcId="{41E042BB-36AC-47A5-8919-DC16FD2CBD57}" destId="{0C344FEC-F2D3-47A9-8B58-3E9D5903D36F}" srcOrd="0" destOrd="0" parTransId="{0D35F67D-1CCF-4CC3-BA7D-9BC11EC3862A}" sibTransId="{6D73A3A9-F22F-4522-9B0B-6B688532AFA7}"/>
+    <dgm:cxn modelId="{0C8B8C5B-8F60-4F84-B48E-3A5E4F844188}" srcId="{41E042BB-36AC-47A5-8919-DC16FD2CBD57}" destId="{01420E9C-0E0B-474A-853A-EB8FCC9270B4}" srcOrd="4" destOrd="0" parTransId="{B46596E4-9842-4FE1-8C6A-62F930F52219}" sibTransId="{37471127-04D7-4015-9784-0A799A7A0A97}"/>
+    <dgm:cxn modelId="{0DE0CA5C-0AE9-43E8-A0AE-0EF07C95EA9F}" srcId="{41E042BB-36AC-47A5-8919-DC16FD2CBD57}" destId="{6509B230-E484-4BDB-91AF-5E676BA98BE5}" srcOrd="5" destOrd="0" parTransId="{9EFE4979-4D5A-4C11-8B92-D689F2B72B52}" sibTransId="{76A9497B-3429-4D70-9FA1-35CF37FDDFCB}"/>
+    <dgm:cxn modelId="{02E32242-1C47-4C97-9A23-2F9FD41BE0AE}" type="presOf" srcId="{41E042BB-36AC-47A5-8919-DC16FD2CBD57}" destId="{651951E6-81C5-4C1F-8ABA-B17CF03B2BD0}" srcOrd="0" destOrd="0" presId="urn:microsoft.com/office/officeart/2008/layout/LinedList"/>
+    <dgm:cxn modelId="{75460449-4D8B-40E7-9D28-7D5123061E7A}" type="presOf" srcId="{A5741C0A-F462-40D3-9D44-3295F7C690E4}" destId="{F14A6B18-6C4A-4C03-B74C-4010C0EAF5A9}" srcOrd="0" destOrd="0" presId="urn:microsoft.com/office/officeart/2008/layout/LinedList"/>
+    <dgm:cxn modelId="{C60BC14F-CC9B-4649-83C5-5E8E8CE5C00D}" type="presOf" srcId="{BE49069B-4848-4F4F-96CF-DC0AB077D2CD}" destId="{9871352F-58FF-46AF-9AEC-110177DA9E3B}" srcOrd="0" destOrd="0" presId="urn:microsoft.com/office/officeart/2008/layout/LinedList"/>
+    <dgm:cxn modelId="{875E6F59-8133-42DC-A4F1-09F2BF24B791}" srcId="{41E042BB-36AC-47A5-8919-DC16FD2CBD57}" destId="{BE49069B-4848-4F4F-96CF-DC0AB077D2CD}" srcOrd="2" destOrd="0" parTransId="{3CA121F2-215B-4BD6-9BAE-99920D26E215}" sibTransId="{B8F1D1BA-4CC3-4965-ABA6-527875B8CB5C}"/>
+    <dgm:cxn modelId="{9B51E3A5-A58A-46AC-B2D6-D34C5F6673DF}" type="presOf" srcId="{6509B230-E484-4BDB-91AF-5E676BA98BE5}" destId="{C3F7EC63-0F91-4D89-89DB-B416CF656C3D}" srcOrd="0" destOrd="0" presId="urn:microsoft.com/office/officeart/2008/layout/LinedList"/>
+    <dgm:cxn modelId="{1594A8AD-037A-49C1-8029-E33FA2C7EFA9}" type="presOf" srcId="{0C344FEC-F2D3-47A9-8B58-3E9D5903D36F}" destId="{6270C8CD-B5EF-4B7F-9A75-AA2E0ED3954A}" srcOrd="0" destOrd="0" presId="urn:microsoft.com/office/officeart/2008/layout/LinedList"/>
+    <dgm:cxn modelId="{0DFEB7BE-CFB5-42DE-8F3A-9DF2DE666210}" srcId="{41E042BB-36AC-47A5-8919-DC16FD2CBD57}" destId="{A5741C0A-F462-40D3-9D44-3295F7C690E4}" srcOrd="1" destOrd="0" parTransId="{3122410B-BADB-40BE-8F88-DB18B2B911FB}" sibTransId="{49B4EE80-C240-4335-8A14-E1744F8E350E}"/>
+    <dgm:cxn modelId="{4B475DD6-670E-4B2D-9308-581FF818B34B}" srcId="{41E042BB-36AC-47A5-8919-DC16FD2CBD57}" destId="{098E8732-22E6-40B1-9E66-1ED517231FE1}" srcOrd="3" destOrd="0" parTransId="{C22493E7-BA86-46DA-BD91-0A74CF3638BA}" sibTransId="{4BE09792-8266-47FC-A64C-FB87A6AF6168}"/>
+    <dgm:cxn modelId="{107AB28F-F57C-4B40-899D-8162CA0D22B9}" type="presParOf" srcId="{651951E6-81C5-4C1F-8ABA-B17CF03B2BD0}" destId="{D8759DA1-2E8F-4AF2-BA42-013E92518D88}" srcOrd="0" destOrd="0" presId="urn:microsoft.com/office/officeart/2008/layout/LinedList"/>
+    <dgm:cxn modelId="{B232B4FB-C337-4BBA-9D7D-F67DC4A546C7}" type="presParOf" srcId="{651951E6-81C5-4C1F-8ABA-B17CF03B2BD0}" destId="{AB78AC06-4491-49FA-955A-7C8FAB50614E}" srcOrd="1" destOrd="0" presId="urn:microsoft.com/office/officeart/2008/layout/LinedList"/>
+    <dgm:cxn modelId="{EFD5E50D-00EC-4F86-B611-10D105084057}" type="presParOf" srcId="{AB78AC06-4491-49FA-955A-7C8FAB50614E}" destId="{6270C8CD-B5EF-4B7F-9A75-AA2E0ED3954A}" srcOrd="0" destOrd="0" presId="urn:microsoft.com/office/officeart/2008/layout/LinedList"/>
+    <dgm:cxn modelId="{AC797B6D-F726-4B4F-BF4D-55A20B5CA343}" type="presParOf" srcId="{AB78AC06-4491-49FA-955A-7C8FAB50614E}" destId="{815CF3D2-CC26-484B-A025-0A2FFEC2092C}" srcOrd="1" destOrd="0" presId="urn:microsoft.com/office/officeart/2008/layout/LinedList"/>
+    <dgm:cxn modelId="{C253C59E-F095-41CA-9A54-94C2EB1894D7}" type="presParOf" srcId="{651951E6-81C5-4C1F-8ABA-B17CF03B2BD0}" destId="{36147585-689E-45C9-97F1-59273DE30695}" srcOrd="2" destOrd="0" presId="urn:microsoft.com/office/officeart/2008/layout/LinedList"/>
+    <dgm:cxn modelId="{016B2119-38B8-4508-85C1-119F78D3BE62}" type="presParOf" srcId="{651951E6-81C5-4C1F-8ABA-B17CF03B2BD0}" destId="{AB4A9FCF-25FD-4A71-A706-391AE66F0ECF}" srcOrd="3" destOrd="0" presId="urn:microsoft.com/office/officeart/2008/layout/LinedList"/>
+    <dgm:cxn modelId="{9537A4C1-6449-47A2-8C1F-DA42D34DE8F6}" type="presParOf" srcId="{AB4A9FCF-25FD-4A71-A706-391AE66F0ECF}" destId="{F14A6B18-6C4A-4C03-B74C-4010C0EAF5A9}" srcOrd="0" destOrd="0" presId="urn:microsoft.com/office/officeart/2008/layout/LinedList"/>
+    <dgm:cxn modelId="{FB13A11A-DA3F-4EC7-8C38-F0F8A8C1F160}" type="presParOf" srcId="{AB4A9FCF-25FD-4A71-A706-391AE66F0ECF}" destId="{0EF2AC75-08F3-4758-AED4-16469D8101C1}" srcOrd="1" destOrd="0" presId="urn:microsoft.com/office/officeart/2008/layout/LinedList"/>
+    <dgm:cxn modelId="{18DCE528-E290-48AA-A21D-0254A21F31B2}" type="presParOf" srcId="{651951E6-81C5-4C1F-8ABA-B17CF03B2BD0}" destId="{A2FD83C6-D6DC-4923-9AED-8C552DB83FFF}" srcOrd="4" destOrd="0" presId="urn:microsoft.com/office/officeart/2008/layout/LinedList"/>
+    <dgm:cxn modelId="{3211FF7A-E451-4771-8DE2-FB981254E03A}" type="presParOf" srcId="{651951E6-81C5-4C1F-8ABA-B17CF03B2BD0}" destId="{542D6709-1F39-4E61-93A8-A965C3A26F6D}" srcOrd="5" destOrd="0" presId="urn:microsoft.com/office/officeart/2008/layout/LinedList"/>
+    <dgm:cxn modelId="{C15FDB54-DF02-4089-B508-106C0EFBB04A}" type="presParOf" srcId="{542D6709-1F39-4E61-93A8-A965C3A26F6D}" destId="{9871352F-58FF-46AF-9AEC-110177DA9E3B}" srcOrd="0" destOrd="0" presId="urn:microsoft.com/office/officeart/2008/layout/LinedList"/>
+    <dgm:cxn modelId="{2CD2BC1C-7947-4096-A289-7360A213537B}" type="presParOf" srcId="{542D6709-1F39-4E61-93A8-A965C3A26F6D}" destId="{B9BBBFA7-C327-46BC-8755-05BFA6787A75}" srcOrd="1" destOrd="0" presId="urn:microsoft.com/office/officeart/2008/layout/LinedList"/>
+    <dgm:cxn modelId="{460209B7-4C2A-4DD9-84FF-92BFAF889CE4}" type="presParOf" srcId="{651951E6-81C5-4C1F-8ABA-B17CF03B2BD0}" destId="{8EBEEC43-9F41-4CAD-A9C2-030466C826CC}" srcOrd="6" destOrd="0" presId="urn:microsoft.com/office/officeart/2008/layout/LinedList"/>
+    <dgm:cxn modelId="{E0ECA463-B838-4ED5-A837-ACB9F1A1CBD7}" type="presParOf" srcId="{651951E6-81C5-4C1F-8ABA-B17CF03B2BD0}" destId="{54C7B9B7-41CD-47DC-9AFD-99A50E1C9FD6}" srcOrd="7" destOrd="0" presId="urn:microsoft.com/office/officeart/2008/layout/LinedList"/>
+    <dgm:cxn modelId="{9C7A65AE-3E27-41EA-BF8A-C07C16508DDF}" type="presParOf" srcId="{54C7B9B7-41CD-47DC-9AFD-99A50E1C9FD6}" destId="{40E948BF-4BE4-459C-AD0D-2959A1A2565B}" srcOrd="0" destOrd="0" presId="urn:microsoft.com/office/officeart/2008/layout/LinedList"/>
+    <dgm:cxn modelId="{15EE999C-572D-4847-9C24-BA98EE04DB97}" type="presParOf" srcId="{54C7B9B7-41CD-47DC-9AFD-99A50E1C9FD6}" destId="{EAC23DFC-85D1-4B2E-A615-6CB3D5BB035D}" srcOrd="1" destOrd="0" presId="urn:microsoft.com/office/officeart/2008/layout/LinedList"/>
+    <dgm:cxn modelId="{F2664DB9-09F9-43D1-83F6-5C99D703E82C}" type="presParOf" srcId="{651951E6-81C5-4C1F-8ABA-B17CF03B2BD0}" destId="{956D056F-A9CE-4865-9756-E8EAF5960C8C}" srcOrd="8" destOrd="0" presId="urn:microsoft.com/office/officeart/2008/layout/LinedList"/>
+    <dgm:cxn modelId="{49A6FBE3-FF8D-4B60-928C-3FE99702F99D}" type="presParOf" srcId="{651951E6-81C5-4C1F-8ABA-B17CF03B2BD0}" destId="{576D642B-1598-4313-824D-1844820E3CB2}" srcOrd="9" destOrd="0" presId="urn:microsoft.com/office/officeart/2008/layout/LinedList"/>
+    <dgm:cxn modelId="{07AD8E8E-B630-4AE7-9D8D-6D633AEA6272}" type="presParOf" srcId="{576D642B-1598-4313-824D-1844820E3CB2}" destId="{311DD5AD-8D7C-46DC-A9C4-919BB2E948A1}" srcOrd="0" destOrd="0" presId="urn:microsoft.com/office/officeart/2008/layout/LinedList"/>
+    <dgm:cxn modelId="{C9597FE0-2DFA-430B-B071-9F20A83FE22A}" type="presParOf" srcId="{576D642B-1598-4313-824D-1844820E3CB2}" destId="{6DE22B4D-4500-47E5-BAF6-E2E76F2E738D}" srcOrd="1" destOrd="0" presId="urn:microsoft.com/office/officeart/2008/layout/LinedList"/>
+    <dgm:cxn modelId="{48D5BE0B-2B1D-4F69-B8F3-E6E21CF45D09}" type="presParOf" srcId="{651951E6-81C5-4C1F-8ABA-B17CF03B2BD0}" destId="{7F364BE3-1128-4F28-92FC-457AFA3B91D9}" srcOrd="10" destOrd="0" presId="urn:microsoft.com/office/officeart/2008/layout/LinedList"/>
+    <dgm:cxn modelId="{EACF9192-9017-4CB9-99F9-C7D06BE64B35}" type="presParOf" srcId="{651951E6-81C5-4C1F-8ABA-B17CF03B2BD0}" destId="{C5DE81CA-B389-4969-94D9-8C2165913F36}" srcOrd="11" destOrd="0" presId="urn:microsoft.com/office/officeart/2008/layout/LinedList"/>
+    <dgm:cxn modelId="{1DCD420B-0C06-4092-B0D7-10ACBFBAD8E6}" type="presParOf" srcId="{C5DE81CA-B389-4969-94D9-8C2165913F36}" destId="{C3F7EC63-0F91-4D89-89DB-B416CF656C3D}" srcOrd="0" destOrd="0" presId="urn:microsoft.com/office/officeart/2008/layout/LinedList"/>
+    <dgm:cxn modelId="{B5CD6397-A01D-4A05-9034-FAE3991D6DC6}" type="presParOf" srcId="{C5DE81CA-B389-4969-94D9-8C2165913F36}" destId="{EAB69E89-332A-4728-8CDA-FBCE247B3CF3}" srcOrd="1" destOrd="0" presId="urn:microsoft.com/office/officeart/2008/layout/LinedList"/>
+  </dgm:cxnLst>
+  <dgm:bg/>
+  <dgm:whole/>
+  <dgm:extLst>
+    <a:ext uri="http://schemas.microsoft.com/office/drawing/2008/diagram">
+      <dsp:dataModelExt xmlns:dsp="http://schemas.microsoft.com/office/drawing/2008/diagram" relId="rId6" minVer="http://schemas.openxmlformats.org/drawingml/2006/diagram"/>
+    </a:ext>
+  </dgm:extLst>
+</dgm:dataModel>
+</file>
+
+<file path=ppt/diagrams/data3.xml><?xml version="1.0" encoding="utf-8"?>
+<dgm:dataModel xmlns:dgm="http://schemas.openxmlformats.org/drawingml/2006/diagram" xmlns:a="http://schemas.openxmlformats.org/drawingml/2006/main">
+  <dgm:ptLst>
+    <dgm:pt modelId="{A1CA0B8F-2BDC-4C66-B2CB-B7942381130A}" type="doc">
+      <dgm:prSet loTypeId="urn:microsoft.com/office/officeart/2008/layout/LinedList" loCatId="list" qsTypeId="urn:microsoft.com/office/officeart/2005/8/quickstyle/simple1" qsCatId="simple" csTypeId="urn:microsoft.com/office/officeart/2005/8/colors/accent0_3" csCatId="mainScheme" phldr="1"/>
+      <dgm:spPr/>
+      <dgm:t>
+        <a:bodyPr/>
+        <a:lstStyle/>
+        <a:p>
+          <a:endParaRPr lang="en-US"/>
+        </a:p>
+      </dgm:t>
+    </dgm:pt>
+    <dgm:pt modelId="{CF71E6AF-14ED-47D3-85F9-700DB9CF6E45}">
+      <dgm:prSet/>
+      <dgm:spPr/>
+      <dgm:t>
+        <a:bodyPr/>
+        <a:lstStyle/>
+        <a:p>
+          <a:r>
+            <a:rPr lang="ru-RU" dirty="0"/>
+            <a:t>На первом месте определенно </a:t>
+          </a:r>
+          <a:r>
+            <a:rPr lang="ru-RU" b="1" dirty="0"/>
+            <a:t>движение тела змейки</a:t>
+          </a:r>
+          <a:r>
+            <a:rPr lang="ru-RU" dirty="0"/>
+            <a:t>. Несмотря на простой механизм, сегменты упорно не хотели следовать за головой</a:t>
+          </a:r>
+          <a:endParaRPr lang="en-US" dirty="0"/>
+        </a:p>
+      </dgm:t>
+    </dgm:pt>
+    <dgm:pt modelId="{E4226AFE-F4F6-4FF4-BAC4-D92E0A8819A6}" type="parTrans" cxnId="{BA710EBE-8A76-454F-903B-301F10E90A09}">
+      <dgm:prSet/>
+      <dgm:spPr/>
+      <dgm:t>
+        <a:bodyPr/>
+        <a:lstStyle/>
+        <a:p>
+          <a:endParaRPr lang="en-US"/>
+        </a:p>
+      </dgm:t>
+    </dgm:pt>
+    <dgm:pt modelId="{04F61547-F998-45F6-BE11-0B7FBE1BD433}" type="sibTrans" cxnId="{BA710EBE-8A76-454F-903B-301F10E90A09}">
+      <dgm:prSet/>
+      <dgm:spPr/>
+      <dgm:t>
+        <a:bodyPr/>
+        <a:lstStyle/>
+        <a:p>
+          <a:endParaRPr lang="en-US"/>
+        </a:p>
+      </dgm:t>
+    </dgm:pt>
+    <dgm:pt modelId="{EF929EE0-84C8-4091-9882-A834FB7395FC}">
+      <dgm:prSet/>
+      <dgm:spPr/>
+      <dgm:t>
+        <a:bodyPr/>
+        <a:lstStyle/>
+        <a:p>
+          <a:r>
+            <a:rPr lang="ru-RU" b="1" dirty="0"/>
+            <a:t>Проверка столкновений змейки </a:t>
+          </a:r>
+          <a:r>
+            <a:rPr lang="ru-RU" dirty="0"/>
+            <a:t>– из-за разницы в пиксель, змейка не желала двигаться, сталкиваясь со стенками в первые секунды своей жизни</a:t>
+          </a:r>
+          <a:endParaRPr lang="en-US" dirty="0"/>
+        </a:p>
+      </dgm:t>
+    </dgm:pt>
+    <dgm:pt modelId="{3A4394D5-E9D9-4AAF-A12F-DFADCBB7FD22}" type="parTrans" cxnId="{49987BBF-233D-47C5-8D78-533113C10533}">
+      <dgm:prSet/>
+      <dgm:spPr/>
+      <dgm:t>
+        <a:bodyPr/>
+        <a:lstStyle/>
+        <a:p>
+          <a:endParaRPr lang="en-US"/>
+        </a:p>
+      </dgm:t>
+    </dgm:pt>
+    <dgm:pt modelId="{734D72C9-44F6-426E-B168-CB88885A1B07}" type="sibTrans" cxnId="{49987BBF-233D-47C5-8D78-533113C10533}">
+      <dgm:prSet/>
+      <dgm:spPr/>
+      <dgm:t>
+        <a:bodyPr/>
+        <a:lstStyle/>
+        <a:p>
+          <a:endParaRPr lang="en-US"/>
+        </a:p>
+      </dgm:t>
+    </dgm:pt>
+    <dgm:pt modelId="{61A90370-529E-4ED9-8FB4-20A03D1EA7FD}" type="pres">
+      <dgm:prSet presAssocID="{A1CA0B8F-2BDC-4C66-B2CB-B7942381130A}" presName="vert0" presStyleCnt="0">
+        <dgm:presLayoutVars>
+          <dgm:dir/>
+          <dgm:animOne val="branch"/>
+          <dgm:animLvl val="lvl"/>
+        </dgm:presLayoutVars>
+      </dgm:prSet>
+      <dgm:spPr/>
+    </dgm:pt>
+    <dgm:pt modelId="{3CAC78A1-6A5A-44E7-BE85-1F1BE52C38F7}" type="pres">
+      <dgm:prSet presAssocID="{CF71E6AF-14ED-47D3-85F9-700DB9CF6E45}" presName="thickLine" presStyleLbl="alignNode1" presStyleIdx="0" presStyleCnt="2"/>
+      <dgm:spPr/>
+    </dgm:pt>
+    <dgm:pt modelId="{8F21999C-3713-45F3-971C-E2141C93BFFD}" type="pres">
+      <dgm:prSet presAssocID="{CF71E6AF-14ED-47D3-85F9-700DB9CF6E45}" presName="horz1" presStyleCnt="0"/>
+      <dgm:spPr/>
+    </dgm:pt>
+    <dgm:pt modelId="{CFA9B632-B69F-4825-8000-0CDDBCC25CD1}" type="pres">
+      <dgm:prSet presAssocID="{CF71E6AF-14ED-47D3-85F9-700DB9CF6E45}" presName="tx1" presStyleLbl="revTx" presStyleIdx="0" presStyleCnt="2"/>
+      <dgm:spPr/>
+    </dgm:pt>
+    <dgm:pt modelId="{78307B14-3F50-4FB5-BE5E-8A8FCE45E2AF}" type="pres">
+      <dgm:prSet presAssocID="{CF71E6AF-14ED-47D3-85F9-700DB9CF6E45}" presName="vert1" presStyleCnt="0"/>
+      <dgm:spPr/>
+    </dgm:pt>
+    <dgm:pt modelId="{C7CFC77A-5B06-40F3-B83F-85D59098540C}" type="pres">
+      <dgm:prSet presAssocID="{EF929EE0-84C8-4091-9882-A834FB7395FC}" presName="thickLine" presStyleLbl="alignNode1" presStyleIdx="1" presStyleCnt="2"/>
+      <dgm:spPr/>
+    </dgm:pt>
+    <dgm:pt modelId="{E45C2521-4B18-4B63-BC4E-47314692FA66}" type="pres">
+      <dgm:prSet presAssocID="{EF929EE0-84C8-4091-9882-A834FB7395FC}" presName="horz1" presStyleCnt="0"/>
+      <dgm:spPr/>
+    </dgm:pt>
+    <dgm:pt modelId="{A4C6C060-10F3-48B1-854D-504B4425F321}" type="pres">
+      <dgm:prSet presAssocID="{EF929EE0-84C8-4091-9882-A834FB7395FC}" presName="tx1" presStyleLbl="revTx" presStyleIdx="1" presStyleCnt="2"/>
+      <dgm:spPr/>
+    </dgm:pt>
+    <dgm:pt modelId="{D2EE56E2-9E40-4427-A89C-3D5484274D1D}" type="pres">
+      <dgm:prSet presAssocID="{EF929EE0-84C8-4091-9882-A834FB7395FC}" presName="vert1" presStyleCnt="0"/>
+      <dgm:spPr/>
+    </dgm:pt>
+  </dgm:ptLst>
+  <dgm:cxnLst>
+    <dgm:cxn modelId="{9C2E783A-E764-4723-AA99-099887F0FCB9}" type="presOf" srcId="{A1CA0B8F-2BDC-4C66-B2CB-B7942381130A}" destId="{61A90370-529E-4ED9-8FB4-20A03D1EA7FD}" srcOrd="0" destOrd="0" presId="urn:microsoft.com/office/officeart/2008/layout/LinedList"/>
+    <dgm:cxn modelId="{09FE4247-7AF9-472D-8753-EB5710149DC7}" type="presOf" srcId="{CF71E6AF-14ED-47D3-85F9-700DB9CF6E45}" destId="{CFA9B632-B69F-4825-8000-0CDDBCC25CD1}" srcOrd="0" destOrd="0" presId="urn:microsoft.com/office/officeart/2008/layout/LinedList"/>
+    <dgm:cxn modelId="{1BF5CEAF-BDB6-412D-98A0-C4420B54C9BA}" type="presOf" srcId="{EF929EE0-84C8-4091-9882-A834FB7395FC}" destId="{A4C6C060-10F3-48B1-854D-504B4425F321}" srcOrd="0" destOrd="0" presId="urn:microsoft.com/office/officeart/2008/layout/LinedList"/>
+    <dgm:cxn modelId="{BA710EBE-8A76-454F-903B-301F10E90A09}" srcId="{A1CA0B8F-2BDC-4C66-B2CB-B7942381130A}" destId="{CF71E6AF-14ED-47D3-85F9-700DB9CF6E45}" srcOrd="0" destOrd="0" parTransId="{E4226AFE-F4F6-4FF4-BAC4-D92E0A8819A6}" sibTransId="{04F61547-F998-45F6-BE11-0B7FBE1BD433}"/>
+    <dgm:cxn modelId="{49987BBF-233D-47C5-8D78-533113C10533}" srcId="{A1CA0B8F-2BDC-4C66-B2CB-B7942381130A}" destId="{EF929EE0-84C8-4091-9882-A834FB7395FC}" srcOrd="1" destOrd="0" parTransId="{3A4394D5-E9D9-4AAF-A12F-DFADCBB7FD22}" sibTransId="{734D72C9-44F6-426E-B168-CB88885A1B07}"/>
+    <dgm:cxn modelId="{E115B69B-EAB1-4661-B7D1-04ACD8684C99}" type="presParOf" srcId="{61A90370-529E-4ED9-8FB4-20A03D1EA7FD}" destId="{3CAC78A1-6A5A-44E7-BE85-1F1BE52C38F7}" srcOrd="0" destOrd="0" presId="urn:microsoft.com/office/officeart/2008/layout/LinedList"/>
+    <dgm:cxn modelId="{CDE316F4-908B-4F16-8A6E-5B096D43D090}" type="presParOf" srcId="{61A90370-529E-4ED9-8FB4-20A03D1EA7FD}" destId="{8F21999C-3713-45F3-971C-E2141C93BFFD}" srcOrd="1" destOrd="0" presId="urn:microsoft.com/office/officeart/2008/layout/LinedList"/>
+    <dgm:cxn modelId="{F44F0626-9847-43BD-992A-35DBABCCF379}" type="presParOf" srcId="{8F21999C-3713-45F3-971C-E2141C93BFFD}" destId="{CFA9B632-B69F-4825-8000-0CDDBCC25CD1}" srcOrd="0" destOrd="0" presId="urn:microsoft.com/office/officeart/2008/layout/LinedList"/>
+    <dgm:cxn modelId="{D72CDB5A-E690-4775-8B40-E2CFEE73EFE3}" type="presParOf" srcId="{8F21999C-3713-45F3-971C-E2141C93BFFD}" destId="{78307B14-3F50-4FB5-BE5E-8A8FCE45E2AF}" srcOrd="1" destOrd="0" presId="urn:microsoft.com/office/officeart/2008/layout/LinedList"/>
+    <dgm:cxn modelId="{53D76BA6-F864-430A-A390-E892112228FF}" type="presParOf" srcId="{61A90370-529E-4ED9-8FB4-20A03D1EA7FD}" destId="{C7CFC77A-5B06-40F3-B83F-85D59098540C}" srcOrd="2" destOrd="0" presId="urn:microsoft.com/office/officeart/2008/layout/LinedList"/>
+    <dgm:cxn modelId="{C7419F30-1BE8-44C7-9A4E-5FA2BC51A3F8}" type="presParOf" srcId="{61A90370-529E-4ED9-8FB4-20A03D1EA7FD}" destId="{E45C2521-4B18-4B63-BC4E-47314692FA66}" srcOrd="3" destOrd="0" presId="urn:microsoft.com/office/officeart/2008/layout/LinedList"/>
+    <dgm:cxn modelId="{D8F2D337-1E2D-4A54-90CF-F0AA8776A25B}" type="presParOf" srcId="{E45C2521-4B18-4B63-BC4E-47314692FA66}" destId="{A4C6C060-10F3-48B1-854D-504B4425F321}" srcOrd="0" destOrd="0" presId="urn:microsoft.com/office/officeart/2008/layout/LinedList"/>
+    <dgm:cxn modelId="{A6414DAB-1E56-447D-A4C2-C67ABE1214F1}" type="presParOf" srcId="{E45C2521-4B18-4B63-BC4E-47314692FA66}" destId="{D2EE56E2-9E40-4427-A89C-3D5484274D1D}" srcOrd="1" destOrd="0" presId="urn:microsoft.com/office/officeart/2008/layout/LinedList"/>
+  </dgm:cxnLst>
+  <dgm:bg/>
+  <dgm:whole/>
+  <dgm:extLst>
+    <a:ext uri="http://schemas.microsoft.com/office/drawing/2008/diagram">
+      <dsp:dataModelExt xmlns:dsp="http://schemas.microsoft.com/office/drawing/2008/diagram" relId="rId6" minVer="http://schemas.openxmlformats.org/drawingml/2006/diagram"/>
+    </a:ext>
+  </dgm:extLst>
+</dgm:dataModel>
+</file>
+
+<file path=ppt/diagrams/drawing1.xml><?xml version="1.0" encoding="utf-8"?>
+<dsp:drawing xmlns:dgm="http://schemas.openxmlformats.org/drawingml/2006/diagram" xmlns:dsp="http://schemas.microsoft.com/office/drawing/2008/diagram" xmlns:a="http://schemas.openxmlformats.org/drawingml/2006/main">
+  <dsp:spTree>
+    <dsp:nvGrpSpPr>
+      <dsp:cNvPr id="0" name=""/>
+      <dsp:cNvGrpSpPr/>
+    </dsp:nvGrpSpPr>
+    <dsp:grpSpPr/>
+    <dsp:sp modelId="{B9A82385-6047-4434-8DE7-AC75F277FFDC}">
+      <dsp:nvSpPr>
+        <dsp:cNvPr id="0" name=""/>
+        <dsp:cNvSpPr/>
+      </dsp:nvSpPr>
+      <dsp:spPr>
+        <a:xfrm>
+          <a:off x="0" y="600303"/>
+          <a:ext cx="10168127" cy="1108252"/>
+        </a:xfrm>
+        <a:prstGeom prst="roundRect">
+          <a:avLst>
+            <a:gd name="adj" fmla="val 10000"/>
+          </a:avLst>
+        </a:prstGeom>
+        <a:solidFill>
+          <a:schemeClr val="accent1">
+            <a:tint val="40000"/>
+            <a:hueOff val="0"/>
+            <a:satOff val="0"/>
+            <a:lumOff val="0"/>
+            <a:alphaOff val="0"/>
+          </a:schemeClr>
+        </a:solidFill>
+        <a:ln>
+          <a:noFill/>
+        </a:ln>
+        <a:effectLst/>
+      </dsp:spPr>
+      <dsp:style>
+        <a:lnRef idx="0">
+          <a:scrgbClr r="0" g="0" b="0"/>
+        </a:lnRef>
+        <a:fillRef idx="1">
+          <a:scrgbClr r="0" g="0" b="0"/>
+        </a:fillRef>
+        <a:effectRef idx="0">
+          <a:scrgbClr r="0" g="0" b="0"/>
+        </a:effectRef>
+        <a:fontRef idx="minor"/>
+      </dsp:style>
+    </dsp:sp>
+    <dsp:sp modelId="{05F2E0A1-AA6B-4634-9D0C-EF1414852D06}">
+      <dsp:nvSpPr>
+        <dsp:cNvPr id="0" name=""/>
+        <dsp:cNvSpPr/>
+      </dsp:nvSpPr>
+      <dsp:spPr>
+        <a:xfrm>
+          <a:off x="335246" y="849660"/>
+          <a:ext cx="609539" cy="609539"/>
+        </a:xfrm>
+        <a:prstGeom prst="rect">
+          <a:avLst/>
+        </a:prstGeom>
+        <a:blipFill>
+          <a:blip xmlns:r="http://schemas.openxmlformats.org/officeDocument/2006/relationships" r:embed="rId1">
+            <a:extLst>
+              <a:ext uri="{28A0092B-C50C-407E-A947-70E740481C1C}">
+                <a14:useLocalDpi xmlns:a14="http://schemas.microsoft.com/office/drawing/2010/main" val="0"/>
+              </a:ext>
+              <a:ext uri="{96DAC541-7B7A-43D3-8B79-37D633B846F1}">
+                <asvg:svgBlip xmlns:asvg="http://schemas.microsoft.com/office/drawing/2016/SVG/main" r:embed="rId2"/>
+              </a:ext>
+            </a:extLst>
+          </a:blip>
+          <a:stretch>
+            <a:fillRect/>
+          </a:stretch>
+        </a:blipFill>
+        <a:ln w="12700" cap="flat" cmpd="sng" algn="ctr">
+          <a:solidFill>
+            <a:schemeClr val="lt1">
+              <a:hueOff val="0"/>
+              <a:satOff val="0"/>
+              <a:lumOff val="0"/>
+              <a:alphaOff val="0"/>
+            </a:schemeClr>
+          </a:solidFill>
+          <a:prstDash val="solid"/>
+          <a:miter lim="800000"/>
+        </a:ln>
+        <a:effectLst/>
+      </dsp:spPr>
+      <dsp:style>
+        <a:lnRef idx="2">
+          <a:scrgbClr r="0" g="0" b="0"/>
+        </a:lnRef>
+        <a:fillRef idx="1">
+          <a:scrgbClr r="0" g="0" b="0"/>
+        </a:fillRef>
+        <a:effectRef idx="0">
+          <a:scrgbClr r="0" g="0" b="0"/>
+        </a:effectRef>
+        <a:fontRef idx="minor">
+          <a:schemeClr val="lt1"/>
+        </a:fontRef>
+      </dsp:style>
+    </dsp:sp>
+    <dsp:sp modelId="{9132600E-7EC0-4B90-8083-9F15F06CEF06}">
+      <dsp:nvSpPr>
+        <dsp:cNvPr id="0" name=""/>
+        <dsp:cNvSpPr/>
+      </dsp:nvSpPr>
+      <dsp:spPr>
+        <a:xfrm>
+          <a:off x="1280031" y="600303"/>
+          <a:ext cx="8888096" cy="1108252"/>
+        </a:xfrm>
+        <a:prstGeom prst="rect">
+          <a:avLst/>
+        </a:prstGeom>
+        <a:noFill/>
+        <a:ln>
+          <a:noFill/>
+        </a:ln>
+        <a:effectLst/>
+      </dsp:spPr>
+      <dsp:style>
+        <a:lnRef idx="0">
+          <a:scrgbClr r="0" g="0" b="0"/>
+        </a:lnRef>
+        <a:fillRef idx="0">
+          <a:scrgbClr r="0" g="0" b="0"/>
+        </a:fillRef>
+        <a:effectRef idx="0">
+          <a:scrgbClr r="0" g="0" b="0"/>
+        </a:effectRef>
+        <a:fontRef idx="minor"/>
+      </dsp:style>
+      <dsp:txBody>
+        <a:bodyPr spcFirstLastPara="0" vert="horz" wrap="square" lIns="117290" tIns="117290" rIns="117290" bIns="117290" numCol="1" spcCol="1270" anchor="ctr" anchorCtr="0">
+          <a:noAutofit/>
+        </a:bodyPr>
+        <a:lstStyle/>
+        <a:p>
+          <a:pPr marL="0" lvl="0" indent="0" algn="l" defTabSz="1111250">
+            <a:lnSpc>
+              <a:spcPct val="100000"/>
+            </a:lnSpc>
+            <a:spcBef>
+              <a:spcPct val="0"/>
+            </a:spcBef>
+            <a:spcAft>
+              <a:spcPct val="35000"/>
+            </a:spcAft>
+            <a:buNone/>
+          </a:pPr>
+          <a:r>
+            <a:rPr lang="en-US" sz="2500" kern="1200"/>
+            <a:t>pygame, </a:t>
+          </a:r>
+          <a:r>
+            <a:rPr lang="ru-RU" sz="2500" kern="1200"/>
+            <a:t>игровой движок</a:t>
+          </a:r>
+          <a:endParaRPr lang="en-US" sz="2500" kern="1200"/>
+        </a:p>
+      </dsp:txBody>
+      <dsp:txXfrm>
+        <a:off x="1280031" y="600303"/>
+        <a:ext cx="8888096" cy="1108252"/>
+      </dsp:txXfrm>
+    </dsp:sp>
+    <dsp:sp modelId="{B34B93FC-821B-4CA7-826C-BC2B13F9E99C}">
+      <dsp:nvSpPr>
+        <dsp:cNvPr id="0" name=""/>
+        <dsp:cNvSpPr/>
+      </dsp:nvSpPr>
+      <dsp:spPr>
+        <a:xfrm>
+          <a:off x="0" y="1985619"/>
+          <a:ext cx="10168127" cy="1108252"/>
+        </a:xfrm>
+        <a:prstGeom prst="roundRect">
+          <a:avLst>
+            <a:gd name="adj" fmla="val 10000"/>
+          </a:avLst>
+        </a:prstGeom>
+        <a:solidFill>
+          <a:schemeClr val="accent1">
+            <a:tint val="40000"/>
+            <a:hueOff val="0"/>
+            <a:satOff val="0"/>
+            <a:lumOff val="0"/>
+            <a:alphaOff val="0"/>
+          </a:schemeClr>
+        </a:solidFill>
+        <a:ln>
+          <a:noFill/>
+        </a:ln>
+        <a:effectLst/>
+      </dsp:spPr>
+      <dsp:style>
+        <a:lnRef idx="0">
+          <a:scrgbClr r="0" g="0" b="0"/>
+        </a:lnRef>
+        <a:fillRef idx="1">
+          <a:scrgbClr r="0" g="0" b="0"/>
+        </a:fillRef>
+        <a:effectRef idx="0">
+          <a:scrgbClr r="0" g="0" b="0"/>
+        </a:effectRef>
+        <a:fontRef idx="minor"/>
+      </dsp:style>
+    </dsp:sp>
+    <dsp:sp modelId="{D125A438-377F-446D-9F3F-B4068764D36B}">
+      <dsp:nvSpPr>
+        <dsp:cNvPr id="0" name=""/>
+        <dsp:cNvSpPr/>
+      </dsp:nvSpPr>
+      <dsp:spPr>
+        <a:xfrm>
+          <a:off x="335246" y="2234976"/>
+          <a:ext cx="609539" cy="609539"/>
+        </a:xfrm>
+        <a:prstGeom prst="rect">
+          <a:avLst/>
+        </a:prstGeom>
+        <a:blipFill>
+          <a:blip xmlns:r="http://schemas.openxmlformats.org/officeDocument/2006/relationships" r:embed="rId3">
+            <a:extLst>
+              <a:ext uri="{28A0092B-C50C-407E-A947-70E740481C1C}">
+                <a14:useLocalDpi xmlns:a14="http://schemas.microsoft.com/office/drawing/2010/main" val="0"/>
+              </a:ext>
+              <a:ext uri="{96DAC541-7B7A-43D3-8B79-37D633B846F1}">
+                <asvg:svgBlip xmlns:asvg="http://schemas.microsoft.com/office/drawing/2016/SVG/main" r:embed="rId4"/>
+              </a:ext>
+            </a:extLst>
+          </a:blip>
+          <a:stretch>
+            <a:fillRect/>
+          </a:stretch>
+        </a:blipFill>
+        <a:ln w="12700" cap="flat" cmpd="sng" algn="ctr">
+          <a:solidFill>
+            <a:schemeClr val="lt1">
+              <a:hueOff val="0"/>
+              <a:satOff val="0"/>
+              <a:lumOff val="0"/>
+              <a:alphaOff val="0"/>
+            </a:schemeClr>
+          </a:solidFill>
+          <a:prstDash val="solid"/>
+          <a:miter lim="800000"/>
+        </a:ln>
+        <a:effectLst/>
+      </dsp:spPr>
+      <dsp:style>
+        <a:lnRef idx="2">
+          <a:scrgbClr r="0" g="0" b="0"/>
+        </a:lnRef>
+        <a:fillRef idx="1">
+          <a:scrgbClr r="0" g="0" b="0"/>
+        </a:fillRef>
+        <a:effectRef idx="0">
+          <a:scrgbClr r="0" g="0" b="0"/>
+        </a:effectRef>
+        <a:fontRef idx="minor">
+          <a:schemeClr val="lt1"/>
+        </a:fontRef>
+      </dsp:style>
+    </dsp:sp>
+    <dsp:sp modelId="{CB9B9131-A0B8-489A-8E76-FAD4556D787B}">
+      <dsp:nvSpPr>
+        <dsp:cNvPr id="0" name=""/>
+        <dsp:cNvSpPr/>
+      </dsp:nvSpPr>
+      <dsp:spPr>
+        <a:xfrm>
+          <a:off x="1280031" y="1985619"/>
+          <a:ext cx="8888096" cy="1108252"/>
+        </a:xfrm>
+        <a:prstGeom prst="rect">
+          <a:avLst/>
+        </a:prstGeom>
+        <a:noFill/>
+        <a:ln>
+          <a:noFill/>
+        </a:ln>
+        <a:effectLst/>
+      </dsp:spPr>
+      <dsp:style>
+        <a:lnRef idx="0">
+          <a:scrgbClr r="0" g="0" b="0"/>
+        </a:lnRef>
+        <a:fillRef idx="0">
+          <a:scrgbClr r="0" g="0" b="0"/>
+        </a:fillRef>
+        <a:effectRef idx="0">
+          <a:scrgbClr r="0" g="0" b="0"/>
+        </a:effectRef>
+        <a:fontRef idx="minor"/>
+      </dsp:style>
+      <dsp:txBody>
+        <a:bodyPr spcFirstLastPara="0" vert="horz" wrap="square" lIns="117290" tIns="117290" rIns="117290" bIns="117290" numCol="1" spcCol="1270" anchor="ctr" anchorCtr="0">
+          <a:noAutofit/>
+        </a:bodyPr>
+        <a:lstStyle/>
+        <a:p>
+          <a:pPr marL="0" lvl="0" indent="0" algn="l" defTabSz="1111250">
+            <a:lnSpc>
+              <a:spcPct val="100000"/>
+            </a:lnSpc>
+            <a:spcBef>
+              <a:spcPct val="0"/>
+            </a:spcBef>
+            <a:spcAft>
+              <a:spcPct val="35000"/>
+            </a:spcAft>
+            <a:buNone/>
+          </a:pPr>
+          <a:r>
+            <a:rPr lang="en-US" sz="2500" kern="1200"/>
+            <a:t>json – </a:t>
+          </a:r>
+          <a:r>
+            <a:rPr lang="ru-RU" sz="2500" kern="1200"/>
+            <a:t>запись в файлы результатов</a:t>
+          </a:r>
+          <a:endParaRPr lang="en-US" sz="2500" kern="1200"/>
+        </a:p>
+      </dsp:txBody>
+      <dsp:txXfrm>
+        <a:off x="1280031" y="1985619"/>
+        <a:ext cx="8888096" cy="1108252"/>
+      </dsp:txXfrm>
+    </dsp:sp>
+  </dsp:spTree>
+</dsp:drawing>
+</file>
+
+<file path=ppt/diagrams/drawing2.xml><?xml version="1.0" encoding="utf-8"?>
+<dsp:drawing xmlns:dgm="http://schemas.openxmlformats.org/drawingml/2006/diagram" xmlns:dsp="http://schemas.microsoft.com/office/drawing/2008/diagram" xmlns:a="http://schemas.openxmlformats.org/drawingml/2006/main">
+  <dsp:spTree>
+    <dsp:nvGrpSpPr>
+      <dsp:cNvPr id="0" name=""/>
+      <dsp:cNvGrpSpPr/>
+    </dsp:nvGrpSpPr>
+    <dsp:grpSpPr/>
+    <dsp:sp modelId="{D8759DA1-2E8F-4AF2-BA42-013E92518D88}">
+      <dsp:nvSpPr>
+        <dsp:cNvPr id="0" name=""/>
+        <dsp:cNvSpPr/>
+      </dsp:nvSpPr>
+      <dsp:spPr>
+        <a:xfrm>
+          <a:off x="0" y="1803"/>
+          <a:ext cx="10168127" cy="0"/>
+        </a:xfrm>
+        <a:prstGeom prst="line">
+          <a:avLst/>
+        </a:prstGeom>
+        <a:solidFill>
+          <a:schemeClr val="accent1">
+            <a:hueOff val="0"/>
+            <a:satOff val="0"/>
+            <a:lumOff val="0"/>
+            <a:alphaOff val="0"/>
+          </a:schemeClr>
+        </a:solidFill>
+        <a:ln w="12700" cap="flat" cmpd="sng" algn="ctr">
+          <a:solidFill>
+            <a:schemeClr val="accent1">
+              <a:hueOff val="0"/>
+              <a:satOff val="0"/>
+              <a:lumOff val="0"/>
+              <a:alphaOff val="0"/>
+            </a:schemeClr>
+          </a:solidFill>
+          <a:prstDash val="solid"/>
+          <a:miter lim="800000"/>
+        </a:ln>
+        <a:effectLst/>
+      </dsp:spPr>
+      <dsp:style>
+        <a:lnRef idx="2">
+          <a:scrgbClr r="0" g="0" b="0"/>
+        </a:lnRef>
+        <a:fillRef idx="1">
+          <a:scrgbClr r="0" g="0" b="0"/>
+        </a:fillRef>
+        <a:effectRef idx="0">
+          <a:scrgbClr r="0" g="0" b="0"/>
+        </a:effectRef>
+        <a:fontRef idx="minor">
+          <a:schemeClr val="lt1"/>
+        </a:fontRef>
+      </dsp:style>
+    </dsp:sp>
+    <dsp:sp modelId="{6270C8CD-B5EF-4B7F-9A75-AA2E0ED3954A}">
+      <dsp:nvSpPr>
+        <dsp:cNvPr id="0" name=""/>
+        <dsp:cNvSpPr/>
+      </dsp:nvSpPr>
+      <dsp:spPr>
+        <a:xfrm>
+          <a:off x="0" y="1803"/>
+          <a:ext cx="10168127" cy="615094"/>
+        </a:xfrm>
+        <a:prstGeom prst="rect">
+          <a:avLst/>
+        </a:prstGeom>
+        <a:noFill/>
+        <a:ln>
+          <a:noFill/>
+        </a:ln>
+        <a:effectLst/>
+      </dsp:spPr>
+      <dsp:style>
+        <a:lnRef idx="0">
+          <a:scrgbClr r="0" g="0" b="0"/>
+        </a:lnRef>
+        <a:fillRef idx="0">
+          <a:scrgbClr r="0" g="0" b="0"/>
+        </a:fillRef>
+        <a:effectRef idx="0">
+          <a:scrgbClr r="0" g="0" b="0"/>
+        </a:effectRef>
+        <a:fontRef idx="minor"/>
+      </dsp:style>
+      <dsp:txBody>
+        <a:bodyPr spcFirstLastPara="0" vert="horz" wrap="square" lIns="91440" tIns="91440" rIns="91440" bIns="91440" numCol="1" spcCol="1270" anchor="t" anchorCtr="0">
+          <a:noAutofit/>
+        </a:bodyPr>
+        <a:lstStyle/>
+        <a:p>
+          <a:pPr marL="0" lvl="0" indent="0" algn="l" defTabSz="1066800">
+            <a:lnSpc>
+              <a:spcPct val="90000"/>
+            </a:lnSpc>
+            <a:spcBef>
+              <a:spcPct val="0"/>
+            </a:spcBef>
+            <a:spcAft>
+              <a:spcPct val="35000"/>
+            </a:spcAft>
+            <a:buNone/>
+          </a:pPr>
+          <a:r>
+            <a:rPr lang="ru-RU" sz="2400" kern="1200"/>
+            <a:t>Игровой фон, отрисовка изображений сегментов</a:t>
+          </a:r>
+          <a:endParaRPr lang="en-US" sz="2400" kern="1200"/>
+        </a:p>
+      </dsp:txBody>
+      <dsp:txXfrm>
+        <a:off x="0" y="1803"/>
+        <a:ext cx="10168127" cy="615094"/>
+      </dsp:txXfrm>
+    </dsp:sp>
+    <dsp:sp modelId="{36147585-689E-45C9-97F1-59273DE30695}">
+      <dsp:nvSpPr>
+        <dsp:cNvPr id="0" name=""/>
+        <dsp:cNvSpPr/>
+      </dsp:nvSpPr>
+      <dsp:spPr>
+        <a:xfrm>
+          <a:off x="0" y="616898"/>
+          <a:ext cx="10168127" cy="0"/>
+        </a:xfrm>
+        <a:prstGeom prst="line">
+          <a:avLst/>
+        </a:prstGeom>
+        <a:solidFill>
+          <a:schemeClr val="accent1">
+            <a:hueOff val="0"/>
+            <a:satOff val="0"/>
+            <a:lumOff val="0"/>
+            <a:alphaOff val="0"/>
+          </a:schemeClr>
+        </a:solidFill>
+        <a:ln w="12700" cap="flat" cmpd="sng" algn="ctr">
+          <a:solidFill>
+            <a:schemeClr val="accent1">
+              <a:hueOff val="0"/>
+              <a:satOff val="0"/>
+              <a:lumOff val="0"/>
+              <a:alphaOff val="0"/>
+            </a:schemeClr>
+          </a:solidFill>
+          <a:prstDash val="solid"/>
+          <a:miter lim="800000"/>
+        </a:ln>
+        <a:effectLst/>
+      </dsp:spPr>
+      <dsp:style>
+        <a:lnRef idx="2">
+          <a:scrgbClr r="0" g="0" b="0"/>
+        </a:lnRef>
+        <a:fillRef idx="1">
+          <a:scrgbClr r="0" g="0" b="0"/>
+        </a:fillRef>
+        <a:effectRef idx="0">
+          <a:scrgbClr r="0" g="0" b="0"/>
+        </a:effectRef>
+        <a:fontRef idx="minor">
+          <a:schemeClr val="lt1"/>
+        </a:fontRef>
+      </dsp:style>
+    </dsp:sp>
+    <dsp:sp modelId="{F14A6B18-6C4A-4C03-B74C-4010C0EAF5A9}">
+      <dsp:nvSpPr>
+        <dsp:cNvPr id="0" name=""/>
+        <dsp:cNvSpPr/>
+      </dsp:nvSpPr>
+      <dsp:spPr>
+        <a:xfrm>
+          <a:off x="0" y="616898"/>
+          <a:ext cx="10168127" cy="615094"/>
+        </a:xfrm>
+        <a:prstGeom prst="rect">
+          <a:avLst/>
+        </a:prstGeom>
+        <a:noFill/>
+        <a:ln>
+          <a:noFill/>
+        </a:ln>
+        <a:effectLst/>
+      </dsp:spPr>
+      <dsp:style>
+        <a:lnRef idx="0">
+          <a:scrgbClr r="0" g="0" b="0"/>
+        </a:lnRef>
+        <a:fillRef idx="0">
+          <a:scrgbClr r="0" g="0" b="0"/>
+        </a:fillRef>
+        <a:effectRef idx="0">
+          <a:scrgbClr r="0" g="0" b="0"/>
+        </a:effectRef>
+        <a:fontRef idx="minor"/>
+      </dsp:style>
+      <dsp:txBody>
+        <a:bodyPr spcFirstLastPara="0" vert="horz" wrap="square" lIns="91440" tIns="91440" rIns="91440" bIns="91440" numCol="1" spcCol="1270" anchor="t" anchorCtr="0">
+          <a:noAutofit/>
+        </a:bodyPr>
+        <a:lstStyle/>
+        <a:p>
+          <a:pPr marL="0" lvl="0" indent="0" algn="l" defTabSz="1066800">
+            <a:lnSpc>
+              <a:spcPct val="90000"/>
+            </a:lnSpc>
+            <a:spcBef>
+              <a:spcPct val="0"/>
+            </a:spcBef>
+            <a:spcAft>
+              <a:spcPct val="35000"/>
+            </a:spcAft>
+            <a:buNone/>
+          </a:pPr>
+          <a:r>
+            <a:rPr lang="ru-RU" sz="2400" kern="1200"/>
+            <a:t>Случайное появление яблок на игровом поле</a:t>
+          </a:r>
+          <a:endParaRPr lang="en-US" sz="2400" kern="1200"/>
+        </a:p>
+      </dsp:txBody>
+      <dsp:txXfrm>
+        <a:off x="0" y="616898"/>
+        <a:ext cx="10168127" cy="615094"/>
+      </dsp:txXfrm>
+    </dsp:sp>
+    <dsp:sp modelId="{A2FD83C6-D6DC-4923-9AED-8C552DB83FFF}">
+      <dsp:nvSpPr>
+        <dsp:cNvPr id="0" name=""/>
+        <dsp:cNvSpPr/>
+      </dsp:nvSpPr>
+      <dsp:spPr>
+        <a:xfrm>
+          <a:off x="0" y="1231993"/>
+          <a:ext cx="10168127" cy="0"/>
+        </a:xfrm>
+        <a:prstGeom prst="line">
+          <a:avLst/>
+        </a:prstGeom>
+        <a:solidFill>
+          <a:schemeClr val="accent1">
+            <a:hueOff val="0"/>
+            <a:satOff val="0"/>
+            <a:lumOff val="0"/>
+            <a:alphaOff val="0"/>
+          </a:schemeClr>
+        </a:solidFill>
+        <a:ln w="12700" cap="flat" cmpd="sng" algn="ctr">
+          <a:solidFill>
+            <a:schemeClr val="accent1">
+              <a:hueOff val="0"/>
+              <a:satOff val="0"/>
+              <a:lumOff val="0"/>
+              <a:alphaOff val="0"/>
+            </a:schemeClr>
+          </a:solidFill>
+          <a:prstDash val="solid"/>
+          <a:miter lim="800000"/>
+        </a:ln>
+        <a:effectLst/>
+      </dsp:spPr>
+      <dsp:style>
+        <a:lnRef idx="2">
+          <a:scrgbClr r="0" g="0" b="0"/>
+        </a:lnRef>
+        <a:fillRef idx="1">
+          <a:scrgbClr r="0" g="0" b="0"/>
+        </a:fillRef>
+        <a:effectRef idx="0">
+          <a:scrgbClr r="0" g="0" b="0"/>
+        </a:effectRef>
+        <a:fontRef idx="minor">
+          <a:schemeClr val="lt1"/>
+        </a:fontRef>
+      </dsp:style>
+    </dsp:sp>
+    <dsp:sp modelId="{9871352F-58FF-46AF-9AEC-110177DA9E3B}">
+      <dsp:nvSpPr>
+        <dsp:cNvPr id="0" name=""/>
+        <dsp:cNvSpPr/>
+      </dsp:nvSpPr>
+      <dsp:spPr>
+        <a:xfrm>
+          <a:off x="0" y="1231993"/>
+          <a:ext cx="10168127" cy="615094"/>
+        </a:xfrm>
+        <a:prstGeom prst="rect">
+          <a:avLst/>
+        </a:prstGeom>
+        <a:noFill/>
+        <a:ln>
+          <a:noFill/>
+        </a:ln>
+        <a:effectLst/>
+      </dsp:spPr>
+      <dsp:style>
+        <a:lnRef idx="0">
+          <a:scrgbClr r="0" g="0" b="0"/>
+        </a:lnRef>
+        <a:fillRef idx="0">
+          <a:scrgbClr r="0" g="0" b="0"/>
+        </a:fillRef>
+        <a:effectRef idx="0">
+          <a:scrgbClr r="0" g="0" b="0"/>
+        </a:effectRef>
+        <a:fontRef idx="minor"/>
+      </dsp:style>
+      <dsp:txBody>
+        <a:bodyPr spcFirstLastPara="0" vert="horz" wrap="square" lIns="91440" tIns="91440" rIns="91440" bIns="91440" numCol="1" spcCol="1270" anchor="t" anchorCtr="0">
+          <a:noAutofit/>
+        </a:bodyPr>
+        <a:lstStyle/>
+        <a:p>
+          <a:pPr marL="0" lvl="0" indent="0" algn="l" defTabSz="1066800">
+            <a:lnSpc>
+              <a:spcPct val="90000"/>
+            </a:lnSpc>
+            <a:spcBef>
+              <a:spcPct val="0"/>
+            </a:spcBef>
+            <a:spcAft>
+              <a:spcPct val="35000"/>
+            </a:spcAft>
+            <a:buNone/>
+          </a:pPr>
+          <a:r>
+            <a:rPr lang="ru-RU" sz="2400" kern="1200"/>
+            <a:t>Движение головы змеи</a:t>
+          </a:r>
+          <a:endParaRPr lang="en-US" sz="2400" kern="1200"/>
+        </a:p>
+      </dsp:txBody>
+      <dsp:txXfrm>
+        <a:off x="0" y="1231993"/>
+        <a:ext cx="10168127" cy="615094"/>
+      </dsp:txXfrm>
+    </dsp:sp>
+    <dsp:sp modelId="{8EBEEC43-9F41-4CAD-A9C2-030466C826CC}">
+      <dsp:nvSpPr>
+        <dsp:cNvPr id="0" name=""/>
+        <dsp:cNvSpPr/>
+      </dsp:nvSpPr>
+      <dsp:spPr>
+        <a:xfrm>
+          <a:off x="0" y="1847087"/>
+          <a:ext cx="10168127" cy="0"/>
+        </a:xfrm>
+        <a:prstGeom prst="line">
+          <a:avLst/>
+        </a:prstGeom>
+        <a:solidFill>
+          <a:schemeClr val="accent1">
+            <a:hueOff val="0"/>
+            <a:satOff val="0"/>
+            <a:lumOff val="0"/>
+            <a:alphaOff val="0"/>
+          </a:schemeClr>
+        </a:solidFill>
+        <a:ln w="12700" cap="flat" cmpd="sng" algn="ctr">
+          <a:solidFill>
+            <a:schemeClr val="accent1">
+              <a:hueOff val="0"/>
+              <a:satOff val="0"/>
+              <a:lumOff val="0"/>
+              <a:alphaOff val="0"/>
+            </a:schemeClr>
+          </a:solidFill>
+          <a:prstDash val="solid"/>
+          <a:miter lim="800000"/>
+        </a:ln>
+        <a:effectLst/>
+      </dsp:spPr>
+      <dsp:style>
+        <a:lnRef idx="2">
+          <a:scrgbClr r="0" g="0" b="0"/>
+        </a:lnRef>
+        <a:fillRef idx="1">
+          <a:scrgbClr r="0" g="0" b="0"/>
+        </a:fillRef>
+        <a:effectRef idx="0">
+          <a:scrgbClr r="0" g="0" b="0"/>
+        </a:effectRef>
+        <a:fontRef idx="minor">
+          <a:schemeClr val="lt1"/>
+        </a:fontRef>
+      </dsp:style>
+    </dsp:sp>
+    <dsp:sp modelId="{40E948BF-4BE4-459C-AD0D-2959A1A2565B}">
+      <dsp:nvSpPr>
+        <dsp:cNvPr id="0" name=""/>
+        <dsp:cNvSpPr/>
+      </dsp:nvSpPr>
+      <dsp:spPr>
+        <a:xfrm>
+          <a:off x="0" y="1847088"/>
+          <a:ext cx="10168127" cy="615094"/>
+        </a:xfrm>
+        <a:prstGeom prst="rect">
+          <a:avLst/>
+        </a:prstGeom>
+        <a:noFill/>
+        <a:ln>
+          <a:noFill/>
+        </a:ln>
+        <a:effectLst/>
+      </dsp:spPr>
+      <dsp:style>
+        <a:lnRef idx="0">
+          <a:scrgbClr r="0" g="0" b="0"/>
+        </a:lnRef>
+        <a:fillRef idx="0">
+          <a:scrgbClr r="0" g="0" b="0"/>
+        </a:fillRef>
+        <a:effectRef idx="0">
+          <a:scrgbClr r="0" g="0" b="0"/>
+        </a:effectRef>
+        <a:fontRef idx="minor"/>
+      </dsp:style>
+      <dsp:txBody>
+        <a:bodyPr spcFirstLastPara="0" vert="horz" wrap="square" lIns="91440" tIns="91440" rIns="91440" bIns="91440" numCol="1" spcCol="1270" anchor="t" anchorCtr="0">
+          <a:noAutofit/>
+        </a:bodyPr>
+        <a:lstStyle/>
+        <a:p>
+          <a:pPr marL="0" lvl="0" indent="0" algn="l" defTabSz="1066800">
+            <a:lnSpc>
+              <a:spcPct val="90000"/>
+            </a:lnSpc>
+            <a:spcBef>
+              <a:spcPct val="0"/>
+            </a:spcBef>
+            <a:spcAft>
+              <a:spcPct val="35000"/>
+            </a:spcAft>
+            <a:buNone/>
+          </a:pPr>
+          <a:r>
+            <a:rPr lang="ru-RU" sz="2400" kern="1200"/>
+            <a:t>Прикрепление к ней сегментов</a:t>
+          </a:r>
+          <a:endParaRPr lang="en-US" sz="2400" kern="1200"/>
+        </a:p>
+      </dsp:txBody>
+      <dsp:txXfrm>
+        <a:off x="0" y="1847088"/>
+        <a:ext cx="10168127" cy="615094"/>
+      </dsp:txXfrm>
+    </dsp:sp>
+    <dsp:sp modelId="{956D056F-A9CE-4865-9756-E8EAF5960C8C}">
+      <dsp:nvSpPr>
+        <dsp:cNvPr id="0" name=""/>
+        <dsp:cNvSpPr/>
+      </dsp:nvSpPr>
+      <dsp:spPr>
+        <a:xfrm>
+          <a:off x="0" y="2462182"/>
+          <a:ext cx="10168127" cy="0"/>
+        </a:xfrm>
+        <a:prstGeom prst="line">
+          <a:avLst/>
+        </a:prstGeom>
+        <a:solidFill>
+          <a:schemeClr val="accent1">
+            <a:hueOff val="0"/>
+            <a:satOff val="0"/>
+            <a:lumOff val="0"/>
+            <a:alphaOff val="0"/>
+          </a:schemeClr>
+        </a:solidFill>
+        <a:ln w="12700" cap="flat" cmpd="sng" algn="ctr">
+          <a:solidFill>
+            <a:schemeClr val="accent1">
+              <a:hueOff val="0"/>
+              <a:satOff val="0"/>
+              <a:lumOff val="0"/>
+              <a:alphaOff val="0"/>
+            </a:schemeClr>
+          </a:solidFill>
+          <a:prstDash val="solid"/>
+          <a:miter lim="800000"/>
+        </a:ln>
+        <a:effectLst/>
+      </dsp:spPr>
+      <dsp:style>
+        <a:lnRef idx="2">
+          <a:scrgbClr r="0" g="0" b="0"/>
+        </a:lnRef>
+        <a:fillRef idx="1">
+          <a:scrgbClr r="0" g="0" b="0"/>
+        </a:fillRef>
+        <a:effectRef idx="0">
+          <a:scrgbClr r="0" g="0" b="0"/>
+        </a:effectRef>
+        <a:fontRef idx="minor">
+          <a:schemeClr val="lt1"/>
+        </a:fontRef>
+      </dsp:style>
+    </dsp:sp>
+    <dsp:sp modelId="{311DD5AD-8D7C-46DC-A9C4-919BB2E948A1}">
+      <dsp:nvSpPr>
+        <dsp:cNvPr id="0" name=""/>
+        <dsp:cNvSpPr/>
+      </dsp:nvSpPr>
+      <dsp:spPr>
+        <a:xfrm>
+          <a:off x="0" y="2462182"/>
+          <a:ext cx="10168127" cy="615094"/>
+        </a:xfrm>
+        <a:prstGeom prst="rect">
+          <a:avLst/>
+        </a:prstGeom>
+        <a:noFill/>
+        <a:ln>
+          <a:noFill/>
+        </a:ln>
+        <a:effectLst/>
+      </dsp:spPr>
+      <dsp:style>
+        <a:lnRef idx="0">
+          <a:scrgbClr r="0" g="0" b="0"/>
+        </a:lnRef>
+        <a:fillRef idx="0">
+          <a:scrgbClr r="0" g="0" b="0"/>
+        </a:fillRef>
+        <a:effectRef idx="0">
+          <a:scrgbClr r="0" g="0" b="0"/>
+        </a:effectRef>
+        <a:fontRef idx="minor"/>
+      </dsp:style>
+      <dsp:txBody>
+        <a:bodyPr spcFirstLastPara="0" vert="horz" wrap="square" lIns="91440" tIns="91440" rIns="91440" bIns="91440" numCol="1" spcCol="1270" anchor="t" anchorCtr="0">
+          <a:noAutofit/>
+        </a:bodyPr>
+        <a:lstStyle/>
+        <a:p>
+          <a:pPr marL="0" lvl="0" indent="0" algn="l" defTabSz="1066800">
+            <a:lnSpc>
+              <a:spcPct val="90000"/>
+            </a:lnSpc>
+            <a:spcBef>
+              <a:spcPct val="0"/>
+            </a:spcBef>
+            <a:spcAft>
+              <a:spcPct val="35000"/>
+            </a:spcAft>
+            <a:buNone/>
+          </a:pPr>
+          <a:r>
+            <a:rPr lang="ru-RU" sz="2400" kern="1200" dirty="0"/>
+            <a:t>Запись и подсчет результатов</a:t>
+          </a:r>
+          <a:endParaRPr lang="en-US" sz="2400" kern="1200" dirty="0"/>
+        </a:p>
+      </dsp:txBody>
+      <dsp:txXfrm>
+        <a:off x="0" y="2462182"/>
+        <a:ext cx="10168127" cy="615094"/>
+      </dsp:txXfrm>
+    </dsp:sp>
+    <dsp:sp modelId="{7F364BE3-1128-4F28-92FC-457AFA3B91D9}">
+      <dsp:nvSpPr>
+        <dsp:cNvPr id="0" name=""/>
+        <dsp:cNvSpPr/>
+      </dsp:nvSpPr>
+      <dsp:spPr>
+        <a:xfrm>
+          <a:off x="0" y="3077277"/>
+          <a:ext cx="10168127" cy="0"/>
+        </a:xfrm>
+        <a:prstGeom prst="line">
+          <a:avLst/>
+        </a:prstGeom>
+        <a:solidFill>
+          <a:schemeClr val="accent1">
+            <a:hueOff val="0"/>
+            <a:satOff val="0"/>
+            <a:lumOff val="0"/>
+            <a:alphaOff val="0"/>
+          </a:schemeClr>
+        </a:solidFill>
+        <a:ln w="12700" cap="flat" cmpd="sng" algn="ctr">
+          <a:solidFill>
+            <a:schemeClr val="accent1">
+              <a:hueOff val="0"/>
+              <a:satOff val="0"/>
+              <a:lumOff val="0"/>
+              <a:alphaOff val="0"/>
+            </a:schemeClr>
+          </a:solidFill>
+          <a:prstDash val="solid"/>
+          <a:miter lim="800000"/>
+        </a:ln>
+        <a:effectLst/>
+      </dsp:spPr>
+      <dsp:style>
+        <a:lnRef idx="2">
+          <a:scrgbClr r="0" g="0" b="0"/>
+        </a:lnRef>
+        <a:fillRef idx="1">
+          <a:scrgbClr r="0" g="0" b="0"/>
+        </a:fillRef>
+        <a:effectRef idx="0">
+          <a:scrgbClr r="0" g="0" b="0"/>
+        </a:effectRef>
+        <a:fontRef idx="minor">
+          <a:schemeClr val="lt1"/>
+        </a:fontRef>
+      </dsp:style>
+    </dsp:sp>
+    <dsp:sp modelId="{C3F7EC63-0F91-4D89-89DB-B416CF656C3D}">
+      <dsp:nvSpPr>
+        <dsp:cNvPr id="0" name=""/>
+        <dsp:cNvSpPr/>
+      </dsp:nvSpPr>
+      <dsp:spPr>
+        <a:xfrm>
+          <a:off x="0" y="3077277"/>
+          <a:ext cx="10168127" cy="615094"/>
+        </a:xfrm>
+        <a:prstGeom prst="rect">
+          <a:avLst/>
+        </a:prstGeom>
+        <a:noFill/>
+        <a:ln>
+          <a:noFill/>
+        </a:ln>
+        <a:effectLst/>
+      </dsp:spPr>
+      <dsp:style>
+        <a:lnRef idx="0">
+          <a:scrgbClr r="0" g="0" b="0"/>
+        </a:lnRef>
+        <a:fillRef idx="0">
+          <a:scrgbClr r="0" g="0" b="0"/>
+        </a:fillRef>
+        <a:effectRef idx="0">
+          <a:scrgbClr r="0" g="0" b="0"/>
+        </a:effectRef>
+        <a:fontRef idx="minor"/>
+      </dsp:style>
+      <dsp:txBody>
+        <a:bodyPr spcFirstLastPara="0" vert="horz" wrap="square" lIns="91440" tIns="91440" rIns="91440" bIns="91440" numCol="1" spcCol="1270" anchor="t" anchorCtr="0">
+          <a:noAutofit/>
+        </a:bodyPr>
+        <a:lstStyle/>
+        <a:p>
+          <a:pPr marL="0" lvl="0" indent="0" algn="l" defTabSz="1066800">
+            <a:lnSpc>
+              <a:spcPct val="90000"/>
+            </a:lnSpc>
+            <a:spcBef>
+              <a:spcPct val="0"/>
+            </a:spcBef>
+            <a:spcAft>
+              <a:spcPct val="35000"/>
+            </a:spcAft>
+            <a:buNone/>
+          </a:pPr>
+          <a:r>
+            <a:rPr lang="ru-RU" sz="2400" kern="1200" dirty="0"/>
+            <a:t>Кнопки настройки скорости движения и начала игры</a:t>
+          </a:r>
+          <a:endParaRPr lang="en-US" sz="2400" kern="1200" dirty="0"/>
+        </a:p>
+      </dsp:txBody>
+      <dsp:txXfrm>
+        <a:off x="0" y="3077277"/>
+        <a:ext cx="10168127" cy="615094"/>
+      </dsp:txXfrm>
+    </dsp:sp>
+  </dsp:spTree>
+</dsp:drawing>
+</file>
+
+<file path=ppt/diagrams/drawing3.xml><?xml version="1.0" encoding="utf-8"?>
+<dsp:drawing xmlns:dgm="http://schemas.openxmlformats.org/drawingml/2006/diagram" xmlns:dsp="http://schemas.microsoft.com/office/drawing/2008/diagram" xmlns:a="http://schemas.openxmlformats.org/drawingml/2006/main">
+  <dsp:spTree>
+    <dsp:nvGrpSpPr>
+      <dsp:cNvPr id="0" name=""/>
+      <dsp:cNvGrpSpPr/>
+    </dsp:nvGrpSpPr>
+    <dsp:grpSpPr/>
+    <dsp:sp modelId="{3CAC78A1-6A5A-44E7-BE85-1F1BE52C38F7}">
+      <dsp:nvSpPr>
+        <dsp:cNvPr id="0" name=""/>
+        <dsp:cNvSpPr/>
+      </dsp:nvSpPr>
+      <dsp:spPr>
+        <a:xfrm>
+          <a:off x="0" y="0"/>
+          <a:ext cx="7452360" cy="0"/>
+        </a:xfrm>
+        <a:prstGeom prst="line">
+          <a:avLst/>
+        </a:prstGeom>
+        <a:solidFill>
+          <a:schemeClr val="dk2">
+            <a:hueOff val="0"/>
+            <a:satOff val="0"/>
+            <a:lumOff val="0"/>
+            <a:alphaOff val="0"/>
+          </a:schemeClr>
+        </a:solidFill>
+        <a:ln w="12700" cap="flat" cmpd="sng" algn="ctr">
+          <a:solidFill>
+            <a:schemeClr val="dk2">
+              <a:hueOff val="0"/>
+              <a:satOff val="0"/>
+              <a:lumOff val="0"/>
+              <a:alphaOff val="0"/>
+            </a:schemeClr>
+          </a:solidFill>
+          <a:prstDash val="solid"/>
+          <a:miter lim="800000"/>
+        </a:ln>
+        <a:effectLst/>
+      </dsp:spPr>
+      <dsp:style>
+        <a:lnRef idx="2">
+          <a:scrgbClr r="0" g="0" b="0"/>
+        </a:lnRef>
+        <a:fillRef idx="1">
+          <a:scrgbClr r="0" g="0" b="0"/>
+        </a:fillRef>
+        <a:effectRef idx="0">
+          <a:scrgbClr r="0" g="0" b="0"/>
+        </a:effectRef>
+        <a:fontRef idx="minor">
+          <a:schemeClr val="lt1"/>
+        </a:fontRef>
+      </dsp:style>
+    </dsp:sp>
+    <dsp:sp modelId="{CFA9B632-B69F-4825-8000-0CDDBCC25CD1}">
+      <dsp:nvSpPr>
+        <dsp:cNvPr id="0" name=""/>
+        <dsp:cNvSpPr/>
+      </dsp:nvSpPr>
+      <dsp:spPr>
+        <a:xfrm>
+          <a:off x="0" y="0"/>
+          <a:ext cx="7452360" cy="2729853"/>
+        </a:xfrm>
+        <a:prstGeom prst="rect">
+          <a:avLst/>
+        </a:prstGeom>
+        <a:noFill/>
+        <a:ln>
+          <a:noFill/>
+        </a:ln>
+        <a:effectLst/>
+      </dsp:spPr>
+      <dsp:style>
+        <a:lnRef idx="0">
+          <a:scrgbClr r="0" g="0" b="0"/>
+        </a:lnRef>
+        <a:fillRef idx="0">
+          <a:scrgbClr r="0" g="0" b="0"/>
+        </a:fillRef>
+        <a:effectRef idx="0">
+          <a:scrgbClr r="0" g="0" b="0"/>
+        </a:effectRef>
+        <a:fontRef idx="minor"/>
+      </dsp:style>
+      <dsp:txBody>
+        <a:bodyPr spcFirstLastPara="0" vert="horz" wrap="square" lIns="129540" tIns="129540" rIns="129540" bIns="129540" numCol="1" spcCol="1270" anchor="t" anchorCtr="0">
+          <a:noAutofit/>
+        </a:bodyPr>
+        <a:lstStyle/>
+        <a:p>
+          <a:pPr marL="0" lvl="0" indent="0" algn="l" defTabSz="1511300">
+            <a:lnSpc>
+              <a:spcPct val="90000"/>
+            </a:lnSpc>
+            <a:spcBef>
+              <a:spcPct val="0"/>
+            </a:spcBef>
+            <a:spcAft>
+              <a:spcPct val="35000"/>
+            </a:spcAft>
+            <a:buNone/>
+          </a:pPr>
+          <a:r>
+            <a:rPr lang="ru-RU" sz="3400" kern="1200" dirty="0"/>
+            <a:t>На первом месте определенно </a:t>
+          </a:r>
+          <a:r>
+            <a:rPr lang="ru-RU" sz="3400" b="1" kern="1200" dirty="0"/>
+            <a:t>движение тела змейки</a:t>
+          </a:r>
+          <a:r>
+            <a:rPr lang="ru-RU" sz="3400" kern="1200" dirty="0"/>
+            <a:t>. Несмотря на простой механизм, сегменты упорно не хотели следовать за головой</a:t>
+          </a:r>
+          <a:endParaRPr lang="en-US" sz="3400" kern="1200" dirty="0"/>
+        </a:p>
+      </dsp:txBody>
+      <dsp:txXfrm>
+        <a:off x="0" y="0"/>
+        <a:ext cx="7452360" cy="2729853"/>
+      </dsp:txXfrm>
+    </dsp:sp>
+    <dsp:sp modelId="{C7CFC77A-5B06-40F3-B83F-85D59098540C}">
+      <dsp:nvSpPr>
+        <dsp:cNvPr id="0" name=""/>
+        <dsp:cNvSpPr/>
+      </dsp:nvSpPr>
+      <dsp:spPr>
+        <a:xfrm>
+          <a:off x="0" y="2729853"/>
+          <a:ext cx="7452360" cy="0"/>
+        </a:xfrm>
+        <a:prstGeom prst="line">
+          <a:avLst/>
+        </a:prstGeom>
+        <a:solidFill>
+          <a:schemeClr val="dk2">
+            <a:hueOff val="0"/>
+            <a:satOff val="0"/>
+            <a:lumOff val="0"/>
+            <a:alphaOff val="0"/>
+          </a:schemeClr>
+        </a:solidFill>
+        <a:ln w="12700" cap="flat" cmpd="sng" algn="ctr">
+          <a:solidFill>
+            <a:schemeClr val="dk2">
+              <a:hueOff val="0"/>
+              <a:satOff val="0"/>
+              <a:lumOff val="0"/>
+              <a:alphaOff val="0"/>
+            </a:schemeClr>
+          </a:solidFill>
+          <a:prstDash val="solid"/>
+          <a:miter lim="800000"/>
+        </a:ln>
+        <a:effectLst/>
+      </dsp:spPr>
+      <dsp:style>
+        <a:lnRef idx="2">
+          <a:scrgbClr r="0" g="0" b="0"/>
+        </a:lnRef>
+        <a:fillRef idx="1">
+          <a:scrgbClr r="0" g="0" b="0"/>
+        </a:fillRef>
+        <a:effectRef idx="0">
+          <a:scrgbClr r="0" g="0" b="0"/>
+        </a:effectRef>
+        <a:fontRef idx="minor">
+          <a:schemeClr val="lt1"/>
+        </a:fontRef>
+      </dsp:style>
+    </dsp:sp>
+    <dsp:sp modelId="{A4C6C060-10F3-48B1-854D-504B4425F321}">
+      <dsp:nvSpPr>
+        <dsp:cNvPr id="0" name=""/>
+        <dsp:cNvSpPr/>
+      </dsp:nvSpPr>
+      <dsp:spPr>
+        <a:xfrm>
+          <a:off x="0" y="2729853"/>
+          <a:ext cx="7452360" cy="2729853"/>
+        </a:xfrm>
+        <a:prstGeom prst="rect">
+          <a:avLst/>
+        </a:prstGeom>
+        <a:noFill/>
+        <a:ln>
+          <a:noFill/>
+        </a:ln>
+        <a:effectLst/>
+      </dsp:spPr>
+      <dsp:style>
+        <a:lnRef idx="0">
+          <a:scrgbClr r="0" g="0" b="0"/>
+        </a:lnRef>
+        <a:fillRef idx="0">
+          <a:scrgbClr r="0" g="0" b="0"/>
+        </a:fillRef>
+        <a:effectRef idx="0">
+          <a:scrgbClr r="0" g="0" b="0"/>
+        </a:effectRef>
+        <a:fontRef idx="minor"/>
+      </dsp:style>
+      <dsp:txBody>
+        <a:bodyPr spcFirstLastPara="0" vert="horz" wrap="square" lIns="129540" tIns="129540" rIns="129540" bIns="129540" numCol="1" spcCol="1270" anchor="t" anchorCtr="0">
+          <a:noAutofit/>
+        </a:bodyPr>
+        <a:lstStyle/>
+        <a:p>
+          <a:pPr marL="0" lvl="0" indent="0" algn="l" defTabSz="1511300">
+            <a:lnSpc>
+              <a:spcPct val="90000"/>
+            </a:lnSpc>
+            <a:spcBef>
+              <a:spcPct val="0"/>
+            </a:spcBef>
+            <a:spcAft>
+              <a:spcPct val="35000"/>
+            </a:spcAft>
+            <a:buNone/>
+          </a:pPr>
+          <a:r>
+            <a:rPr lang="ru-RU" sz="3400" b="1" kern="1200" dirty="0"/>
+            <a:t>Проверка столкновений змейки </a:t>
+          </a:r>
+          <a:r>
+            <a:rPr lang="ru-RU" sz="3400" kern="1200" dirty="0"/>
+            <a:t>– из-за разницы в пиксель, змейка не желала двигаться, сталкиваясь со стенками в первые секунды своей жизни</a:t>
+          </a:r>
+          <a:endParaRPr lang="en-US" sz="3400" kern="1200" dirty="0"/>
+        </a:p>
+      </dsp:txBody>
+      <dsp:txXfrm>
+        <a:off x="0" y="2729853"/>
+        <a:ext cx="7452360" cy="2729853"/>
+      </dsp:txXfrm>
+    </dsp:sp>
+  </dsp:spTree>
+</dsp:drawing>
+</file>
+
+<file path=ppt/diagrams/layout1.xml><?xml version="1.0" encoding="utf-8"?>
+<dgm:layoutDef xmlns:dgm="http://schemas.openxmlformats.org/drawingml/2006/diagram" xmlns:a="http://schemas.openxmlformats.org/drawingml/2006/main" uniqueId="urn:microsoft.com/office/officeart/2018/2/layout/IconVerticalSolidList">
+  <dgm:title val="Icon Vertical Solid List"/>
+  <dgm:desc val="Use to show a series of visuals from top to bottom with Level 1 or Level 1 and Level 2 text grouped in a shape. Works best with icons or small pictures with lengthier descriptions."/>
+  <dgm:catLst>
+    <dgm:cat type="icon" pri="500"/>
+  </dgm:catLst>
+  <dgm:sampData useDef="1">
+    <dgm:dataModel>
+      <dgm:ptLst/>
+      <dgm:bg/>
+      <dgm:whole/>
+    </dgm:dataModel>
+  </dgm:sampData>
+  <dgm:styleData useDef="1">
+    <dgm:dataModel>
+      <dgm:ptLst/>
+      <dgm:bg/>
+      <dgm:whole/>
+    </dgm:dataModel>
+  </dgm:styleData>
+  <dgm:clrData useDef="1">
+    <dgm:dataModel>
+      <dgm:ptLst/>
+      <dgm:bg/>
+      <dgm:whole/>
+    </dgm:dataModel>
+  </dgm:clrData>
+  <dgm:layoutNode name="root">
+    <dgm:varLst>
+      <dgm:dir/>
+      <dgm:resizeHandles val="exact"/>
+    </dgm:varLst>
+    <dgm:choose name="Name0">
+      <dgm:if name="Name1" axis="self" func="var" arg="dir" op="equ" val="norm">
+        <dgm:alg type="lin">
+          <dgm:param type="linDir" val="fromT"/>
+          <dgm:param type="nodeHorzAlign" val="l"/>
+        </dgm:alg>
+      </dgm:if>
+      <dgm:else name="Name2">
+        <dgm:alg type="lin">
+          <dgm:param type="linDir" val="fromT"/>
+          <dgm:param type="nodeHorzAlign" val="r"/>
+        </dgm:alg>
+      </dgm:else>
+    </dgm:choose>
+    <dgm:shape xmlns:r="http://schemas.openxmlformats.org/officeDocument/2006/relationships" r:blip="">
+      <dgm:adjLst/>
+    </dgm:shape>
+    <dgm:presOf/>
+    <dgm:choose name="Name3">
+      <dgm:if name="Name4" axis="ch" ptType="node" func="cnt" op="lte" val="3">
+        <dgm:constrLst>
+          <dgm:constr type="h" for="ch" forName="compNode" refType="h" fact="0.3"/>
+          <dgm:constr type="w" for="ch" forName="compNode" refType="w"/>
+          <dgm:constr type="h" for="ch" forName="sibTrans" refType="h" refFor="ch" refForName="compNode" fact="0.25"/>
+          <dgm:constr type="primFontSz" for="des" forName="parTx" val="25"/>
+          <dgm:constr type="primFontSz" for="des" forName="desTx" refType="primFontSz" refFor="des" refForName="parTx" op="lte" fact="0.75"/>
+          <dgm:constr type="h" for="des" forName="compNode" op="equ"/>
+          <dgm:constr type="h" for="des" forName="bgRect" op="equ"/>
+          <dgm:constr type="h" for="des" forName="iconRect" op="equ"/>
+          <dgm:constr type="w" for="des" forName="iconRect" op="equ"/>
+          <dgm:constr type="h" for="des" forName="spaceRect" op="equ"/>
+          <dgm:constr type="h" for="des" forName="parTx" op="equ"/>
+          <dgm:constr type="h" for="des" forName="desTx" op="equ"/>
+        </dgm:constrLst>
+      </dgm:if>
+      <dgm:if name="Name5" axis="ch" ptType="node" func="cnt" op="lte" val="4">
+        <dgm:constrLst>
+          <dgm:constr type="h" for="ch" forName="compNode" refType="h" fact="0.3"/>
+          <dgm:constr type="w" for="ch" forName="compNode" refType="w"/>
+          <dgm:constr type="h" for="ch" forName="sibTrans" refType="h" refFor="ch" refForName="compNode" fact="0.25"/>
+          <dgm:constr type="primFontSz" for="des" forName="parTx" val="22"/>
+          <dgm:constr type="primFontSz" for="des" forName="desTx" refType="primFontSz" refFor="des" refForName="parTx" op="lte" fact="0.75"/>
+          <dgm:constr type="h" for="des" forName="compNode" op="equ"/>
+          <dgm:constr type="h" for="des" forName="bgRect" op="equ"/>
+          <dgm:constr type="h" for="des" forName="iconRect" op="equ"/>
+          <dgm:constr type="w" for="des" forName="iconRect" op="equ"/>
+          <dgm:constr type="h" for="des" forName="spaceRect" op="equ"/>
+          <dgm:constr type="h" for="des" forName="parTx" op="equ"/>
+          <dgm:constr type="h" for="des" forName="desTx" op="equ"/>
+        </dgm:constrLst>
+      </dgm:if>
+      <dgm:if name="Name6" axis="ch" ptType="node" func="cnt" op="lte" val="6">
+        <dgm:constrLst>
+          <dgm:constr type="h" for="ch" forName="compNode" refType="h" fact="0.3"/>
+          <dgm:constr type="w" for="ch" forName="compNode" refType="w"/>
+          <dgm:constr type="h" for="ch" forName="sibTrans" refType="h" refFor="ch" refForName="compNode" fact="0.25"/>
+          <dgm:constr type="primFontSz" for="des" forName="parTx" val="19"/>
+          <dgm:constr type="primFontSz" for="des" forName="desTx" refType="primFontSz" refFor="des" refForName="parTx" op="lte" fact="0.75"/>
+          <dgm:constr type="h" for="des" forName="compNode" op="equ"/>
+          <dgm:constr type="h" for="des" forName="bgRect" op="equ"/>
+          <dgm:constr type="h" for="des" forName="iconRect" op="equ"/>
+          <dgm:constr type="w" for="des" forName="iconRect" op="equ"/>
+          <dgm:constr type="h" for="des" forName="spaceRect" op="equ"/>
+          <dgm:constr type="h" for="des" forName="parTx" op="equ"/>
+          <dgm:constr type="h" for="des" forName="desTx" op="equ"/>
+        </dgm:constrLst>
+      </dgm:if>
+      <dgm:else name="Name7">
+        <dgm:constrLst>
+          <dgm:constr type="h" for="ch" forName="compNode" refType="h" fact="0.3"/>
+          <dgm:constr type="w" for="ch" forName="compNode" refType="w"/>
+          <dgm:constr type="h" for="ch" forName="sibTrans" refType="h" refFor="ch" refForName="compNode" fact="0.25"/>
+          <dgm:constr type="primFontSz" for="des" forName="parTx" val="16"/>
+          <dgm:constr type="primFontSz" for="des" forName="desTx" refType="primFontSz" refFor="des" refForName="parTx" op="lte" fact="0.75"/>
+          <dgm:constr type="h" for="des" forName="compNode" op="equ"/>
+          <dgm:constr type="h" for="des" forName="bgRect" op="equ"/>
+          <dgm:constr type="h" for="des" forName="iconRect" op="equ"/>
+          <dgm:constr type="w" for="des" forName="iconRect" op="equ"/>
+          <dgm:constr type="h" for="des" forName="spaceRect" op="equ"/>
+          <dgm:constr type="h" for="des" forName="parTx" op="equ"/>
+          <dgm:constr type="h" for="des" forName="desTx" op="equ"/>
+        </dgm:constrLst>
+      </dgm:else>
+    </dgm:choose>
+    <dgm:ruleLst>
+      <dgm:rule type="h" for="ch" forName="compNode" val="0" fact="NaN" max="NaN"/>
+    </dgm:ruleLst>
+    <dgm:forEach name="Name8" axis="ch" ptType="node">
+      <dgm:layoutNode name="compNode">
+        <dgm:alg type="composite"/>
+        <dgm:shape xmlns:r="http://schemas.openxmlformats.org/officeDocument/2006/relationships" r:blip="">
+          <dgm:adjLst/>
+        </dgm:shape>
+        <dgm:presOf axis="self"/>
+        <dgm:choose name="Name9">
+          <dgm:if name="Name10" axis="ch" ptType="node" func="cnt" op="gte" val="1">
+            <dgm:constrLst>
+              <dgm:constr type="w" for="ch" forName="bgRect" refType="w"/>
+              <dgm:constr type="h" for="ch" forName="bgRect" refType="h"/>
+              <dgm:constr type="l" for="ch" forName="bgRect"/>
+              <dgm:constr type="t" for="ch" forName="bgRect"/>
+              <dgm:constr type="h" for="ch" forName="iconRect" refType="h" fact="0.55"/>
+              <dgm:constr type="w" for="ch" forName="iconRect" refType="h" refFor="ch" refForName="iconRect"/>
+              <dgm:constr type="l" for="ch" forName="iconRect" refType="h" refFor="ch" refForName="iconRect" fact="0.55"/>
+              <dgm:constr type="ctrY" for="ch" forName="iconRect" refType="ctrY" refFor="ch" refForName="bgRect"/>
+              <dgm:constr type="w" for="ch" forName="spaceRect" refType="l" refFor="ch" refForName="iconRect"/>
+              <dgm:constr type="h" for="ch" forName="spaceRect" refType="h"/>
+              <dgm:constr type="l" for="ch" forName="spaceRect" refType="r" refFor="ch" refForName="iconRect"/>
+              <dgm:constr type="t" for="ch" forName="spaceRect"/>
+              <dgm:constr type="w" for="ch" forName="parTx" refType="w" fact="0.45"/>
+              <dgm:constr type="h" for="ch" forName="parTx" refType="h"/>
+              <dgm:constr type="l" for="ch" forName="parTx" refType="r" refFor="ch" refForName="spaceRect"/>
+              <dgm:constr type="t" for="ch" forName="parTx"/>
+              <dgm:constr type="h" for="ch" forName="desTx" refType="h"/>
+              <dgm:constr type="l" for="ch" forName="desTx" refType="r" refFor="ch" refForName="parTx"/>
+              <dgm:constr type="t" for="ch" forName="desTx"/>
+            </dgm:constrLst>
+          </dgm:if>
+          <dgm:else name="Name11">
+            <dgm:constrLst>
+              <dgm:constr type="w" for="ch" forName="bgRect" refType="w"/>
+              <dgm:constr type="h" for="ch" forName="bgRect" refType="h"/>
+              <dgm:constr type="l" for="ch" forName="bgRect"/>
+              <dgm:constr type="t" for="ch" forName="bgRect"/>
+              <dgm:constr type="h" for="ch" forName="iconRect" refType="h" fact="0.55"/>
+              <dgm:constr type="w" for="ch" forName="iconRect" refType="h" refFor="ch" refForName="iconRect"/>
+              <dgm:constr type="l" for="ch" forName="iconRect" refType="h" refFor="ch" refForName="iconRect" fact="0.55"/>
+              <dgm:constr type="ctrY" for="ch" forName="iconRect" refType="ctrY" refFor="ch" refForName="bgRect"/>
+              <dgm:constr type="w" for="ch" forName="spaceRect" refType="l" refFor="ch" refForName="iconRect"/>
+              <dgm:constr type="h" for="ch" forName="spaceRect" refType="h"/>
+              <dgm:constr type="l" for="ch" forName="spaceRect" refType="r" refFor="ch" refForName="iconRect"/>
+              <dgm:constr type="t" for="ch" forName="spaceRect"/>
+              <dgm:constr type="h" for="ch" forName="parTx" refType="h"/>
+              <dgm:constr type="l" for="ch" forName="parTx" refType="r" refFor="ch" refForName="spaceRect"/>
+              <dgm:constr type="t" for="ch" forName="parTx"/>
+            </dgm:constrLst>
+          </dgm:else>
+        </dgm:choose>
+        <dgm:ruleLst>
+          <dgm:rule type="h" val="INF" fact="NaN" max="NaN"/>
+        </dgm:ruleLst>
+        <dgm:layoutNode name="bgRect" styleLbl="bgShp">
+          <dgm:alg type="sp"/>
+          <dgm:shape xmlns:r="http://schemas.openxmlformats.org/officeDocument/2006/relationships" type="roundRect" r:blip="">
+            <dgm:adjLst>
+              <dgm:adj idx="1" val="0.1"/>
+            </dgm:adjLst>
+          </dgm:shape>
+          <dgm:presOf/>
+          <dgm:constrLst/>
+          <dgm:ruleLst/>
+        </dgm:layoutNode>
+        <dgm:layoutNode name="iconRect" styleLbl="node1">
+          <dgm:alg type="sp"/>
+          <dgm:shape xmlns:r="http://schemas.openxmlformats.org/officeDocument/2006/relationships" type="rect" r:blip="" blipPhldr="1">
+            <dgm:adjLst/>
+          </dgm:shape>
+          <dgm:presOf/>
+          <dgm:constrLst/>
+          <dgm:ruleLst/>
+        </dgm:layoutNode>
+        <dgm:layoutNode name="spaceRect">
+          <dgm:alg type="sp"/>
+          <dgm:shape xmlns:r="http://schemas.openxmlformats.org/officeDocument/2006/relationships" r:blip="">
+            <dgm:adjLst/>
+          </dgm:shape>
+          <dgm:presOf/>
+          <dgm:constrLst/>
+          <dgm:ruleLst/>
+        </dgm:layoutNode>
+        <dgm:layoutNode name="parTx" styleLbl="revTx">
+          <dgm:varLst>
+            <dgm:chMax val="0"/>
+            <dgm:chPref val="0"/>
+          </dgm:varLst>
+          <dgm:alg type="tx">
+            <dgm:param type="txAnchorVert" val="mid"/>
+            <dgm:param type="parTxLTRAlign" val="l"/>
+            <dgm:param type="shpTxLTRAlignCh" val="l"/>
+            <dgm:param type="parTxRTLAlign" val="r"/>
+            <dgm:param type="shpTxRTLAlignCh" val="r"/>
+          </dgm:alg>
+          <dgm:shape xmlns:r="http://schemas.openxmlformats.org/officeDocument/2006/relationships" type="rect" r:blip="">
+            <dgm:adjLst/>
+          </dgm:shape>
+          <dgm:presOf axis="self" ptType="node"/>
+          <dgm:constrLst>
+            <dgm:constr type="lMarg" refType="h" fact="0.3"/>
+            <dgm:constr type="rMarg" refType="h" fact="0.3"/>
+            <dgm:constr type="tMarg" refType="h" fact="0.3"/>
+            <dgm:constr type="bMarg" refType="h" fact="0.3"/>
+          </dgm:constrLst>
+          <dgm:ruleLst>
+            <dgm:rule type="primFontSz" val="14" fact="NaN" max="NaN"/>
+            <dgm:rule type="h" val="INF" fact="NaN" max="NaN"/>
+          </dgm:ruleLst>
+        </dgm:layoutNode>
+        <dgm:choose name="Name12">
+          <dgm:if name="Name13" axis="ch" ptType="node" func="cnt" op="gte" val="1">
+            <dgm:layoutNode name="desTx" styleLbl="revTx">
+              <dgm:varLst/>
+              <dgm:alg type="tx">
+                <dgm:param type="txAnchorVertCh" val="mid"/>
+                <dgm:param type="parTxLTRAlign" val="l"/>
+                <dgm:param type="shpTxLTRAlignCh" val="l"/>
+                <dgm:param type="parTxRTLAlign" val="r"/>
+                <dgm:param type="shpTxRTLAlignCh" val="r"/>
+                <dgm:param type="stBulletLvl" val="0"/>
+              </dgm:alg>
+              <dgm:shape xmlns:r="http://schemas.openxmlformats.org/officeDocument/2006/relationships" type="rect" r:blip="">
+                <dgm:adjLst/>
+              </dgm:shape>
+              <dgm:presOf axis="des" ptType="node"/>
+              <dgm:constrLst>
+                <dgm:constr type="primFontSz" val="18"/>
+                <dgm:constr type="secFontSz" refType="primFontSz"/>
+                <dgm:constr type="lMarg" refType="h" fact="0.3"/>
+                <dgm:constr type="rMarg" refType="h" fact="0.3"/>
+                <dgm:constr type="tMarg" refType="h" fact="0.3"/>
+                <dgm:constr type="bMarg" refType="h" fact="0.3"/>
+              </dgm:constrLst>
+              <dgm:ruleLst>
+                <dgm:rule type="primFontSz" val="11" fact="NaN" max="NaN"/>
+              </dgm:ruleLst>
+            </dgm:layoutNode>
+          </dgm:if>
+          <dgm:else name="Name14"/>
+        </dgm:choose>
+      </dgm:layoutNode>
+      <dgm:forEach name="Name15" axis="followSib" ptType="sibTrans" cnt="1">
+        <dgm:layoutNode name="sibTrans">
+          <dgm:alg type="sp"/>
+          <dgm:shape xmlns:r="http://schemas.openxmlformats.org/officeDocument/2006/relationships" r:blip="">
+            <dgm:adjLst/>
+          </dgm:shape>
+          <dgm:presOf axis="self"/>
+          <dgm:constrLst/>
+          <dgm:ruleLst/>
+        </dgm:layoutNode>
+      </dgm:forEach>
+    </dgm:forEach>
+  </dgm:layoutNode>
+  <dgm:extLst>
+    <a:ext uri="{68A01E43-0DF5-4B5B-8FA6-DAF915123BFB}">
+      <dgm1612:lstStyle xmlns:dgm1612="http://schemas.microsoft.com/office/drawing/2016/12/diagram">
+        <a:lvl1pPr>
+          <a:lnSpc>
+            <a:spcPct val="100000"/>
+          </a:lnSpc>
+        </a:lvl1pPr>
+        <a:lvl2pPr>
+          <a:lnSpc>
+            <a:spcPct val="100000"/>
+          </a:lnSpc>
+        </a:lvl2pPr>
+      </dgm1612:lstStyle>
+    </a:ext>
+  </dgm:extLst>
+</dgm:layoutDef>
+</file>
+
+<file path=ppt/diagrams/layout2.xml><?xml version="1.0" encoding="utf-8"?>
+<dgm:layoutDef xmlns:dgm="http://schemas.openxmlformats.org/drawingml/2006/diagram" xmlns:a="http://schemas.openxmlformats.org/drawingml/2006/main" uniqueId="urn:microsoft.com/office/officeart/2008/layout/LinedList">
+  <dgm:title val=""/>
+  <dgm:desc val=""/>
+  <dgm:catLst>
+    <dgm:cat type="hierarchy" pri="8000"/>
+    <dgm:cat type="list" pri="2500"/>
+  </dgm:catLst>
+  <dgm:sampData>
+    <dgm:dataModel>
+      <dgm:ptLst>
+        <dgm:pt modelId="0" type="doc"/>
+        <dgm:pt modelId="1">
+          <dgm:prSet phldr="1"/>
+        </dgm:pt>
+        <dgm:pt modelId="11">
+          <dgm:prSet phldr="1"/>
+        </dgm:pt>
+        <dgm:pt modelId="12">
+          <dgm:prSet phldr="1"/>
+        </dgm:pt>
+        <dgm:pt modelId="13">
+          <dgm:prSet phldr="1"/>
+        </dgm:pt>
+      </dgm:ptLst>
+      <dgm:cxnLst>
+        <dgm:cxn modelId="2" srcId="0" destId="1" srcOrd="0" destOrd="0"/>
+        <dgm:cxn modelId="3" srcId="1" destId="11" srcOrd="0" destOrd="0"/>
+        <dgm:cxn modelId="4" srcId="1" destId="12" srcOrd="1" destOrd="0"/>
+        <dgm:cxn modelId="5" srcId="1" destId="13" srcOrd="2" destOrd="0"/>
+      </dgm:cxnLst>
+      <dgm:bg/>
+      <dgm:whole/>
+    </dgm:dataModel>
+  </dgm:sampData>
+  <dgm:styleData>
+    <dgm:dataModel>
+      <dgm:ptLst>
+        <dgm:pt modelId="0" type="doc"/>
+        <dgm:pt modelId="1">
+          <dgm:prSet phldr="1"/>
+        </dgm:pt>
+        <dgm:pt modelId="11">
+          <dgm:prSet phldr="1"/>
+        </dgm:pt>
+        <dgm:pt modelId="12">
+          <dgm:prSet phldr="1"/>
+        </dgm:pt>
+      </dgm:ptLst>
+      <dgm:cxnLst>
+        <dgm:cxn modelId="2" srcId="0" destId="1" srcOrd="0" destOrd="0"/>
+        <dgm:cxn modelId="3" srcId="1" destId="11" srcOrd="0" destOrd="0"/>
+        <dgm:cxn modelId="4" srcId="1" destId="12" srcOrd="1" destOrd="0"/>
+      </dgm:cxnLst>
+      <dgm:bg/>
+      <dgm:whole/>
+    </dgm:dataModel>
+  </dgm:styleData>
+  <dgm:clrData>
+    <dgm:dataModel>
+      <dgm:ptLst>
+        <dgm:pt modelId="0" type="doc"/>
+        <dgm:pt modelId="1">
+          <dgm:prSet phldr="1"/>
+        </dgm:pt>
+        <dgm:pt modelId="11">
+          <dgm:prSet phldr="1"/>
+        </dgm:pt>
+        <dgm:pt modelId="12">
+          <dgm:prSet phldr="1"/>
+        </dgm:pt>
+      </dgm:ptLst>
+      <dgm:cxnLst>
+        <dgm:cxn modelId="2" srcId="0" destId="1" srcOrd="0" destOrd="0"/>
+        <dgm:cxn modelId="3" srcId="1" destId="11" srcOrd="0" destOrd="0"/>
+        <dgm:cxn modelId="4" srcId="1" destId="12" srcOrd="1" destOrd="0"/>
+      </dgm:cxnLst>
+      <dgm:bg/>
+      <dgm:whole/>
+    </dgm:dataModel>
+  </dgm:clrData>
+  <dgm:layoutNode name="vert0">
+    <dgm:varLst>
+      <dgm:dir/>
+      <dgm:animOne val="branch"/>
+      <dgm:animLvl val="lvl"/>
+    </dgm:varLst>
+    <dgm:choose name="Name0">
+      <dgm:if name="Name1" func="var" arg="dir" op="equ" val="norm">
+        <dgm:alg type="lin">
+          <dgm:param type="linDir" val="fromT"/>
+          <dgm:param type="nodeHorzAlign" val="l"/>
+        </dgm:alg>
+      </dgm:if>
+      <dgm:else name="Name2">
+        <dgm:alg type="lin">
+          <dgm:param type="linDir" val="fromT"/>
+          <dgm:param type="nodeHorzAlign" val="r"/>
+        </dgm:alg>
+      </dgm:else>
+    </dgm:choose>
+    <dgm:shape xmlns:r="http://schemas.openxmlformats.org/officeDocument/2006/relationships" r:blip="">
+      <dgm:adjLst/>
+    </dgm:shape>
+    <dgm:presOf/>
+    <dgm:constrLst>
+      <dgm:constr type="w" for="ch" forName="horz1" refType="w"/>
+      <dgm:constr type="h" for="ch" forName="horz1" refType="h"/>
+      <dgm:constr type="h" for="des" forName="vert1" refType="h"/>
+      <dgm:constr type="h" for="des" forName="tx1" refType="h"/>
+      <dgm:constr type="h" for="des" forName="horz2" refType="h"/>
+      <dgm:constr type="h" for="des" forName="vert2" refType="h"/>
+      <dgm:constr type="h" for="des" forName="horz3" refType="h"/>
+      <dgm:constr type="h" for="des" forName="vert3" refType="h"/>
+      <dgm:constr type="h" for="des" forName="horz4" refType="h"/>
+      <dgm:constr type="h" for="des" ptType="node" refType="h"/>
+      <dgm:constr type="primFontSz" for="des" forName="tx1" op="equ" val="65"/>
+      <dgm:constr type="primFontSz" for="des" forName="tx2" op="equ" val="65"/>
+      <dgm:constr type="primFontSz" for="des" forName="tx3" op="equ" val="65"/>
+      <dgm:constr type="primFontSz" for="des" forName="tx4" op="equ" val="65"/>
+      <dgm:constr type="w" for="des" forName="thickLine" refType="w"/>
+      <dgm:constr type="h" for="des" forName="thickLine"/>
+      <dgm:constr type="h" for="des" forName="thinLine1"/>
+      <dgm:constr type="h" for="des" forName="thinLine2b"/>
+      <dgm:constr type="h" for="des" forName="thinLine3"/>
+      <dgm:constr type="h" for="des" forName="vertSpace2a" refType="h" fact="0.05"/>
+      <dgm:constr type="h" for="des" forName="vertSpace2b" refType="h" refFor="des" refForName="vertSpace2a"/>
+    </dgm:constrLst>
+    <dgm:forEach name="Name3" axis="ch" ptType="node">
+      <dgm:layoutNode name="thickLine" styleLbl="alignNode1">
+        <dgm:alg type="sp"/>
+        <dgm:shape xmlns:r="http://schemas.openxmlformats.org/officeDocument/2006/relationships" type="line" r:blip="">
+          <dgm:adjLst/>
+        </dgm:shape>
+        <dgm:presOf/>
+      </dgm:layoutNode>
+      <dgm:layoutNode name="horz1">
+        <dgm:choose name="Name4">
+          <dgm:if name="Name5" func="var" arg="dir" op="equ" val="norm">
+            <dgm:alg type="lin">
+              <dgm:param type="linDir" val="fromL"/>
+              <dgm:param type="nodeVertAlign" val="t"/>
+            </dgm:alg>
+          </dgm:if>
+          <dgm:else name="Name6">
+            <dgm:alg type="lin">
+              <dgm:param type="linDir" val="fromR"/>
+              <dgm:param type="nodeVertAlign" val="t"/>
+            </dgm:alg>
+          </dgm:else>
+        </dgm:choose>
+        <dgm:shape xmlns:r="http://schemas.openxmlformats.org/officeDocument/2006/relationships" r:blip="">
+          <dgm:adjLst/>
+        </dgm:shape>
+        <dgm:presOf/>
+        <dgm:choose name="Name7">
+          <dgm:if name="Name8" axis="root des" func="maxDepth" op="equ" val="1">
+            <dgm:constrLst>
+              <dgm:constr type="w" for="ch" forName="tx1" refType="w"/>
+            </dgm:constrLst>
+          </dgm:if>
+          <dgm:if name="Name9" axis="root des" func="maxDepth" op="equ" val="2">
+            <dgm:constrLst>
+              <dgm:constr type="w" for="ch" forName="tx1" refType="w" fact="0.2"/>
+              <dgm:constr type="w" for="des" forName="tx2" refType="w" fact="0.785"/>
+              <dgm:constr type="w" for="des" forName="horzSpace2" refType="w" fact="0.015"/>
+              <dgm:constr type="w" for="des" forName="thinLine2b" refType="w" fact="0.8"/>
+            </dgm:constrLst>
+          </dgm:if>
+          <dgm:if name="Name10" axis="root des" func="maxDepth" op="equ" val="3">
+            <dgm:constrLst>
+              <dgm:constr type="w" for="ch" forName="tx1" refType="w" fact="0.2"/>
+              <dgm:constr type="w" for="des" forName="tx2" refType="w" fact="0.385"/>
+              <dgm:constr type="w" for="des" forName="tx3" refType="w" fact="0.385"/>
+              <dgm:constr type="w" for="des" forName="horzSpace2" refType="w" fact="0.015"/>
+              <dgm:constr type="w" for="des" forName="horzSpace3" refType="w" fact="0.015"/>
+              <dgm:constr type="w" for="des" forName="thinLine2b" refType="w" fact="0.8"/>
+              <dgm:constr type="w" for="des" forName="thinLine3" refType="w" fact="0.385"/>
+            </dgm:constrLst>
+          </dgm:if>
+          <dgm:if name="Name11" axis="root des" func="maxDepth" op="gte" val="4">
+            <dgm:constrLst>
+              <dgm:constr type="w" for="ch" forName="tx1" refType="w" fact="0.2"/>
+              <dgm:constr type="w" for="des" forName="tx2" refType="w" fact="0.2516"/>
+              <dgm:constr type="w" for="des" forName="tx3" refType="w" fact="0.2516"/>
+              <dgm:constr type="w" for="des" forName="tx4" refType="w" fact="0.2516"/>
+              <dgm:constr type="w" for="des" forName="horzSpace2" refType="w" fact="0.015"/>
+              <dgm:constr type="w" for="des" forName="horzSpace3" refType="w" fact="0.015"/>
+              <dgm:constr type="w" for="des" forName="horzSpace4" refType="w" fact="0.015"/>
+              <dgm:constr type="w" for="des" forName="thinLine2b" refType="w" fact="0.8"/>
+              <dgm:constr type="w" for="des" forName="thinLine3" refType="w" fact="0.5332"/>
+            </dgm:constrLst>
+          </dgm:if>
+          <dgm:else name="Name12"/>
+        </dgm:choose>
+        <dgm:layoutNode name="tx1" styleLbl="revTx">
+          <dgm:alg type="tx">
+            <dgm:param type="parTxLTRAlign" val="l"/>
+            <dgm:param type="parTxRTLAlign" val="r"/>
+            <dgm:param type="txAnchorVert" val="t"/>
+          </dgm:alg>
+          <dgm:shape xmlns:r="http://schemas.openxmlformats.org/officeDocument/2006/relationships" type="rect" r:blip="">
+            <dgm:adjLst/>
+          </dgm:shape>
+          <dgm:presOf axis="self"/>
+          <dgm:constrLst>
+            <dgm:constr type="tMarg" refType="primFontSz" fact="0.3"/>
+            <dgm:constr type="bMarg" refType="primFontSz" fact="0.3"/>
+            <dgm:constr type="lMarg" refType="primFontSz" fact="0.3"/>
+            <dgm:constr type="rMarg" refType="primFontSz" fact="0.3"/>
+          </dgm:constrLst>
+          <dgm:ruleLst>
+            <dgm:rule type="primFontSz" val="5" fact="NaN" max="NaN"/>
+          </dgm:ruleLst>
+        </dgm:layoutNode>
+        <dgm:layoutNode name="vert1">
+          <dgm:choose name="Name13">
+            <dgm:if name="Name14" func="var" arg="dir" op="equ" val="norm">
+              <dgm:alg type="lin">
+                <dgm:param type="linDir" val="fromT"/>
+                <dgm:param type="nodeHorzAlign" val="l"/>
+              </dgm:alg>
+            </dgm:if>
+            <dgm:else name="Name15">
+              <dgm:alg type="lin">
+                <dgm:param type="linDir" val="fromT"/>
+                <dgm:param type="nodeHorzAlign" val="r"/>
+              </dgm:alg>
+            </dgm:else>
+          </dgm:choose>
+          <dgm:shape xmlns:r="http://schemas.openxmlformats.org/officeDocument/2006/relationships" r:blip="">
+            <dgm:adjLst/>
+          </dgm:shape>
+          <dgm:presOf/>
+          <dgm:forEach name="Name16" axis="ch" ptType="node">
+            <dgm:choose name="Name17">
+              <dgm:if name="Name18" axis="self" ptType="node" func="pos" op="equ" val="1">
+                <dgm:layoutNode name="vertSpace2a">
+                  <dgm:alg type="sp"/>
+                  <dgm:shape xmlns:r="http://schemas.openxmlformats.org/officeDocument/2006/relationships" r:blip="">
+                    <dgm:adjLst/>
+                  </dgm:shape>
+                  <dgm:presOf/>
+                </dgm:layoutNode>
+              </dgm:if>
+              <dgm:else name="Name19"/>
+            </dgm:choose>
+            <dgm:layoutNode name="horz2">
+              <dgm:choose name="Name20">
+                <dgm:if name="Name21" func="var" arg="dir" op="equ" val="norm">
+                  <dgm:alg type="lin">
+                    <dgm:param type="linDir" val="fromL"/>
+                    <dgm:param type="nodeVertAlign" val="t"/>
+                  </dgm:alg>
+                </dgm:if>
+                <dgm:else name="Name22">
+                  <dgm:alg type="lin">
+                    <dgm:param type="linDir" val="fromR"/>
+                    <dgm:param type="nodeVertAlign" val="t"/>
+                  </dgm:alg>
+                </dgm:else>
+              </dgm:choose>
+              <dgm:shape xmlns:r="http://schemas.openxmlformats.org/officeDocument/2006/relationships" r:blip="">
+                <dgm:adjLst/>
+              </dgm:shape>
+              <dgm:presOf/>
+              <dgm:layoutNode name="horzSpace2">
+                <dgm:alg type="sp"/>
+                <dgm:shape xmlns:r="http://schemas.openxmlformats.org/officeDocument/2006/relationships" r:blip="">
+                  <dgm:adjLst/>
+                </dgm:shape>
+                <dgm:presOf/>
+              </dgm:layoutNode>
+              <dgm:layoutNode name="tx2" styleLbl="revTx">
+                <dgm:alg type="tx">
+                  <dgm:param type="parTxLTRAlign" val="l"/>
+                  <dgm:param type="parTxRTLAlign" val="r"/>
+                  <dgm:param type="txAnchorVert" val="t"/>
+                </dgm:alg>
+                <dgm:shape xmlns:r="http://schemas.openxmlformats.org/officeDocument/2006/relationships" type="rect" r:blip="">
+                  <dgm:adjLst/>
+                </dgm:shape>
+                <dgm:presOf axis="self"/>
+                <dgm:constrLst>
+                  <dgm:constr type="tMarg" refType="primFontSz" fact="0.3"/>
+                  <dgm:constr type="bMarg" refType="primFontSz" fact="0.3"/>
+                  <dgm:constr type="lMarg" refType="primFontSz" fact="0.3"/>
+                  <dgm:constr type="rMarg" refType="primFontSz" fact="0.3"/>
+                </dgm:constrLst>
+                <dgm:ruleLst>
+                  <dgm:rule type="primFontSz" val="5" fact="NaN" max="NaN"/>
+                </dgm:ruleLst>
+              </dgm:layoutNode>
+              <dgm:layoutNode name="vert2">
+                <dgm:choose name="Name23">
+                  <dgm:if name="Name24" func="var" arg="dir" op="equ" val="norm">
+                    <dgm:alg type="lin">
+                      <dgm:param type="linDir" val="fromT"/>
+                      <dgm:param type="nodeHorzAlign" val="l"/>
+                    </dgm:alg>
+                  </dgm:if>
+                  <dgm:else name="Name25">
+                    <dgm:alg type="lin">
+                      <dgm:param type="linDir" val="fromT"/>
+                      <dgm:param type="nodeHorzAlign" val="r"/>
+                    </dgm:alg>
+                  </dgm:else>
+                </dgm:choose>
+                <dgm:shape xmlns:r="http://schemas.openxmlformats.org/officeDocument/2006/relationships" r:blip="">
+                  <dgm:adjLst/>
+                </dgm:shape>
+                <dgm:presOf/>
+                <dgm:forEach name="Name26" axis="ch" ptType="node">
+                  <dgm:layoutNode name="horz3">
+                    <dgm:choose name="Name27">
+                      <dgm:if name="Name28" func="var" arg="dir" op="equ" val="norm">
+                        <dgm:alg type="lin">
+                          <dgm:param type="linDir" val="fromL"/>
+                          <dgm:param type="nodeVertAlign" val="t"/>
+                        </dgm:alg>
+                      </dgm:if>
+                      <dgm:else name="Name29">
+                        <dgm:alg type="lin">
+                          <dgm:param type="linDir" val="fromR"/>
+                          <dgm:param type="nodeVertAlign" val="t"/>
+                        </dgm:alg>
+                      </dgm:else>
+                    </dgm:choose>
+                    <dgm:shape xmlns:r="http://schemas.openxmlformats.org/officeDocument/2006/relationships" r:blip="">
+                      <dgm:adjLst/>
+                    </dgm:shape>
+                    <dgm:presOf/>
+                    <dgm:layoutNode name="horzSpace3">
+                      <dgm:alg type="sp"/>
+                      <dgm:shape xmlns:r="http://schemas.openxmlformats.org/officeDocument/2006/relationships" r:blip="">
+                        <dgm:adjLst/>
+                      </dgm:shape>
+                      <dgm:presOf/>
+                    </dgm:layoutNode>
+                    <dgm:layoutNode name="tx3" styleLbl="revTx">
+                      <dgm:alg type="tx">
+                        <dgm:param type="parTxLTRAlign" val="l"/>
+                        <dgm:param type="parTxRTLAlign" val="r"/>
+                        <dgm:param type="txAnchorVert" val="t"/>
+                      </dgm:alg>
+                      <dgm:shape xmlns:r="http://schemas.openxmlformats.org/officeDocument/2006/relationships" type="rect" r:blip="">
+                        <dgm:adjLst/>
+                      </dgm:shape>
+                      <dgm:presOf axis="self"/>
+                      <dgm:constrLst>
+                        <dgm:constr type="tMarg" refType="primFontSz" fact="0.3"/>
+                        <dgm:constr type="bMarg" refType="primFontSz" fact="0.3"/>
+                        <dgm:constr type="lMarg" refType="primFontSz" fact="0.3"/>
+                        <dgm:constr type="rMarg" refType="primFontSz" fact="0.3"/>
+                      </dgm:constrLst>
+                      <dgm:ruleLst>
+                        <dgm:rule type="primFontSz" val="5" fact="NaN" max="NaN"/>
+                      </dgm:ruleLst>
+                    </dgm:layoutNode>
+                    <dgm:layoutNode name="vert3">
+                      <dgm:choose name="Name30">
+                        <dgm:if name="Name31" func="var" arg="dir" op="equ" val="norm">
+                          <dgm:alg type="lin">
+                            <dgm:param type="linDir" val="fromT"/>
+                            <dgm:param type="nodeHorzAlign" val="l"/>
+                          </dgm:alg>
+                        </dgm:if>
+                        <dgm:else name="Name32">
+                          <dgm:alg type="lin">
+                            <dgm:param type="linDir" val="fromT"/>
+                            <dgm:param type="nodeHorzAlign" val="r"/>
+                          </dgm:alg>
+                        </dgm:else>
+                      </dgm:choose>
+                      <dgm:shape xmlns:r="http://schemas.openxmlformats.org/officeDocument/2006/relationships" r:blip="">
+                        <dgm:adjLst/>
+                      </dgm:shape>
+                      <dgm:presOf/>
+                      <dgm:forEach name="Name33" axis="ch" ptType="node">
+                        <dgm:layoutNode name="horz4">
+                          <dgm:choose name="Name34">
+                            <dgm:if name="Name35" func="var" arg="dir" op="equ" val="norm">
+                              <dgm:alg type="lin">
+                                <dgm:param type="linDir" val="fromL"/>
+                                <dgm:param type="nodeVertAlign" val="t"/>
+                              </dgm:alg>
+                            </dgm:if>
+                            <dgm:else name="Name36">
+                              <dgm:alg type="lin">
+                                <dgm:param type="linDir" val="fromR"/>
+                                <dgm:param type="nodeVertAlign" val="t"/>
+                              </dgm:alg>
+                            </dgm:else>
+                          </dgm:choose>
+                          <dgm:shape xmlns:r="http://schemas.openxmlformats.org/officeDocument/2006/relationships" r:blip="">
+                            <dgm:adjLst/>
+                          </dgm:shape>
+                          <dgm:presOf/>
+                          <dgm:layoutNode name="horzSpace4">
+                            <dgm:alg type="sp"/>
+                            <dgm:shape xmlns:r="http://schemas.openxmlformats.org/officeDocument/2006/relationships" r:blip="">
+                              <dgm:adjLst/>
+                            </dgm:shape>
+                            <dgm:presOf/>
+                          </dgm:layoutNode>
+                          <dgm:layoutNode name="tx4" styleLbl="revTx">
+                            <dgm:varLst>
+                              <dgm:bulletEnabled val="1"/>
+                            </dgm:varLst>
+                            <dgm:alg type="tx">
+                              <dgm:param type="parTxLTRAlign" val="l"/>
+                              <dgm:param type="parTxRTLAlign" val="r"/>
+                              <dgm:param type="txAnchorVert" val="t"/>
+                            </dgm:alg>
+                            <dgm:shape xmlns:r="http://schemas.openxmlformats.org/officeDocument/2006/relationships" type="rect" r:blip="">
+                              <dgm:adjLst/>
+                            </dgm:shape>
+                            <dgm:presOf axis="desOrSelf" ptType="node"/>
+                            <dgm:constrLst>
+                              <dgm:constr type="tMarg" refType="primFontSz" fact="0.3"/>
+                              <dgm:constr type="bMarg" refType="primFontSz" fact="0.3"/>
+                              <dgm:constr type="lMarg" refType="primFontSz" fact="0.3"/>
+                              <dgm:constr type="rMarg" refType="primFontSz" fact="0.3"/>
+                            </dgm:constrLst>
+                            <dgm:ruleLst>
+                              <dgm:rule type="primFontSz" val="5" fact="NaN" max="NaN"/>
+                            </dgm:ruleLst>
+                          </dgm:layoutNode>
+                        </dgm:layoutNode>
+                      </dgm:forEach>
+                    </dgm:layoutNode>
+                  </dgm:layoutNode>
+                  <dgm:forEach name="Name37" axis="followSib" ptType="sibTrans" cnt="1">
+                    <dgm:layoutNode name="thinLine3" styleLbl="callout">
+                      <dgm:alg type="sp"/>
+                      <dgm:shape xmlns:r="http://schemas.openxmlformats.org/officeDocument/2006/relationships" type="line" r:blip="">
+                        <dgm:adjLst/>
+                      </dgm:shape>
+                      <dgm:presOf/>
+                    </dgm:layoutNode>
+                  </dgm:forEach>
+                </dgm:forEach>
+              </dgm:layoutNode>
+            </dgm:layoutNode>
+            <dgm:layoutNode name="thinLine2b" styleLbl="callout">
+              <dgm:alg type="sp"/>
+              <dgm:shape xmlns:r="http://schemas.openxmlformats.org/officeDocument/2006/relationships" type="line" r:blip="">
+                <dgm:adjLst/>
+              </dgm:shape>
+              <dgm:presOf/>
+            </dgm:layoutNode>
+            <dgm:layoutNode name="vertSpace2b">
+              <dgm:alg type="sp"/>
+              <dgm:shape xmlns:r="http://schemas.openxmlformats.org/officeDocument/2006/relationships" r:blip="">
+                <dgm:adjLst/>
+              </dgm:shape>
+              <dgm:presOf/>
+            </dgm:layoutNode>
+          </dgm:forEach>
+        </dgm:layoutNode>
+      </dgm:layoutNode>
+    </dgm:forEach>
+  </dgm:layoutNode>
+</dgm:layoutDef>
+</file>
+
+<file path=ppt/diagrams/layout3.xml><?xml version="1.0" encoding="utf-8"?>
+<dgm:layoutDef xmlns:dgm="http://schemas.openxmlformats.org/drawingml/2006/diagram" xmlns:a="http://schemas.openxmlformats.org/drawingml/2006/main" uniqueId="urn:microsoft.com/office/officeart/2008/layout/LinedList">
+  <dgm:title val=""/>
+  <dgm:desc val=""/>
+  <dgm:catLst>
+    <dgm:cat type="hierarchy" pri="8000"/>
+    <dgm:cat type="list" pri="2500"/>
+  </dgm:catLst>
+  <dgm:sampData>
+    <dgm:dataModel>
+      <dgm:ptLst>
+        <dgm:pt modelId="0" type="doc"/>
+        <dgm:pt modelId="1">
+          <dgm:prSet phldr="1"/>
+        </dgm:pt>
+        <dgm:pt modelId="11">
+          <dgm:prSet phldr="1"/>
+        </dgm:pt>
+        <dgm:pt modelId="12">
+          <dgm:prSet phldr="1"/>
+        </dgm:pt>
+        <dgm:pt modelId="13">
+          <dgm:prSet phldr="1"/>
+        </dgm:pt>
+      </dgm:ptLst>
+      <dgm:cxnLst>
+        <dgm:cxn modelId="2" srcId="0" destId="1" srcOrd="0" destOrd="0"/>
+        <dgm:cxn modelId="3" srcId="1" destId="11" srcOrd="0" destOrd="0"/>
+        <dgm:cxn modelId="4" srcId="1" destId="12" srcOrd="1" destOrd="0"/>
+        <dgm:cxn modelId="5" srcId="1" destId="13" srcOrd="2" destOrd="0"/>
+      </dgm:cxnLst>
+      <dgm:bg/>
+      <dgm:whole/>
+    </dgm:dataModel>
+  </dgm:sampData>
+  <dgm:styleData>
+    <dgm:dataModel>
+      <dgm:ptLst>
+        <dgm:pt modelId="0" type="doc"/>
+        <dgm:pt modelId="1">
+          <dgm:prSet phldr="1"/>
+        </dgm:pt>
+        <dgm:pt modelId="11">
+          <dgm:prSet phldr="1"/>
+        </dgm:pt>
+        <dgm:pt modelId="12">
+          <dgm:prSet phldr="1"/>
+        </dgm:pt>
+      </dgm:ptLst>
+      <dgm:cxnLst>
+        <dgm:cxn modelId="2" srcId="0" destId="1" srcOrd="0" destOrd="0"/>
+        <dgm:cxn modelId="3" srcId="1" destId="11" srcOrd="0" destOrd="0"/>
+        <dgm:cxn modelId="4" srcId="1" destId="12" srcOrd="1" destOrd="0"/>
+      </dgm:cxnLst>
+      <dgm:bg/>
+      <dgm:whole/>
+    </dgm:dataModel>
+  </dgm:styleData>
+  <dgm:clrData>
+    <dgm:dataModel>
+      <dgm:ptLst>
+        <dgm:pt modelId="0" type="doc"/>
+        <dgm:pt modelId="1">
+          <dgm:prSet phldr="1"/>
+        </dgm:pt>
+        <dgm:pt modelId="11">
+          <dgm:prSet phldr="1"/>
+        </dgm:pt>
+        <dgm:pt modelId="12">
+          <dgm:prSet phldr="1"/>
+        </dgm:pt>
+      </dgm:ptLst>
+      <dgm:cxnLst>
+        <dgm:cxn modelId="2" srcId="0" destId="1" srcOrd="0" destOrd="0"/>
+        <dgm:cxn modelId="3" srcId="1" destId="11" srcOrd="0" destOrd="0"/>
+        <dgm:cxn modelId="4" srcId="1" destId="12" srcOrd="1" destOrd="0"/>
+      </dgm:cxnLst>
+      <dgm:bg/>
+      <dgm:whole/>
+    </dgm:dataModel>
+  </dgm:clrData>
+  <dgm:layoutNode name="vert0">
+    <dgm:varLst>
+      <dgm:dir/>
+      <dgm:animOne val="branch"/>
+      <dgm:animLvl val="lvl"/>
+    </dgm:varLst>
+    <dgm:choose name="Name0">
+      <dgm:if name="Name1" func="var" arg="dir" op="equ" val="norm">
+        <dgm:alg type="lin">
+          <dgm:param type="linDir" val="fromT"/>
+          <dgm:param type="nodeHorzAlign" val="l"/>
+        </dgm:alg>
+      </dgm:if>
+      <dgm:else name="Name2">
+        <dgm:alg type="lin">
+          <dgm:param type="linDir" val="fromT"/>
+          <dgm:param type="nodeHorzAlign" val="r"/>
+        </dgm:alg>
+      </dgm:else>
+    </dgm:choose>
+    <dgm:shape xmlns:r="http://schemas.openxmlformats.org/officeDocument/2006/relationships" r:blip="">
+      <dgm:adjLst/>
+    </dgm:shape>
+    <dgm:presOf/>
+    <dgm:constrLst>
+      <dgm:constr type="w" for="ch" forName="horz1" refType="w"/>
+      <dgm:constr type="h" for="ch" forName="horz1" refType="h"/>
+      <dgm:constr type="h" for="des" forName="vert1" refType="h"/>
+      <dgm:constr type="h" for="des" forName="tx1" refType="h"/>
+      <dgm:constr type="h" for="des" forName="horz2" refType="h"/>
+      <dgm:constr type="h" for="des" forName="vert2" refType="h"/>
+      <dgm:constr type="h" for="des" forName="horz3" refType="h"/>
+      <dgm:constr type="h" for="des" forName="vert3" refType="h"/>
+      <dgm:constr type="h" for="des" forName="horz4" refType="h"/>
+      <dgm:constr type="h" for="des" ptType="node" refType="h"/>
+      <dgm:constr type="primFontSz" for="des" forName="tx1" op="equ" val="65"/>
+      <dgm:constr type="primFontSz" for="des" forName="tx2" op="equ" val="65"/>
+      <dgm:constr type="primFontSz" for="des" forName="tx3" op="equ" val="65"/>
+      <dgm:constr type="primFontSz" for="des" forName="tx4" op="equ" val="65"/>
+      <dgm:constr type="w" for="des" forName="thickLine" refType="w"/>
+      <dgm:constr type="h" for="des" forName="thickLine"/>
+      <dgm:constr type="h" for="des" forName="thinLine1"/>
+      <dgm:constr type="h" for="des" forName="thinLine2b"/>
+      <dgm:constr type="h" for="des" forName="thinLine3"/>
+      <dgm:constr type="h" for="des" forName="vertSpace2a" refType="h" fact="0.05"/>
+      <dgm:constr type="h" for="des" forName="vertSpace2b" refType="h" refFor="des" refForName="vertSpace2a"/>
+    </dgm:constrLst>
+    <dgm:forEach name="Name3" axis="ch" ptType="node">
+      <dgm:layoutNode name="thickLine" styleLbl="alignNode1">
+        <dgm:alg type="sp"/>
+        <dgm:shape xmlns:r="http://schemas.openxmlformats.org/officeDocument/2006/relationships" type="line" r:blip="">
+          <dgm:adjLst/>
+        </dgm:shape>
+        <dgm:presOf/>
+      </dgm:layoutNode>
+      <dgm:layoutNode name="horz1">
+        <dgm:choose name="Name4">
+          <dgm:if name="Name5" func="var" arg="dir" op="equ" val="norm">
+            <dgm:alg type="lin">
+              <dgm:param type="linDir" val="fromL"/>
+              <dgm:param type="nodeVertAlign" val="t"/>
+            </dgm:alg>
+          </dgm:if>
+          <dgm:else name="Name6">
+            <dgm:alg type="lin">
+              <dgm:param type="linDir" val="fromR"/>
+              <dgm:param type="nodeVertAlign" val="t"/>
+            </dgm:alg>
+          </dgm:else>
+        </dgm:choose>
+        <dgm:shape xmlns:r="http://schemas.openxmlformats.org/officeDocument/2006/relationships" r:blip="">
+          <dgm:adjLst/>
+        </dgm:shape>
+        <dgm:presOf/>
+        <dgm:choose name="Name7">
+          <dgm:if name="Name8" axis="root des" func="maxDepth" op="equ" val="1">
+            <dgm:constrLst>
+              <dgm:constr type="w" for="ch" forName="tx1" refType="w"/>
+            </dgm:constrLst>
+          </dgm:if>
+          <dgm:if name="Name9" axis="root des" func="maxDepth" op="equ" val="2">
+            <dgm:constrLst>
+              <dgm:constr type="w" for="ch" forName="tx1" refType="w" fact="0.2"/>
+              <dgm:constr type="w" for="des" forName="tx2" refType="w" fact="0.785"/>
+              <dgm:constr type="w" for="des" forName="horzSpace2" refType="w" fact="0.015"/>
+              <dgm:constr type="w" for="des" forName="thinLine2b" refType="w" fact="0.8"/>
+            </dgm:constrLst>
+          </dgm:if>
+          <dgm:if name="Name10" axis="root des" func="maxDepth" op="equ" val="3">
+            <dgm:constrLst>
+              <dgm:constr type="w" for="ch" forName="tx1" refType="w" fact="0.2"/>
+              <dgm:constr type="w" for="des" forName="tx2" refType="w" fact="0.385"/>
+              <dgm:constr type="w" for="des" forName="tx3" refType="w" fact="0.385"/>
+              <dgm:constr type="w" for="des" forName="horzSpace2" refType="w" fact="0.015"/>
+              <dgm:constr type="w" for="des" forName="horzSpace3" refType="w" fact="0.015"/>
+              <dgm:constr type="w" for="des" forName="thinLine2b" refType="w" fact="0.8"/>
+              <dgm:constr type="w" for="des" forName="thinLine3" refType="w" fact="0.385"/>
+            </dgm:constrLst>
+          </dgm:if>
+          <dgm:if name="Name11" axis="root des" func="maxDepth" op="gte" val="4">
+            <dgm:constrLst>
+              <dgm:constr type="w" for="ch" forName="tx1" refType="w" fact="0.2"/>
+              <dgm:constr type="w" for="des" forName="tx2" refType="w" fact="0.2516"/>
+              <dgm:constr type="w" for="des" forName="tx3" refType="w" fact="0.2516"/>
+              <dgm:constr type="w" for="des" forName="tx4" refType="w" fact="0.2516"/>
+              <dgm:constr type="w" for="des" forName="horzSpace2" refType="w" fact="0.015"/>
+              <dgm:constr type="w" for="des" forName="horzSpace3" refType="w" fact="0.015"/>
+              <dgm:constr type="w" for="des" forName="horzSpace4" refType="w" fact="0.015"/>
+              <dgm:constr type="w" for="des" forName="thinLine2b" refType="w" fact="0.8"/>
+              <dgm:constr type="w" for="des" forName="thinLine3" refType="w" fact="0.5332"/>
+            </dgm:constrLst>
+          </dgm:if>
+          <dgm:else name="Name12"/>
+        </dgm:choose>
+        <dgm:layoutNode name="tx1" styleLbl="revTx">
+          <dgm:alg type="tx">
+            <dgm:param type="parTxLTRAlign" val="l"/>
+            <dgm:param type="parTxRTLAlign" val="r"/>
+            <dgm:param type="txAnchorVert" val="t"/>
+          </dgm:alg>
+          <dgm:shape xmlns:r="http://schemas.openxmlformats.org/officeDocument/2006/relationships" type="rect" r:blip="">
+            <dgm:adjLst/>
+          </dgm:shape>
+          <dgm:presOf axis="self"/>
+          <dgm:constrLst>
+            <dgm:constr type="tMarg" refType="primFontSz" fact="0.3"/>
+            <dgm:constr type="bMarg" refType="primFontSz" fact="0.3"/>
+            <dgm:constr type="lMarg" refType="primFontSz" fact="0.3"/>
+            <dgm:constr type="rMarg" refType="primFontSz" fact="0.3"/>
+          </dgm:constrLst>
+          <dgm:ruleLst>
+            <dgm:rule type="primFontSz" val="5" fact="NaN" max="NaN"/>
+          </dgm:ruleLst>
+        </dgm:layoutNode>
+        <dgm:layoutNode name="vert1">
+          <dgm:choose name="Name13">
+            <dgm:if name="Name14" func="var" arg="dir" op="equ" val="norm">
+              <dgm:alg type="lin">
+                <dgm:param type="linDir" val="fromT"/>
+                <dgm:param type="nodeHorzAlign" val="l"/>
+              </dgm:alg>
+            </dgm:if>
+            <dgm:else name="Name15">
+              <dgm:alg type="lin">
+                <dgm:param type="linDir" val="fromT"/>
+                <dgm:param type="nodeHorzAlign" val="r"/>
+              </dgm:alg>
+            </dgm:else>
+          </dgm:choose>
+          <dgm:shape xmlns:r="http://schemas.openxmlformats.org/officeDocument/2006/relationships" r:blip="">
+            <dgm:adjLst/>
+          </dgm:shape>
+          <dgm:presOf/>
+          <dgm:forEach name="Name16" axis="ch" ptType="node">
+            <dgm:choose name="Name17">
+              <dgm:if name="Name18" axis="self" ptType="node" func="pos" op="equ" val="1">
+                <dgm:layoutNode name="vertSpace2a">
+                  <dgm:alg type="sp"/>
+                  <dgm:shape xmlns:r="http://schemas.openxmlformats.org/officeDocument/2006/relationships" r:blip="">
+                    <dgm:adjLst/>
+                  </dgm:shape>
+                  <dgm:presOf/>
+                </dgm:layoutNode>
+              </dgm:if>
+              <dgm:else name="Name19"/>
+            </dgm:choose>
+            <dgm:layoutNode name="horz2">
+              <dgm:choose name="Name20">
+                <dgm:if name="Name21" func="var" arg="dir" op="equ" val="norm">
+                  <dgm:alg type="lin">
+                    <dgm:param type="linDir" val="fromL"/>
+                    <dgm:param type="nodeVertAlign" val="t"/>
+                  </dgm:alg>
+                </dgm:if>
+                <dgm:else name="Name22">
+                  <dgm:alg type="lin">
+                    <dgm:param type="linDir" val="fromR"/>
+                    <dgm:param type="nodeVertAlign" val="t"/>
+                  </dgm:alg>
+                </dgm:else>
+              </dgm:choose>
+              <dgm:shape xmlns:r="http://schemas.openxmlformats.org/officeDocument/2006/relationships" r:blip="">
+                <dgm:adjLst/>
+              </dgm:shape>
+              <dgm:presOf/>
+              <dgm:layoutNode name="horzSpace2">
+                <dgm:alg type="sp"/>
+                <dgm:shape xmlns:r="http://schemas.openxmlformats.org/officeDocument/2006/relationships" r:blip="">
+                  <dgm:adjLst/>
+                </dgm:shape>
+                <dgm:presOf/>
+              </dgm:layoutNode>
+              <dgm:layoutNode name="tx2" styleLbl="revTx">
+                <dgm:alg type="tx">
+                  <dgm:param type="parTxLTRAlign" val="l"/>
+                  <dgm:param type="parTxRTLAlign" val="r"/>
+                  <dgm:param type="txAnchorVert" val="t"/>
+                </dgm:alg>
+                <dgm:shape xmlns:r="http://schemas.openxmlformats.org/officeDocument/2006/relationships" type="rect" r:blip="">
+                  <dgm:adjLst/>
+                </dgm:shape>
+                <dgm:presOf axis="self"/>
+                <dgm:constrLst>
+                  <dgm:constr type="tMarg" refType="primFontSz" fact="0.3"/>
+                  <dgm:constr type="bMarg" refType="primFontSz" fact="0.3"/>
+                  <dgm:constr type="lMarg" refType="primFontSz" fact="0.3"/>
+                  <dgm:constr type="rMarg" refType="primFontSz" fact="0.3"/>
+                </dgm:constrLst>
+                <dgm:ruleLst>
+                  <dgm:rule type="primFontSz" val="5" fact="NaN" max="NaN"/>
+                </dgm:ruleLst>
+              </dgm:layoutNode>
+              <dgm:layoutNode name="vert2">
+                <dgm:choose name="Name23">
+                  <dgm:if name="Name24" func="var" arg="dir" op="equ" val="norm">
+                    <dgm:alg type="lin">
+                      <dgm:param type="linDir" val="fromT"/>
+                      <dgm:param type="nodeHorzAlign" val="l"/>
+                    </dgm:alg>
+                  </dgm:if>
+                  <dgm:else name="Name25">
+                    <dgm:alg type="lin">
+                      <dgm:param type="linDir" val="fromT"/>
+                      <dgm:param type="nodeHorzAlign" val="r"/>
+                    </dgm:alg>
+                  </dgm:else>
+                </dgm:choose>
+                <dgm:shape xmlns:r="http://schemas.openxmlformats.org/officeDocument/2006/relationships" r:blip="">
+                  <dgm:adjLst/>
+                </dgm:shape>
+                <dgm:presOf/>
+                <dgm:forEach name="Name26" axis="ch" ptType="node">
+                  <dgm:layoutNode name="horz3">
+                    <dgm:choose name="Name27">
+                      <dgm:if name="Name28" func="var" arg="dir" op="equ" val="norm">
+                        <dgm:alg type="lin">
+                          <dgm:param type="linDir" val="fromL"/>
+                          <dgm:param type="nodeVertAlign" val="t"/>
+                        </dgm:alg>
+                      </dgm:if>
+                      <dgm:else name="Name29">
+                        <dgm:alg type="lin">
+                          <dgm:param type="linDir" val="fromR"/>
+                          <dgm:param type="nodeVertAlign" val="t"/>
+                        </dgm:alg>
+                      </dgm:else>
+                    </dgm:choose>
+                    <dgm:shape xmlns:r="http://schemas.openxmlformats.org/officeDocument/2006/relationships" r:blip="">
+                      <dgm:adjLst/>
+                    </dgm:shape>
+                    <dgm:presOf/>
+                    <dgm:layoutNode name="horzSpace3">
+                      <dgm:alg type="sp"/>
+                      <dgm:shape xmlns:r="http://schemas.openxmlformats.org/officeDocument/2006/relationships" r:blip="">
+                        <dgm:adjLst/>
+                      </dgm:shape>
+                      <dgm:presOf/>
+                    </dgm:layoutNode>
+                    <dgm:layoutNode name="tx3" styleLbl="revTx">
+                      <dgm:alg type="tx">
+                        <dgm:param type="parTxLTRAlign" val="l"/>
+                        <dgm:param type="parTxRTLAlign" val="r"/>
+                        <dgm:param type="txAnchorVert" val="t"/>
+                      </dgm:alg>
+                      <dgm:shape xmlns:r="http://schemas.openxmlformats.org/officeDocument/2006/relationships" type="rect" r:blip="">
+                        <dgm:adjLst/>
+                      </dgm:shape>
+                      <dgm:presOf axis="self"/>
+                      <dgm:constrLst>
+                        <dgm:constr type="tMarg" refType="primFontSz" fact="0.3"/>
+                        <dgm:constr type="bMarg" refType="primFontSz" fact="0.3"/>
+                        <dgm:constr type="lMarg" refType="primFontSz" fact="0.3"/>
+                        <dgm:constr type="rMarg" refType="primFontSz" fact="0.3"/>
+                      </dgm:constrLst>
+                      <dgm:ruleLst>
+                        <dgm:rule type="primFontSz" val="5" fact="NaN" max="NaN"/>
+                      </dgm:ruleLst>
+                    </dgm:layoutNode>
+                    <dgm:layoutNode name="vert3">
+                      <dgm:choose name="Name30">
+                        <dgm:if name="Name31" func="var" arg="dir" op="equ" val="norm">
+                          <dgm:alg type="lin">
+                            <dgm:param type="linDir" val="fromT"/>
+                            <dgm:param type="nodeHorzAlign" val="l"/>
+                          </dgm:alg>
+                        </dgm:if>
+                        <dgm:else name="Name32">
+                          <dgm:alg type="lin">
+                            <dgm:param type="linDir" val="fromT"/>
+                            <dgm:param type="nodeHorzAlign" val="r"/>
+                          </dgm:alg>
+                        </dgm:else>
+                      </dgm:choose>
+                      <dgm:shape xmlns:r="http://schemas.openxmlformats.org/officeDocument/2006/relationships" r:blip="">
+                        <dgm:adjLst/>
+                      </dgm:shape>
+                      <dgm:presOf/>
+                      <dgm:forEach name="Name33" axis="ch" ptType="node">
+                        <dgm:layoutNode name="horz4">
+                          <dgm:choose name="Name34">
+                            <dgm:if name="Name35" func="var" arg="dir" op="equ" val="norm">
+                              <dgm:alg type="lin">
+                                <dgm:param type="linDir" val="fromL"/>
+                                <dgm:param type="nodeVertAlign" val="t"/>
+                              </dgm:alg>
+                            </dgm:if>
+                            <dgm:else name="Name36">
+                              <dgm:alg type="lin">
+                                <dgm:param type="linDir" val="fromR"/>
+                                <dgm:param type="nodeVertAlign" val="t"/>
+                              </dgm:alg>
+                            </dgm:else>
+                          </dgm:choose>
+                          <dgm:shape xmlns:r="http://schemas.openxmlformats.org/officeDocument/2006/relationships" r:blip="">
+                            <dgm:adjLst/>
+                          </dgm:shape>
+                          <dgm:presOf/>
+                          <dgm:layoutNode name="horzSpace4">
+                            <dgm:alg type="sp"/>
+                            <dgm:shape xmlns:r="http://schemas.openxmlformats.org/officeDocument/2006/relationships" r:blip="">
+                              <dgm:adjLst/>
+                            </dgm:shape>
+                            <dgm:presOf/>
+                          </dgm:layoutNode>
+                          <dgm:layoutNode name="tx4" styleLbl="revTx">
+                            <dgm:varLst>
+                              <dgm:bulletEnabled val="1"/>
+                            </dgm:varLst>
+                            <dgm:alg type="tx">
+                              <dgm:param type="parTxLTRAlign" val="l"/>
+                              <dgm:param type="parTxRTLAlign" val="r"/>
+                              <dgm:param type="txAnchorVert" val="t"/>
+                            </dgm:alg>
+                            <dgm:shape xmlns:r="http://schemas.openxmlformats.org/officeDocument/2006/relationships" type="rect" r:blip="">
+                              <dgm:adjLst/>
+                            </dgm:shape>
+                            <dgm:presOf axis="desOrSelf" ptType="node"/>
+                            <dgm:constrLst>
+                              <dgm:constr type="tMarg" refType="primFontSz" fact="0.3"/>
+                              <dgm:constr type="bMarg" refType="primFontSz" fact="0.3"/>
+                              <dgm:constr type="lMarg" refType="primFontSz" fact="0.3"/>
+                              <dgm:constr type="rMarg" refType="primFontSz" fact="0.3"/>
+                            </dgm:constrLst>
+                            <dgm:ruleLst>
+                              <dgm:rule type="primFontSz" val="5" fact="NaN" max="NaN"/>
+                            </dgm:ruleLst>
+                          </dgm:layoutNode>
+                        </dgm:layoutNode>
+                      </dgm:forEach>
+                    </dgm:layoutNode>
+                  </dgm:layoutNode>
+                  <dgm:forEach name="Name37" axis="followSib" ptType="sibTrans" cnt="1">
+                    <dgm:layoutNode name="thinLine3" styleLbl="callout">
+                      <dgm:alg type="sp"/>
+                      <dgm:shape xmlns:r="http://schemas.openxmlformats.org/officeDocument/2006/relationships" type="line" r:blip="">
+                        <dgm:adjLst/>
+                      </dgm:shape>
+                      <dgm:presOf/>
+                    </dgm:layoutNode>
+                  </dgm:forEach>
+                </dgm:forEach>
+              </dgm:layoutNode>
+            </dgm:layoutNode>
+            <dgm:layoutNode name="thinLine2b" styleLbl="callout">
+              <dgm:alg type="sp"/>
+              <dgm:shape xmlns:r="http://schemas.openxmlformats.org/officeDocument/2006/relationships" type="line" r:blip="">
+                <dgm:adjLst/>
+              </dgm:shape>
+              <dgm:presOf/>
+            </dgm:layoutNode>
+            <dgm:layoutNode name="vertSpace2b">
+              <dgm:alg type="sp"/>
+              <dgm:shape xmlns:r="http://schemas.openxmlformats.org/officeDocument/2006/relationships" r:blip="">
+                <dgm:adjLst/>
+              </dgm:shape>
+              <dgm:presOf/>
+            </dgm:layoutNode>
+          </dgm:forEach>
+        </dgm:layoutNode>
+      </dgm:layoutNode>
+    </dgm:forEach>
+  </dgm:layoutNode>
+</dgm:layoutDef>
+</file>
+
+<file path=ppt/diagrams/quickStyle1.xml><?xml version="1.0" encoding="utf-8"?>
+<dgm:styleDef xmlns:dgm="http://schemas.openxmlformats.org/drawingml/2006/diagram" xmlns:a="http://schemas.openxmlformats.org/drawingml/2006/main" uniqueId="urn:microsoft.com/office/officeart/2005/8/quickstyle/simple1">
+  <dgm:title val=""/>
+  <dgm:desc val=""/>
+  <dgm:catLst>
+    <dgm:cat type="simple" pri="10100"/>
+  </dgm:catLst>
+  <dgm:scene3d>
+    <a:camera prst="orthographicFront"/>
+    <a:lightRig rig="threePt" dir="t"/>
+  </dgm:scene3d>
+  <dgm:styleLbl name="node0">
+    <dgm:scene3d>
+      <a:camera prst="orthographicFront"/>
+      <a:lightRig rig="threePt" dir="t"/>
+    </dgm:scene3d>
+    <dgm:sp3d/>
+    <dgm:txPr/>
+    <dgm:style>
+      <a:lnRef idx="2">
+        <a:scrgbClr r="0" g="0" b="0"/>
+      </a:lnRef>
+      <a:fillRef idx="1">
+        <a:scrgbClr r="0" g="0" b="0"/>
+      </a:fillRef>
+      <a:effectRef idx="0">
+        <a:scrgbClr r="0" g="0" b="0"/>
+      </a:effectRef>
+      <a:fontRef idx="minor">
+        <a:schemeClr val="lt1"/>
+      </a:fontRef>
+    </dgm:style>
+  </dgm:styleLbl>
+  <dgm:styleLbl name="lnNode1">
+    <dgm:scene3d>
+      <a:camera prst="orthographicFront"/>
+      <a:lightRig rig="threePt" dir="t"/>
+    </dgm:scene3d>
+    <dgm:sp3d/>
+    <dgm:txPr/>
+    <dgm:style>
+      <a:lnRef idx="2">
+        <a:scrgbClr r="0" g="0" b="0"/>
+      </a:lnRef>
+      <a:fillRef idx="1">
+        <a:scrgbClr r="0" g="0" b="0"/>
+      </a:fillRef>
+      <a:effectRef idx="0">
+        <a:scrgbClr r="0" g="0" b="0"/>
+      </a:effectRef>
+      <a:fontRef idx="minor">
+        <a:schemeClr val="lt1"/>
+      </a:fontRef>
+    </dgm:style>
+  </dgm:styleLbl>
+  <dgm:styleLbl name="vennNode1">
+    <dgm:scene3d>
+      <a:camera prst="orthographicFront"/>
+      <a:lightRig rig="threePt" dir="t"/>
+    </dgm:scene3d>
+    <dgm:sp3d/>
+    <dgm:txPr/>
+    <dgm:style>
+      <a:lnRef idx="2">
+        <a:scrgbClr r="0" g="0" b="0"/>
+      </a:lnRef>
+      <a:fillRef idx="1">
+        <a:scrgbClr r="0" g="0" b="0"/>
+      </a:fillRef>
+      <a:effectRef idx="0">
+        <a:scrgbClr r="0" g="0" b="0"/>
+      </a:effectRef>
+      <a:fontRef idx="minor">
+        <a:schemeClr val="tx1"/>
+      </a:fontRef>
+    </dgm:style>
+  </dgm:styleLbl>
+  <dgm:styleLbl name="alignNode1">
+    <dgm:scene3d>
+      <a:camera prst="orthographicFront"/>
+      <a:lightRig rig="threePt" dir="t"/>
+    </dgm:scene3d>
+    <dgm:sp3d/>
+    <dgm:txPr/>
+    <dgm:style>
+      <a:lnRef idx="2">
+        <a:scrgbClr r="0" g="0" b="0"/>
+      </a:lnRef>
+      <a:fillRef idx="1">
+        <a:scrgbClr r="0" g="0" b="0"/>
+      </a:fillRef>
+      <a:effectRef idx="0">
+        <a:scrgbClr r="0" g="0" b="0"/>
+      </a:effectRef>
+      <a:fontRef idx="minor">
+        <a:schemeClr val="lt1"/>
+      </a:fontRef>
+    </dgm:style>
+  </dgm:styleLbl>
+  <dgm:styleLbl name="node1">
+    <dgm:scene3d>
+      <a:camera prst="orthographicFront"/>
+      <a:lightRig rig="threePt" dir="t"/>
+    </dgm:scene3d>
+    <dgm:sp3d/>
+    <dgm:txPr/>
+    <dgm:style>
+      <a:lnRef idx="2">
+        <a:scrgbClr r="0" g="0" b="0"/>
+      </a:lnRef>
+      <a:fillRef idx="1">
+        <a:scrgbClr r="0" g="0" b="0"/>
+      </a:fillRef>
+      <a:effectRef idx="0">
+        <a:scrgbClr r="0" g="0" b="0"/>
+      </a:effectRef>
+      <a:fontRef idx="minor">
+        <a:schemeClr val="lt1"/>
+      </a:fontRef>
+    </dgm:style>
+  </dgm:styleLbl>
+  <dgm:styleLbl name="node2">
+    <dgm:scene3d>
+      <a:camera prst="orthographicFront"/>
+      <a:lightRig rig="threePt" dir="t"/>
+    </dgm:scene3d>
+    <dgm:sp3d/>
+    <dgm:txPr/>
+    <dgm:style>
+      <a:lnRef idx="2">
+        <a:scrgbClr r="0" g="0" b="0"/>
+      </a:lnRef>
+      <a:fillRef idx="1">
+        <a:scrgbClr r="0" g="0" b="0"/>
+      </a:fillRef>
+      <a:effectRef idx="0">
+        <a:scrgbClr r="0" g="0" b="0"/>
+      </a:effectRef>
+      <a:fontRef idx="minor">
+        <a:schemeClr val="lt1"/>
+      </a:fontRef>
+    </dgm:style>
+  </dgm:styleLbl>
+  <dgm:styleLbl name="node3">
+    <dgm:scene3d>
+      <a:camera prst="orthographicFront"/>
+      <a:lightRig rig="threePt" dir="t"/>
+    </dgm:scene3d>
+    <dgm:sp3d/>
+    <dgm:txPr/>
+    <dgm:style>
+      <a:lnRef idx="2">
+        <a:scrgbClr r="0" g="0" b="0"/>
+      </a:lnRef>
+      <a:fillRef idx="1">
+        <a:scrgbClr r="0" g="0" b="0"/>
+      </a:fillRef>
+      <a:effectRef idx="0">
+        <a:scrgbClr r="0" g="0" b="0"/>
+      </a:effectRef>
+      <a:fontRef idx="minor">
+        <a:schemeClr val="lt1"/>
+      </a:fontRef>
+    </dgm:style>
+  </dgm:styleLbl>
+  <dgm:styleLbl name="node4">
+    <dgm:scene3d>
+      <a:camera prst="orthographicFront"/>
+      <a:lightRig rig="threePt" dir="t"/>
+    </dgm:scene3d>
+    <dgm:sp3d/>
+    <dgm:txPr/>
+    <dgm:style>
+      <a:lnRef idx="2">
+        <a:scrgbClr r="0" g="0" b="0"/>
+      </a:lnRef>
+      <a:fillRef idx="1">
+        <a:scrgbClr r="0" g="0" b="0"/>
+      </a:fillRef>
+      <a:effectRef idx="0">
+        <a:scrgbClr r="0" g="0" b="0"/>
+      </a:effectRef>
+      <a:fontRef idx="minor">
+        <a:schemeClr val="lt1"/>
+      </a:fontRef>
+    </dgm:style>
+  </dgm:styleLbl>
+  <dgm:styleLbl name="fgImgPlace1">
+    <dgm:scene3d>
+      <a:camera prst="orthographicFront"/>
+      <a:lightRig rig="threePt" dir="t"/>
+    </dgm:scene3d>
+    <dgm:sp3d/>
+    <dgm:txPr/>
+    <dgm:style>
+      <a:lnRef idx="2">
+        <a:scrgbClr r="0" g="0" b="0"/>
+      </a:lnRef>
+      <a:fillRef idx="1">
+        <a:scrgbClr r="0" g="0" b="0"/>
+      </a:fillRef>
+      <a:effectRef idx="0">
+        <a:scrgbClr r="0" g="0" b="0"/>
+      </a:effectRef>
+      <a:fontRef idx="minor"/>
+    </dgm:style>
+  </dgm:styleLbl>
+  <dgm:styleLbl name="alignImgPlace1">
+    <dgm:scene3d>
+      <a:camera prst="orthographicFront"/>
+      <a:lightRig rig="threePt" dir="t"/>
+    </dgm:scene3d>
+    <dgm:sp3d/>
+    <dgm:txPr/>
+    <dgm:style>
+      <a:lnRef idx="2">
+        <a:scrgbClr r="0" g="0" b="0"/>
+      </a:lnRef>
+      <a:fillRef idx="1">
+        <a:scrgbClr r="0" g="0" b="0"/>
+      </a:fillRef>
+      <a:effectRef idx="0">
+        <a:scrgbClr r="0" g="0" b="0"/>
+      </a:effectRef>
+      <a:fontRef idx="minor"/>
+    </dgm:style>
+  </dgm:styleLbl>
+  <dgm:styleLbl name="bgImgPlace1">
+    <dgm:scene3d>
+      <a:camera prst="orthographicFront"/>
+      <a:lightRig rig="threePt" dir="t"/>
+    </dgm:scene3d>
+    <dgm:sp3d/>
+    <dgm:txPr/>
+    <dgm:style>
+      <a:lnRef idx="2">
+        <a:scrgbClr r="0" g="0" b="0"/>
+      </a:lnRef>
+      <a:fillRef idx="1">
+        <a:scrgbClr r="0" g="0" b="0"/>
+      </a:fillRef>
+      <a:effectRef idx="0">
+        <a:scrgbClr r="0" g="0" b="0"/>
+      </a:effectRef>
+      <a:fontRef idx="minor"/>
+    </dgm:style>
+  </dgm:styleLbl>
+  <dgm:styleLbl name="sibTrans2D1">
+    <dgm:scene3d>
+      <a:camera prst="orthographicFront"/>
+      <a:lightRig rig="threePt" dir="t"/>
+    </dgm:scene3d>
+    <dgm:sp3d/>
+    <dgm:txPr/>
+    <dgm:style>
+      <a:lnRef idx="0">
+        <a:scrgbClr r="0" g="0" b="0"/>
+      </a:lnRef>
+      <a:fillRef idx="1">
+        <a:scrgbClr r="0" g="0" b="0"/>
+      </a:fillRef>
+      <a:effectRef idx="0">
+        <a:scrgbClr r="0" g="0" b="0"/>
+      </a:effectRef>
+      <a:fontRef idx="minor">
+        <a:schemeClr val="lt1"/>
+      </a:fontRef>
+    </dgm:style>
+  </dgm:styleLbl>
+  <dgm:styleLbl name="fgSibTrans2D1">
+    <dgm:scene3d>
+      <a:camera prst="orthographicFront"/>
+      <a:lightRig rig="threePt" dir="t"/>
+    </dgm:scene3d>
+    <dgm:sp3d/>
+    <dgm:txPr/>
+    <dgm:style>
+      <a:lnRef idx="0">
+        <a:scrgbClr r="0" g="0" b="0"/>
+      </a:lnRef>
+      <a:fillRef idx="1">
+        <a:scrgbClr r="0" g="0" b="0"/>
+      </a:fillRef>
+      <a:effectRef idx="0">
+        <a:scrgbClr r="0" g="0" b="0"/>
+      </a:effectRef>
+      <a:fontRef idx="minor">
+        <a:schemeClr val="lt1"/>
+      </a:fontRef>
+    </dgm:style>
+  </dgm:styleLbl>
+  <dgm:styleLbl name="bgSibTrans2D1">
+    <dgm:scene3d>
+      <a:camera prst="orthographicFront"/>
+      <a:lightRig rig="threePt" dir="t"/>
+    </dgm:scene3d>
+    <dgm:sp3d/>
+    <dgm:txPr/>
+    <dgm:style>
+      <a:lnRef idx="0">
+        <a:scrgbClr r="0" g="0" b="0"/>
+      </a:lnRef>
+      <a:fillRef idx="1">
+        <a:scrgbClr r="0" g="0" b="0"/>
+      </a:fillRef>
+      <a:effectRef idx="0">
+        <a:scrgbClr r="0" g="0" b="0"/>
+      </a:effectRef>
+      <a:fontRef idx="minor">
+        <a:schemeClr val="lt1"/>
+      </a:fontRef>
+    </dgm:style>
+  </dgm:styleLbl>
+  <dgm:styleLbl name="sibTrans1D1">
+    <dgm:scene3d>
+      <a:camera prst="orthographicFront"/>
+      <a:lightRig rig="threePt" dir="t"/>
+    </dgm:scene3d>
+    <dgm:sp3d/>
+    <dgm:txPr/>
+    <dgm:style>
+      <a:lnRef idx="1">
+        <a:scrgbClr r="0" g="0" b="0"/>
+      </a:lnRef>
+      <a:fillRef idx="0">
+        <a:scrgbClr r="0" g="0" b="0"/>
+      </a:fillRef>
+      <a:effectRef idx="0">
+        <a:scrgbClr r="0" g="0" b="0"/>
+      </a:effectRef>
+      <a:fontRef idx="minor"/>
+    </dgm:style>
+  </dgm:styleLbl>
+  <dgm:styleLbl name="callout">
+    <dgm:scene3d>
+      <a:camera prst="orthographicFront"/>
+      <a:lightRig rig="threePt" dir="t"/>
+    </dgm:scene3d>
+    <dgm:sp3d/>
+    <dgm:txPr/>
+    <dgm:style>
+      <a:lnRef idx="2">
+        <a:scrgbClr r="0" g="0" b="0"/>
+      </a:lnRef>
+      <a:fillRef idx="1">
+        <a:scrgbClr r="0" g="0" b="0"/>
+      </a:fillRef>
+      <a:effectRef idx="0">
+        <a:scrgbClr r="0" g="0" b="0"/>
+      </a:effectRef>
+      <a:fontRef idx="minor"/>
+    </dgm:style>
+  </dgm:styleLbl>
+  <dgm:styleLbl name="asst0">
+    <dgm:scene3d>
+      <a:camera prst="orthographicFront"/>
+      <a:lightRig rig="threePt" dir="t"/>
+    </dgm:scene3d>
+    <dgm:sp3d/>
+    <dgm:txPr/>
+    <dgm:style>
+      <a:lnRef idx="2">
+        <a:scrgbClr r="0" g="0" b="0"/>
+      </a:lnRef>
+      <a:fillRef idx="1">
+        <a:scrgbClr r="0" g="0" b="0"/>
+      </a:fillRef>
+      <a:effectRef idx="0">
+        <a:scrgbClr r="0" g="0" b="0"/>
+      </a:effectRef>
+      <a:fontRef idx="minor">
+        <a:schemeClr val="lt1"/>
+      </a:fontRef>
+    </dgm:style>
+  </dgm:styleLbl>
+  <dgm:styleLbl name="asst1">
+    <dgm:scene3d>
+      <a:camera prst="orthographicFront"/>
+      <a:lightRig rig="threePt" dir="t"/>
+    </dgm:scene3d>
+    <dgm:sp3d/>
+    <dgm:txPr/>
+    <dgm:style>
+      <a:lnRef idx="2">
+        <a:scrgbClr r="0" g="0" b="0"/>
+      </a:lnRef>
+      <a:fillRef idx="1">
+        <a:scrgbClr r="0" g="0" b="0"/>
+      </a:fillRef>
+      <a:effectRef idx="0">
+        <a:scrgbClr r="0" g="0" b="0"/>
+      </a:effectRef>
+      <a:fontRef idx="minor">
+        <a:schemeClr val="lt1"/>
+      </a:fontRef>
+    </dgm:style>
+  </dgm:styleLbl>
+  <dgm:styleLbl name="asst2">
+    <dgm:scene3d>
+      <a:camera prst="orthographicFront"/>
+      <a:lightRig rig="threePt" dir="t"/>
+    </dgm:scene3d>
+    <dgm:sp3d/>
+    <dgm:txPr/>
+    <dgm:style>
+      <a:lnRef idx="2">
+        <a:scrgbClr r="0" g="0" b="0"/>
+      </a:lnRef>
+      <a:fillRef idx="1">
+        <a:scrgbClr r="0" g="0" b="0"/>
+      </a:fillRef>
+      <a:effectRef idx="0">
+        <a:scrgbClr r="0" g="0" b="0"/>
+      </a:effectRef>
+      <a:fontRef idx="minor">
+        <a:schemeClr val="lt1"/>
+      </a:fontRef>
+    </dgm:style>
+  </dgm:styleLbl>
+  <dgm:styleLbl name="asst3">
+    <dgm:scene3d>
+      <a:camera prst="orthographicFront"/>
+      <a:lightRig rig="threePt" dir="t"/>
+    </dgm:scene3d>
+    <dgm:sp3d/>
+    <dgm:txPr/>
+    <dgm:style>
+      <a:lnRef idx="2">
+        <a:scrgbClr r="0" g="0" b="0"/>
+      </a:lnRef>
+      <a:fillRef idx="1">
+        <a:scrgbClr r="0" g="0" b="0"/>
+      </a:fillRef>
+      <a:effectRef idx="0">
+        <a:scrgbClr r="0" g="0" b="0"/>
+      </a:effectRef>
+      <a:fontRef idx="minor">
+        <a:schemeClr val="lt1"/>
+      </a:fontRef>
+    </dgm:style>
+  </dgm:styleLbl>
+  <dgm:styleLbl name="asst4">
+    <dgm:scene3d>
+      <a:camera prst="orthographicFront"/>
+      <a:lightRig rig="threePt" dir="t"/>
+    </dgm:scene3d>
+    <dgm:sp3d/>
+    <dgm:txPr/>
+    <dgm:style>
+      <a:lnRef idx="2">
+        <a:scrgbClr r="0" g="0" b="0"/>
+      </a:lnRef>
+      <a:fillRef idx="1">
+        <a:scrgbClr r="0" g="0" b="0"/>
+      </a:fillRef>
+      <a:effectRef idx="0">
+        <a:scrgbClr r="0" g="0" b="0"/>
+      </a:effectRef>
+      <a:fontRef idx="minor">
+        <a:schemeClr val="lt1"/>
+      </a:fontRef>
+    </dgm:style>
+  </dgm:styleLbl>
+  <dgm:styleLbl name="parChTrans2D1">
+    <dgm:scene3d>
+      <a:camera prst="orthographicFront"/>
+      <a:lightRig rig="threePt" dir="t"/>
+    </dgm:scene3d>
+    <dgm:sp3d/>
+    <dgm:txPr/>
+    <dgm:style>
+      <a:lnRef idx="2">
+        <a:scrgbClr r="0" g="0" b="0"/>
+      </a:lnRef>
+      <a:fillRef idx="1">
+        <a:scrgbClr r="0" g="0" b="0"/>
+      </a:fillRef>
+      <a:effectRef idx="0">
+        <a:scrgbClr r="0" g="0" b="0"/>
+      </a:effectRef>
+      <a:fontRef idx="minor">
+        <a:schemeClr val="lt1"/>
+      </a:fontRef>
+    </dgm:style>
+  </dgm:styleLbl>
+  <dgm:styleLbl name="parChTrans2D2">
+    <dgm:scene3d>
+      <a:camera prst="orthographicFront"/>
+      <a:lightRig rig="threePt" dir="t"/>
+    </dgm:scene3d>
+    <dgm:sp3d/>
+    <dgm:txPr/>
+    <dgm:style>
+      <a:lnRef idx="2">
+        <a:scrgbClr r="0" g="0" b="0"/>
+      </a:lnRef>
+      <a:fillRef idx="1">
+        <a:scrgbClr r="0" g="0" b="0"/>
+      </a:fillRef>
+      <a:effectRef idx="0">
+        <a:scrgbClr r="0" g="0" b="0"/>
+      </a:effectRef>
+      <a:fontRef idx="minor">
+        <a:schemeClr val="lt1"/>
+      </a:fontRef>
+    </dgm:style>
+  </dgm:styleLbl>
+  <dgm:styleLbl name="parChTrans2D3">
+    <dgm:scene3d>
+      <a:camera prst="orthographicFront"/>
+      <a:lightRig rig="threePt" dir="t"/>
+    </dgm:scene3d>
+    <dgm:sp3d/>
+    <dgm:txPr/>
+    <dgm:style>
+      <a:lnRef idx="2">
+        <a:scrgbClr r="0" g="0" b="0"/>
+      </a:lnRef>
+      <a:fillRef idx="1">
+        <a:scrgbClr r="0" g="0" b="0"/>
+      </a:fillRef>
+      <a:effectRef idx="0">
+        <a:scrgbClr r="0" g="0" b="0"/>
+      </a:effectRef>
+      <a:fontRef idx="minor">
+        <a:schemeClr val="lt1"/>
+      </a:fontRef>
+    </dgm:style>
+  </dgm:styleLbl>
+  <dgm:styleLbl name="parChTrans2D4">
+    <dgm:scene3d>
+      <a:camera prst="orthographicFront"/>
+      <a:lightRig rig="threePt" dir="t"/>
+    </dgm:scene3d>
+    <dgm:sp3d/>
+    <dgm:txPr/>
+    <dgm:style>
+      <a:lnRef idx="2">
+        <a:scrgbClr r="0" g="0" b="0"/>
+      </a:lnRef>
+      <a:fillRef idx="1">
+        <a:scrgbClr r="0" g="0" b="0"/>
+      </a:fillRef>
+      <a:effectRef idx="0">
+        <a:scrgbClr r="0" g="0" b="0"/>
+      </a:effectRef>
+      <a:fontRef idx="minor">
+        <a:schemeClr val="lt1"/>
+      </a:fontRef>
+    </dgm:style>
+  </dgm:styleLbl>
+  <dgm:styleLbl name="parChTrans1D1">
+    <dgm:scene3d>
+      <a:camera prst="orthographicFront"/>
+      <a:lightRig rig="threePt" dir="t"/>
+    </dgm:scene3d>
+    <dgm:sp3d/>
+    <dgm:txPr/>
+    <dgm:style>
+      <a:lnRef idx="2">
+        <a:scrgbClr r="0" g="0" b="0"/>
+      </a:lnRef>
+      <a:fillRef idx="0">
+        <a:scrgbClr r="0" g="0" b="0"/>
+      </a:fillRef>
+      <a:effectRef idx="0">
+        <a:scrgbClr r="0" g="0" b="0"/>
+      </a:effectRef>
+      <a:fontRef idx="minor"/>
+    </dgm:style>
+  </dgm:styleLbl>
+  <dgm:styleLbl name="parChTrans1D2">
+    <dgm:scene3d>
+      <a:camera prst="orthographicFront"/>
+      <a:lightRig rig="threePt" dir="t"/>
+    </dgm:scene3d>
+    <dgm:sp3d/>
+    <dgm:txPr/>
+    <dgm:style>
+      <a:lnRef idx="2">
+        <a:scrgbClr r="0" g="0" b="0"/>
+      </a:lnRef>
+      <a:fillRef idx="0">
+        <a:scrgbClr r="0" g="0" b="0"/>
+      </a:fillRef>
+      <a:effectRef idx="0">
+        <a:scrgbClr r="0" g="0" b="0"/>
+      </a:effectRef>
+      <a:fontRef idx="minor"/>
+    </dgm:style>
+  </dgm:styleLbl>
+  <dgm:styleLbl name="parChTrans1D3">
+    <dgm:scene3d>
+      <a:camera prst="orthographicFront"/>
+      <a:lightRig rig="threePt" dir="t"/>
+    </dgm:scene3d>
+    <dgm:sp3d/>
+    <dgm:txPr/>
+    <dgm:style>
+      <a:lnRef idx="2">
+        <a:scrgbClr r="0" g="0" b="0"/>
+      </a:lnRef>
+      <a:fillRef idx="0">
+        <a:scrgbClr r="0" g="0" b="0"/>
+      </a:fillRef>
+      <a:effectRef idx="0">
+        <a:scrgbClr r="0" g="0" b="0"/>
+      </a:effectRef>
+      <a:fontRef idx="minor"/>
+    </dgm:style>
+  </dgm:styleLbl>
+  <dgm:styleLbl name="parChTrans1D4">
+    <dgm:scene3d>
+      <a:camera prst="orthographicFront"/>
+      <a:lightRig rig="threePt" dir="t"/>
+    </dgm:scene3d>
+    <dgm:sp3d/>
+    <dgm:txPr/>
+    <dgm:style>
+      <a:lnRef idx="2">
+        <a:scrgbClr r="0" g="0" b="0"/>
+      </a:lnRef>
+      <a:fillRef idx="0">
+        <a:scrgbClr r="0" g="0" b="0"/>
+      </a:fillRef>
+      <a:effectRef idx="0">
+        <a:scrgbClr r="0" g="0" b="0"/>
+      </a:effectRef>
+      <a:fontRef idx="minor"/>
+    </dgm:style>
+  </dgm:styleLbl>
+  <dgm:styleLbl name="fgAcc1">
+    <dgm:scene3d>
+      <a:camera prst="orthographicFront"/>
+      <a:lightRig rig="threePt" dir="t"/>
+    </dgm:scene3d>
+    <dgm:sp3d/>
+    <dgm:txPr/>
+    <dgm:style>
+      <a:lnRef idx="2">
+        <a:scrgbClr r="0" g="0" b="0"/>
+      </a:lnRef>
+      <a:fillRef idx="1">
+        <a:scrgbClr r="0" g="0" b="0"/>
+      </a:fillRef>
+      <a:effectRef idx="0">
+        <a:scrgbClr r="0" g="0" b="0"/>
+      </a:effectRef>
+      <a:fontRef idx="minor"/>
+    </dgm:style>
+  </dgm:styleLbl>
+  <dgm:styleLbl name="conFgAcc1">
+    <dgm:scene3d>
+      <a:camera prst="orthographicFront"/>
+      <a:lightRig rig="threePt" dir="t"/>
+    </dgm:scene3d>
+    <dgm:sp3d/>
+    <dgm:txPr/>
+    <dgm:style>
+      <a:lnRef idx="2">
+        <a:scrgbClr r="0" g="0" b="0"/>
+      </a:lnRef>
+      <a:fillRef idx="1">
+        <a:scrgbClr r="0" g="0" b="0"/>
+      </a:fillRef>
+      <a:effectRef idx="0">
+        <a:scrgbClr r="0" g="0" b="0"/>
+      </a:effectRef>
+      <a:fontRef idx="minor"/>
+    </dgm:style>
+  </dgm:styleLbl>
+  <dgm:styleLbl name="alignAcc1">
+    <dgm:scene3d>
+      <a:camera prst="orthographicFront"/>
+      <a:lightRig rig="threePt" dir="t"/>
+    </dgm:scene3d>
+    <dgm:sp3d/>
+    <dgm:txPr/>
+    <dgm:style>
+      <a:lnRef idx="2">
+        <a:scrgbClr r="0" g="0" b="0"/>
+      </a:lnRef>
+      <a:fillRef idx="1">
+        <a:scrgbClr r="0" g="0" b="0"/>
+      </a:fillRef>
+      <a:effectRef idx="0">
+        <a:scrgbClr r="0" g="0" b="0"/>
+      </a:effectRef>
+      <a:fontRef idx="minor"/>
+    </dgm:style>
+  </dgm:styleLbl>
+  <dgm:styleLbl name="trAlignAcc1">
+    <dgm:scene3d>
+      <a:camera prst="orthographicFront"/>
+      <a:lightRig rig="threePt" dir="t"/>
+    </dgm:scene3d>
+    <dgm:sp3d/>
+    <dgm:txPr/>
+    <dgm:style>
+      <a:lnRef idx="1">
+        <a:scrgbClr r="0" g="0" b="0"/>
+      </a:lnRef>
+      <a:fillRef idx="1">
+        <a:scrgbClr r="0" g="0" b="0"/>
+      </a:fillRef>
+      <a:effectRef idx="0">
+        <a:scrgbClr r="0" g="0" b="0"/>
+      </a:effectRef>
+      <a:fontRef idx="minor"/>
+    </dgm:style>
+  </dgm:styleLbl>
+  <dgm:styleLbl name="bgAcc1">
+    <dgm:scene3d>
+      <a:camera prst="orthographicFront"/>
+      <a:lightRig rig="threePt" dir="t"/>
+    </dgm:scene3d>
+    <dgm:sp3d/>
+    <dgm:txPr/>
+    <dgm:style>
+      <a:lnRef idx="2">
+        <a:scrgbClr r="0" g="0" b="0"/>
+      </a:lnRef>
+      <a:fillRef idx="1">
+        <a:scrgbClr r="0" g="0" b="0"/>
+      </a:fillRef>
+      <a:effectRef idx="0">
+        <a:scrgbClr r="0" g="0" b="0"/>
+      </a:effectRef>
+      <a:fontRef idx="minor"/>
+    </dgm:style>
+  </dgm:styleLbl>
+  <dgm:styleLbl name="solidFgAcc1">
+    <dgm:scene3d>
+      <a:camera prst="orthographicFront"/>
+      <a:lightRig rig="threePt" dir="t"/>
+    </dgm:scene3d>
+    <dgm:sp3d/>
+    <dgm:txPr/>
+    <dgm:style>
+      <a:lnRef idx="2">
+        <a:scrgbClr r="0" g="0" b="0"/>
+      </a:lnRef>
+      <a:fillRef idx="1">
+        <a:scrgbClr r="0" g="0" b="0"/>
+      </a:fillRef>
+      <a:effectRef idx="0">
+        <a:scrgbClr r="0" g="0" b="0"/>
+      </a:effectRef>
+      <a:fontRef idx="minor"/>
+    </dgm:style>
+  </dgm:styleLbl>
+  <dgm:styleLbl name="solidAlignAcc1">
+    <dgm:scene3d>
+      <a:camera prst="orthographicFront"/>
+      <a:lightRig rig="threePt" dir="t"/>
+    </dgm:scene3d>
+    <dgm:sp3d/>
+    <dgm:txPr/>
+    <dgm:style>
+      <a:lnRef idx="2">
+        <a:scrgbClr r="0" g="0" b="0"/>
+      </a:lnRef>
+      <a:fillRef idx="1">
+        <a:scrgbClr r="0" g="0" b="0"/>
+      </a:fillRef>
+      <a:effectRef idx="0">
+        <a:scrgbClr r="0" g="0" b="0"/>
+      </a:effectRef>
+      <a:fontRef idx="minor"/>
+    </dgm:style>
+  </dgm:styleLbl>
+  <dgm:styleLbl name="solidBgAcc1">
+    <dgm:scene3d>
+      <a:camera prst="orthographicFront"/>
+      <a:lightRig rig="threePt" dir="t"/>
+    </dgm:scene3d>
+    <dgm:sp3d/>
+    <dgm:txPr/>
+    <dgm:style>
+      <a:lnRef idx="2">
+        <a:scrgbClr r="0" g="0" b="0"/>
+      </a:lnRef>
+      <a:fillRef idx="1">
+        <a:scrgbClr r="0" g="0" b="0"/>
+      </a:fillRef>
+      <a:effectRef idx="0">
+        <a:scrgbClr r="0" g="0" b="0"/>
+      </a:effectRef>
+      <a:fontRef idx="minor"/>
+    </dgm:style>
+  </dgm:styleLbl>
+  <dgm:styleLbl name="fgAccFollowNode1">
+    <dgm:scene3d>
+      <a:camera prst="orthographicFront"/>
+      <a:lightRig rig="threePt" dir="t"/>
+    </dgm:scene3d>
+    <dgm:sp3d/>
+    <dgm:txPr/>
+    <dgm:style>
+      <a:lnRef idx="2">
+        <a:scrgbClr r="0" g="0" b="0"/>
+      </a:lnRef>
+      <a:fillRef idx="1">
+        <a:scrgbClr r="0" g="0" b="0"/>
+      </a:fillRef>
+      <a:effectRef idx="0">
+        <a:scrgbClr r="0" g="0" b="0"/>
+      </a:effectRef>
+      <a:fontRef idx="minor"/>
+    </dgm:style>
+  </dgm:styleLbl>
+  <dgm:styleLbl name="alignAccFollowNode1">
+    <dgm:scene3d>
+      <a:camera prst="orthographicFront"/>
+      <a:lightRig rig="threePt" dir="t"/>
+    </dgm:scene3d>
+    <dgm:sp3d/>
+    <dgm:txPr/>
+    <dgm:style>
+      <a:lnRef idx="2">
+        <a:scrgbClr r="0" g="0" b="0"/>
+      </a:lnRef>
+      <a:fillRef idx="1">
+        <a:scrgbClr r="0" g="0" b="0"/>
+      </a:fillRef>
+      <a:effectRef idx="0">
+        <a:scrgbClr r="0" g="0" b="0"/>
+      </a:effectRef>
+      <a:fontRef idx="minor"/>
+    </dgm:style>
+  </dgm:styleLbl>
+  <dgm:styleLbl name="bgAccFollowNode1">
+    <dgm:scene3d>
+      <a:camera prst="orthographicFront"/>
+      <a:lightRig rig="threePt" dir="t"/>
+    </dgm:scene3d>
+    <dgm:sp3d/>
+    <dgm:txPr/>
+    <dgm:style>
+      <a:lnRef idx="2">
+        <a:scrgbClr r="0" g="0" b="0"/>
+      </a:lnRef>
+      <a:fillRef idx="1">
+        <a:scrgbClr r="0" g="0" b="0"/>
+      </a:fillRef>
+      <a:effectRef idx="0">
+        <a:scrgbClr r="0" g="0" b="0"/>
+      </a:effectRef>
+      <a:fontRef idx="minor"/>
+    </dgm:style>
+  </dgm:styleLbl>
+  <dgm:styleLbl name="fgAcc0">
+    <dgm:scene3d>
+      <a:camera prst="orthographicFront"/>
+      <a:lightRig rig="threePt" dir="t"/>
+    </dgm:scene3d>
+    <dgm:sp3d/>
+    <dgm:txPr/>
+    <dgm:style>
+      <a:lnRef idx="2">
+        <a:scrgbClr r="0" g="0" b="0"/>
+      </a:lnRef>
+      <a:fillRef idx="1">
+        <a:scrgbClr r="0" g="0" b="0"/>
+      </a:fillRef>
+      <a:effectRef idx="0">
+        <a:scrgbClr r="0" g="0" b="0"/>
+      </a:effectRef>
+      <a:fontRef idx="minor"/>
+    </dgm:style>
+  </dgm:styleLbl>
+  <dgm:styleLbl name="fgAcc2">
+    <dgm:scene3d>
+      <a:camera prst="orthographicFront"/>
+      <a:lightRig rig="threePt" dir="t"/>
+    </dgm:scene3d>
+    <dgm:sp3d/>
+    <dgm:txPr/>
+    <dgm:style>
+      <a:lnRef idx="2">
+        <a:scrgbClr r="0" g="0" b="0"/>
+      </a:lnRef>
+      <a:fillRef idx="1">
+        <a:scrgbClr r="0" g="0" b="0"/>
+      </a:fillRef>
+      <a:effectRef idx="0">
+        <a:scrgbClr r="0" g="0" b="0"/>
+      </a:effectRef>
+      <a:fontRef idx="minor"/>
+    </dgm:style>
+  </dgm:styleLbl>
+  <dgm:styleLbl name="fgAcc3">
+    <dgm:scene3d>
+      <a:camera prst="orthographicFront"/>
+      <a:lightRig rig="threePt" dir="t"/>
+    </dgm:scene3d>
+    <dgm:sp3d/>
+    <dgm:txPr/>
+    <dgm:style>
+      <a:lnRef idx="2">
+        <a:scrgbClr r="0" g="0" b="0"/>
+      </a:lnRef>
+      <a:fillRef idx="1">
+        <a:scrgbClr r="0" g="0" b="0"/>
+      </a:fillRef>
+      <a:effectRef idx="0">
+        <a:scrgbClr r="0" g="0" b="0"/>
+      </a:effectRef>
+      <a:fontRef idx="minor"/>
+    </dgm:style>
+  </dgm:styleLbl>
+  <dgm:styleLbl name="fgAcc4">
+    <dgm:scene3d>
+      <a:camera prst="orthographicFront"/>
+      <a:lightRig rig="threePt" dir="t"/>
+    </dgm:scene3d>
+    <dgm:sp3d/>
+    <dgm:txPr/>
+    <dgm:style>
+      <a:lnRef idx="2">
+        <a:scrgbClr r="0" g="0" b="0"/>
+      </a:lnRef>
+      <a:fillRef idx="1">
+        <a:scrgbClr r="0" g="0" b="0"/>
+      </a:fillRef>
+      <a:effectRef idx="0">
+        <a:scrgbClr r="0" g="0" b="0"/>
+      </a:effectRef>
+      <a:fontRef idx="minor"/>
+    </dgm:style>
+  </dgm:styleLbl>
+  <dgm:styleLbl name="bgShp">
+    <dgm:scene3d>
+      <a:camera prst="orthographicFront"/>
+      <a:lightRig rig="threePt" dir="t"/>
+    </dgm:scene3d>
+    <dgm:sp3d/>
+    <dgm:txPr/>
+    <dgm:style>
+      <a:lnRef idx="0">
+        <a:scrgbClr r="0" g="0" b="0"/>
+      </a:lnRef>
+      <a:fillRef idx="1">
+        <a:scrgbClr r="0" g="0" b="0"/>
+      </a:fillRef>
+      <a:effectRef idx="0">
+        <a:scrgbClr r="0" g="0" b="0"/>
+      </a:effectRef>
+      <a:fontRef idx="minor"/>
+    </dgm:style>
+  </dgm:styleLbl>
+  <dgm:styleLbl name="dkBgShp">
+    <dgm:scene3d>
+      <a:camera prst="orthographicFront"/>
+      <a:lightRig rig="threePt" dir="t"/>
+    </dgm:scene3d>
+    <dgm:sp3d/>
+    <dgm:txPr/>
+    <dgm:style>
+      <a:lnRef idx="0">
+        <a:scrgbClr r="0" g="0" b="0"/>
+      </a:lnRef>
+      <a:fillRef idx="1">
+        <a:scrgbClr r="0" g="0" b="0"/>
+      </a:fillRef>
+      <a:effectRef idx="0">
+        <a:scrgbClr r="0" g="0" b="0"/>
+      </a:effectRef>
+      <a:fontRef idx="minor"/>
+    </dgm:style>
+  </dgm:styleLbl>
+  <dgm:styleLbl name="trBgShp">
+    <dgm:scene3d>
+      <a:camera prst="orthographicFront"/>
+      <a:lightRig rig="threePt" dir="t"/>
+    </dgm:scene3d>
+    <dgm:sp3d/>
+    <dgm:txPr/>
+    <dgm:style>
+      <a:lnRef idx="0">
+        <a:scrgbClr r="0" g="0" b="0"/>
+      </a:lnRef>
+      <a:fillRef idx="1">
+        <a:scrgbClr r="0" g="0" b="0"/>
+      </a:fillRef>
+      <a:effectRef idx="0">
+        <a:scrgbClr r="0" g="0" b="0"/>
+      </a:effectRef>
+      <a:fontRef idx="minor"/>
+    </dgm:style>
+  </dgm:styleLbl>
+  <dgm:styleLbl name="fgShp">
+    <dgm:scene3d>
+      <a:camera prst="orthographicFront"/>
+      <a:lightRig rig="threePt" dir="t"/>
+    </dgm:scene3d>
+    <dgm:sp3d/>
+    <dgm:txPr/>
+    <dgm:style>
+      <a:lnRef idx="2">
+        <a:scrgbClr r="0" g="0" b="0"/>
+      </a:lnRef>
+      <a:fillRef idx="1">
+        <a:scrgbClr r="0" g="0" b="0"/>
+      </a:fillRef>
+      <a:effectRef idx="0">
+        <a:scrgbClr r="0" g="0" b="0"/>
+      </a:effectRef>
+      <a:fontRef idx="minor"/>
+    </dgm:style>
+  </dgm:styleLbl>
+  <dgm:styleLbl name="revTx">
+    <dgm:scene3d>
+      <a:camera prst="orthographicFront"/>
+      <a:lightRig rig="threePt" dir="t"/>
+    </dgm:scene3d>
+    <dgm:sp3d/>
+    <dgm:txPr/>
+    <dgm:style>
+      <a:lnRef idx="0">
+        <a:scrgbClr r="0" g="0" b="0"/>
+      </a:lnRef>
+      <a:fillRef idx="0">
+        <a:scrgbClr r="0" g="0" b="0"/>
+      </a:fillRef>
+      <a:effectRef idx="0">
+        <a:scrgbClr r="0" g="0" b="0"/>
+      </a:effectRef>
+      <a:fontRef idx="minor"/>
+    </dgm:style>
+  </dgm:styleLbl>
+</dgm:styleDef>
+</file>
+
+<file path=ppt/diagrams/quickStyle2.xml><?xml version="1.0" encoding="utf-8"?>
+<dgm:styleDef xmlns:dgm="http://schemas.openxmlformats.org/drawingml/2006/diagram" xmlns:a="http://schemas.openxmlformats.org/drawingml/2006/main" uniqueId="urn:microsoft.com/office/officeart/2005/8/quickstyle/simple1">
+  <dgm:title val=""/>
+  <dgm:desc val=""/>
+  <dgm:catLst>
+    <dgm:cat type="simple" pri="10100"/>
+  </dgm:catLst>
+  <dgm:scene3d>
+    <a:camera prst="orthographicFront"/>
+    <a:lightRig rig="threePt" dir="t"/>
+  </dgm:scene3d>
+  <dgm:styleLbl name="node0">
+    <dgm:scene3d>
+      <a:camera prst="orthographicFront"/>
+      <a:lightRig rig="threePt" dir="t"/>
+    </dgm:scene3d>
+    <dgm:sp3d/>
+    <dgm:txPr/>
+    <dgm:style>
+      <a:lnRef idx="2">
+        <a:scrgbClr r="0" g="0" b="0"/>
+      </a:lnRef>
+      <a:fillRef idx="1">
+        <a:scrgbClr r="0" g="0" b="0"/>
+      </a:fillRef>
+      <a:effectRef idx="0">
+        <a:scrgbClr r="0" g="0" b="0"/>
+      </a:effectRef>
+      <a:fontRef idx="minor">
+        <a:schemeClr val="lt1"/>
+      </a:fontRef>
+    </dgm:style>
+  </dgm:styleLbl>
+  <dgm:styleLbl name="lnNode1">
+    <dgm:scene3d>
+      <a:camera prst="orthographicFront"/>
+      <a:lightRig rig="threePt" dir="t"/>
+    </dgm:scene3d>
+    <dgm:sp3d/>
+    <dgm:txPr/>
+    <dgm:style>
+      <a:lnRef idx="2">
+        <a:scrgbClr r="0" g="0" b="0"/>
+      </a:lnRef>
+      <a:fillRef idx="1">
+        <a:scrgbClr r="0" g="0" b="0"/>
+      </a:fillRef>
+      <a:effectRef idx="0">
+        <a:scrgbClr r="0" g="0" b="0"/>
+      </a:effectRef>
+      <a:fontRef idx="minor">
+        <a:schemeClr val="lt1"/>
+      </a:fontRef>
+    </dgm:style>
+  </dgm:styleLbl>
+  <dgm:styleLbl name="vennNode1">
+    <dgm:scene3d>
+      <a:camera prst="orthographicFront"/>
+      <a:lightRig rig="threePt" dir="t"/>
+    </dgm:scene3d>
+    <dgm:sp3d/>
+    <dgm:txPr/>
+    <dgm:style>
+      <a:lnRef idx="2">
+        <a:scrgbClr r="0" g="0" b="0"/>
+      </a:lnRef>
+      <a:fillRef idx="1">
+        <a:scrgbClr r="0" g="0" b="0"/>
+      </a:fillRef>
+      <a:effectRef idx="0">
+        <a:scrgbClr r="0" g="0" b="0"/>
+      </a:effectRef>
+      <a:fontRef idx="minor">
+        <a:schemeClr val="tx1"/>
+      </a:fontRef>
+    </dgm:style>
+  </dgm:styleLbl>
+  <dgm:styleLbl name="alignNode1">
+    <dgm:scene3d>
+      <a:camera prst="orthographicFront"/>
+      <a:lightRig rig="threePt" dir="t"/>
+    </dgm:scene3d>
+    <dgm:sp3d/>
+    <dgm:txPr/>
+    <dgm:style>
+      <a:lnRef idx="2">
+        <a:scrgbClr r="0" g="0" b="0"/>
+      </a:lnRef>
+      <a:fillRef idx="1">
+        <a:scrgbClr r="0" g="0" b="0"/>
+      </a:fillRef>
+      <a:effectRef idx="0">
+        <a:scrgbClr r="0" g="0" b="0"/>
+      </a:effectRef>
+      <a:fontRef idx="minor">
+        <a:schemeClr val="lt1"/>
+      </a:fontRef>
+    </dgm:style>
+  </dgm:styleLbl>
+  <dgm:styleLbl name="node1">
+    <dgm:scene3d>
+      <a:camera prst="orthographicFront"/>
+      <a:lightRig rig="threePt" dir="t"/>
+    </dgm:scene3d>
+    <dgm:sp3d/>
+    <dgm:txPr/>
+    <dgm:style>
+      <a:lnRef idx="2">
+        <a:scrgbClr r="0" g="0" b="0"/>
+      </a:lnRef>
+      <a:fillRef idx="1">
+        <a:scrgbClr r="0" g="0" b="0"/>
+      </a:fillRef>
+      <a:effectRef idx="0">
+        <a:scrgbClr r="0" g="0" b="0"/>
+      </a:effectRef>
+      <a:fontRef idx="minor">
+        <a:schemeClr val="lt1"/>
+      </a:fontRef>
+    </dgm:style>
+  </dgm:styleLbl>
+  <dgm:styleLbl name="node2">
+    <dgm:scene3d>
+      <a:camera prst="orthographicFront"/>
+      <a:lightRig rig="threePt" dir="t"/>
+    </dgm:scene3d>
+    <dgm:sp3d/>
+    <dgm:txPr/>
+    <dgm:style>
+      <a:lnRef idx="2">
+        <a:scrgbClr r="0" g="0" b="0"/>
+      </a:lnRef>
+      <a:fillRef idx="1">
+        <a:scrgbClr r="0" g="0" b="0"/>
+      </a:fillRef>
+      <a:effectRef idx="0">
+        <a:scrgbClr r="0" g="0" b="0"/>
+      </a:effectRef>
+      <a:fontRef idx="minor">
+        <a:schemeClr val="lt1"/>
+      </a:fontRef>
+    </dgm:style>
+  </dgm:styleLbl>
+  <dgm:styleLbl name="node3">
+    <dgm:scene3d>
+      <a:camera prst="orthographicFront"/>
+      <a:lightRig rig="threePt" dir="t"/>
+    </dgm:scene3d>
+    <dgm:sp3d/>
+    <dgm:txPr/>
+    <dgm:style>
+      <a:lnRef idx="2">
+        <a:scrgbClr r="0" g="0" b="0"/>
+      </a:lnRef>
+      <a:fillRef idx="1">
+        <a:scrgbClr r="0" g="0" b="0"/>
+      </a:fillRef>
+      <a:effectRef idx="0">
+        <a:scrgbClr r="0" g="0" b="0"/>
+      </a:effectRef>
+      <a:fontRef idx="minor">
+        <a:schemeClr val="lt1"/>
+      </a:fontRef>
+    </dgm:style>
+  </dgm:styleLbl>
+  <dgm:styleLbl name="node4">
+    <dgm:scene3d>
+      <a:camera prst="orthographicFront"/>
+      <a:lightRig rig="threePt" dir="t"/>
+    </dgm:scene3d>
+    <dgm:sp3d/>
+    <dgm:txPr/>
+    <dgm:style>
+      <a:lnRef idx="2">
+        <a:scrgbClr r="0" g="0" b="0"/>
+      </a:lnRef>
+      <a:fillRef idx="1">
+        <a:scrgbClr r="0" g="0" b="0"/>
+      </a:fillRef>
+      <a:effectRef idx="0">
+        <a:scrgbClr r="0" g="0" b="0"/>
+      </a:effectRef>
+      <a:fontRef idx="minor">
+        <a:schemeClr val="lt1"/>
+      </a:fontRef>
+    </dgm:style>
+  </dgm:styleLbl>
+  <dgm:styleLbl name="fgImgPlace1">
+    <dgm:scene3d>
+      <a:camera prst="orthographicFront"/>
+      <a:lightRig rig="threePt" dir="t"/>
+    </dgm:scene3d>
+    <dgm:sp3d/>
+    <dgm:txPr/>
+    <dgm:style>
+      <a:lnRef idx="2">
+        <a:scrgbClr r="0" g="0" b="0"/>
+      </a:lnRef>
+      <a:fillRef idx="1">
+        <a:scrgbClr r="0" g="0" b="0"/>
+      </a:fillRef>
+      <a:effectRef idx="0">
+        <a:scrgbClr r="0" g="0" b="0"/>
+      </a:effectRef>
+      <a:fontRef idx="minor"/>
+    </dgm:style>
+  </dgm:styleLbl>
+  <dgm:styleLbl name="alignImgPlace1">
+    <dgm:scene3d>
+      <a:camera prst="orthographicFront"/>
+      <a:lightRig rig="threePt" dir="t"/>
+    </dgm:scene3d>
+    <dgm:sp3d/>
+    <dgm:txPr/>
+    <dgm:style>
+      <a:lnRef idx="2">
+        <a:scrgbClr r="0" g="0" b="0"/>
+      </a:lnRef>
+      <a:fillRef idx="1">
+        <a:scrgbClr r="0" g="0" b="0"/>
+      </a:fillRef>
+      <a:effectRef idx="0">
+        <a:scrgbClr r="0" g="0" b="0"/>
+      </a:effectRef>
+      <a:fontRef idx="minor"/>
+    </dgm:style>
+  </dgm:styleLbl>
+  <dgm:styleLbl name="bgImgPlace1">
+    <dgm:scene3d>
+      <a:camera prst="orthographicFront"/>
+      <a:lightRig rig="threePt" dir="t"/>
+    </dgm:scene3d>
+    <dgm:sp3d/>
+    <dgm:txPr/>
+    <dgm:style>
+      <a:lnRef idx="2">
+        <a:scrgbClr r="0" g="0" b="0"/>
+      </a:lnRef>
+      <a:fillRef idx="1">
+        <a:scrgbClr r="0" g="0" b="0"/>
+      </a:fillRef>
+      <a:effectRef idx="0">
+        <a:scrgbClr r="0" g="0" b="0"/>
+      </a:effectRef>
+      <a:fontRef idx="minor"/>
+    </dgm:style>
+  </dgm:styleLbl>
+  <dgm:styleLbl name="sibTrans2D1">
+    <dgm:scene3d>
+      <a:camera prst="orthographicFront"/>
+      <a:lightRig rig="threePt" dir="t"/>
+    </dgm:scene3d>
+    <dgm:sp3d/>
+    <dgm:txPr/>
+    <dgm:style>
+      <a:lnRef idx="0">
+        <a:scrgbClr r="0" g="0" b="0"/>
+      </a:lnRef>
+      <a:fillRef idx="1">
+        <a:scrgbClr r="0" g="0" b="0"/>
+      </a:fillRef>
+      <a:effectRef idx="0">
+        <a:scrgbClr r="0" g="0" b="0"/>
+      </a:effectRef>
+      <a:fontRef idx="minor">
+        <a:schemeClr val="lt1"/>
+      </a:fontRef>
+    </dgm:style>
+  </dgm:styleLbl>
+  <dgm:styleLbl name="fgSibTrans2D1">
+    <dgm:scene3d>
+      <a:camera prst="orthographicFront"/>
+      <a:lightRig rig="threePt" dir="t"/>
+    </dgm:scene3d>
+    <dgm:sp3d/>
+    <dgm:txPr/>
+    <dgm:style>
+      <a:lnRef idx="0">
+        <a:scrgbClr r="0" g="0" b="0"/>
+      </a:lnRef>
+      <a:fillRef idx="1">
+        <a:scrgbClr r="0" g="0" b="0"/>
+      </a:fillRef>
+      <a:effectRef idx="0">
+        <a:scrgbClr r="0" g="0" b="0"/>
+      </a:effectRef>
+      <a:fontRef idx="minor">
+        <a:schemeClr val="lt1"/>
+      </a:fontRef>
+    </dgm:style>
+  </dgm:styleLbl>
+  <dgm:styleLbl name="bgSibTrans2D1">
+    <dgm:scene3d>
+      <a:camera prst="orthographicFront"/>
+      <a:lightRig rig="threePt" dir="t"/>
+    </dgm:scene3d>
+    <dgm:sp3d/>
+    <dgm:txPr/>
+    <dgm:style>
+      <a:lnRef idx="0">
+        <a:scrgbClr r="0" g="0" b="0"/>
+      </a:lnRef>
+      <a:fillRef idx="1">
+        <a:scrgbClr r="0" g="0" b="0"/>
+      </a:fillRef>
+      <a:effectRef idx="0">
+        <a:scrgbClr r="0" g="0" b="0"/>
+      </a:effectRef>
+      <a:fontRef idx="minor">
+        <a:schemeClr val="lt1"/>
+      </a:fontRef>
+    </dgm:style>
+  </dgm:styleLbl>
+  <dgm:styleLbl name="sibTrans1D1">
+    <dgm:scene3d>
+      <a:camera prst="orthographicFront"/>
+      <a:lightRig rig="threePt" dir="t"/>
+    </dgm:scene3d>
+    <dgm:sp3d/>
+    <dgm:txPr/>
+    <dgm:style>
+      <a:lnRef idx="1">
+        <a:scrgbClr r="0" g="0" b="0"/>
+      </a:lnRef>
+      <a:fillRef idx="0">
+        <a:scrgbClr r="0" g="0" b="0"/>
+      </a:fillRef>
+      <a:effectRef idx="0">
+        <a:scrgbClr r="0" g="0" b="0"/>
+      </a:effectRef>
+      <a:fontRef idx="minor"/>
+    </dgm:style>
+  </dgm:styleLbl>
+  <dgm:styleLbl name="callout">
+    <dgm:scene3d>
+      <a:camera prst="orthographicFront"/>
+      <a:lightRig rig="threePt" dir="t"/>
+    </dgm:scene3d>
+    <dgm:sp3d/>
+    <dgm:txPr/>
+    <dgm:style>
+      <a:lnRef idx="2">
+        <a:scrgbClr r="0" g="0" b="0"/>
+      </a:lnRef>
+      <a:fillRef idx="1">
+        <a:scrgbClr r="0" g="0" b="0"/>
+      </a:fillRef>
+      <a:effectRef idx="0">
+        <a:scrgbClr r="0" g="0" b="0"/>
+      </a:effectRef>
+      <a:fontRef idx="minor"/>
+    </dgm:style>
+  </dgm:styleLbl>
+  <dgm:styleLbl name="asst0">
+    <dgm:scene3d>
+      <a:camera prst="orthographicFront"/>
+      <a:lightRig rig="threePt" dir="t"/>
+    </dgm:scene3d>
+    <dgm:sp3d/>
+    <dgm:txPr/>
+    <dgm:style>
+      <a:lnRef idx="2">
+        <a:scrgbClr r="0" g="0" b="0"/>
+      </a:lnRef>
+      <a:fillRef idx="1">
+        <a:scrgbClr r="0" g="0" b="0"/>
+      </a:fillRef>
+      <a:effectRef idx="0">
+        <a:scrgbClr r="0" g="0" b="0"/>
+      </a:effectRef>
+      <a:fontRef idx="minor">
+        <a:schemeClr val="lt1"/>
+      </a:fontRef>
+    </dgm:style>
+  </dgm:styleLbl>
+  <dgm:styleLbl name="asst1">
+    <dgm:scene3d>
+      <a:camera prst="orthographicFront"/>
+      <a:lightRig rig="threePt" dir="t"/>
+    </dgm:scene3d>
+    <dgm:sp3d/>
+    <dgm:txPr/>
+    <dgm:style>
+      <a:lnRef idx="2">
+        <a:scrgbClr r="0" g="0" b="0"/>
+      </a:lnRef>
+      <a:fillRef idx="1">
+        <a:scrgbClr r="0" g="0" b="0"/>
+      </a:fillRef>
+      <a:effectRef idx="0">
+        <a:scrgbClr r="0" g="0" b="0"/>
+      </a:effectRef>
+      <a:fontRef idx="minor">
+        <a:schemeClr val="lt1"/>
+      </a:fontRef>
+    </dgm:style>
+  </dgm:styleLbl>
+  <dgm:styleLbl name="asst2">
+    <dgm:scene3d>
+      <a:camera prst="orthographicFront"/>
+      <a:lightRig rig="threePt" dir="t"/>
+    </dgm:scene3d>
+    <dgm:sp3d/>
+    <dgm:txPr/>
+    <dgm:style>
+      <a:lnRef idx="2">
+        <a:scrgbClr r="0" g="0" b="0"/>
+      </a:lnRef>
+      <a:fillRef idx="1">
+        <a:scrgbClr r="0" g="0" b="0"/>
+      </a:fillRef>
+      <a:effectRef idx="0">
+        <a:scrgbClr r="0" g="0" b="0"/>
+      </a:effectRef>
+      <a:fontRef idx="minor">
+        <a:schemeClr val="lt1"/>
+      </a:fontRef>
+    </dgm:style>
+  </dgm:styleLbl>
+  <dgm:styleLbl name="asst3">
+    <dgm:scene3d>
+      <a:camera prst="orthographicFront"/>
+      <a:lightRig rig="threePt" dir="t"/>
+    </dgm:scene3d>
+    <dgm:sp3d/>
+    <dgm:txPr/>
+    <dgm:style>
+      <a:lnRef idx="2">
+        <a:scrgbClr r="0" g="0" b="0"/>
+      </a:lnRef>
+      <a:fillRef idx="1">
+        <a:scrgbClr r="0" g="0" b="0"/>
+      </a:fillRef>
+      <a:effectRef idx="0">
+        <a:scrgbClr r="0" g="0" b="0"/>
+      </a:effectRef>
+      <a:fontRef idx="minor">
+        <a:schemeClr val="lt1"/>
+      </a:fontRef>
+    </dgm:style>
+  </dgm:styleLbl>
+  <dgm:styleLbl name="asst4">
+    <dgm:scene3d>
+      <a:camera prst="orthographicFront"/>
+      <a:lightRig rig="threePt" dir="t"/>
+    </dgm:scene3d>
+    <dgm:sp3d/>
+    <dgm:txPr/>
+    <dgm:style>
+      <a:lnRef idx="2">
+        <a:scrgbClr r="0" g="0" b="0"/>
+      </a:lnRef>
+      <a:fillRef idx="1">
+        <a:scrgbClr r="0" g="0" b="0"/>
+      </a:fillRef>
+      <a:effectRef idx="0">
+        <a:scrgbClr r="0" g="0" b="0"/>
+      </a:effectRef>
+      <a:fontRef idx="minor">
+        <a:schemeClr val="lt1"/>
+      </a:fontRef>
+    </dgm:style>
+  </dgm:styleLbl>
+  <dgm:styleLbl name="parChTrans2D1">
+    <dgm:scene3d>
+      <a:camera prst="orthographicFront"/>
+      <a:lightRig rig="threePt" dir="t"/>
+    </dgm:scene3d>
+    <dgm:sp3d/>
+    <dgm:txPr/>
+    <dgm:style>
+      <a:lnRef idx="2">
+        <a:scrgbClr r="0" g="0" b="0"/>
+      </a:lnRef>
+      <a:fillRef idx="1">
+        <a:scrgbClr r="0" g="0" b="0"/>
+      </a:fillRef>
+      <a:effectRef idx="0">
+        <a:scrgbClr r="0" g="0" b="0"/>
+      </a:effectRef>
+      <a:fontRef idx="minor">
+        <a:schemeClr val="lt1"/>
+      </a:fontRef>
+    </dgm:style>
+  </dgm:styleLbl>
+  <dgm:styleLbl name="parChTrans2D2">
+    <dgm:scene3d>
+      <a:camera prst="orthographicFront"/>
+      <a:lightRig rig="threePt" dir="t"/>
+    </dgm:scene3d>
+    <dgm:sp3d/>
+    <dgm:txPr/>
+    <dgm:style>
+      <a:lnRef idx="2">
+        <a:scrgbClr r="0" g="0" b="0"/>
+      </a:lnRef>
+      <a:fillRef idx="1">
+        <a:scrgbClr r="0" g="0" b="0"/>
+      </a:fillRef>
+      <a:effectRef idx="0">
+        <a:scrgbClr r="0" g="0" b="0"/>
+      </a:effectRef>
+      <a:fontRef idx="minor">
+        <a:schemeClr val="lt1"/>
+      </a:fontRef>
+    </dgm:style>
+  </dgm:styleLbl>
+  <dgm:styleLbl name="parChTrans2D3">
+    <dgm:scene3d>
+      <a:camera prst="orthographicFront"/>
+      <a:lightRig rig="threePt" dir="t"/>
+    </dgm:scene3d>
+    <dgm:sp3d/>
+    <dgm:txPr/>
+    <dgm:style>
+      <a:lnRef idx="2">
+        <a:scrgbClr r="0" g="0" b="0"/>
+      </a:lnRef>
+      <a:fillRef idx="1">
+        <a:scrgbClr r="0" g="0" b="0"/>
+      </a:fillRef>
+      <a:effectRef idx="0">
+        <a:scrgbClr r="0" g="0" b="0"/>
+      </a:effectRef>
+      <a:fontRef idx="minor">
+        <a:schemeClr val="lt1"/>
+      </a:fontRef>
+    </dgm:style>
+  </dgm:styleLbl>
+  <dgm:styleLbl name="parChTrans2D4">
+    <dgm:scene3d>
+      <a:camera prst="orthographicFront"/>
+      <a:lightRig rig="threePt" dir="t"/>
+    </dgm:scene3d>
+    <dgm:sp3d/>
+    <dgm:txPr/>
+    <dgm:style>
+      <a:lnRef idx="2">
+        <a:scrgbClr r="0" g="0" b="0"/>
+      </a:lnRef>
+      <a:fillRef idx="1">
+        <a:scrgbClr r="0" g="0" b="0"/>
+      </a:fillRef>
+      <a:effectRef idx="0">
+        <a:scrgbClr r="0" g="0" b="0"/>
+      </a:effectRef>
+      <a:fontRef idx="minor">
+        <a:schemeClr val="lt1"/>
+      </a:fontRef>
+    </dgm:style>
+  </dgm:styleLbl>
+  <dgm:styleLbl name="parChTrans1D1">
+    <dgm:scene3d>
+      <a:camera prst="orthographicFront"/>
+      <a:lightRig rig="threePt" dir="t"/>
+    </dgm:scene3d>
+    <dgm:sp3d/>
+    <dgm:txPr/>
+    <dgm:style>
+      <a:lnRef idx="2">
+        <a:scrgbClr r="0" g="0" b="0"/>
+      </a:lnRef>
+      <a:fillRef idx="0">
+        <a:scrgbClr r="0" g="0" b="0"/>
+      </a:fillRef>
+      <a:effectRef idx="0">
+        <a:scrgbClr r="0" g="0" b="0"/>
+      </a:effectRef>
+      <a:fontRef idx="minor"/>
+    </dgm:style>
+  </dgm:styleLbl>
+  <dgm:styleLbl name="parChTrans1D2">
+    <dgm:scene3d>
+      <a:camera prst="orthographicFront"/>
+      <a:lightRig rig="threePt" dir="t"/>
+    </dgm:scene3d>
+    <dgm:sp3d/>
+    <dgm:txPr/>
+    <dgm:style>
+      <a:lnRef idx="2">
+        <a:scrgbClr r="0" g="0" b="0"/>
+      </a:lnRef>
+      <a:fillRef idx="0">
+        <a:scrgbClr r="0" g="0" b="0"/>
+      </a:fillRef>
+      <a:effectRef idx="0">
+        <a:scrgbClr r="0" g="0" b="0"/>
+      </a:effectRef>
+      <a:fontRef idx="minor"/>
+    </dgm:style>
+  </dgm:styleLbl>
+  <dgm:styleLbl name="parChTrans1D3">
+    <dgm:scene3d>
+      <a:camera prst="orthographicFront"/>
+      <a:lightRig rig="threePt" dir="t"/>
+    </dgm:scene3d>
+    <dgm:sp3d/>
+    <dgm:txPr/>
+    <dgm:style>
+      <a:lnRef idx="2">
+        <a:scrgbClr r="0" g="0" b="0"/>
+      </a:lnRef>
+      <a:fillRef idx="0">
+        <a:scrgbClr r="0" g="0" b="0"/>
+      </a:fillRef>
+      <a:effectRef idx="0">
+        <a:scrgbClr r="0" g="0" b="0"/>
+      </a:effectRef>
+      <a:fontRef idx="minor"/>
+    </dgm:style>
+  </dgm:styleLbl>
+  <dgm:styleLbl name="parChTrans1D4">
+    <dgm:scene3d>
+      <a:camera prst="orthographicFront"/>
+      <a:lightRig rig="threePt" dir="t"/>
+    </dgm:scene3d>
+    <dgm:sp3d/>
+    <dgm:txPr/>
+    <dgm:style>
+      <a:lnRef idx="2">
+        <a:scrgbClr r="0" g="0" b="0"/>
+      </a:lnRef>
+      <a:fillRef idx="0">
+        <a:scrgbClr r="0" g="0" b="0"/>
+      </a:fillRef>
+      <a:effectRef idx="0">
+        <a:scrgbClr r="0" g="0" b="0"/>
+      </a:effectRef>
+      <a:fontRef idx="minor"/>
+    </dgm:style>
+  </dgm:styleLbl>
+  <dgm:styleLbl name="fgAcc1">
+    <dgm:scene3d>
+      <a:camera prst="orthographicFront"/>
+      <a:lightRig rig="threePt" dir="t"/>
+    </dgm:scene3d>
+    <dgm:sp3d/>
+    <dgm:txPr/>
+    <dgm:style>
+      <a:lnRef idx="2">
+        <a:scrgbClr r="0" g="0" b="0"/>
+      </a:lnRef>
+      <a:fillRef idx="1">
+        <a:scrgbClr r="0" g="0" b="0"/>
+      </a:fillRef>
+      <a:effectRef idx="0">
+        <a:scrgbClr r="0" g="0" b="0"/>
+      </a:effectRef>
+      <a:fontRef idx="minor"/>
+    </dgm:style>
+  </dgm:styleLbl>
+  <dgm:styleLbl name="conFgAcc1">
+    <dgm:scene3d>
+      <a:camera prst="orthographicFront"/>
+      <a:lightRig rig="threePt" dir="t"/>
+    </dgm:scene3d>
+    <dgm:sp3d/>
+    <dgm:txPr/>
+    <dgm:style>
+      <a:lnRef idx="2">
+        <a:scrgbClr r="0" g="0" b="0"/>
+      </a:lnRef>
+      <a:fillRef idx="1">
+        <a:scrgbClr r="0" g="0" b="0"/>
+      </a:fillRef>
+      <a:effectRef idx="0">
+        <a:scrgbClr r="0" g="0" b="0"/>
+      </a:effectRef>
+      <a:fontRef idx="minor"/>
+    </dgm:style>
+  </dgm:styleLbl>
+  <dgm:styleLbl name="alignAcc1">
+    <dgm:scene3d>
+      <a:camera prst="orthographicFront"/>
+      <a:lightRig rig="threePt" dir="t"/>
+    </dgm:scene3d>
+    <dgm:sp3d/>
+    <dgm:txPr/>
+    <dgm:style>
+      <a:lnRef idx="2">
+        <a:scrgbClr r="0" g="0" b="0"/>
+      </a:lnRef>
+      <a:fillRef idx="1">
+        <a:scrgbClr r="0" g="0" b="0"/>
+      </a:fillRef>
+      <a:effectRef idx="0">
+        <a:scrgbClr r="0" g="0" b="0"/>
+      </a:effectRef>
+      <a:fontRef idx="minor"/>
+    </dgm:style>
+  </dgm:styleLbl>
+  <dgm:styleLbl name="trAlignAcc1">
+    <dgm:scene3d>
+      <a:camera prst="orthographicFront"/>
+      <a:lightRig rig="threePt" dir="t"/>
+    </dgm:scene3d>
+    <dgm:sp3d/>
+    <dgm:txPr/>
+    <dgm:style>
+      <a:lnRef idx="1">
+        <a:scrgbClr r="0" g="0" b="0"/>
+      </a:lnRef>
+      <a:fillRef idx="1">
+        <a:scrgbClr r="0" g="0" b="0"/>
+      </a:fillRef>
+      <a:effectRef idx="0">
+        <a:scrgbClr r="0" g="0" b="0"/>
+      </a:effectRef>
+      <a:fontRef idx="minor"/>
+    </dgm:style>
+  </dgm:styleLbl>
+  <dgm:styleLbl name="bgAcc1">
+    <dgm:scene3d>
+      <a:camera prst="orthographicFront"/>
+      <a:lightRig rig="threePt" dir="t"/>
+    </dgm:scene3d>
+    <dgm:sp3d/>
+    <dgm:txPr/>
+    <dgm:style>
+      <a:lnRef idx="2">
+        <a:scrgbClr r="0" g="0" b="0"/>
+      </a:lnRef>
+      <a:fillRef idx="1">
+        <a:scrgbClr r="0" g="0" b="0"/>
+      </a:fillRef>
+      <a:effectRef idx="0">
+        <a:scrgbClr r="0" g="0" b="0"/>
+      </a:effectRef>
+      <a:fontRef idx="minor"/>
+    </dgm:style>
+  </dgm:styleLbl>
+  <dgm:styleLbl name="solidFgAcc1">
+    <dgm:scene3d>
+      <a:camera prst="orthographicFront"/>
+      <a:lightRig rig="threePt" dir="t"/>
+    </dgm:scene3d>
+    <dgm:sp3d/>
+    <dgm:txPr/>
+    <dgm:style>
+      <a:lnRef idx="2">
+        <a:scrgbClr r="0" g="0" b="0"/>
+      </a:lnRef>
+      <a:fillRef idx="1">
+        <a:scrgbClr r="0" g="0" b="0"/>
+      </a:fillRef>
+      <a:effectRef idx="0">
+        <a:scrgbClr r="0" g="0" b="0"/>
+      </a:effectRef>
+      <a:fontRef idx="minor"/>
+    </dgm:style>
+  </dgm:styleLbl>
+  <dgm:styleLbl name="solidAlignAcc1">
+    <dgm:scene3d>
+      <a:camera prst="orthographicFront"/>
+      <a:lightRig rig="threePt" dir="t"/>
+    </dgm:scene3d>
+    <dgm:sp3d/>
+    <dgm:txPr/>
+    <dgm:style>
+      <a:lnRef idx="2">
+        <a:scrgbClr r="0" g="0" b="0"/>
+      </a:lnRef>
+      <a:fillRef idx="1">
+        <a:scrgbClr r="0" g="0" b="0"/>
+      </a:fillRef>
+      <a:effectRef idx="0">
+        <a:scrgbClr r="0" g="0" b="0"/>
+      </a:effectRef>
+      <a:fontRef idx="minor"/>
+    </dgm:style>
+  </dgm:styleLbl>
+  <dgm:styleLbl name="solidBgAcc1">
+    <dgm:scene3d>
+      <a:camera prst="orthographicFront"/>
+      <a:lightRig rig="threePt" dir="t"/>
+    </dgm:scene3d>
+    <dgm:sp3d/>
+    <dgm:txPr/>
+    <dgm:style>
+      <a:lnRef idx="2">
+        <a:scrgbClr r="0" g="0" b="0"/>
+      </a:lnRef>
+      <a:fillRef idx="1">
+        <a:scrgbClr r="0" g="0" b="0"/>
+      </a:fillRef>
+      <a:effectRef idx="0">
+        <a:scrgbClr r="0" g="0" b="0"/>
+      </a:effectRef>
+      <a:fontRef idx="minor"/>
+    </dgm:style>
+  </dgm:styleLbl>
+  <dgm:styleLbl name="fgAccFollowNode1">
+    <dgm:scene3d>
+      <a:camera prst="orthographicFront"/>
+      <a:lightRig rig="threePt" dir="t"/>
+    </dgm:scene3d>
+    <dgm:sp3d/>
+    <dgm:txPr/>
+    <dgm:style>
+      <a:lnRef idx="2">
+        <a:scrgbClr r="0" g="0" b="0"/>
+      </a:lnRef>
+      <a:fillRef idx="1">
+        <a:scrgbClr r="0" g="0" b="0"/>
+      </a:fillRef>
+      <a:effectRef idx="0">
+        <a:scrgbClr r="0" g="0" b="0"/>
+      </a:effectRef>
+      <a:fontRef idx="minor"/>
+    </dgm:style>
+  </dgm:styleLbl>
+  <dgm:styleLbl name="alignAccFollowNode1">
+    <dgm:scene3d>
+      <a:camera prst="orthographicFront"/>
+      <a:lightRig rig="threePt" dir="t"/>
+    </dgm:scene3d>
+    <dgm:sp3d/>
+    <dgm:txPr/>
+    <dgm:style>
+      <a:lnRef idx="2">
+        <a:scrgbClr r="0" g="0" b="0"/>
+      </a:lnRef>
+      <a:fillRef idx="1">
+        <a:scrgbClr r="0" g="0" b="0"/>
+      </a:fillRef>
+      <a:effectRef idx="0">
+        <a:scrgbClr r="0" g="0" b="0"/>
+      </a:effectRef>
+      <a:fontRef idx="minor"/>
+    </dgm:style>
+  </dgm:styleLbl>
+  <dgm:styleLbl name="bgAccFollowNode1">
+    <dgm:scene3d>
+      <a:camera prst="orthographicFront"/>
+      <a:lightRig rig="threePt" dir="t"/>
+    </dgm:scene3d>
+    <dgm:sp3d/>
+    <dgm:txPr/>
+    <dgm:style>
+      <a:lnRef idx="2">
+        <a:scrgbClr r="0" g="0" b="0"/>
+      </a:lnRef>
+      <a:fillRef idx="1">
+        <a:scrgbClr r="0" g="0" b="0"/>
+      </a:fillRef>
+      <a:effectRef idx="0">
+        <a:scrgbClr r="0" g="0" b="0"/>
+      </a:effectRef>
+      <a:fontRef idx="minor"/>
+    </dgm:style>
+  </dgm:styleLbl>
+  <dgm:styleLbl name="fgAcc0">
+    <dgm:scene3d>
+      <a:camera prst="orthographicFront"/>
+      <a:lightRig rig="threePt" dir="t"/>
+    </dgm:scene3d>
+    <dgm:sp3d/>
+    <dgm:txPr/>
+    <dgm:style>
+      <a:lnRef idx="2">
+        <a:scrgbClr r="0" g="0" b="0"/>
+      </a:lnRef>
+      <a:fillRef idx="1">
+        <a:scrgbClr r="0" g="0" b="0"/>
+      </a:fillRef>
+      <a:effectRef idx="0">
+        <a:scrgbClr r="0" g="0" b="0"/>
+      </a:effectRef>
+      <a:fontRef idx="minor"/>
+    </dgm:style>
+  </dgm:styleLbl>
+  <dgm:styleLbl name="fgAcc2">
+    <dgm:scene3d>
+      <a:camera prst="orthographicFront"/>
+      <a:lightRig rig="threePt" dir="t"/>
+    </dgm:scene3d>
+    <dgm:sp3d/>
+    <dgm:txPr/>
+    <dgm:style>
+      <a:lnRef idx="2">
+        <a:scrgbClr r="0" g="0" b="0"/>
+      </a:lnRef>
+      <a:fillRef idx="1">
+        <a:scrgbClr r="0" g="0" b="0"/>
+      </a:fillRef>
+      <a:effectRef idx="0">
+        <a:scrgbClr r="0" g="0" b="0"/>
+      </a:effectRef>
+      <a:fontRef idx="minor"/>
+    </dgm:style>
+  </dgm:styleLbl>
+  <dgm:styleLbl name="fgAcc3">
+    <dgm:scene3d>
+      <a:camera prst="orthographicFront"/>
+      <a:lightRig rig="threePt" dir="t"/>
+    </dgm:scene3d>
+    <dgm:sp3d/>
+    <dgm:txPr/>
+    <dgm:style>
+      <a:lnRef idx="2">
+        <a:scrgbClr r="0" g="0" b="0"/>
+      </a:lnRef>
+      <a:fillRef idx="1">
+        <a:scrgbClr r="0" g="0" b="0"/>
+      </a:fillRef>
+      <a:effectRef idx="0">
+        <a:scrgbClr r="0" g="0" b="0"/>
+      </a:effectRef>
+      <a:fontRef idx="minor"/>
+    </dgm:style>
+  </dgm:styleLbl>
+  <dgm:styleLbl name="fgAcc4">
+    <dgm:scene3d>
+      <a:camera prst="orthographicFront"/>
+      <a:lightRig rig="threePt" dir="t"/>
+    </dgm:scene3d>
+    <dgm:sp3d/>
+    <dgm:txPr/>
+    <dgm:style>
+      <a:lnRef idx="2">
+        <a:scrgbClr r="0" g="0" b="0"/>
+      </a:lnRef>
+      <a:fillRef idx="1">
+        <a:scrgbClr r="0" g="0" b="0"/>
+      </a:fillRef>
+      <a:effectRef idx="0">
+        <a:scrgbClr r="0" g="0" b="0"/>
+      </a:effectRef>
+      <a:fontRef idx="minor"/>
+    </dgm:style>
+  </dgm:styleLbl>
+  <dgm:styleLbl name="bgShp">
+    <dgm:scene3d>
+      <a:camera prst="orthographicFront"/>
+      <a:lightRig rig="threePt" dir="t"/>
+    </dgm:scene3d>
+    <dgm:sp3d/>
+    <dgm:txPr/>
+    <dgm:style>
+      <a:lnRef idx="0">
+        <a:scrgbClr r="0" g="0" b="0"/>
+      </a:lnRef>
+      <a:fillRef idx="1">
+        <a:scrgbClr r="0" g="0" b="0"/>
+      </a:fillRef>
+      <a:effectRef idx="0">
+        <a:scrgbClr r="0" g="0" b="0"/>
+      </a:effectRef>
+      <a:fontRef idx="minor"/>
+    </dgm:style>
+  </dgm:styleLbl>
+  <dgm:styleLbl name="dkBgShp">
+    <dgm:scene3d>
+      <a:camera prst="orthographicFront"/>
+      <a:lightRig rig="threePt" dir="t"/>
+    </dgm:scene3d>
+    <dgm:sp3d/>
+    <dgm:txPr/>
+    <dgm:style>
+      <a:lnRef idx="0">
+        <a:scrgbClr r="0" g="0" b="0"/>
+      </a:lnRef>
+      <a:fillRef idx="1">
+        <a:scrgbClr r="0" g="0" b="0"/>
+      </a:fillRef>
+      <a:effectRef idx="0">
+        <a:scrgbClr r="0" g="0" b="0"/>
+      </a:effectRef>
+      <a:fontRef idx="minor"/>
+    </dgm:style>
+  </dgm:styleLbl>
+  <dgm:styleLbl name="trBgShp">
+    <dgm:scene3d>
+      <a:camera prst="orthographicFront"/>
+      <a:lightRig rig="threePt" dir="t"/>
+    </dgm:scene3d>
+    <dgm:sp3d/>
+    <dgm:txPr/>
+    <dgm:style>
+      <a:lnRef idx="0">
+        <a:scrgbClr r="0" g="0" b="0"/>
+      </a:lnRef>
+      <a:fillRef idx="1">
+        <a:scrgbClr r="0" g="0" b="0"/>
+      </a:fillRef>
+      <a:effectRef idx="0">
+        <a:scrgbClr r="0" g="0" b="0"/>
+      </a:effectRef>
+      <a:fontRef idx="minor"/>
+    </dgm:style>
+  </dgm:styleLbl>
+  <dgm:styleLbl name="fgShp">
+    <dgm:scene3d>
+      <a:camera prst="orthographicFront"/>
+      <a:lightRig rig="threePt" dir="t"/>
+    </dgm:scene3d>
+    <dgm:sp3d/>
+    <dgm:txPr/>
+    <dgm:style>
+      <a:lnRef idx="2">
+        <a:scrgbClr r="0" g="0" b="0"/>
+      </a:lnRef>
+      <a:fillRef idx="1">
+        <a:scrgbClr r="0" g="0" b="0"/>
+      </a:fillRef>
+      <a:effectRef idx="0">
+        <a:scrgbClr r="0" g="0" b="0"/>
+      </a:effectRef>
+      <a:fontRef idx="minor"/>
+    </dgm:style>
+  </dgm:styleLbl>
+  <dgm:styleLbl name="revTx">
+    <dgm:scene3d>
+      <a:camera prst="orthographicFront"/>
+      <a:lightRig rig="threePt" dir="t"/>
+    </dgm:scene3d>
+    <dgm:sp3d/>
+    <dgm:txPr/>
+    <dgm:style>
+      <a:lnRef idx="0">
+        <a:scrgbClr r="0" g="0" b="0"/>
+      </a:lnRef>
+      <a:fillRef idx="0">
+        <a:scrgbClr r="0" g="0" b="0"/>
+      </a:fillRef>
+      <a:effectRef idx="0">
+        <a:scrgbClr r="0" g="0" b="0"/>
+      </a:effectRef>
+      <a:fontRef idx="minor"/>
+    </dgm:style>
+  </dgm:styleLbl>
+</dgm:styleDef>
+</file>
+
+<file path=ppt/diagrams/quickStyle3.xml><?xml version="1.0" encoding="utf-8"?>
+<dgm:styleDef xmlns:dgm="http://schemas.openxmlformats.org/drawingml/2006/diagram" xmlns:a="http://schemas.openxmlformats.org/drawingml/2006/main" uniqueId="urn:microsoft.com/office/officeart/2005/8/quickstyle/simple1">
+  <dgm:title val=""/>
+  <dgm:desc val=""/>
+  <dgm:catLst>
+    <dgm:cat type="simple" pri="10100"/>
+  </dgm:catLst>
+  <dgm:scene3d>
+    <a:camera prst="orthographicFront"/>
+    <a:lightRig rig="threePt" dir="t"/>
+  </dgm:scene3d>
+  <dgm:styleLbl name="node0">
+    <dgm:scene3d>
+      <a:camera prst="orthographicFront"/>
+      <a:lightRig rig="threePt" dir="t"/>
+    </dgm:scene3d>
+    <dgm:sp3d/>
+    <dgm:txPr/>
+    <dgm:style>
+      <a:lnRef idx="2">
+        <a:scrgbClr r="0" g="0" b="0"/>
+      </a:lnRef>
+      <a:fillRef idx="1">
+        <a:scrgbClr r="0" g="0" b="0"/>
+      </a:fillRef>
+      <a:effectRef idx="0">
+        <a:scrgbClr r="0" g="0" b="0"/>
+      </a:effectRef>
+      <a:fontRef idx="minor">
+        <a:schemeClr val="lt1"/>
+      </a:fontRef>
+    </dgm:style>
+  </dgm:styleLbl>
+  <dgm:styleLbl name="lnNode1">
+    <dgm:scene3d>
+      <a:camera prst="orthographicFront"/>
+      <a:lightRig rig="threePt" dir="t"/>
+    </dgm:scene3d>
+    <dgm:sp3d/>
+    <dgm:txPr/>
+    <dgm:style>
+      <a:lnRef idx="2">
+        <a:scrgbClr r="0" g="0" b="0"/>
+      </a:lnRef>
+      <a:fillRef idx="1">
+        <a:scrgbClr r="0" g="0" b="0"/>
+      </a:fillRef>
+      <a:effectRef idx="0">
+        <a:scrgbClr r="0" g="0" b="0"/>
+      </a:effectRef>
+      <a:fontRef idx="minor">
+        <a:schemeClr val="lt1"/>
+      </a:fontRef>
+    </dgm:style>
+  </dgm:styleLbl>
+  <dgm:styleLbl name="vennNode1">
+    <dgm:scene3d>
+      <a:camera prst="orthographicFront"/>
+      <a:lightRig rig="threePt" dir="t"/>
+    </dgm:scene3d>
+    <dgm:sp3d/>
+    <dgm:txPr/>
+    <dgm:style>
+      <a:lnRef idx="2">
+        <a:scrgbClr r="0" g="0" b="0"/>
+      </a:lnRef>
+      <a:fillRef idx="1">
+        <a:scrgbClr r="0" g="0" b="0"/>
+      </a:fillRef>
+      <a:effectRef idx="0">
+        <a:scrgbClr r="0" g="0" b="0"/>
+      </a:effectRef>
+      <a:fontRef idx="minor">
+        <a:schemeClr val="tx1"/>
+      </a:fontRef>
+    </dgm:style>
+  </dgm:styleLbl>
+  <dgm:styleLbl name="alignNode1">
+    <dgm:scene3d>
+      <a:camera prst="orthographicFront"/>
+      <a:lightRig rig="threePt" dir="t"/>
+    </dgm:scene3d>
+    <dgm:sp3d/>
+    <dgm:txPr/>
+    <dgm:style>
+      <a:lnRef idx="2">
+        <a:scrgbClr r="0" g="0" b="0"/>
+      </a:lnRef>
+      <a:fillRef idx="1">
+        <a:scrgbClr r="0" g="0" b="0"/>
+      </a:fillRef>
+      <a:effectRef idx="0">
+        <a:scrgbClr r="0" g="0" b="0"/>
+      </a:effectRef>
+      <a:fontRef idx="minor">
+        <a:schemeClr val="lt1"/>
+      </a:fontRef>
+    </dgm:style>
+  </dgm:styleLbl>
+  <dgm:styleLbl name="node1">
+    <dgm:scene3d>
+      <a:camera prst="orthographicFront"/>
+      <a:lightRig rig="threePt" dir="t"/>
+    </dgm:scene3d>
+    <dgm:sp3d/>
+    <dgm:txPr/>
+    <dgm:style>
+      <a:lnRef idx="2">
+        <a:scrgbClr r="0" g="0" b="0"/>
+      </a:lnRef>
+      <a:fillRef idx="1">
+        <a:scrgbClr r="0" g="0" b="0"/>
+      </a:fillRef>
+      <a:effectRef idx="0">
+        <a:scrgbClr r="0" g="0" b="0"/>
+      </a:effectRef>
+      <a:fontRef idx="minor">
+        <a:schemeClr val="lt1"/>
+      </a:fontRef>
+    </dgm:style>
+  </dgm:styleLbl>
+  <dgm:styleLbl name="node2">
+    <dgm:scene3d>
+      <a:camera prst="orthographicFront"/>
+      <a:lightRig rig="threePt" dir="t"/>
+    </dgm:scene3d>
+    <dgm:sp3d/>
+    <dgm:txPr/>
+    <dgm:style>
+      <a:lnRef idx="2">
+        <a:scrgbClr r="0" g="0" b="0"/>
+      </a:lnRef>
+      <a:fillRef idx="1">
+        <a:scrgbClr r="0" g="0" b="0"/>
+      </a:fillRef>
+      <a:effectRef idx="0">
+        <a:scrgbClr r="0" g="0" b="0"/>
+      </a:effectRef>
+      <a:fontRef idx="minor">
+        <a:schemeClr val="lt1"/>
+      </a:fontRef>
+    </dgm:style>
+  </dgm:styleLbl>
+  <dgm:styleLbl name="node3">
+    <dgm:scene3d>
+      <a:camera prst="orthographicFront"/>
+      <a:lightRig rig="threePt" dir="t"/>
+    </dgm:scene3d>
+    <dgm:sp3d/>
+    <dgm:txPr/>
+    <dgm:style>
+      <a:lnRef idx="2">
+        <a:scrgbClr r="0" g="0" b="0"/>
+      </a:lnRef>
+      <a:fillRef idx="1">
+        <a:scrgbClr r="0" g="0" b="0"/>
+      </a:fillRef>
+      <a:effectRef idx="0">
+        <a:scrgbClr r="0" g="0" b="0"/>
+      </a:effectRef>
+      <a:fontRef idx="minor">
+        <a:schemeClr val="lt1"/>
+      </a:fontRef>
+    </dgm:style>
+  </dgm:styleLbl>
+  <dgm:styleLbl name="node4">
+    <dgm:scene3d>
+      <a:camera prst="orthographicFront"/>
+      <a:lightRig rig="threePt" dir="t"/>
+    </dgm:scene3d>
+    <dgm:sp3d/>
+    <dgm:txPr/>
+    <dgm:style>
+      <a:lnRef idx="2">
+        <a:scrgbClr r="0" g="0" b="0"/>
+      </a:lnRef>
+      <a:fillRef idx="1">
+        <a:scrgbClr r="0" g="0" b="0"/>
+      </a:fillRef>
+      <a:effectRef idx="0">
+        <a:scrgbClr r="0" g="0" b="0"/>
+      </a:effectRef>
+      <a:fontRef idx="minor">
+        <a:schemeClr val="lt1"/>
+      </a:fontRef>
+    </dgm:style>
+  </dgm:styleLbl>
+  <dgm:styleLbl name="fgImgPlace1">
+    <dgm:scene3d>
+      <a:camera prst="orthographicFront"/>
+      <a:lightRig rig="threePt" dir="t"/>
+    </dgm:scene3d>
+    <dgm:sp3d/>
+    <dgm:txPr/>
+    <dgm:style>
+      <a:lnRef idx="2">
+        <a:scrgbClr r="0" g="0" b="0"/>
+      </a:lnRef>
+      <a:fillRef idx="1">
+        <a:scrgbClr r="0" g="0" b="0"/>
+      </a:fillRef>
+      <a:effectRef idx="0">
+        <a:scrgbClr r="0" g="0" b="0"/>
+      </a:effectRef>
+      <a:fontRef idx="minor"/>
+    </dgm:style>
+  </dgm:styleLbl>
+  <dgm:styleLbl name="alignImgPlace1">
+    <dgm:scene3d>
+      <a:camera prst="orthographicFront"/>
+      <a:lightRig rig="threePt" dir="t"/>
+    </dgm:scene3d>
+    <dgm:sp3d/>
+    <dgm:txPr/>
+    <dgm:style>
+      <a:lnRef idx="2">
+        <a:scrgbClr r="0" g="0" b="0"/>
+      </a:lnRef>
+      <a:fillRef idx="1">
+        <a:scrgbClr r="0" g="0" b="0"/>
+      </a:fillRef>
+      <a:effectRef idx="0">
+        <a:scrgbClr r="0" g="0" b="0"/>
+      </a:effectRef>
+      <a:fontRef idx="minor"/>
+    </dgm:style>
+  </dgm:styleLbl>
+  <dgm:styleLbl name="bgImgPlace1">
+    <dgm:scene3d>
+      <a:camera prst="orthographicFront"/>
+      <a:lightRig rig="threePt" dir="t"/>
+    </dgm:scene3d>
+    <dgm:sp3d/>
+    <dgm:txPr/>
+    <dgm:style>
+      <a:lnRef idx="2">
+        <a:scrgbClr r="0" g="0" b="0"/>
+      </a:lnRef>
+      <a:fillRef idx="1">
+        <a:scrgbClr r="0" g="0" b="0"/>
+      </a:fillRef>
+      <a:effectRef idx="0">
+        <a:scrgbClr r="0" g="0" b="0"/>
+      </a:effectRef>
+      <a:fontRef idx="minor"/>
+    </dgm:style>
+  </dgm:styleLbl>
+  <dgm:styleLbl name="sibTrans2D1">
+    <dgm:scene3d>
+      <a:camera prst="orthographicFront"/>
+      <a:lightRig rig="threePt" dir="t"/>
+    </dgm:scene3d>
+    <dgm:sp3d/>
+    <dgm:txPr/>
+    <dgm:style>
+      <a:lnRef idx="0">
+        <a:scrgbClr r="0" g="0" b="0"/>
+      </a:lnRef>
+      <a:fillRef idx="1">
+        <a:scrgbClr r="0" g="0" b="0"/>
+      </a:fillRef>
+      <a:effectRef idx="0">
+        <a:scrgbClr r="0" g="0" b="0"/>
+      </a:effectRef>
+      <a:fontRef idx="minor">
+        <a:schemeClr val="lt1"/>
+      </a:fontRef>
+    </dgm:style>
+  </dgm:styleLbl>
+  <dgm:styleLbl name="fgSibTrans2D1">
+    <dgm:scene3d>
+      <a:camera prst="orthographicFront"/>
+      <a:lightRig rig="threePt" dir="t"/>
+    </dgm:scene3d>
+    <dgm:sp3d/>
+    <dgm:txPr/>
+    <dgm:style>
+      <a:lnRef idx="0">
+        <a:scrgbClr r="0" g="0" b="0"/>
+      </a:lnRef>
+      <a:fillRef idx="1">
+        <a:scrgbClr r="0" g="0" b="0"/>
+      </a:fillRef>
+      <a:effectRef idx="0">
+        <a:scrgbClr r="0" g="0" b="0"/>
+      </a:effectRef>
+      <a:fontRef idx="minor">
+        <a:schemeClr val="lt1"/>
+      </a:fontRef>
+    </dgm:style>
+  </dgm:styleLbl>
+  <dgm:styleLbl name="bgSibTrans2D1">
+    <dgm:scene3d>
+      <a:camera prst="orthographicFront"/>
+      <a:lightRig rig="threePt" dir="t"/>
+    </dgm:scene3d>
+    <dgm:sp3d/>
+    <dgm:txPr/>
+    <dgm:style>
+      <a:lnRef idx="0">
+        <a:scrgbClr r="0" g="0" b="0"/>
+      </a:lnRef>
+      <a:fillRef idx="1">
+        <a:scrgbClr r="0" g="0" b="0"/>
+      </a:fillRef>
+      <a:effectRef idx="0">
+        <a:scrgbClr r="0" g="0" b="0"/>
+      </a:effectRef>
+      <a:fontRef idx="minor">
+        <a:schemeClr val="lt1"/>
+      </a:fontRef>
+    </dgm:style>
+  </dgm:styleLbl>
+  <dgm:styleLbl name="sibTrans1D1">
+    <dgm:scene3d>
+      <a:camera prst="orthographicFront"/>
+      <a:lightRig rig="threePt" dir="t"/>
+    </dgm:scene3d>
+    <dgm:sp3d/>
+    <dgm:txPr/>
+    <dgm:style>
+      <a:lnRef idx="1">
+        <a:scrgbClr r="0" g="0" b="0"/>
+      </a:lnRef>
+      <a:fillRef idx="0">
+        <a:scrgbClr r="0" g="0" b="0"/>
+      </a:fillRef>
+      <a:effectRef idx="0">
+        <a:scrgbClr r="0" g="0" b="0"/>
+      </a:effectRef>
+      <a:fontRef idx="minor"/>
+    </dgm:style>
+  </dgm:styleLbl>
+  <dgm:styleLbl name="callout">
+    <dgm:scene3d>
+      <a:camera prst="orthographicFront"/>
+      <a:lightRig rig="threePt" dir="t"/>
+    </dgm:scene3d>
+    <dgm:sp3d/>
+    <dgm:txPr/>
+    <dgm:style>
+      <a:lnRef idx="2">
+        <a:scrgbClr r="0" g="0" b="0"/>
+      </a:lnRef>
+      <a:fillRef idx="1">
+        <a:scrgbClr r="0" g="0" b="0"/>
+      </a:fillRef>
+      <a:effectRef idx="0">
+        <a:scrgbClr r="0" g="0" b="0"/>
+      </a:effectRef>
+      <a:fontRef idx="minor"/>
+    </dgm:style>
+  </dgm:styleLbl>
+  <dgm:styleLbl name="asst0">
+    <dgm:scene3d>
+      <a:camera prst="orthographicFront"/>
+      <a:lightRig rig="threePt" dir="t"/>
+    </dgm:scene3d>
+    <dgm:sp3d/>
+    <dgm:txPr/>
+    <dgm:style>
+      <a:lnRef idx="2">
+        <a:scrgbClr r="0" g="0" b="0"/>
+      </a:lnRef>
+      <a:fillRef idx="1">
+        <a:scrgbClr r="0" g="0" b="0"/>
+      </a:fillRef>
+      <a:effectRef idx="0">
+        <a:scrgbClr r="0" g="0" b="0"/>
+      </a:effectRef>
+      <a:fontRef idx="minor">
+        <a:schemeClr val="lt1"/>
+      </a:fontRef>
+    </dgm:style>
+  </dgm:styleLbl>
+  <dgm:styleLbl name="asst1">
+    <dgm:scene3d>
+      <a:camera prst="orthographicFront"/>
+      <a:lightRig rig="threePt" dir="t"/>
+    </dgm:scene3d>
+    <dgm:sp3d/>
+    <dgm:txPr/>
+    <dgm:style>
+      <a:lnRef idx="2">
+        <a:scrgbClr r="0" g="0" b="0"/>
+      </a:lnRef>
+      <a:fillRef idx="1">
+        <a:scrgbClr r="0" g="0" b="0"/>
+      </a:fillRef>
+      <a:effectRef idx="0">
+        <a:scrgbClr r="0" g="0" b="0"/>
+      </a:effectRef>
+      <a:fontRef idx="minor">
+        <a:schemeClr val="lt1"/>
+      </a:fontRef>
+    </dgm:style>
+  </dgm:styleLbl>
+  <dgm:styleLbl name="asst2">
+    <dgm:scene3d>
+      <a:camera prst="orthographicFront"/>
+      <a:lightRig rig="threePt" dir="t"/>
+    </dgm:scene3d>
+    <dgm:sp3d/>
+    <dgm:txPr/>
+    <dgm:style>
+      <a:lnRef idx="2">
+        <a:scrgbClr r="0" g="0" b="0"/>
+      </a:lnRef>
+      <a:fillRef idx="1">
+        <a:scrgbClr r="0" g="0" b="0"/>
+      </a:fillRef>
+      <a:effectRef idx="0">
+        <a:scrgbClr r="0" g="0" b="0"/>
+      </a:effectRef>
+      <a:fontRef idx="minor">
+        <a:schemeClr val="lt1"/>
+      </a:fontRef>
+    </dgm:style>
+  </dgm:styleLbl>
+  <dgm:styleLbl name="asst3">
+    <dgm:scene3d>
+      <a:camera prst="orthographicFront"/>
+      <a:lightRig rig="threePt" dir="t"/>
+    </dgm:scene3d>
+    <dgm:sp3d/>
+    <dgm:txPr/>
+    <dgm:style>
+      <a:lnRef idx="2">
+        <a:scrgbClr r="0" g="0" b="0"/>
+      </a:lnRef>
+      <a:fillRef idx="1">
+        <a:scrgbClr r="0" g="0" b="0"/>
+      </a:fillRef>
+      <a:effectRef idx="0">
+        <a:scrgbClr r="0" g="0" b="0"/>
+      </a:effectRef>
+      <a:fontRef idx="minor">
+        <a:schemeClr val="lt1"/>
+      </a:fontRef>
+    </dgm:style>
+  </dgm:styleLbl>
+  <dgm:styleLbl name="asst4">
+    <dgm:scene3d>
+      <a:camera prst="orthographicFront"/>
+      <a:lightRig rig="threePt" dir="t"/>
+    </dgm:scene3d>
+    <dgm:sp3d/>
+    <dgm:txPr/>
+    <dgm:style>
+      <a:lnRef idx="2">
+        <a:scrgbClr r="0" g="0" b="0"/>
+      </a:lnRef>
+      <a:fillRef idx="1">
+        <a:scrgbClr r="0" g="0" b="0"/>
+      </a:fillRef>
+      <a:effectRef idx="0">
+        <a:scrgbClr r="0" g="0" b="0"/>
+      </a:effectRef>
+      <a:fontRef idx="minor">
+        <a:schemeClr val="lt1"/>
+      </a:fontRef>
+    </dgm:style>
+  </dgm:styleLbl>
+  <dgm:styleLbl name="parChTrans2D1">
+    <dgm:scene3d>
+      <a:camera prst="orthographicFront"/>
+      <a:lightRig rig="threePt" dir="t"/>
+    </dgm:scene3d>
+    <dgm:sp3d/>
+    <dgm:txPr/>
+    <dgm:style>
+      <a:lnRef idx="2">
+        <a:scrgbClr r="0" g="0" b="0"/>
+      </a:lnRef>
+      <a:fillRef idx="1">
+        <a:scrgbClr r="0" g="0" b="0"/>
+      </a:fillRef>
+      <a:effectRef idx="0">
+        <a:scrgbClr r="0" g="0" b="0"/>
+      </a:effectRef>
+      <a:fontRef idx="minor">
+        <a:schemeClr val="lt1"/>
+      </a:fontRef>
+    </dgm:style>
+  </dgm:styleLbl>
+  <dgm:styleLbl name="parChTrans2D2">
+    <dgm:scene3d>
+      <a:camera prst="orthographicFront"/>
+      <a:lightRig rig="threePt" dir="t"/>
+    </dgm:scene3d>
+    <dgm:sp3d/>
+    <dgm:txPr/>
+    <dgm:style>
+      <a:lnRef idx="2">
+        <a:scrgbClr r="0" g="0" b="0"/>
+      </a:lnRef>
+      <a:fillRef idx="1">
+        <a:scrgbClr r="0" g="0" b="0"/>
+      </a:fillRef>
+      <a:effectRef idx="0">
+        <a:scrgbClr r="0" g="0" b="0"/>
+      </a:effectRef>
+      <a:fontRef idx="minor">
+        <a:schemeClr val="lt1"/>
+      </a:fontRef>
+    </dgm:style>
+  </dgm:styleLbl>
+  <dgm:styleLbl name="parChTrans2D3">
+    <dgm:scene3d>
+      <a:camera prst="orthographicFront"/>
+      <a:lightRig rig="threePt" dir="t"/>
+    </dgm:scene3d>
+    <dgm:sp3d/>
+    <dgm:txPr/>
+    <dgm:style>
+      <a:lnRef idx="2">
+        <a:scrgbClr r="0" g="0" b="0"/>
+      </a:lnRef>
+      <a:fillRef idx="1">
+        <a:scrgbClr r="0" g="0" b="0"/>
+      </a:fillRef>
+      <a:effectRef idx="0">
+        <a:scrgbClr r="0" g="0" b="0"/>
+      </a:effectRef>
+      <a:fontRef idx="minor">
+        <a:schemeClr val="lt1"/>
+      </a:fontRef>
+    </dgm:style>
+  </dgm:styleLbl>
+  <dgm:styleLbl name="parChTrans2D4">
+    <dgm:scene3d>
+      <a:camera prst="orthographicFront"/>
+      <a:lightRig rig="threePt" dir="t"/>
+    </dgm:scene3d>
+    <dgm:sp3d/>
+    <dgm:txPr/>
+    <dgm:style>
+      <a:lnRef idx="2">
+        <a:scrgbClr r="0" g="0" b="0"/>
+      </a:lnRef>
+      <a:fillRef idx="1">
+        <a:scrgbClr r="0" g="0" b="0"/>
+      </a:fillRef>
+      <a:effectRef idx="0">
+        <a:scrgbClr r="0" g="0" b="0"/>
+      </a:effectRef>
+      <a:fontRef idx="minor">
+        <a:schemeClr val="lt1"/>
+      </a:fontRef>
+    </dgm:style>
+  </dgm:styleLbl>
+  <dgm:styleLbl name="parChTrans1D1">
+    <dgm:scene3d>
+      <a:camera prst="orthographicFront"/>
+      <a:lightRig rig="threePt" dir="t"/>
+    </dgm:scene3d>
+    <dgm:sp3d/>
+    <dgm:txPr/>
+    <dgm:style>
+      <a:lnRef idx="2">
+        <a:scrgbClr r="0" g="0" b="0"/>
+      </a:lnRef>
+      <a:fillRef idx="0">
+        <a:scrgbClr r="0" g="0" b="0"/>
+      </a:fillRef>
+      <a:effectRef idx="0">
+        <a:scrgbClr r="0" g="0" b="0"/>
+      </a:effectRef>
+      <a:fontRef idx="minor"/>
+    </dgm:style>
+  </dgm:styleLbl>
+  <dgm:styleLbl name="parChTrans1D2">
+    <dgm:scene3d>
+      <a:camera prst="orthographicFront"/>
+      <a:lightRig rig="threePt" dir="t"/>
+    </dgm:scene3d>
+    <dgm:sp3d/>
+    <dgm:txPr/>
+    <dgm:style>
+      <a:lnRef idx="2">
+        <a:scrgbClr r="0" g="0" b="0"/>
+      </a:lnRef>
+      <a:fillRef idx="0">
+        <a:scrgbClr r="0" g="0" b="0"/>
+      </a:fillRef>
+      <a:effectRef idx="0">
+        <a:scrgbClr r="0" g="0" b="0"/>
+      </a:effectRef>
+      <a:fontRef idx="minor"/>
+    </dgm:style>
+  </dgm:styleLbl>
+  <dgm:styleLbl name="parChTrans1D3">
+    <dgm:scene3d>
+      <a:camera prst="orthographicFront"/>
+      <a:lightRig rig="threePt" dir="t"/>
+    </dgm:scene3d>
+    <dgm:sp3d/>
+    <dgm:txPr/>
+    <dgm:style>
+      <a:lnRef idx="2">
+        <a:scrgbClr r="0" g="0" b="0"/>
+      </a:lnRef>
+      <a:fillRef idx="0">
+        <a:scrgbClr r="0" g="0" b="0"/>
+      </a:fillRef>
+      <a:effectRef idx="0">
+        <a:scrgbClr r="0" g="0" b="0"/>
+      </a:effectRef>
+      <a:fontRef idx="minor"/>
+    </dgm:style>
+  </dgm:styleLbl>
+  <dgm:styleLbl name="parChTrans1D4">
+    <dgm:scene3d>
+      <a:camera prst="orthographicFront"/>
+      <a:lightRig rig="threePt" dir="t"/>
+    </dgm:scene3d>
+    <dgm:sp3d/>
+    <dgm:txPr/>
+    <dgm:style>
+      <a:lnRef idx="2">
+        <a:scrgbClr r="0" g="0" b="0"/>
+      </a:lnRef>
+      <a:fillRef idx="0">
+        <a:scrgbClr r="0" g="0" b="0"/>
+      </a:fillRef>
+      <a:effectRef idx="0">
+        <a:scrgbClr r="0" g="0" b="0"/>
+      </a:effectRef>
+      <a:fontRef idx="minor"/>
+    </dgm:style>
+  </dgm:styleLbl>
+  <dgm:styleLbl name="fgAcc1">
+    <dgm:scene3d>
+      <a:camera prst="orthographicFront"/>
+      <a:lightRig rig="threePt" dir="t"/>
+    </dgm:scene3d>
+    <dgm:sp3d/>
+    <dgm:txPr/>
+    <dgm:style>
+      <a:lnRef idx="2">
+        <a:scrgbClr r="0" g="0" b="0"/>
+      </a:lnRef>
+      <a:fillRef idx="1">
+        <a:scrgbClr r="0" g="0" b="0"/>
+      </a:fillRef>
+      <a:effectRef idx="0">
+        <a:scrgbClr r="0" g="0" b="0"/>
+      </a:effectRef>
+      <a:fontRef idx="minor"/>
+    </dgm:style>
+  </dgm:styleLbl>
+  <dgm:styleLbl name="conFgAcc1">
+    <dgm:scene3d>
+      <a:camera prst="orthographicFront"/>
+      <a:lightRig rig="threePt" dir="t"/>
+    </dgm:scene3d>
+    <dgm:sp3d/>
+    <dgm:txPr/>
+    <dgm:style>
+      <a:lnRef idx="2">
+        <a:scrgbClr r="0" g="0" b="0"/>
+      </a:lnRef>
+      <a:fillRef idx="1">
+        <a:scrgbClr r="0" g="0" b="0"/>
+      </a:fillRef>
+      <a:effectRef idx="0">
+        <a:scrgbClr r="0" g="0" b="0"/>
+      </a:effectRef>
+      <a:fontRef idx="minor"/>
+    </dgm:style>
+  </dgm:styleLbl>
+  <dgm:styleLbl name="alignAcc1">
+    <dgm:scene3d>
+      <a:camera prst="orthographicFront"/>
+      <a:lightRig rig="threePt" dir="t"/>
+    </dgm:scene3d>
+    <dgm:sp3d/>
+    <dgm:txPr/>
+    <dgm:style>
+      <a:lnRef idx="2">
+        <a:scrgbClr r="0" g="0" b="0"/>
+      </a:lnRef>
+      <a:fillRef idx="1">
+        <a:scrgbClr r="0" g="0" b="0"/>
+      </a:fillRef>
+      <a:effectRef idx="0">
+        <a:scrgbClr r="0" g="0" b="0"/>
+      </a:effectRef>
+      <a:fontRef idx="minor"/>
+    </dgm:style>
+  </dgm:styleLbl>
+  <dgm:styleLbl name="trAlignAcc1">
+    <dgm:scene3d>
+      <a:camera prst="orthographicFront"/>
+      <a:lightRig rig="threePt" dir="t"/>
+    </dgm:scene3d>
+    <dgm:sp3d/>
+    <dgm:txPr/>
+    <dgm:style>
+      <a:lnRef idx="1">
+        <a:scrgbClr r="0" g="0" b="0"/>
+      </a:lnRef>
+      <a:fillRef idx="1">
+        <a:scrgbClr r="0" g="0" b="0"/>
+      </a:fillRef>
+      <a:effectRef idx="0">
+        <a:scrgbClr r="0" g="0" b="0"/>
+      </a:effectRef>
+      <a:fontRef idx="minor"/>
+    </dgm:style>
+  </dgm:styleLbl>
+  <dgm:styleLbl name="bgAcc1">
+    <dgm:scene3d>
+      <a:camera prst="orthographicFront"/>
+      <a:lightRig rig="threePt" dir="t"/>
+    </dgm:scene3d>
+    <dgm:sp3d/>
+    <dgm:txPr/>
+    <dgm:style>
+      <a:lnRef idx="2">
+        <a:scrgbClr r="0" g="0" b="0"/>
+      </a:lnRef>
+      <a:fillRef idx="1">
+        <a:scrgbClr r="0" g="0" b="0"/>
+      </a:fillRef>
+      <a:effectRef idx="0">
+        <a:scrgbClr r="0" g="0" b="0"/>
+      </a:effectRef>
+      <a:fontRef idx="minor"/>
+    </dgm:style>
+  </dgm:styleLbl>
+  <dgm:styleLbl name="solidFgAcc1">
+    <dgm:scene3d>
+      <a:camera prst="orthographicFront"/>
+      <a:lightRig rig="threePt" dir="t"/>
+    </dgm:scene3d>
+    <dgm:sp3d/>
+    <dgm:txPr/>
+    <dgm:style>
+      <a:lnRef idx="2">
+        <a:scrgbClr r="0" g="0" b="0"/>
+      </a:lnRef>
+      <a:fillRef idx="1">
+        <a:scrgbClr r="0" g="0" b="0"/>
+      </a:fillRef>
+      <a:effectRef idx="0">
+        <a:scrgbClr r="0" g="0" b="0"/>
+      </a:effectRef>
+      <a:fontRef idx="minor"/>
+    </dgm:style>
+  </dgm:styleLbl>
+  <dgm:styleLbl name="solidAlignAcc1">
+    <dgm:scene3d>
+      <a:camera prst="orthographicFront"/>
+      <a:lightRig rig="threePt" dir="t"/>
+    </dgm:scene3d>
+    <dgm:sp3d/>
+    <dgm:txPr/>
+    <dgm:style>
+      <a:lnRef idx="2">
+        <a:scrgbClr r="0" g="0" b="0"/>
+      </a:lnRef>
+      <a:fillRef idx="1">
+        <a:scrgbClr r="0" g="0" b="0"/>
+      </a:fillRef>
+      <a:effectRef idx="0">
+        <a:scrgbClr r="0" g="0" b="0"/>
+      </a:effectRef>
+      <a:fontRef idx="minor"/>
+    </dgm:style>
+  </dgm:styleLbl>
+  <dgm:styleLbl name="solidBgAcc1">
+    <dgm:scene3d>
+      <a:camera prst="orthographicFront"/>
+      <a:lightRig rig="threePt" dir="t"/>
+    </dgm:scene3d>
+    <dgm:sp3d/>
+    <dgm:txPr/>
+    <dgm:style>
+      <a:lnRef idx="2">
+        <a:scrgbClr r="0" g="0" b="0"/>
+      </a:lnRef>
+      <a:fillRef idx="1">
+        <a:scrgbClr r="0" g="0" b="0"/>
+      </a:fillRef>
+      <a:effectRef idx="0">
+        <a:scrgbClr r="0" g="0" b="0"/>
+      </a:effectRef>
+      <a:fontRef idx="minor"/>
+    </dgm:style>
+  </dgm:styleLbl>
+  <dgm:styleLbl name="fgAccFollowNode1">
+    <dgm:scene3d>
+      <a:camera prst="orthographicFront"/>
+      <a:lightRig rig="threePt" dir="t"/>
+    </dgm:scene3d>
+    <dgm:sp3d/>
+    <dgm:txPr/>
+    <dgm:style>
+      <a:lnRef idx="2">
+        <a:scrgbClr r="0" g="0" b="0"/>
+      </a:lnRef>
+      <a:fillRef idx="1">
+        <a:scrgbClr r="0" g="0" b="0"/>
+      </a:fillRef>
+      <a:effectRef idx="0">
+        <a:scrgbClr r="0" g="0" b="0"/>
+      </a:effectRef>
+      <a:fontRef idx="minor"/>
+    </dgm:style>
+  </dgm:styleLbl>
+  <dgm:styleLbl name="alignAccFollowNode1">
+    <dgm:scene3d>
+      <a:camera prst="orthographicFront"/>
+      <a:lightRig rig="threePt" dir="t"/>
+    </dgm:scene3d>
+    <dgm:sp3d/>
+    <dgm:txPr/>
+    <dgm:style>
+      <a:lnRef idx="2">
+        <a:scrgbClr r="0" g="0" b="0"/>
+      </a:lnRef>
+      <a:fillRef idx="1">
+        <a:scrgbClr r="0" g="0" b="0"/>
+      </a:fillRef>
+      <a:effectRef idx="0">
+        <a:scrgbClr r="0" g="0" b="0"/>
+      </a:effectRef>
+      <a:fontRef idx="minor"/>
+    </dgm:style>
+  </dgm:styleLbl>
+  <dgm:styleLbl name="bgAccFollowNode1">
+    <dgm:scene3d>
+      <a:camera prst="orthographicFront"/>
+      <a:lightRig rig="threePt" dir="t"/>
+    </dgm:scene3d>
+    <dgm:sp3d/>
+    <dgm:txPr/>
+    <dgm:style>
+      <a:lnRef idx="2">
+        <a:scrgbClr r="0" g="0" b="0"/>
+      </a:lnRef>
+      <a:fillRef idx="1">
+        <a:scrgbClr r="0" g="0" b="0"/>
+      </a:fillRef>
+      <a:effectRef idx="0">
+        <a:scrgbClr r="0" g="0" b="0"/>
+      </a:effectRef>
+      <a:fontRef idx="minor"/>
+    </dgm:style>
+  </dgm:styleLbl>
+  <dgm:styleLbl name="fgAcc0">
+    <dgm:scene3d>
+      <a:camera prst="orthographicFront"/>
+      <a:lightRig rig="threePt" dir="t"/>
+    </dgm:scene3d>
+    <dgm:sp3d/>
+    <dgm:txPr/>
+    <dgm:style>
+      <a:lnRef idx="2">
+        <a:scrgbClr r="0" g="0" b="0"/>
+      </a:lnRef>
+      <a:fillRef idx="1">
+        <a:scrgbClr r="0" g="0" b="0"/>
+      </a:fillRef>
+      <a:effectRef idx="0">
+        <a:scrgbClr r="0" g="0" b="0"/>
+      </a:effectRef>
+      <a:fontRef idx="minor"/>
+    </dgm:style>
+  </dgm:styleLbl>
+  <dgm:styleLbl name="fgAcc2">
+    <dgm:scene3d>
+      <a:camera prst="orthographicFront"/>
+      <a:lightRig rig="threePt" dir="t"/>
+    </dgm:scene3d>
+    <dgm:sp3d/>
+    <dgm:txPr/>
+    <dgm:style>
+      <a:lnRef idx="2">
+        <a:scrgbClr r="0" g="0" b="0"/>
+      </a:lnRef>
+      <a:fillRef idx="1">
+        <a:scrgbClr r="0" g="0" b="0"/>
+      </a:fillRef>
+      <a:effectRef idx="0">
+        <a:scrgbClr r="0" g="0" b="0"/>
+      </a:effectRef>
+      <a:fontRef idx="minor"/>
+    </dgm:style>
+  </dgm:styleLbl>
+  <dgm:styleLbl name="fgAcc3">
+    <dgm:scene3d>
+      <a:camera prst="orthographicFront"/>
+      <a:lightRig rig="threePt" dir="t"/>
+    </dgm:scene3d>
+    <dgm:sp3d/>
+    <dgm:txPr/>
+    <dgm:style>
+      <a:lnRef idx="2">
+        <a:scrgbClr r="0" g="0" b="0"/>
+      </a:lnRef>
+      <a:fillRef idx="1">
+        <a:scrgbClr r="0" g="0" b="0"/>
+      </a:fillRef>
+      <a:effectRef idx="0">
+        <a:scrgbClr r="0" g="0" b="0"/>
+      </a:effectRef>
+      <a:fontRef idx="minor"/>
+    </dgm:style>
+  </dgm:styleLbl>
+  <dgm:styleLbl name="fgAcc4">
+    <dgm:scene3d>
+      <a:camera prst="orthographicFront"/>
+      <a:lightRig rig="threePt" dir="t"/>
+    </dgm:scene3d>
+    <dgm:sp3d/>
+    <dgm:txPr/>
+    <dgm:style>
+      <a:lnRef idx="2">
+        <a:scrgbClr r="0" g="0" b="0"/>
+      </a:lnRef>
+      <a:fillRef idx="1">
+        <a:scrgbClr r="0" g="0" b="0"/>
+      </a:fillRef>
+      <a:effectRef idx="0">
+        <a:scrgbClr r="0" g="0" b="0"/>
+      </a:effectRef>
+      <a:fontRef idx="minor"/>
+    </dgm:style>
+  </dgm:styleLbl>
+  <dgm:styleLbl name="bgShp">
+    <dgm:scene3d>
+      <a:camera prst="orthographicFront"/>
+      <a:lightRig rig="threePt" dir="t"/>
+    </dgm:scene3d>
+    <dgm:sp3d/>
+    <dgm:txPr/>
+    <dgm:style>
+      <a:lnRef idx="0">
+        <a:scrgbClr r="0" g="0" b="0"/>
+      </a:lnRef>
+      <a:fillRef idx="1">
+        <a:scrgbClr r="0" g="0" b="0"/>
+      </a:fillRef>
+      <a:effectRef idx="0">
+        <a:scrgbClr r="0" g="0" b="0"/>
+      </a:effectRef>
+      <a:fontRef idx="minor"/>
+    </dgm:style>
+  </dgm:styleLbl>
+  <dgm:styleLbl name="dkBgShp">
+    <dgm:scene3d>
+      <a:camera prst="orthographicFront"/>
+      <a:lightRig rig="threePt" dir="t"/>
+    </dgm:scene3d>
+    <dgm:sp3d/>
+    <dgm:txPr/>
+    <dgm:style>
+      <a:lnRef idx="0">
+        <a:scrgbClr r="0" g="0" b="0"/>
+      </a:lnRef>
+      <a:fillRef idx="1">
+        <a:scrgbClr r="0" g="0" b="0"/>
+      </a:fillRef>
+      <a:effectRef idx="0">
+        <a:scrgbClr r="0" g="0" b="0"/>
+      </a:effectRef>
+      <a:fontRef idx="minor"/>
+    </dgm:style>
+  </dgm:styleLbl>
+  <dgm:styleLbl name="trBgShp">
+    <dgm:scene3d>
+      <a:camera prst="orthographicFront"/>
+      <a:lightRig rig="threePt" dir="t"/>
+    </dgm:scene3d>
+    <dgm:sp3d/>
+    <dgm:txPr/>
+    <dgm:style>
+      <a:lnRef idx="0">
+        <a:scrgbClr r="0" g="0" b="0"/>
+      </a:lnRef>
+      <a:fillRef idx="1">
+        <a:scrgbClr r="0" g="0" b="0"/>
+      </a:fillRef>
+      <a:effectRef idx="0">
+        <a:scrgbClr r="0" g="0" b="0"/>
+      </a:effectRef>
+      <a:fontRef idx="minor"/>
+    </dgm:style>
+  </dgm:styleLbl>
+  <dgm:styleLbl name="fgShp">
+    <dgm:scene3d>
+      <a:camera prst="orthographicFront"/>
+      <a:lightRig rig="threePt" dir="t"/>
+    </dgm:scene3d>
+    <dgm:sp3d/>
+    <dgm:txPr/>
+    <dgm:style>
+      <a:lnRef idx="2">
+        <a:scrgbClr r="0" g="0" b="0"/>
+      </a:lnRef>
+      <a:fillRef idx="1">
+        <a:scrgbClr r="0" g="0" b="0"/>
+      </a:fillRef>
+      <a:effectRef idx="0">
+        <a:scrgbClr r="0" g="0" b="0"/>
+      </a:effectRef>
+      <a:fontRef idx="minor"/>
+    </dgm:style>
+  </dgm:styleLbl>
+  <dgm:styleLbl name="revTx">
+    <dgm:scene3d>
+      <a:camera prst="orthographicFront"/>
+      <a:lightRig rig="threePt" dir="t"/>
+    </dgm:scene3d>
+    <dgm:sp3d/>
+    <dgm:txPr/>
+    <dgm:style>
+      <a:lnRef idx="0">
+        <a:scrgbClr r="0" g="0" b="0"/>
+      </a:lnRef>
+      <a:fillRef idx="0">
+        <a:scrgbClr r="0" g="0" b="0"/>
+      </a:fillRef>
+      <a:effectRef idx="0">
+        <a:scrgbClr r="0" g="0" b="0"/>
+      </a:effectRef>
+      <a:fontRef idx="minor"/>
+    </dgm:style>
+  </dgm:styleLbl>
+</dgm:styleDef>
 </file>
 
 <file path=ppt/slideLayouts/slideLayout1.xml><?xml version="1.0" encoding="utf-8"?>
@@ -265,7 +8911,7 @@
           <a:p>
             <a:fld id="{02AC24A9-CCB6-4F8D-B8DB-C2F3692CFA5A}" type="datetimeFigureOut">
               <a:rPr lang="en-US" smtClean="0"/>
-              <a:t>1/17/2023</a:t>
+              <a:t>1/18/2023</a:t>
             </a:fld>
             <a:endParaRPr lang="en-US" dirty="0"/>
           </a:p>
@@ -635,7 +9281,7 @@
           <a:p>
             <a:fld id="{02AC24A9-CCB6-4F8D-B8DB-C2F3692CFA5A}" type="datetimeFigureOut">
               <a:rPr lang="en-US" smtClean="0"/>
-              <a:t>1/17/2023</a:t>
+              <a:t>1/18/2023</a:t>
             </a:fld>
             <a:endParaRPr lang="en-US"/>
           </a:p>
@@ -844,7 +9490,7 @@
           <a:p>
             <a:fld id="{02AC24A9-CCB6-4F8D-B8DB-C2F3692CFA5A}" type="datetimeFigureOut">
               <a:rPr lang="en-US" smtClean="0"/>
-              <a:t>1/17/2023</a:t>
+              <a:t>1/18/2023</a:t>
             </a:fld>
             <a:endParaRPr lang="en-US"/>
           </a:p>
@@ -1314,7 +9960,7 @@
           <a:p>
             <a:fld id="{02AC24A9-CCB6-4F8D-B8DB-C2F3692CFA5A}" type="datetimeFigureOut">
               <a:rPr lang="en-US" smtClean="0"/>
-              <a:t>1/17/2023</a:t>
+              <a:t>1/18/2023</a:t>
             </a:fld>
             <a:endParaRPr lang="en-US"/>
           </a:p>
@@ -1768,7 +10414,7 @@
           <a:p>
             <a:fld id="{02AC24A9-CCB6-4F8D-B8DB-C2F3692CFA5A}" type="datetimeFigureOut">
               <a:rPr lang="en-US" smtClean="0"/>
-              <a:t>1/17/2023</a:t>
+              <a:t>1/18/2023</a:t>
             </a:fld>
             <a:endParaRPr lang="en-US"/>
           </a:p>
@@ -2300,7 +10946,7 @@
           <a:p>
             <a:fld id="{02AC24A9-CCB6-4F8D-B8DB-C2F3692CFA5A}" type="datetimeFigureOut">
               <a:rPr lang="en-US" smtClean="0"/>
-              <a:t>1/17/2023</a:t>
+              <a:t>1/18/2023</a:t>
             </a:fld>
             <a:endParaRPr lang="en-US"/>
           </a:p>
@@ -2999,7 +11645,7 @@
           <a:p>
             <a:fld id="{02AC24A9-CCB6-4F8D-B8DB-C2F3692CFA5A}" type="datetimeFigureOut">
               <a:rPr lang="en-US" smtClean="0"/>
-              <a:t>1/17/2023</a:t>
+              <a:t>1/18/2023</a:t>
             </a:fld>
             <a:endParaRPr lang="en-US"/>
           </a:p>
@@ -3328,7 +11974,7 @@
           <a:p>
             <a:fld id="{02AC24A9-CCB6-4F8D-B8DB-C2F3692CFA5A}" type="datetimeFigureOut">
               <a:rPr lang="en-US" smtClean="0"/>
-              <a:t>1/17/2023</a:t>
+              <a:t>1/18/2023</a:t>
             </a:fld>
             <a:endParaRPr lang="en-US"/>
           </a:p>
@@ -3441,7 +12087,7 @@
           <a:p>
             <a:fld id="{02AC24A9-CCB6-4F8D-B8DB-C2F3692CFA5A}" type="datetimeFigureOut">
               <a:rPr lang="en-US" smtClean="0"/>
-              <a:t>1/17/2023</a:t>
+              <a:t>1/18/2023</a:t>
             </a:fld>
             <a:endParaRPr lang="en-US"/>
           </a:p>
@@ -3936,7 +12582,7 @@
           <a:p>
             <a:fld id="{02AC24A9-CCB6-4F8D-B8DB-C2F3692CFA5A}" type="datetimeFigureOut">
               <a:rPr lang="en-US" smtClean="0"/>
-              <a:t>1/17/2023</a:t>
+              <a:t>1/18/2023</a:t>
             </a:fld>
             <a:endParaRPr lang="en-US" dirty="0"/>
           </a:p>
@@ -4413,7 +13059,7 @@
           <a:p>
             <a:fld id="{02AC24A9-CCB6-4F8D-B8DB-C2F3692CFA5A}" type="datetimeFigureOut">
               <a:rPr lang="en-US" smtClean="0"/>
-              <a:t>1/17/2023</a:t>
+              <a:t>1/18/2023</a:t>
             </a:fld>
             <a:endParaRPr lang="en-US"/>
           </a:p>
@@ -4656,7 +13302,7 @@
           <a:p>
             <a:fld id="{02AC24A9-CCB6-4F8D-B8DB-C2F3692CFA5A}" type="datetimeFigureOut">
               <a:rPr lang="en-US" smtClean="0"/>
-              <a:t>1/17/2023</a:t>
+              <a:t>1/18/2023</a:t>
             </a:fld>
             <a:endParaRPr lang="en-US"/>
           </a:p>
@@ -6021,50 +14667,262 @@
       </p:grpSpPr>
       <p:sp>
         <p:nvSpPr>
-          <p:cNvPr id="10" name="Прямоугольник 9">
+          <p:cNvPr id="2" name="Заголовок 1">
             <a:extLst>
               <a:ext uri="{FF2B5EF4-FFF2-40B4-BE49-F238E27FC236}">
-                <a16:creationId xmlns:a16="http://schemas.microsoft.com/office/drawing/2014/main" id="{13F1764E-12CE-03EC-8EEE-2588055C3C05}"/>
+                <a16:creationId xmlns:a16="http://schemas.microsoft.com/office/drawing/2014/main" id="{C814EA94-E967-BCFA-EBA7-3615AA8CA508}"/>
               </a:ext>
             </a:extLst>
           </p:cNvPr>
-          <p:cNvSpPr/>
+          <p:cNvSpPr>
+            <a:spLocks noGrp="1"/>
+          </p:cNvSpPr>
+          <p:nvPr>
+            <p:ph type="title"/>
+          </p:nvPr>
+        </p:nvSpPr>
+        <p:spPr/>
+        <p:txBody>
+          <a:bodyPr/>
+          <a:lstStyle/>
+          <a:p>
+            <a:r>
+              <a:rPr lang="ru-RU" dirty="0"/>
+              <a:t>Главные классы проекта</a:t>
+            </a:r>
+          </a:p>
+        </p:txBody>
+      </p:sp>
+      <p:sp>
+        <p:nvSpPr>
+          <p:cNvPr id="3" name="Текст 2">
+            <a:extLst>
+              <a:ext uri="{FF2B5EF4-FFF2-40B4-BE49-F238E27FC236}">
+                <a16:creationId xmlns:a16="http://schemas.microsoft.com/office/drawing/2014/main" id="{16B5B7BF-B4BE-7E5E-25D5-9D8717B29D01}"/>
+              </a:ext>
+            </a:extLst>
+          </p:cNvPr>
+          <p:cNvSpPr>
+            <a:spLocks noGrp="1"/>
+          </p:cNvSpPr>
+          <p:nvPr>
+            <p:ph type="body" idx="1"/>
+          </p:nvPr>
+        </p:nvSpPr>
+        <p:spPr>
+          <a:xfrm>
+            <a:off x="1115568" y="2053995"/>
+            <a:ext cx="4937760" cy="823912"/>
+          </a:xfrm>
+        </p:spPr>
+        <p:txBody>
+          <a:bodyPr/>
+          <a:lstStyle/>
+          <a:p>
+            <a:r>
+              <a:rPr lang="en-US" dirty="0"/>
+              <a:t>Body</a:t>
+            </a:r>
+            <a:endParaRPr lang="ru-RU" dirty="0"/>
+          </a:p>
+        </p:txBody>
+      </p:sp>
+      <p:sp>
+        <p:nvSpPr>
+          <p:cNvPr id="4" name="Объект 3">
+            <a:extLst>
+              <a:ext uri="{FF2B5EF4-FFF2-40B4-BE49-F238E27FC236}">
+                <a16:creationId xmlns:a16="http://schemas.microsoft.com/office/drawing/2014/main" id="{D47DA212-5185-8D3A-E1D5-C3EBFB84C194}"/>
+              </a:ext>
+            </a:extLst>
+          </p:cNvPr>
+          <p:cNvSpPr>
+            <a:spLocks noGrp="1"/>
+          </p:cNvSpPr>
+          <p:nvPr>
+            <p:ph sz="half" idx="2"/>
+          </p:nvPr>
+        </p:nvSpPr>
+        <p:spPr/>
+        <p:txBody>
+          <a:bodyPr>
+            <a:normAutofit/>
+          </a:bodyPr>
+          <a:lstStyle/>
+          <a:p>
+            <a:r>
+              <a:rPr lang="ru-RU" sz="2000" dirty="0"/>
+              <a:t>Класс сегмента, реализующий движение.</a:t>
+            </a:r>
+          </a:p>
+          <a:p>
+            <a:r>
+              <a:rPr lang="ru-RU" sz="2000" dirty="0"/>
+              <a:t>При своем обновлении получает доступ к координатам и направлению последующего сегмента</a:t>
+            </a:r>
+          </a:p>
+        </p:txBody>
+      </p:sp>
+      <p:sp>
+        <p:nvSpPr>
+          <p:cNvPr id="5" name="Текст 4">
+            <a:extLst>
+              <a:ext uri="{FF2B5EF4-FFF2-40B4-BE49-F238E27FC236}">
+                <a16:creationId xmlns:a16="http://schemas.microsoft.com/office/drawing/2014/main" id="{82959FF3-57FC-37E1-FE44-3AA658CDD479}"/>
+              </a:ext>
+            </a:extLst>
+          </p:cNvPr>
+          <p:cNvSpPr>
+            <a:spLocks noGrp="1"/>
+          </p:cNvSpPr>
+          <p:nvPr>
+            <p:ph type="body" sz="quarter" idx="3"/>
+          </p:nvPr>
+        </p:nvSpPr>
+        <p:spPr>
+          <a:xfrm>
+            <a:off x="6345936" y="2053995"/>
+            <a:ext cx="4937760" cy="823912"/>
+          </a:xfrm>
+        </p:spPr>
+        <p:txBody>
+          <a:bodyPr/>
+          <a:lstStyle/>
+          <a:p>
+            <a:r>
+              <a:rPr lang="en-US" dirty="0"/>
+              <a:t>Head</a:t>
+            </a:r>
+            <a:endParaRPr lang="ru-RU" dirty="0"/>
+          </a:p>
+        </p:txBody>
+      </p:sp>
+      <p:sp>
+        <p:nvSpPr>
+          <p:cNvPr id="6" name="Объект 5">
+            <a:extLst>
+              <a:ext uri="{FF2B5EF4-FFF2-40B4-BE49-F238E27FC236}">
+                <a16:creationId xmlns:a16="http://schemas.microsoft.com/office/drawing/2014/main" id="{6751D208-F9A3-9A45-6131-4B50403BA564}"/>
+              </a:ext>
+            </a:extLst>
+          </p:cNvPr>
+          <p:cNvSpPr>
+            <a:spLocks noGrp="1"/>
+          </p:cNvSpPr>
+          <p:nvPr>
+            <p:ph sz="quarter" idx="4"/>
+          </p:nvPr>
+        </p:nvSpPr>
+        <p:spPr/>
+        <p:txBody>
+          <a:bodyPr>
+            <a:normAutofit/>
+          </a:bodyPr>
+          <a:lstStyle/>
+          <a:p>
+            <a:r>
+              <a:rPr lang="ru-RU" sz="2000" dirty="0"/>
+              <a:t>Унаследованный от класса </a:t>
+            </a:r>
+            <a:r>
+              <a:rPr lang="en-US" sz="2000" dirty="0"/>
+              <a:t>Body, </a:t>
+            </a:r>
+            <a:r>
+              <a:rPr lang="ru-RU" sz="2000" dirty="0"/>
+              <a:t>сегмент.</a:t>
+            </a:r>
+          </a:p>
+          <a:p>
+            <a:r>
+              <a:rPr lang="ru-RU" sz="2000" dirty="0"/>
+              <a:t>Обладает способностью согласно нажатиям кнопок менять направление, движется постоянно</a:t>
+            </a:r>
+          </a:p>
+        </p:txBody>
+      </p:sp>
+      <p:sp>
+        <p:nvSpPr>
+          <p:cNvPr id="7" name="TextBox 6">
+            <a:extLst>
+              <a:ext uri="{FF2B5EF4-FFF2-40B4-BE49-F238E27FC236}">
+                <a16:creationId xmlns:a16="http://schemas.microsoft.com/office/drawing/2014/main" id="{E8838D50-CC8D-C1DE-4216-4745061CB9AF}"/>
+              </a:ext>
+            </a:extLst>
+          </p:cNvPr>
+          <p:cNvSpPr txBox="1"/>
           <p:nvPr/>
         </p:nvSpPr>
         <p:spPr>
           <a:xfrm>
-            <a:off x="0" y="0"/>
-            <a:ext cx="12192000" cy="6858000"/>
+            <a:off x="1157847" y="5400250"/>
+            <a:ext cx="10083569" cy="707886"/>
           </a:xfrm>
           <a:prstGeom prst="rect">
             <a:avLst/>
           </a:prstGeom>
+          <a:noFill/>
         </p:spPr>
-        <p:style>
-          <a:lnRef idx="2">
-            <a:schemeClr val="dk1">
-              <a:shade val="50000"/>
-            </a:schemeClr>
-          </a:lnRef>
-          <a:fillRef idx="1">
-            <a:schemeClr val="dk1"/>
-          </a:fillRef>
-          <a:effectRef idx="0">
-            <a:schemeClr val="dk1"/>
-          </a:effectRef>
-          <a:fontRef idx="minor">
-            <a:schemeClr val="lt1"/>
-          </a:fontRef>
-        </p:style>
         <p:txBody>
-          <a:bodyPr rtlCol="0" anchor="ctr"/>
+          <a:bodyPr wrap="square" rtlCol="0">
+            <a:spAutoFit/>
+          </a:bodyPr>
           <a:lstStyle/>
           <a:p>
-            <a:pPr algn="ctr"/>
-            <a:endParaRPr lang="en-US"/>
+            <a:r>
+              <a:rPr lang="ru-RU" sz="2000" dirty="0"/>
+              <a:t>В итоге в объекте </a:t>
+            </a:r>
+            <a:r>
+              <a:rPr lang="en-US" sz="2000" dirty="0" err="1"/>
+              <a:t>pygame.sprite.Group</a:t>
+            </a:r>
+            <a:r>
+              <a:rPr lang="ru-RU" sz="2000" dirty="0"/>
+              <a:t> находится одна голова и любое количество сегментов</a:t>
+            </a:r>
+            <a:r>
+              <a:rPr lang="en-US" sz="2000" dirty="0"/>
+              <a:t> body</a:t>
+            </a:r>
+            <a:r>
+              <a:rPr lang="ru-RU" sz="2000" dirty="0"/>
+              <a:t> </a:t>
+            </a:r>
+            <a:endParaRPr lang="en-US" sz="2000" dirty="0"/>
           </a:p>
         </p:txBody>
       </p:sp>
+    </p:spTree>
+    <p:extLst>
+      <p:ext uri="{BB962C8B-B14F-4D97-AF65-F5344CB8AC3E}">
+        <p14:creationId xmlns:p14="http://schemas.microsoft.com/office/powerpoint/2010/main" val="3677874867"/>
+      </p:ext>
+    </p:extLst>
+  </p:cSld>
+  <p:clrMapOvr>
+    <a:masterClrMapping/>
+  </p:clrMapOvr>
+</p:sld>
+</file>
+
+<file path=ppt/slides/slide4.xml><?xml version="1.0" encoding="utf-8"?>
+<p:sld xmlns:a="http://schemas.openxmlformats.org/drawingml/2006/main" xmlns:r="http://schemas.openxmlformats.org/officeDocument/2006/relationships" xmlns:p="http://schemas.openxmlformats.org/presentationml/2006/main">
+  <p:cSld>
+    <p:spTree>
+      <p:nvGrpSpPr>
+        <p:cNvPr id="1" name=""/>
+        <p:cNvGrpSpPr/>
+        <p:nvPr/>
+      </p:nvGrpSpPr>
+      <p:grpSpPr>
+        <a:xfrm>
+          <a:off x="0" y="0"/>
+          <a:ext cx="0" cy="0"/>
+          <a:chOff x="0" y="0"/>
+          <a:chExt cx="0" cy="0"/>
+        </a:xfrm>
+      </p:grpSpPr>
       <p:sp>
         <p:nvSpPr>
           <p:cNvPr id="2" name="Заголовок 1">
@@ -6083,7 +14941,7 @@
         </p:nvSpPr>
         <p:spPr>
           <a:xfrm>
-            <a:off x="5142222" y="530789"/>
+            <a:off x="939676" y="466135"/>
             <a:ext cx="10168128" cy="1179576"/>
           </a:xfrm>
         </p:spPr>
@@ -6092,18 +14950,10 @@
           <a:lstStyle/>
           <a:p>
             <a:r>
-              <a:rPr lang="bg-BG" dirty="0">
-                <a:solidFill>
-                  <a:schemeClr val="bg1"/>
-                </a:solidFill>
-              </a:rPr>
+              <a:rPr lang="bg-BG" dirty="0"/>
               <a:t>Механизм реализации</a:t>
             </a:r>
-            <a:endParaRPr lang="en-US" dirty="0">
-              <a:solidFill>
-                <a:schemeClr val="bg1"/>
-              </a:solidFill>
-            </a:endParaRPr>
+            <a:endParaRPr lang="en-US" dirty="0"/>
           </a:p>
         </p:txBody>
       </p:sp>
@@ -6121,7 +14971,7 @@
         </p:nvSpPr>
         <p:spPr>
           <a:xfrm>
-            <a:off x="908304" y="2325890"/>
+            <a:off x="862857" y="3429002"/>
             <a:ext cx="435680" cy="435721"/>
           </a:xfrm>
           <a:prstGeom prst="rect">
@@ -6167,7 +15017,7 @@
         </p:nvSpPr>
         <p:spPr>
           <a:xfrm>
-            <a:off x="1430944" y="2325890"/>
+            <a:off x="1385497" y="3429002"/>
             <a:ext cx="435680" cy="435721"/>
           </a:xfrm>
           <a:prstGeom prst="rect">
@@ -6213,7 +15063,7 @@
         </p:nvSpPr>
         <p:spPr>
           <a:xfrm>
-            <a:off x="1953584" y="2325889"/>
+            <a:off x="1908137" y="3429001"/>
             <a:ext cx="435680" cy="435721"/>
           </a:xfrm>
           <a:prstGeom prst="rect">
@@ -6259,7 +15109,7 @@
         </p:nvSpPr>
         <p:spPr>
           <a:xfrm>
-            <a:off x="2483023" y="2325888"/>
+            <a:off x="2437576" y="3429000"/>
             <a:ext cx="435680" cy="435721"/>
           </a:xfrm>
           <a:prstGeom prst="rect">
@@ -6960,6 +15810,531 @@
 </p:sld>
 </file>
 
+<file path=ppt/slides/slide5.xml><?xml version="1.0" encoding="utf-8"?>
+<p:sld xmlns:a="http://schemas.openxmlformats.org/drawingml/2006/main" xmlns:r="http://schemas.openxmlformats.org/officeDocument/2006/relationships" xmlns:p="http://schemas.openxmlformats.org/presentationml/2006/main">
+  <p:cSld>
+    <p:spTree>
+      <p:nvGrpSpPr>
+        <p:cNvPr id="1" name=""/>
+        <p:cNvGrpSpPr/>
+        <p:nvPr/>
+      </p:nvGrpSpPr>
+      <p:grpSpPr>
+        <a:xfrm>
+          <a:off x="0" y="0"/>
+          <a:ext cx="0" cy="0"/>
+          <a:chOff x="0" y="0"/>
+          <a:chExt cx="0" cy="0"/>
+        </a:xfrm>
+      </p:grpSpPr>
+      <p:sp>
+        <p:nvSpPr>
+          <p:cNvPr id="2" name="Заголовок 1">
+            <a:extLst>
+              <a:ext uri="{FF2B5EF4-FFF2-40B4-BE49-F238E27FC236}">
+                <a16:creationId xmlns:a16="http://schemas.microsoft.com/office/drawing/2014/main" id="{73F21BC7-46CD-41B0-E57B-382EF5880F61}"/>
+              </a:ext>
+            </a:extLst>
+          </p:cNvPr>
+          <p:cNvSpPr>
+            <a:spLocks noGrp="1"/>
+          </p:cNvSpPr>
+          <p:nvPr>
+            <p:ph type="title"/>
+          </p:nvPr>
+        </p:nvSpPr>
+        <p:spPr/>
+        <p:txBody>
+          <a:bodyPr/>
+          <a:lstStyle/>
+          <a:p>
+            <a:r>
+              <a:rPr lang="ru-RU" dirty="0"/>
+              <a:t>Основные инструменты</a:t>
+            </a:r>
+          </a:p>
+        </p:txBody>
+      </p:sp>
+      <p:graphicFrame>
+        <p:nvGraphicFramePr>
+          <p:cNvPr id="7" name="Объект 2">
+            <a:extLst>
+              <a:ext uri="{FF2B5EF4-FFF2-40B4-BE49-F238E27FC236}">
+                <a16:creationId xmlns:a16="http://schemas.microsoft.com/office/drawing/2014/main" id="{1EB0C481-CF34-8668-9759-362C48D959FD}"/>
+              </a:ext>
+            </a:extLst>
+          </p:cNvPr>
+          <p:cNvGraphicFramePr>
+            <a:graphicFrameLocks noGrp="1"/>
+          </p:cNvGraphicFramePr>
+          <p:nvPr>
+            <p:ph idx="1"/>
+          </p:nvPr>
+        </p:nvGraphicFramePr>
+        <p:xfrm>
+          <a:off x="1115568" y="2478024"/>
+          <a:ext cx="10168128" cy="3694176"/>
+        </p:xfrm>
+        <a:graphic>
+          <a:graphicData uri="http://schemas.openxmlformats.org/drawingml/2006/diagram">
+            <dgm:relIds xmlns:dgm="http://schemas.openxmlformats.org/drawingml/2006/diagram" xmlns:r="http://schemas.openxmlformats.org/officeDocument/2006/relationships" r:dm="rId2" r:lo="rId3" r:qs="rId4" r:cs="rId5"/>
+          </a:graphicData>
+        </a:graphic>
+      </p:graphicFrame>
+    </p:spTree>
+    <p:extLst>
+      <p:ext uri="{BB962C8B-B14F-4D97-AF65-F5344CB8AC3E}">
+        <p14:creationId xmlns:p14="http://schemas.microsoft.com/office/powerpoint/2010/main" val="1274198409"/>
+      </p:ext>
+    </p:extLst>
+  </p:cSld>
+  <p:clrMapOvr>
+    <a:masterClrMapping/>
+  </p:clrMapOvr>
+</p:sld>
+</file>
+
+<file path=ppt/slides/slide6.xml><?xml version="1.0" encoding="utf-8"?>
+<p:sld xmlns:a="http://schemas.openxmlformats.org/drawingml/2006/main" xmlns:r="http://schemas.openxmlformats.org/officeDocument/2006/relationships" xmlns:p="http://schemas.openxmlformats.org/presentationml/2006/main">
+  <p:cSld>
+    <p:spTree>
+      <p:nvGrpSpPr>
+        <p:cNvPr id="1" name=""/>
+        <p:cNvGrpSpPr/>
+        <p:nvPr/>
+      </p:nvGrpSpPr>
+      <p:grpSpPr>
+        <a:xfrm>
+          <a:off x="0" y="0"/>
+          <a:ext cx="0" cy="0"/>
+          <a:chOff x="0" y="0"/>
+          <a:chExt cx="0" cy="0"/>
+        </a:xfrm>
+      </p:grpSpPr>
+      <p:sp>
+        <p:nvSpPr>
+          <p:cNvPr id="2" name="Заголовок 1">
+            <a:extLst>
+              <a:ext uri="{FF2B5EF4-FFF2-40B4-BE49-F238E27FC236}">
+                <a16:creationId xmlns:a16="http://schemas.microsoft.com/office/drawing/2014/main" id="{19D9E34A-FBF7-D2E9-215F-9702973DE5D2}"/>
+              </a:ext>
+            </a:extLst>
+          </p:cNvPr>
+          <p:cNvSpPr>
+            <a:spLocks noGrp="1"/>
+          </p:cNvSpPr>
+          <p:nvPr>
+            <p:ph type="title"/>
+          </p:nvPr>
+        </p:nvSpPr>
+        <p:spPr/>
+        <p:txBody>
+          <a:bodyPr/>
+          <a:lstStyle/>
+          <a:p>
+            <a:r>
+              <a:rPr lang="ru-RU" dirty="0"/>
+              <a:t>Этапы разработки</a:t>
+            </a:r>
+          </a:p>
+        </p:txBody>
+      </p:sp>
+      <p:graphicFrame>
+        <p:nvGraphicFramePr>
+          <p:cNvPr id="5" name="Объект 2">
+            <a:extLst>
+              <a:ext uri="{FF2B5EF4-FFF2-40B4-BE49-F238E27FC236}">
+                <a16:creationId xmlns:a16="http://schemas.microsoft.com/office/drawing/2014/main" id="{82C27E26-C583-B826-5C27-354BC63EF395}"/>
+              </a:ext>
+            </a:extLst>
+          </p:cNvPr>
+          <p:cNvGraphicFramePr>
+            <a:graphicFrameLocks noGrp="1"/>
+          </p:cNvGraphicFramePr>
+          <p:nvPr>
+            <p:ph idx="1"/>
+            <p:extLst>
+              <p:ext uri="{D42A27DB-BD31-4B8C-83A1-F6EECF244321}">
+                <p14:modId xmlns:p14="http://schemas.microsoft.com/office/powerpoint/2010/main" val="4072839368"/>
+              </p:ext>
+            </p:extLst>
+          </p:nvPr>
+        </p:nvGraphicFramePr>
+        <p:xfrm>
+          <a:off x="1115568" y="2478024"/>
+          <a:ext cx="10168128" cy="3694176"/>
+        </p:xfrm>
+        <a:graphic>
+          <a:graphicData uri="http://schemas.openxmlformats.org/drawingml/2006/diagram">
+            <dgm:relIds xmlns:dgm="http://schemas.openxmlformats.org/drawingml/2006/diagram" xmlns:r="http://schemas.openxmlformats.org/officeDocument/2006/relationships" r:dm="rId2" r:lo="rId3" r:qs="rId4" r:cs="rId5"/>
+          </a:graphicData>
+        </a:graphic>
+      </p:graphicFrame>
+    </p:spTree>
+    <p:extLst>
+      <p:ext uri="{BB962C8B-B14F-4D97-AF65-F5344CB8AC3E}">
+        <p14:creationId xmlns:p14="http://schemas.microsoft.com/office/powerpoint/2010/main" val="4179843933"/>
+      </p:ext>
+    </p:extLst>
+  </p:cSld>
+  <p:clrMapOvr>
+    <a:masterClrMapping/>
+  </p:clrMapOvr>
+</p:sld>
+</file>
+
+<file path=ppt/slides/slide7.xml><?xml version="1.0" encoding="utf-8"?>
+<p:sld xmlns:a="http://schemas.openxmlformats.org/drawingml/2006/main" xmlns:r="http://schemas.openxmlformats.org/officeDocument/2006/relationships" xmlns:p="http://schemas.openxmlformats.org/presentationml/2006/main">
+  <p:cSld>
+    <p:bg>
+      <p:bgPr>
+        <a:solidFill>
+          <a:schemeClr val="bg1"/>
+        </a:solidFill>
+        <a:effectLst/>
+      </p:bgPr>
+    </p:bg>
+    <p:spTree>
+      <p:nvGrpSpPr>
+        <p:cNvPr id="1" name=""/>
+        <p:cNvGrpSpPr/>
+        <p:nvPr/>
+      </p:nvGrpSpPr>
+      <p:grpSpPr>
+        <a:xfrm>
+          <a:off x="0" y="0"/>
+          <a:ext cx="0" cy="0"/>
+          <a:chOff x="0" y="0"/>
+          <a:chExt cx="0" cy="0"/>
+        </a:xfrm>
+      </p:grpSpPr>
+      <p:sp useBgFill="1">
+        <p:nvSpPr>
+          <p:cNvPr id="9" name="Rectangle 8">
+            <a:extLst>
+              <a:ext uri="{FF2B5EF4-FFF2-40B4-BE49-F238E27FC236}">
+                <a16:creationId xmlns:a16="http://schemas.microsoft.com/office/drawing/2014/main" id="{BC68A55F-7B32-44D8-AEE5-1AF40532656C}"/>
+              </a:ext>
+              <a:ext uri="{C183D7F6-B498-43B3-948B-1728B52AA6E4}">
+                <adec:decorative xmlns:adec="http://schemas.microsoft.com/office/drawing/2017/decorative" val="1"/>
+              </a:ext>
+            </a:extLst>
+          </p:cNvPr>
+          <p:cNvSpPr>
+            <a:spLocks noGrp="1" noRot="1" noChangeAspect="1" noMove="1" noResize="1" noEditPoints="1" noAdjustHandles="1" noChangeArrowheads="1" noChangeShapeType="1" noTextEdit="1"/>
+          </p:cNvSpPr>
+          <p:nvPr>
+            <p:extLst>
+              <p:ext uri="{386F3935-93C4-4BCD-93E2-E3B085C9AB24}">
+                <p16:designElem xmlns:p16="http://schemas.microsoft.com/office/powerpoint/2015/main" val="1"/>
+              </p:ext>
+            </p:extLst>
+          </p:nvPr>
+        </p:nvSpPr>
+        <p:spPr>
+          <a:xfrm>
+            <a:off x="0" y="0"/>
+            <a:ext cx="12192000" cy="6858000"/>
+          </a:xfrm>
+          <a:prstGeom prst="rect">
+            <a:avLst/>
+          </a:prstGeom>
+          <a:ln>
+            <a:noFill/>
+          </a:ln>
+        </p:spPr>
+        <p:style>
+          <a:lnRef idx="2">
+            <a:schemeClr val="accent1">
+              <a:shade val="50000"/>
+            </a:schemeClr>
+          </a:lnRef>
+          <a:fillRef idx="1">
+            <a:schemeClr val="accent1"/>
+          </a:fillRef>
+          <a:effectRef idx="0">
+            <a:schemeClr val="accent1"/>
+          </a:effectRef>
+          <a:fontRef idx="minor">
+            <a:schemeClr val="lt1"/>
+          </a:fontRef>
+        </p:style>
+        <p:txBody>
+          <a:bodyPr rtlCol="0" anchor="ctr"/>
+          <a:lstStyle/>
+          <a:p>
+            <a:pPr algn="ctr"/>
+            <a:endParaRPr lang="en-US"/>
+          </a:p>
+        </p:txBody>
+      </p:sp>
+      <p:sp>
+        <p:nvSpPr>
+          <p:cNvPr id="2" name="Заголовок 1">
+            <a:extLst>
+              <a:ext uri="{FF2B5EF4-FFF2-40B4-BE49-F238E27FC236}">
+                <a16:creationId xmlns:a16="http://schemas.microsoft.com/office/drawing/2014/main" id="{66E43D53-F460-BC42-65B1-FC76EC226EE5}"/>
+              </a:ext>
+            </a:extLst>
+          </p:cNvPr>
+          <p:cNvSpPr>
+            <a:spLocks noGrp="1"/>
+          </p:cNvSpPr>
+          <p:nvPr>
+            <p:ph type="title"/>
+          </p:nvPr>
+        </p:nvSpPr>
+        <p:spPr>
+          <a:xfrm>
+            <a:off x="655320" y="429030"/>
+            <a:ext cx="2834640" cy="5457589"/>
+          </a:xfrm>
+        </p:spPr>
+        <p:txBody>
+          <a:bodyPr anchor="ctr">
+            <a:normAutofit/>
+          </a:bodyPr>
+          <a:lstStyle/>
+          <a:p>
+            <a:r>
+              <a:rPr lang="ru-RU" dirty="0"/>
+              <a:t>Немного о задачах в процессе разработки</a:t>
+            </a:r>
+          </a:p>
+        </p:txBody>
+      </p:sp>
+      <p:sp>
+        <p:nvSpPr>
+          <p:cNvPr id="11" name="Rectangle 10">
+            <a:extLst>
+              <a:ext uri="{FF2B5EF4-FFF2-40B4-BE49-F238E27FC236}">
+                <a16:creationId xmlns:a16="http://schemas.microsoft.com/office/drawing/2014/main" id="{CD1AAA2C-FBBE-42AA-B869-31D524B7653F}"/>
+              </a:ext>
+              <a:ext uri="{C183D7F6-B498-43B3-948B-1728B52AA6E4}">
+                <adec:decorative xmlns:adec="http://schemas.microsoft.com/office/drawing/2017/decorative" val="1"/>
+              </a:ext>
+            </a:extLst>
+          </p:cNvPr>
+          <p:cNvSpPr>
+            <a:spLocks noGrp="1" noRot="1" noChangeAspect="1" noMove="1" noResize="1" noEditPoints="1" noAdjustHandles="1" noChangeArrowheads="1" noChangeShapeType="1" noTextEdit="1"/>
+          </p:cNvSpPr>
+          <p:nvPr>
+            <p:extLst>
+              <p:ext uri="{386F3935-93C4-4BCD-93E2-E3B085C9AB24}">
+                <p16:designElem xmlns:p16="http://schemas.microsoft.com/office/powerpoint/2015/main" val="1"/>
+              </p:ext>
+            </p:extLst>
+          </p:nvPr>
+        </p:nvSpPr>
+        <p:spPr>
+          <a:xfrm>
+            <a:off x="655320" y="6112341"/>
+            <a:ext cx="10835640" cy="18288"/>
+          </a:xfrm>
+          <a:prstGeom prst="rect">
+            <a:avLst/>
+          </a:prstGeom>
+          <a:solidFill>
+            <a:schemeClr val="tx2">
+              <a:lumMod val="25000"/>
+              <a:lumOff val="75000"/>
+            </a:schemeClr>
+          </a:solidFill>
+          <a:ln w="3175">
+            <a:noFill/>
+          </a:ln>
+          <a:effectLst/>
+        </p:spPr>
+        <p:style>
+          <a:lnRef idx="2">
+            <a:schemeClr val="accent1">
+              <a:shade val="50000"/>
+            </a:schemeClr>
+          </a:lnRef>
+          <a:fillRef idx="1">
+            <a:schemeClr val="accent1"/>
+          </a:fillRef>
+          <a:effectRef idx="0">
+            <a:schemeClr val="accent1"/>
+          </a:effectRef>
+          <a:fontRef idx="minor">
+            <a:schemeClr val="lt1"/>
+          </a:fontRef>
+        </p:style>
+        <p:txBody>
+          <a:bodyPr rtlCol="0" anchor="ctr"/>
+          <a:lstStyle/>
+          <a:p>
+            <a:pPr marL="0" marR="0" lvl="0" indent="0" algn="ctr" defTabSz="914400" rtl="0" eaLnBrk="1" fontAlgn="auto" latinLnBrk="0" hangingPunct="1">
+              <a:lnSpc>
+                <a:spcPct val="100000"/>
+              </a:lnSpc>
+              <a:spcBef>
+                <a:spcPts val="0"/>
+              </a:spcBef>
+              <a:spcAft>
+                <a:spcPts val="0"/>
+              </a:spcAft>
+              <a:buClrTx/>
+              <a:buSzTx/>
+              <a:buFontTx/>
+              <a:buNone/>
+              <a:tabLst/>
+              <a:defRPr/>
+            </a:pPr>
+            <a:endParaRPr kumimoji="0" lang="en-US" sz="1800" b="0" i="0" u="none" strike="noStrike" kern="1200" cap="none" spc="0" normalizeH="0" baseline="0" noProof="0">
+              <a:ln>
+                <a:noFill/>
+              </a:ln>
+              <a:solidFill>
+                <a:prstClr val="white"/>
+              </a:solidFill>
+              <a:effectLst/>
+              <a:uLnTx/>
+              <a:uFillTx/>
+              <a:latin typeface="Calibri" panose="020F0502020204030204"/>
+              <a:ea typeface="+mn-ea"/>
+              <a:cs typeface="+mn-cs"/>
+            </a:endParaRPr>
+          </a:p>
+        </p:txBody>
+      </p:sp>
+      <p:sp>
+        <p:nvSpPr>
+          <p:cNvPr id="13" name="Rectangle 12">
+            <a:extLst>
+              <a:ext uri="{FF2B5EF4-FFF2-40B4-BE49-F238E27FC236}">
+                <a16:creationId xmlns:a16="http://schemas.microsoft.com/office/drawing/2014/main" id="{5F937BBF-9326-4230-AB1B-F1795E350559}"/>
+              </a:ext>
+              <a:ext uri="{C183D7F6-B498-43B3-948B-1728B52AA6E4}">
+                <adec:decorative xmlns:adec="http://schemas.microsoft.com/office/drawing/2017/decorative" val="1"/>
+              </a:ext>
+            </a:extLst>
+          </p:cNvPr>
+          <p:cNvSpPr>
+            <a:spLocks noGrp="1" noRot="1" noChangeAspect="1" noMove="1" noResize="1" noEditPoints="1" noAdjustHandles="1" noChangeArrowheads="1" noChangeShapeType="1" noTextEdit="1"/>
+          </p:cNvSpPr>
+          <p:nvPr>
+            <p:extLst>
+              <p:ext uri="{386F3935-93C4-4BCD-93E2-E3B085C9AB24}">
+                <p16:designElem xmlns:p16="http://schemas.microsoft.com/office/powerpoint/2015/main" val="1"/>
+              </p:ext>
+            </p:extLst>
+          </p:nvPr>
+        </p:nvSpPr>
+        <p:spPr>
+          <a:xfrm rot="5400000">
+            <a:off x="2045208" y="4686084"/>
+            <a:ext cx="54864" cy="2834640"/>
+          </a:xfrm>
+          <a:prstGeom prst="rect">
+            <a:avLst/>
+          </a:prstGeom>
+          <a:solidFill>
+            <a:schemeClr val="accent1"/>
+          </a:solidFill>
+          <a:ln>
+            <a:noFill/>
+          </a:ln>
+        </p:spPr>
+        <p:style>
+          <a:lnRef idx="2">
+            <a:schemeClr val="accent1">
+              <a:shade val="50000"/>
+            </a:schemeClr>
+          </a:lnRef>
+          <a:fillRef idx="1">
+            <a:schemeClr val="accent1"/>
+          </a:fillRef>
+          <a:effectRef idx="0">
+            <a:schemeClr val="accent1"/>
+          </a:effectRef>
+          <a:fontRef idx="minor">
+            <a:schemeClr val="lt1"/>
+          </a:fontRef>
+        </p:style>
+        <p:txBody>
+          <a:bodyPr rtlCol="0" anchor="ctr"/>
+          <a:lstStyle/>
+          <a:p>
+            <a:pPr marL="0" marR="0" lvl="0" indent="0" algn="ctr" defTabSz="914400" rtl="0" eaLnBrk="1" fontAlgn="auto" latinLnBrk="0" hangingPunct="1">
+              <a:lnSpc>
+                <a:spcPct val="100000"/>
+              </a:lnSpc>
+              <a:spcBef>
+                <a:spcPts val="0"/>
+              </a:spcBef>
+              <a:spcAft>
+                <a:spcPts val="0"/>
+              </a:spcAft>
+              <a:buClrTx/>
+              <a:buSzTx/>
+              <a:buFontTx/>
+              <a:buNone/>
+              <a:tabLst/>
+              <a:defRPr/>
+            </a:pPr>
+            <a:endParaRPr kumimoji="0" lang="en-US" sz="1800" b="0" i="0" u="none" strike="noStrike" kern="1200" cap="none" spc="0" normalizeH="0" baseline="0" noProof="0">
+              <a:ln>
+                <a:noFill/>
+              </a:ln>
+              <a:solidFill>
+                <a:prstClr val="white"/>
+              </a:solidFill>
+              <a:effectLst/>
+              <a:uLnTx/>
+              <a:uFillTx/>
+              <a:latin typeface="Calibri" panose="020F0502020204030204"/>
+              <a:ea typeface="+mn-ea"/>
+              <a:cs typeface="+mn-cs"/>
+            </a:endParaRPr>
+          </a:p>
+        </p:txBody>
+      </p:sp>
+      <p:graphicFrame>
+        <p:nvGraphicFramePr>
+          <p:cNvPr id="5" name="Объект 2">
+            <a:extLst>
+              <a:ext uri="{FF2B5EF4-FFF2-40B4-BE49-F238E27FC236}">
+                <a16:creationId xmlns:a16="http://schemas.microsoft.com/office/drawing/2014/main" id="{40CBB4CD-B922-BA39-5BEB-73EAB23AFB57}"/>
+              </a:ext>
+            </a:extLst>
+          </p:cNvPr>
+          <p:cNvGraphicFramePr>
+            <a:graphicFrameLocks noGrp="1"/>
+          </p:cNvGraphicFramePr>
+          <p:nvPr>
+            <p:ph idx="1"/>
+            <p:extLst>
+              <p:ext uri="{D42A27DB-BD31-4B8C-83A1-F6EECF244321}">
+                <p14:modId xmlns:p14="http://schemas.microsoft.com/office/powerpoint/2010/main" val="966660059"/>
+              </p:ext>
+            </p:extLst>
+          </p:nvPr>
+        </p:nvGraphicFramePr>
+        <p:xfrm>
+          <a:off x="4041648" y="429030"/>
+          <a:ext cx="7452360" cy="5459706"/>
+        </p:xfrm>
+        <a:graphic>
+          <a:graphicData uri="http://schemas.openxmlformats.org/drawingml/2006/diagram">
+            <dgm:relIds xmlns:dgm="http://schemas.openxmlformats.org/drawingml/2006/diagram" xmlns:r="http://schemas.openxmlformats.org/officeDocument/2006/relationships" r:dm="rId2" r:lo="rId3" r:qs="rId4" r:cs="rId5"/>
+          </a:graphicData>
+        </a:graphic>
+      </p:graphicFrame>
+    </p:spTree>
+    <p:extLst>
+      <p:ext uri="{BB962C8B-B14F-4D97-AF65-F5344CB8AC3E}">
+        <p14:creationId xmlns:p14="http://schemas.microsoft.com/office/powerpoint/2010/main" val="390208864"/>
+      </p:ext>
+    </p:extLst>
+  </p:cSld>
+  <p:clrMapOvr>
+    <a:masterClrMapping/>
+  </p:clrMapOvr>
+</p:sld>
+</file>
+
 <file path=ppt/theme/theme1.xml><?xml version="1.0" encoding="utf-8"?>
 <a:theme xmlns:a="http://schemas.openxmlformats.org/drawingml/2006/main" name="AccentBoxVTI">
   <a:themeElements>

--- a/Змейка.pptx
+++ b/Змейка.pptx
@@ -7,11 +7,15 @@
   <p:sldIdLst>
     <p:sldId id="256" r:id="rId2"/>
     <p:sldId id="257" r:id="rId3"/>
-    <p:sldId id="263" r:id="rId4"/>
-    <p:sldId id="258" r:id="rId5"/>
-    <p:sldId id="259" r:id="rId6"/>
-    <p:sldId id="260" r:id="rId7"/>
-    <p:sldId id="261" r:id="rId8"/>
+    <p:sldId id="266" r:id="rId4"/>
+    <p:sldId id="263" r:id="rId5"/>
+    <p:sldId id="258" r:id="rId6"/>
+    <p:sldId id="259" r:id="rId7"/>
+    <p:sldId id="260" r:id="rId8"/>
+    <p:sldId id="261" r:id="rId9"/>
+    <p:sldId id="264" r:id="rId10"/>
+    <p:sldId id="265" r:id="rId11"/>
+    <p:sldId id="267" r:id="rId12"/>
   </p:sldIdLst>
   <p:sldSz cx="12192000" cy="6858000"/>
   <p:notesSz cx="6858000" cy="9144000"/>
@@ -116,6 +120,272 @@
     </p:ext>
   </p:extLst>
 </p:presentation>
+</file>
+
+<file path=ppt/revisionInfo.xml><?xml version="1.0" encoding="utf-8"?>
+<p1510:revInfo xmlns:a="http://schemas.openxmlformats.org/drawingml/2006/main" xmlns:r="http://schemas.openxmlformats.org/officeDocument/2006/relationships" xmlns:p1510="http://schemas.microsoft.com/office/powerpoint/2015/10/main">
+  <p1510:revLst>
+    <p1510:client id="{6B2295CD-30F3-47C5-83F4-5FAEE131F5A0}" v="8" dt="2023-01-18T18:49:59.529"/>
+  </p1510:revLst>
+</p1510:revInfo>
+</file>
+
+<file path=ppt/changesInfos/changesInfo1.xml><?xml version="1.0" encoding="utf-8"?>
+<pc:chgInfo xmlns:a="http://schemas.openxmlformats.org/drawingml/2006/main" xmlns:r="http://schemas.openxmlformats.org/officeDocument/2006/relationships" xmlns:ac="http://schemas.microsoft.com/office/drawing/2013/main/command" xmlns:pc="http://schemas.microsoft.com/office/powerpoint/2013/main/command">
+  <pc:docChgLst>
+    <pc:chgData name="Любомир Швецов" userId="af507c1b21b435ea" providerId="LiveId" clId="{6B2295CD-30F3-47C5-83F4-5FAEE131F5A0}"/>
+    <pc:docChg chg="custSel addSld modSld sldOrd">
+      <pc:chgData name="Любомир Швецов" userId="af507c1b21b435ea" providerId="LiveId" clId="{6B2295CD-30F3-47C5-83F4-5FAEE131F5A0}" dt="2023-01-18T18:49:59.528" v="86" actId="403"/>
+      <pc:docMkLst>
+        <pc:docMk/>
+      </pc:docMkLst>
+      <pc:sldChg chg="addSp modSp new mod ord setBg">
+        <pc:chgData name="Любомир Швецов" userId="af507c1b21b435ea" providerId="LiveId" clId="{6B2295CD-30F3-47C5-83F4-5FAEE131F5A0}" dt="2023-01-18T18:47:58.171" v="47" actId="26606"/>
+        <pc:sldMkLst>
+          <pc:docMk/>
+          <pc:sldMk cId="39136323" sldId="264"/>
+        </pc:sldMkLst>
+        <pc:spChg chg="mod">
+          <ac:chgData name="Любомир Швецов" userId="af507c1b21b435ea" providerId="LiveId" clId="{6B2295CD-30F3-47C5-83F4-5FAEE131F5A0}" dt="2023-01-18T18:47:58.171" v="47" actId="26606"/>
+          <ac:spMkLst>
+            <pc:docMk/>
+            <pc:sldMk cId="39136323" sldId="264"/>
+            <ac:spMk id="2" creationId="{A1C7FF14-D589-F389-FC94-5A51102B4648}"/>
+          </ac:spMkLst>
+        </pc:spChg>
+        <pc:spChg chg="add">
+          <ac:chgData name="Любомир Швецов" userId="af507c1b21b435ea" providerId="LiveId" clId="{6B2295CD-30F3-47C5-83F4-5FAEE131F5A0}" dt="2023-01-18T18:47:58.171" v="47" actId="26606"/>
+          <ac:spMkLst>
+            <pc:docMk/>
+            <pc:sldMk cId="39136323" sldId="264"/>
+            <ac:spMk id="9" creationId="{8D06CE56-3881-4ADA-8CEF-D18B02C242A3}"/>
+          </ac:spMkLst>
+        </pc:spChg>
+        <pc:spChg chg="add">
+          <ac:chgData name="Любомир Швецов" userId="af507c1b21b435ea" providerId="LiveId" clId="{6B2295CD-30F3-47C5-83F4-5FAEE131F5A0}" dt="2023-01-18T18:47:58.171" v="47" actId="26606"/>
+          <ac:spMkLst>
+            <pc:docMk/>
+            <pc:sldMk cId="39136323" sldId="264"/>
+            <ac:spMk id="11" creationId="{79F3C543-62EC-4433-9C93-A2CD8764E9B4}"/>
+          </ac:spMkLst>
+        </pc:spChg>
+        <pc:spChg chg="add">
+          <ac:chgData name="Любомир Швецов" userId="af507c1b21b435ea" providerId="LiveId" clId="{6B2295CD-30F3-47C5-83F4-5FAEE131F5A0}" dt="2023-01-18T18:47:58.171" v="47" actId="26606"/>
+          <ac:spMkLst>
+            <pc:docMk/>
+            <pc:sldMk cId="39136323" sldId="264"/>
+            <ac:spMk id="13" creationId="{68AF5748-FED8-45BA-8631-26D1D10F3246}"/>
+          </ac:spMkLst>
+        </pc:spChg>
+        <pc:spChg chg="add">
+          <ac:chgData name="Любомир Швецов" userId="af507c1b21b435ea" providerId="LiveId" clId="{6B2295CD-30F3-47C5-83F4-5FAEE131F5A0}" dt="2023-01-18T18:47:58.171" v="47" actId="26606"/>
+          <ac:spMkLst>
+            <pc:docMk/>
+            <pc:sldMk cId="39136323" sldId="264"/>
+            <ac:spMk id="15" creationId="{AF2F604E-43BE-4DC3-B983-E071523364F8}"/>
+          </ac:spMkLst>
+        </pc:spChg>
+        <pc:spChg chg="add">
+          <ac:chgData name="Любомир Швецов" userId="af507c1b21b435ea" providerId="LiveId" clId="{6B2295CD-30F3-47C5-83F4-5FAEE131F5A0}" dt="2023-01-18T18:47:58.171" v="47" actId="26606"/>
+          <ac:spMkLst>
+            <pc:docMk/>
+            <pc:sldMk cId="39136323" sldId="264"/>
+            <ac:spMk id="17" creationId="{08C9B587-E65E-4B52-B37C-ABEBB6E87928}"/>
+          </ac:spMkLst>
+        </pc:spChg>
+        <pc:picChg chg="add">
+          <ac:chgData name="Любомир Швецов" userId="af507c1b21b435ea" providerId="LiveId" clId="{6B2295CD-30F3-47C5-83F4-5FAEE131F5A0}" dt="2023-01-18T18:47:58.171" v="47" actId="26606"/>
+          <ac:picMkLst>
+            <pc:docMk/>
+            <pc:sldMk cId="39136323" sldId="264"/>
+            <ac:picMk id="6" creationId="{5F214639-61AA-47DF-888B-098C92D36044}"/>
+          </ac:picMkLst>
+        </pc:picChg>
+      </pc:sldChg>
+      <pc:sldChg chg="addSp modSp new mod modAnim">
+        <pc:chgData name="Любомир Швецов" userId="af507c1b21b435ea" providerId="LiveId" clId="{6B2295CD-30F3-47C5-83F4-5FAEE131F5A0}" dt="2023-01-18T18:48:25.408" v="50" actId="14100"/>
+        <pc:sldMkLst>
+          <pc:docMk/>
+          <pc:sldMk cId="3984900396" sldId="265"/>
+        </pc:sldMkLst>
+        <pc:picChg chg="add mod">
+          <ac:chgData name="Любомир Швецов" userId="af507c1b21b435ea" providerId="LiveId" clId="{6B2295CD-30F3-47C5-83F4-5FAEE131F5A0}" dt="2023-01-18T18:48:25.408" v="50" actId="14100"/>
+          <ac:picMkLst>
+            <pc:docMk/>
+            <pc:sldMk cId="3984900396" sldId="265"/>
+            <ac:picMk id="2" creationId="{3D85F3F5-C9C1-830C-0AAF-D065DAAF3A77}"/>
+          </ac:picMkLst>
+        </pc:picChg>
+      </pc:sldChg>
+      <pc:sldChg chg="addSp delSp modSp new mod setBg addAnim">
+        <pc:chgData name="Любомир Швецов" userId="af507c1b21b435ea" providerId="LiveId" clId="{6B2295CD-30F3-47C5-83F4-5FAEE131F5A0}" dt="2023-01-18T18:49:59.528" v="86" actId="403"/>
+        <pc:sldMkLst>
+          <pc:docMk/>
+          <pc:sldMk cId="2241962149" sldId="266"/>
+        </pc:sldMkLst>
+        <pc:spChg chg="mod">
+          <ac:chgData name="Любомир Швецов" userId="af507c1b21b435ea" providerId="LiveId" clId="{6B2295CD-30F3-47C5-83F4-5FAEE131F5A0}" dt="2023-01-18T18:49:59.528" v="86" actId="403"/>
+          <ac:spMkLst>
+            <pc:docMk/>
+            <pc:sldMk cId="2241962149" sldId="266"/>
+            <ac:spMk id="2" creationId="{7371F8A5-0B11-1B33-1E9A-C9C4811778BF}"/>
+          </ac:spMkLst>
+        </pc:spChg>
+        <pc:spChg chg="add del">
+          <ac:chgData name="Любомир Швецов" userId="af507c1b21b435ea" providerId="LiveId" clId="{6B2295CD-30F3-47C5-83F4-5FAEE131F5A0}" dt="2023-01-18T18:49:46.795" v="80" actId="26606"/>
+          <ac:spMkLst>
+            <pc:docMk/>
+            <pc:sldMk cId="2241962149" sldId="266"/>
+            <ac:spMk id="8" creationId="{8D06CE56-3881-4ADA-8CEF-D18B02C242A3}"/>
+          </ac:spMkLst>
+        </pc:spChg>
+        <pc:spChg chg="add del">
+          <ac:chgData name="Любомир Швецов" userId="af507c1b21b435ea" providerId="LiveId" clId="{6B2295CD-30F3-47C5-83F4-5FAEE131F5A0}" dt="2023-01-18T18:49:46.795" v="80" actId="26606"/>
+          <ac:spMkLst>
+            <pc:docMk/>
+            <pc:sldMk cId="2241962149" sldId="266"/>
+            <ac:spMk id="10" creationId="{79F3C543-62EC-4433-9C93-A2CD8764E9B4}"/>
+          </ac:spMkLst>
+        </pc:spChg>
+        <pc:spChg chg="add del">
+          <ac:chgData name="Любомир Швецов" userId="af507c1b21b435ea" providerId="LiveId" clId="{6B2295CD-30F3-47C5-83F4-5FAEE131F5A0}" dt="2023-01-18T18:49:46.795" v="80" actId="26606"/>
+          <ac:spMkLst>
+            <pc:docMk/>
+            <pc:sldMk cId="2241962149" sldId="266"/>
+            <ac:spMk id="12" creationId="{2FB82883-1DC0-4BE1-A607-009095F3355A}"/>
+          </ac:spMkLst>
+        </pc:spChg>
+        <pc:spChg chg="add del">
+          <ac:chgData name="Любомир Швецов" userId="af507c1b21b435ea" providerId="LiveId" clId="{6B2295CD-30F3-47C5-83F4-5FAEE131F5A0}" dt="2023-01-18T18:49:46.795" v="80" actId="26606"/>
+          <ac:spMkLst>
+            <pc:docMk/>
+            <pc:sldMk cId="2241962149" sldId="266"/>
+            <ac:spMk id="14" creationId="{9FA98EAA-A866-4C95-A2A8-44E46FBAD5A0}"/>
+          </ac:spMkLst>
+        </pc:spChg>
+        <pc:spChg chg="add">
+          <ac:chgData name="Любомир Швецов" userId="af507c1b21b435ea" providerId="LiveId" clId="{6B2295CD-30F3-47C5-83F4-5FAEE131F5A0}" dt="2023-01-18T18:49:46.795" v="80" actId="26606"/>
+          <ac:spMkLst>
+            <pc:docMk/>
+            <pc:sldMk cId="2241962149" sldId="266"/>
+            <ac:spMk id="21" creationId="{8D06CE56-3881-4ADA-8CEF-D18B02C242A3}"/>
+          </ac:spMkLst>
+        </pc:spChg>
+        <pc:spChg chg="add">
+          <ac:chgData name="Любомир Швецов" userId="af507c1b21b435ea" providerId="LiveId" clId="{6B2295CD-30F3-47C5-83F4-5FAEE131F5A0}" dt="2023-01-18T18:49:46.795" v="80" actId="26606"/>
+          <ac:spMkLst>
+            <pc:docMk/>
+            <pc:sldMk cId="2241962149" sldId="266"/>
+            <ac:spMk id="23" creationId="{79F3C543-62EC-4433-9C93-A2CD8764E9B4}"/>
+          </ac:spMkLst>
+        </pc:spChg>
+        <pc:spChg chg="add">
+          <ac:chgData name="Любомир Швецов" userId="af507c1b21b435ea" providerId="LiveId" clId="{6B2295CD-30F3-47C5-83F4-5FAEE131F5A0}" dt="2023-01-18T18:49:46.795" v="80" actId="26606"/>
+          <ac:spMkLst>
+            <pc:docMk/>
+            <pc:sldMk cId="2241962149" sldId="266"/>
+            <ac:spMk id="25" creationId="{68AF5748-FED8-45BA-8631-26D1D10F3246}"/>
+          </ac:spMkLst>
+        </pc:spChg>
+        <pc:spChg chg="add">
+          <ac:chgData name="Любомир Швецов" userId="af507c1b21b435ea" providerId="LiveId" clId="{6B2295CD-30F3-47C5-83F4-5FAEE131F5A0}" dt="2023-01-18T18:49:46.795" v="80" actId="26606"/>
+          <ac:spMkLst>
+            <pc:docMk/>
+            <pc:sldMk cId="2241962149" sldId="266"/>
+            <ac:spMk id="27" creationId="{AF2F604E-43BE-4DC3-B983-E071523364F8}"/>
+          </ac:spMkLst>
+        </pc:spChg>
+        <pc:spChg chg="add">
+          <ac:chgData name="Любомир Швецов" userId="af507c1b21b435ea" providerId="LiveId" clId="{6B2295CD-30F3-47C5-83F4-5FAEE131F5A0}" dt="2023-01-18T18:49:46.795" v="80" actId="26606"/>
+          <ac:spMkLst>
+            <pc:docMk/>
+            <pc:sldMk cId="2241962149" sldId="266"/>
+            <ac:spMk id="29" creationId="{08C9B587-E65E-4B52-B37C-ABEBB6E87928}"/>
+          </ac:spMkLst>
+        </pc:spChg>
+        <pc:picChg chg="add del">
+          <ac:chgData name="Любомир Швецов" userId="af507c1b21b435ea" providerId="LiveId" clId="{6B2295CD-30F3-47C5-83F4-5FAEE131F5A0}" dt="2023-01-18T18:49:33.106" v="78" actId="21"/>
+          <ac:picMkLst>
+            <pc:docMk/>
+            <pc:sldMk cId="2241962149" sldId="266"/>
+            <ac:picMk id="4" creationId="{5B522D5B-5BEA-5DC1-3751-6891369CC0C4}"/>
+          </ac:picMkLst>
+        </pc:picChg>
+        <pc:picChg chg="add">
+          <ac:chgData name="Любомир Швецов" userId="af507c1b21b435ea" providerId="LiveId" clId="{6B2295CD-30F3-47C5-83F4-5FAEE131F5A0}" dt="2023-01-18T18:49:46.795" v="80" actId="26606"/>
+          <ac:picMkLst>
+            <pc:docMk/>
+            <pc:sldMk cId="2241962149" sldId="266"/>
+            <ac:picMk id="18" creationId="{F6B5E541-CF37-8A4C-D09E-4FEEE0631F56}"/>
+          </ac:picMkLst>
+        </pc:picChg>
+      </pc:sldChg>
+      <pc:sldChg chg="addSp modSp new mod setBg addAnim">
+        <pc:chgData name="Любомир Швецов" userId="af507c1b21b435ea" providerId="LiveId" clId="{6B2295CD-30F3-47C5-83F4-5FAEE131F5A0}" dt="2023-01-18T18:49:22.260" v="77"/>
+        <pc:sldMkLst>
+          <pc:docMk/>
+          <pc:sldMk cId="1145229883" sldId="267"/>
+        </pc:sldMkLst>
+        <pc:spChg chg="mod">
+          <ac:chgData name="Любомир Швецов" userId="af507c1b21b435ea" providerId="LiveId" clId="{6B2295CD-30F3-47C5-83F4-5FAEE131F5A0}" dt="2023-01-18T18:49:22.259" v="75" actId="26606"/>
+          <ac:spMkLst>
+            <pc:docMk/>
+            <pc:sldMk cId="1145229883" sldId="267"/>
+            <ac:spMk id="2" creationId="{A4A2EA7B-6378-4F93-EC53-13ACFE93896C}"/>
+          </ac:spMkLst>
+        </pc:spChg>
+        <pc:spChg chg="add">
+          <ac:chgData name="Любомир Швецов" userId="af507c1b21b435ea" providerId="LiveId" clId="{6B2295CD-30F3-47C5-83F4-5FAEE131F5A0}" dt="2023-01-18T18:49:22.259" v="75" actId="26606"/>
+          <ac:spMkLst>
+            <pc:docMk/>
+            <pc:sldMk cId="1145229883" sldId="267"/>
+            <ac:spMk id="9" creationId="{8D06CE56-3881-4ADA-8CEF-D18B02C242A3}"/>
+          </ac:spMkLst>
+        </pc:spChg>
+        <pc:spChg chg="add">
+          <ac:chgData name="Любомир Швецов" userId="af507c1b21b435ea" providerId="LiveId" clId="{6B2295CD-30F3-47C5-83F4-5FAEE131F5A0}" dt="2023-01-18T18:49:22.259" v="75" actId="26606"/>
+          <ac:spMkLst>
+            <pc:docMk/>
+            <pc:sldMk cId="1145229883" sldId="267"/>
+            <ac:spMk id="11" creationId="{79F3C543-62EC-4433-9C93-A2CD8764E9B4}"/>
+          </ac:spMkLst>
+        </pc:spChg>
+        <pc:spChg chg="add">
+          <ac:chgData name="Любомир Швецов" userId="af507c1b21b435ea" providerId="LiveId" clId="{6B2295CD-30F3-47C5-83F4-5FAEE131F5A0}" dt="2023-01-18T18:49:22.259" v="75" actId="26606"/>
+          <ac:spMkLst>
+            <pc:docMk/>
+            <pc:sldMk cId="1145229883" sldId="267"/>
+            <ac:spMk id="13" creationId="{68AF5748-FED8-45BA-8631-26D1D10F3246}"/>
+          </ac:spMkLst>
+        </pc:spChg>
+        <pc:spChg chg="add">
+          <ac:chgData name="Любомир Швецов" userId="af507c1b21b435ea" providerId="LiveId" clId="{6B2295CD-30F3-47C5-83F4-5FAEE131F5A0}" dt="2023-01-18T18:49:22.259" v="75" actId="26606"/>
+          <ac:spMkLst>
+            <pc:docMk/>
+            <pc:sldMk cId="1145229883" sldId="267"/>
+            <ac:spMk id="15" creationId="{AF2F604E-43BE-4DC3-B983-E071523364F8}"/>
+          </ac:spMkLst>
+        </pc:spChg>
+        <pc:spChg chg="add">
+          <ac:chgData name="Любомир Швецов" userId="af507c1b21b435ea" providerId="LiveId" clId="{6B2295CD-30F3-47C5-83F4-5FAEE131F5A0}" dt="2023-01-18T18:49:22.259" v="75" actId="26606"/>
+          <ac:spMkLst>
+            <pc:docMk/>
+            <pc:sldMk cId="1145229883" sldId="267"/>
+            <ac:spMk id="17" creationId="{08C9B587-E65E-4B52-B37C-ABEBB6E87928}"/>
+          </ac:spMkLst>
+        </pc:spChg>
+        <pc:picChg chg="add">
+          <ac:chgData name="Любомир Швецов" userId="af507c1b21b435ea" providerId="LiveId" clId="{6B2295CD-30F3-47C5-83F4-5FAEE131F5A0}" dt="2023-01-18T18:49:22.259" v="75" actId="26606"/>
+          <ac:picMkLst>
+            <pc:docMk/>
+            <pc:sldMk cId="1145229883" sldId="267"/>
+            <ac:picMk id="6" creationId="{6B72C096-E24B-8BF8-E40C-4DC733571526}"/>
+          </ac:picMkLst>
+        </pc:picChg>
+      </pc:sldChg>
+    </pc:docChg>
+  </pc:docChgLst>
+</pc:chgInfo>
 </file>
 
 <file path=ppt/diagrams/colors1.xml><?xml version="1.0" encoding="utf-8"?>
@@ -14151,6 +14421,904 @@
 </p:sld>
 </file>
 
+<file path=ppt/slides/slide10.xml><?xml version="1.0" encoding="utf-8"?>
+<p:sld xmlns:a="http://schemas.openxmlformats.org/drawingml/2006/main" xmlns:r="http://schemas.openxmlformats.org/officeDocument/2006/relationships" xmlns:p="http://schemas.openxmlformats.org/presentationml/2006/main">
+  <p:cSld>
+    <p:spTree>
+      <p:nvGrpSpPr>
+        <p:cNvPr id="1" name=""/>
+        <p:cNvGrpSpPr/>
+        <p:nvPr/>
+      </p:nvGrpSpPr>
+      <p:grpSpPr>
+        <a:xfrm>
+          <a:off x="0" y="0"/>
+          <a:ext cx="0" cy="0"/>
+          <a:chOff x="0" y="0"/>
+          <a:chExt cx="0" cy="0"/>
+        </a:xfrm>
+      </p:grpSpPr>
+      <p:pic>
+        <p:nvPicPr>
+          <p:cNvPr id="2" name="video (online-video-cutter.com)">
+            <a:hlinkClick r:id="" action="ppaction://media"/>
+            <a:extLst>
+              <a:ext uri="{FF2B5EF4-FFF2-40B4-BE49-F238E27FC236}">
+                <a16:creationId xmlns:a16="http://schemas.microsoft.com/office/drawing/2014/main" id="{3D85F3F5-C9C1-830C-0AAF-D065DAAF3A77}"/>
+              </a:ext>
+            </a:extLst>
+          </p:cNvPr>
+          <p:cNvPicPr>
+            <a:picLocks noChangeAspect="1"/>
+          </p:cNvPicPr>
+          <p:nvPr>
+            <a:videoFile r:link="rId2"/>
+            <p:extLst>
+              <p:ext uri="{DAA4B4D4-6D71-4841-9C94-3DE7FCFB9230}">
+                <p14:media xmlns:p14="http://schemas.microsoft.com/office/powerpoint/2010/main" r:embed="rId1"/>
+              </p:ext>
+            </p:extLst>
+          </p:nvPr>
+        </p:nvPicPr>
+        <p:blipFill>
+          <a:blip r:embed="rId4"/>
+          <a:stretch>
+            <a:fillRect/>
+          </a:stretch>
+        </p:blipFill>
+        <p:spPr>
+          <a:xfrm>
+            <a:off x="0" y="0"/>
+            <a:ext cx="12192000" cy="6858000"/>
+          </a:xfrm>
+          <a:prstGeom prst="rect">
+            <a:avLst/>
+          </a:prstGeom>
+        </p:spPr>
+      </p:pic>
+    </p:spTree>
+    <p:extLst>
+      <p:ext uri="{BB962C8B-B14F-4D97-AF65-F5344CB8AC3E}">
+        <p14:creationId xmlns:p14="http://schemas.microsoft.com/office/powerpoint/2010/main" val="3984900396"/>
+      </p:ext>
+    </p:extLst>
+  </p:cSld>
+  <p:clrMapOvr>
+    <a:masterClrMapping/>
+  </p:clrMapOvr>
+  <p:timing>
+    <p:tnLst>
+      <p:par>
+        <p:cTn id="1" dur="indefinite" restart="never" nodeType="tmRoot">
+          <p:childTnLst>
+            <p:seq concurrent="1" nextAc="seek">
+              <p:cTn id="2" dur="indefinite" nodeType="mainSeq">
+                <p:childTnLst>
+                  <p:par>
+                    <p:cTn id="3" fill="hold">
+                      <p:stCondLst>
+                        <p:cond delay="indefinite"/>
+                      </p:stCondLst>
+                      <p:childTnLst>
+                        <p:par>
+                          <p:cTn id="4" fill="hold">
+                            <p:stCondLst>
+                              <p:cond delay="0"/>
+                            </p:stCondLst>
+                            <p:childTnLst>
+                              <p:par>
+                                <p:cTn id="5" presetID="1" presetClass="mediacall" presetSubtype="0" fill="hold" nodeType="clickEffect">
+                                  <p:stCondLst>
+                                    <p:cond delay="0"/>
+                                  </p:stCondLst>
+                                  <p:childTnLst>
+                                    <p:cmd type="call" cmd="playFrom(0.0)">
+                                      <p:cBhvr>
+                                        <p:cTn id="6" dur="60920" fill="hold"/>
+                                        <p:tgtEl>
+                                          <p:spTgt spid="2"/>
+                                        </p:tgtEl>
+                                      </p:cBhvr>
+                                    </p:cmd>
+                                  </p:childTnLst>
+                                </p:cTn>
+                              </p:par>
+                            </p:childTnLst>
+                          </p:cTn>
+                        </p:par>
+                      </p:childTnLst>
+                    </p:cTn>
+                  </p:par>
+                </p:childTnLst>
+              </p:cTn>
+              <p:prevCondLst>
+                <p:cond evt="onPrev" delay="0">
+                  <p:tgtEl>
+                    <p:sldTgt/>
+                  </p:tgtEl>
+                </p:cond>
+              </p:prevCondLst>
+              <p:nextCondLst>
+                <p:cond evt="onNext" delay="0">
+                  <p:tgtEl>
+                    <p:sldTgt/>
+                  </p:tgtEl>
+                </p:cond>
+              </p:nextCondLst>
+            </p:seq>
+            <p:video>
+              <p:cMediaNode vol="80000">
+                <p:cTn id="7" fill="hold" display="0">
+                  <p:stCondLst>
+                    <p:cond delay="indefinite"/>
+                  </p:stCondLst>
+                </p:cTn>
+                <p:tgtEl>
+                  <p:spTgt spid="2"/>
+                </p:tgtEl>
+              </p:cMediaNode>
+            </p:video>
+            <p:seq concurrent="1" nextAc="seek">
+              <p:cTn id="8" restart="whenNotActive" fill="hold" evtFilter="cancelBubble" nodeType="interactiveSeq">
+                <p:stCondLst>
+                  <p:cond evt="onClick" delay="0">
+                    <p:tgtEl>
+                      <p:spTgt spid="2"/>
+                    </p:tgtEl>
+                  </p:cond>
+                </p:stCondLst>
+                <p:endSync evt="end" delay="0">
+                  <p:rtn val="all"/>
+                </p:endSync>
+                <p:childTnLst>
+                  <p:par>
+                    <p:cTn id="9" fill="hold">
+                      <p:stCondLst>
+                        <p:cond delay="0"/>
+                      </p:stCondLst>
+                      <p:childTnLst>
+                        <p:par>
+                          <p:cTn id="10" fill="hold">
+                            <p:stCondLst>
+                              <p:cond delay="0"/>
+                            </p:stCondLst>
+                            <p:childTnLst>
+                              <p:par>
+                                <p:cTn id="11" presetID="2" presetClass="mediacall" presetSubtype="0" fill="hold" nodeType="clickEffect">
+                                  <p:stCondLst>
+                                    <p:cond delay="0"/>
+                                  </p:stCondLst>
+                                  <p:childTnLst>
+                                    <p:cmd type="call" cmd="togglePause">
+                                      <p:cBhvr>
+                                        <p:cTn id="12" dur="1" fill="hold"/>
+                                        <p:tgtEl>
+                                          <p:spTgt spid="2"/>
+                                        </p:tgtEl>
+                                      </p:cBhvr>
+                                    </p:cmd>
+                                  </p:childTnLst>
+                                </p:cTn>
+                              </p:par>
+                            </p:childTnLst>
+                          </p:cTn>
+                        </p:par>
+                      </p:childTnLst>
+                    </p:cTn>
+                  </p:par>
+                </p:childTnLst>
+              </p:cTn>
+              <p:nextCondLst>
+                <p:cond evt="onClick" delay="0">
+                  <p:tgtEl>
+                    <p:spTgt spid="2"/>
+                  </p:tgtEl>
+                </p:cond>
+              </p:nextCondLst>
+            </p:seq>
+          </p:childTnLst>
+        </p:cTn>
+      </p:par>
+    </p:tnLst>
+  </p:timing>
+</p:sld>
+</file>
+
+<file path=ppt/slides/slide11.xml><?xml version="1.0" encoding="utf-8"?>
+<p:sld xmlns:a="http://schemas.openxmlformats.org/drawingml/2006/main" xmlns:r="http://schemas.openxmlformats.org/officeDocument/2006/relationships" xmlns:p="http://schemas.openxmlformats.org/presentationml/2006/main">
+  <p:cSld>
+    <p:bg>
+      <p:bgPr>
+        <a:solidFill>
+          <a:schemeClr val="bg1"/>
+        </a:solidFill>
+        <a:effectLst/>
+      </p:bgPr>
+    </p:bg>
+    <p:spTree>
+      <p:nvGrpSpPr>
+        <p:cNvPr id="1" name=""/>
+        <p:cNvGrpSpPr/>
+        <p:nvPr/>
+      </p:nvGrpSpPr>
+      <p:grpSpPr>
+        <a:xfrm>
+          <a:off x="0" y="0"/>
+          <a:ext cx="0" cy="0"/>
+          <a:chOff x="0" y="0"/>
+          <a:chExt cx="0" cy="0"/>
+        </a:xfrm>
+      </p:grpSpPr>
+      <p:sp>
+        <p:nvSpPr>
+          <p:cNvPr id="9" name="Rectangle 8">
+            <a:extLst>
+              <a:ext uri="{FF2B5EF4-FFF2-40B4-BE49-F238E27FC236}">
+                <a16:creationId xmlns:a16="http://schemas.microsoft.com/office/drawing/2014/main" id="{8D06CE56-3881-4ADA-8CEF-D18B02C242A3}"/>
+              </a:ext>
+              <a:ext uri="{C183D7F6-B498-43B3-948B-1728B52AA6E4}">
+                <adec:decorative xmlns:adec="http://schemas.microsoft.com/office/drawing/2017/decorative" val="1"/>
+              </a:ext>
+            </a:extLst>
+          </p:cNvPr>
+          <p:cNvSpPr>
+            <a:spLocks noGrp="1" noRot="1" noChangeAspect="1" noMove="1" noResize="1" noEditPoints="1" noAdjustHandles="1" noChangeArrowheads="1" noChangeShapeType="1" noTextEdit="1"/>
+          </p:cNvSpPr>
+          <p:nvPr>
+            <p:extLst>
+              <p:ext uri="{386F3935-93C4-4BCD-93E2-E3B085C9AB24}">
+                <p16:designElem xmlns:p16="http://schemas.microsoft.com/office/powerpoint/2015/main" val="1"/>
+              </p:ext>
+            </p:extLst>
+          </p:nvPr>
+        </p:nvSpPr>
+        <p:spPr>
+          <a:xfrm rot="5400000">
+            <a:off x="857544" y="346791"/>
+            <a:ext cx="146304" cy="704088"/>
+          </a:xfrm>
+          <a:prstGeom prst="rect">
+            <a:avLst/>
+          </a:prstGeom>
+          <a:solidFill>
+            <a:schemeClr val="accent1"/>
+          </a:solidFill>
+          <a:ln>
+            <a:noFill/>
+          </a:ln>
+        </p:spPr>
+        <p:style>
+          <a:lnRef idx="2">
+            <a:schemeClr val="accent1">
+              <a:shade val="50000"/>
+            </a:schemeClr>
+          </a:lnRef>
+          <a:fillRef idx="1">
+            <a:schemeClr val="accent1"/>
+          </a:fillRef>
+          <a:effectRef idx="0">
+            <a:schemeClr val="accent1"/>
+          </a:effectRef>
+          <a:fontRef idx="minor">
+            <a:schemeClr val="lt1"/>
+          </a:fontRef>
+        </p:style>
+        <p:txBody>
+          <a:bodyPr rtlCol="0" anchor="ctr"/>
+          <a:lstStyle/>
+          <a:p>
+            <a:pPr marL="0" marR="0" lvl="0" indent="0" algn="ctr" defTabSz="914400" rtl="0" eaLnBrk="1" fontAlgn="auto" latinLnBrk="0" hangingPunct="1">
+              <a:lnSpc>
+                <a:spcPct val="100000"/>
+              </a:lnSpc>
+              <a:spcBef>
+                <a:spcPts val="0"/>
+              </a:spcBef>
+              <a:spcAft>
+                <a:spcPts val="0"/>
+              </a:spcAft>
+              <a:buClrTx/>
+              <a:buSzTx/>
+              <a:buFontTx/>
+              <a:buNone/>
+              <a:tabLst/>
+              <a:defRPr/>
+            </a:pPr>
+            <a:endParaRPr kumimoji="0" lang="en-US" sz="1800" b="0" i="0" u="none" strike="noStrike" kern="1200" cap="none" spc="0" normalizeH="0" baseline="0" noProof="0">
+              <a:ln>
+                <a:noFill/>
+              </a:ln>
+              <a:solidFill>
+                <a:prstClr val="white"/>
+              </a:solidFill>
+              <a:effectLst/>
+              <a:uLnTx/>
+              <a:uFillTx/>
+              <a:latin typeface="Calibri" panose="020F0502020204030204"/>
+              <a:ea typeface="+mn-ea"/>
+              <a:cs typeface="+mn-cs"/>
+            </a:endParaRPr>
+          </a:p>
+        </p:txBody>
+      </p:sp>
+      <p:sp>
+        <p:nvSpPr>
+          <p:cNvPr id="11" name="Rectangle 10">
+            <a:extLst>
+              <a:ext uri="{FF2B5EF4-FFF2-40B4-BE49-F238E27FC236}">
+                <a16:creationId xmlns:a16="http://schemas.microsoft.com/office/drawing/2014/main" id="{79F3C543-62EC-4433-9C93-A2CD8764E9B4}"/>
+              </a:ext>
+              <a:ext uri="{C183D7F6-B498-43B3-948B-1728B52AA6E4}">
+                <adec:decorative xmlns:adec="http://schemas.microsoft.com/office/drawing/2017/decorative" val="1"/>
+              </a:ext>
+            </a:extLst>
+          </p:cNvPr>
+          <p:cNvSpPr>
+            <a:spLocks noGrp="1" noRot="1" noChangeAspect="1" noMove="1" noResize="1" noEditPoints="1" noAdjustHandles="1" noChangeArrowheads="1" noChangeShapeType="1" noTextEdit="1"/>
+          </p:cNvSpPr>
+          <p:nvPr>
+            <p:extLst>
+              <p:ext uri="{386F3935-93C4-4BCD-93E2-E3B085C9AB24}">
+                <p16:designElem xmlns:p16="http://schemas.microsoft.com/office/powerpoint/2015/main" val="1"/>
+              </p:ext>
+            </p:extLst>
+          </p:nvPr>
+        </p:nvSpPr>
+        <p:spPr>
+          <a:xfrm flipV="1">
+            <a:off x="578652" y="4501201"/>
+            <a:ext cx="11034696" cy="18288"/>
+          </a:xfrm>
+          <a:prstGeom prst="rect">
+            <a:avLst/>
+          </a:prstGeom>
+          <a:solidFill>
+            <a:schemeClr val="tx2">
+              <a:lumMod val="25000"/>
+              <a:lumOff val="75000"/>
+            </a:schemeClr>
+          </a:solidFill>
+          <a:ln w="3175">
+            <a:noFill/>
+          </a:ln>
+          <a:effectLst/>
+        </p:spPr>
+        <p:style>
+          <a:lnRef idx="2">
+            <a:schemeClr val="accent1">
+              <a:shade val="50000"/>
+            </a:schemeClr>
+          </a:lnRef>
+          <a:fillRef idx="1">
+            <a:schemeClr val="accent1"/>
+          </a:fillRef>
+          <a:effectRef idx="0">
+            <a:schemeClr val="accent1"/>
+          </a:effectRef>
+          <a:fontRef idx="minor">
+            <a:schemeClr val="lt1"/>
+          </a:fontRef>
+        </p:style>
+        <p:txBody>
+          <a:bodyPr rtlCol="0" anchor="ctr"/>
+          <a:lstStyle/>
+          <a:p>
+            <a:pPr marL="0" marR="0" lvl="0" indent="0" algn="ctr" defTabSz="914400" rtl="0" eaLnBrk="1" fontAlgn="auto" latinLnBrk="0" hangingPunct="1">
+              <a:lnSpc>
+                <a:spcPct val="100000"/>
+              </a:lnSpc>
+              <a:spcBef>
+                <a:spcPts val="0"/>
+              </a:spcBef>
+              <a:spcAft>
+                <a:spcPts val="0"/>
+              </a:spcAft>
+              <a:buClrTx/>
+              <a:buSzTx/>
+              <a:buFontTx/>
+              <a:buNone/>
+              <a:tabLst/>
+              <a:defRPr/>
+            </a:pPr>
+            <a:endParaRPr kumimoji="0" lang="en-US" sz="1800" b="0" i="0" u="none" strike="noStrike" kern="1200" cap="none" spc="0" normalizeH="0" baseline="0" noProof="0">
+              <a:ln>
+                <a:noFill/>
+              </a:ln>
+              <a:solidFill>
+                <a:prstClr val="white"/>
+              </a:solidFill>
+              <a:effectLst/>
+              <a:uLnTx/>
+              <a:uFillTx/>
+              <a:latin typeface="Calibri" panose="020F0502020204030204"/>
+              <a:ea typeface="+mn-ea"/>
+              <a:cs typeface="+mn-cs"/>
+            </a:endParaRPr>
+          </a:p>
+        </p:txBody>
+      </p:sp>
+      <p:sp useBgFill="1">
+        <p:nvSpPr>
+          <p:cNvPr id="13" name="Rectangle 12">
+            <a:extLst>
+              <a:ext uri="{FF2B5EF4-FFF2-40B4-BE49-F238E27FC236}">
+                <a16:creationId xmlns:a16="http://schemas.microsoft.com/office/drawing/2014/main" id="{68AF5748-FED8-45BA-8631-26D1D10F3246}"/>
+              </a:ext>
+              <a:ext uri="{C183D7F6-B498-43B3-948B-1728B52AA6E4}">
+                <adec:decorative xmlns:adec="http://schemas.microsoft.com/office/drawing/2017/decorative" val="1"/>
+              </a:ext>
+            </a:extLst>
+          </p:cNvPr>
+          <p:cNvSpPr>
+            <a:spLocks noGrp="1" noRot="1" noChangeAspect="1" noMove="1" noResize="1" noEditPoints="1" noAdjustHandles="1" noChangeArrowheads="1" noChangeShapeType="1" noTextEdit="1"/>
+          </p:cNvSpPr>
+          <p:nvPr>
+            <p:extLst>
+              <p:ext uri="{386F3935-93C4-4BCD-93E2-E3B085C9AB24}">
+                <p16:designElem xmlns:p16="http://schemas.microsoft.com/office/powerpoint/2015/main" val="1"/>
+              </p:ext>
+            </p:extLst>
+          </p:nvPr>
+        </p:nvSpPr>
+        <p:spPr>
+          <a:xfrm>
+            <a:off x="0" y="0"/>
+            <a:ext cx="12192000" cy="6858000"/>
+          </a:xfrm>
+          <a:prstGeom prst="rect">
+            <a:avLst/>
+          </a:prstGeom>
+          <a:ln>
+            <a:noFill/>
+          </a:ln>
+        </p:spPr>
+        <p:style>
+          <a:lnRef idx="2">
+            <a:schemeClr val="accent1">
+              <a:shade val="50000"/>
+            </a:schemeClr>
+          </a:lnRef>
+          <a:fillRef idx="1">
+            <a:schemeClr val="accent1"/>
+          </a:fillRef>
+          <a:effectRef idx="0">
+            <a:schemeClr val="accent1"/>
+          </a:effectRef>
+          <a:fontRef idx="minor">
+            <a:schemeClr val="lt1"/>
+          </a:fontRef>
+        </p:style>
+        <p:txBody>
+          <a:bodyPr rtlCol="0" anchor="ctr"/>
+          <a:lstStyle/>
+          <a:p>
+            <a:pPr algn="ctr"/>
+            <a:endParaRPr lang="en-US"/>
+          </a:p>
+        </p:txBody>
+      </p:sp>
+      <p:sp>
+        <p:nvSpPr>
+          <p:cNvPr id="2" name="Заголовок 1">
+            <a:extLst>
+              <a:ext uri="{FF2B5EF4-FFF2-40B4-BE49-F238E27FC236}">
+                <a16:creationId xmlns:a16="http://schemas.microsoft.com/office/drawing/2014/main" id="{A4A2EA7B-6378-4F93-EC53-13ACFE93896C}"/>
+              </a:ext>
+            </a:extLst>
+          </p:cNvPr>
+          <p:cNvSpPr>
+            <a:spLocks noGrp="1"/>
+          </p:cNvSpPr>
+          <p:nvPr>
+            <p:ph type="title"/>
+          </p:nvPr>
+        </p:nvSpPr>
+        <p:spPr>
+          <a:xfrm>
+            <a:off x="477981" y="1122363"/>
+            <a:ext cx="4023360" cy="3204134"/>
+          </a:xfrm>
+        </p:spPr>
+        <p:txBody>
+          <a:bodyPr vert="horz" lIns="91440" tIns="45720" rIns="91440" bIns="45720" rtlCol="0" anchor="b">
+            <a:normAutofit/>
+          </a:bodyPr>
+          <a:lstStyle/>
+          <a:p>
+            <a:r>
+              <a:rPr lang="en-US" sz="4800" dirty="0" err="1"/>
+              <a:t>Спасибо</a:t>
+            </a:r>
+            <a:r>
+              <a:rPr lang="en-US" sz="4800" dirty="0"/>
+              <a:t> </a:t>
+            </a:r>
+            <a:r>
+              <a:rPr lang="en-US" sz="4800" dirty="0" err="1"/>
+              <a:t>за</a:t>
+            </a:r>
+            <a:r>
+              <a:rPr lang="en-US" sz="4800" dirty="0"/>
+              <a:t> </a:t>
+            </a:r>
+            <a:r>
+              <a:rPr lang="en-US" sz="4800" dirty="0" err="1"/>
+              <a:t>внимание</a:t>
+            </a:r>
+            <a:endParaRPr lang="en-US" sz="4800" dirty="0"/>
+          </a:p>
+        </p:txBody>
+      </p:sp>
+      <p:sp>
+        <p:nvSpPr>
+          <p:cNvPr id="15" name="Rectangle 14">
+            <a:extLst>
+              <a:ext uri="{FF2B5EF4-FFF2-40B4-BE49-F238E27FC236}">
+                <a16:creationId xmlns:a16="http://schemas.microsoft.com/office/drawing/2014/main" id="{AF2F604E-43BE-4DC3-B983-E071523364F8}"/>
+              </a:ext>
+              <a:ext uri="{C183D7F6-B498-43B3-948B-1728B52AA6E4}">
+                <adec:decorative xmlns:adec="http://schemas.microsoft.com/office/drawing/2017/decorative" val="1"/>
+              </a:ext>
+            </a:extLst>
+          </p:cNvPr>
+          <p:cNvSpPr>
+            <a:spLocks noGrp="1" noRot="1" noChangeAspect="1" noMove="1" noResize="1" noEditPoints="1" noAdjustHandles="1" noChangeArrowheads="1" noChangeShapeType="1" noTextEdit="1"/>
+          </p:cNvSpPr>
+          <p:nvPr>
+            <p:extLst>
+              <p:ext uri="{386F3935-93C4-4BCD-93E2-E3B085C9AB24}">
+                <p16:designElem xmlns:p16="http://schemas.microsoft.com/office/powerpoint/2015/main" val="1"/>
+              </p:ext>
+            </p:extLst>
+          </p:nvPr>
+        </p:nvSpPr>
+        <p:spPr>
+          <a:xfrm rot="5400000">
+            <a:off x="759921" y="346791"/>
+            <a:ext cx="146304" cy="704088"/>
+          </a:xfrm>
+          <a:prstGeom prst="rect">
+            <a:avLst/>
+          </a:prstGeom>
+          <a:solidFill>
+            <a:schemeClr val="accent1"/>
+          </a:solidFill>
+          <a:ln>
+            <a:noFill/>
+          </a:ln>
+        </p:spPr>
+        <p:style>
+          <a:lnRef idx="2">
+            <a:schemeClr val="accent1">
+              <a:shade val="50000"/>
+            </a:schemeClr>
+          </a:lnRef>
+          <a:fillRef idx="1">
+            <a:schemeClr val="accent1"/>
+          </a:fillRef>
+          <a:effectRef idx="0">
+            <a:schemeClr val="accent1"/>
+          </a:effectRef>
+          <a:fontRef idx="minor">
+            <a:schemeClr val="lt1"/>
+          </a:fontRef>
+        </p:style>
+        <p:txBody>
+          <a:bodyPr rtlCol="0" anchor="ctr"/>
+          <a:lstStyle/>
+          <a:p>
+            <a:pPr marL="0" marR="0" lvl="0" indent="0" algn="ctr" defTabSz="914400" rtl="0" eaLnBrk="1" fontAlgn="auto" latinLnBrk="0" hangingPunct="1">
+              <a:lnSpc>
+                <a:spcPct val="100000"/>
+              </a:lnSpc>
+              <a:spcBef>
+                <a:spcPts val="0"/>
+              </a:spcBef>
+              <a:spcAft>
+                <a:spcPts val="0"/>
+              </a:spcAft>
+              <a:buClrTx/>
+              <a:buSzTx/>
+              <a:buFontTx/>
+              <a:buNone/>
+              <a:tabLst/>
+              <a:defRPr/>
+            </a:pPr>
+            <a:endParaRPr kumimoji="0" lang="en-US" sz="1800" b="0" i="0" u="none" strike="noStrike" kern="1200" cap="none" spc="0" normalizeH="0" baseline="0" noProof="0">
+              <a:ln>
+                <a:noFill/>
+              </a:ln>
+              <a:solidFill>
+                <a:prstClr val="white"/>
+              </a:solidFill>
+              <a:effectLst/>
+              <a:uLnTx/>
+              <a:uFillTx/>
+              <a:latin typeface="Calibri" panose="020F0502020204030204"/>
+              <a:ea typeface="+mn-ea"/>
+              <a:cs typeface="+mn-cs"/>
+            </a:endParaRPr>
+          </a:p>
+        </p:txBody>
+      </p:sp>
+      <p:sp>
+        <p:nvSpPr>
+          <p:cNvPr id="17" name="Rectangle 16">
+            <a:extLst>
+              <a:ext uri="{FF2B5EF4-FFF2-40B4-BE49-F238E27FC236}">
+                <a16:creationId xmlns:a16="http://schemas.microsoft.com/office/drawing/2014/main" id="{08C9B587-E65E-4B52-B37C-ABEBB6E87928}"/>
+              </a:ext>
+              <a:ext uri="{C183D7F6-B498-43B3-948B-1728B52AA6E4}">
+                <adec:decorative xmlns:adec="http://schemas.microsoft.com/office/drawing/2017/decorative" val="1"/>
+              </a:ext>
+            </a:extLst>
+          </p:cNvPr>
+          <p:cNvSpPr>
+            <a:spLocks noGrp="1" noRot="1" noChangeAspect="1" noMove="1" noResize="1" noEditPoints="1" noAdjustHandles="1" noChangeArrowheads="1" noChangeShapeType="1" noTextEdit="1"/>
+          </p:cNvSpPr>
+          <p:nvPr>
+            <p:extLst>
+              <p:ext uri="{386F3935-93C4-4BCD-93E2-E3B085C9AB24}">
+                <p16:designElem xmlns:p16="http://schemas.microsoft.com/office/powerpoint/2015/main" val="1"/>
+              </p:ext>
+            </p:extLst>
+          </p:nvPr>
+        </p:nvSpPr>
+        <p:spPr>
+          <a:xfrm>
+            <a:off x="481029" y="4546920"/>
+            <a:ext cx="4023360" cy="18288"/>
+          </a:xfrm>
+          <a:prstGeom prst="rect">
+            <a:avLst/>
+          </a:prstGeom>
+          <a:solidFill>
+            <a:schemeClr val="tx2">
+              <a:lumMod val="25000"/>
+              <a:lumOff val="75000"/>
+            </a:schemeClr>
+          </a:solidFill>
+          <a:ln w="3175">
+            <a:noFill/>
+          </a:ln>
+          <a:effectLst/>
+        </p:spPr>
+        <p:style>
+          <a:lnRef idx="2">
+            <a:schemeClr val="accent1">
+              <a:shade val="50000"/>
+            </a:schemeClr>
+          </a:lnRef>
+          <a:fillRef idx="1">
+            <a:schemeClr val="accent1"/>
+          </a:fillRef>
+          <a:effectRef idx="0">
+            <a:schemeClr val="accent1"/>
+          </a:effectRef>
+          <a:fontRef idx="minor">
+            <a:schemeClr val="lt1"/>
+          </a:fontRef>
+        </p:style>
+        <p:txBody>
+          <a:bodyPr rtlCol="0" anchor="ctr"/>
+          <a:lstStyle/>
+          <a:p>
+            <a:pPr marL="0" marR="0" lvl="0" indent="0" algn="ctr" defTabSz="914400" rtl="0" eaLnBrk="1" fontAlgn="auto" latinLnBrk="0" hangingPunct="1">
+              <a:lnSpc>
+                <a:spcPct val="100000"/>
+              </a:lnSpc>
+              <a:spcBef>
+                <a:spcPts val="0"/>
+              </a:spcBef>
+              <a:spcAft>
+                <a:spcPts val="0"/>
+              </a:spcAft>
+              <a:buClrTx/>
+              <a:buSzTx/>
+              <a:buFontTx/>
+              <a:buNone/>
+              <a:tabLst/>
+              <a:defRPr/>
+            </a:pPr>
+            <a:endParaRPr kumimoji="0" lang="en-US" sz="1800" b="0" i="0" u="none" strike="noStrike" kern="1200" cap="none" spc="0" normalizeH="0" baseline="0" noProof="0">
+              <a:ln>
+                <a:noFill/>
+              </a:ln>
+              <a:solidFill>
+                <a:prstClr val="white"/>
+              </a:solidFill>
+              <a:effectLst/>
+              <a:uLnTx/>
+              <a:uFillTx/>
+              <a:latin typeface="Calibri" panose="020F0502020204030204"/>
+              <a:ea typeface="+mn-ea"/>
+              <a:cs typeface="+mn-cs"/>
+            </a:endParaRPr>
+          </a:p>
+        </p:txBody>
+      </p:sp>
+      <p:pic>
+        <p:nvPicPr>
+          <p:cNvPr id="6" name="Graphic 5" descr="Thumbs Up Sign">
+            <a:extLst>
+              <a:ext uri="{FF2B5EF4-FFF2-40B4-BE49-F238E27FC236}">
+                <a16:creationId xmlns:a16="http://schemas.microsoft.com/office/drawing/2014/main" id="{6B72C096-E24B-8BF8-E40C-4DC733571526}"/>
+              </a:ext>
+            </a:extLst>
+          </p:cNvPr>
+          <p:cNvPicPr>
+            <a:picLocks noChangeAspect="1"/>
+          </p:cNvPicPr>
+          <p:nvPr/>
+        </p:nvPicPr>
+        <p:blipFill>
+          <a:blip r:embed="rId2">
+            <a:extLst>
+              <a:ext uri="{28A0092B-C50C-407E-A947-70E740481C1C}">
+                <a14:useLocalDpi xmlns:a14="http://schemas.microsoft.com/office/drawing/2010/main" val="0"/>
+              </a:ext>
+              <a:ext uri="{96DAC541-7B7A-43D3-8B79-37D633B846F1}">
+                <asvg:svgBlip xmlns:asvg="http://schemas.microsoft.com/office/drawing/2016/SVG/main" r:embed="rId3"/>
+              </a:ext>
+            </a:extLst>
+          </a:blip>
+          <a:stretch>
+            <a:fillRect/>
+          </a:stretch>
+        </p:blipFill>
+        <p:spPr>
+          <a:xfrm>
+            <a:off x="5560099" y="625683"/>
+            <a:ext cx="5455380" cy="5455380"/>
+          </a:xfrm>
+          <a:prstGeom prst="rect">
+            <a:avLst/>
+          </a:prstGeom>
+        </p:spPr>
+      </p:pic>
+    </p:spTree>
+    <p:extLst>
+      <p:ext uri="{BB962C8B-B14F-4D97-AF65-F5344CB8AC3E}">
+        <p14:creationId xmlns:p14="http://schemas.microsoft.com/office/powerpoint/2010/main" val="1145229883"/>
+      </p:ext>
+    </p:extLst>
+  </p:cSld>
+  <p:clrMapOvr>
+    <a:masterClrMapping/>
+  </p:clrMapOvr>
+  <p:timing>
+    <p:tnLst>
+      <p:par>
+        <p:cTn id="1" dur="indefinite" restart="never" nodeType="tmRoot">
+          <p:childTnLst>
+            <p:seq concurrent="1" nextAc="seek">
+              <p:cTn id="2" dur="indefinite" nodeType="mainSeq">
+                <p:childTnLst>
+                  <p:par>
+                    <p:cTn id="3" fill="hold">
+                      <p:stCondLst>
+                        <p:cond delay="indefinite"/>
+                        <p:cond evt="onBegin" delay="0">
+                          <p:tn val="2"/>
+                        </p:cond>
+                      </p:stCondLst>
+                      <p:childTnLst>
+                        <p:par>
+                          <p:cTn id="4" fill="hold">
+                            <p:stCondLst>
+                              <p:cond delay="0"/>
+                            </p:stCondLst>
+                            <p:childTnLst>
+                              <p:par>
+                                <p:cTn id="5" presetID="10" presetClass="entr" presetSubtype="0" fill="hold" nodeType="withEffect">
+                                  <p:stCondLst>
+                                    <p:cond delay="500"/>
+                                  </p:stCondLst>
+                                  <p:iterate>
+                                    <p:tmPct val="10000"/>
+                                  </p:iterate>
+                                  <p:childTnLst>
+                                    <p:set>
+                                      <p:cBhvr>
+                                        <p:cTn id="6" dur="1" fill="hold">
+                                          <p:stCondLst>
+                                            <p:cond delay="0"/>
+                                          </p:stCondLst>
+                                        </p:cTn>
+                                        <p:tgtEl>
+                                          <p:spTgt spid="6"/>
+                                        </p:tgtEl>
+                                        <p:attrNameLst>
+                                          <p:attrName>style.visibility</p:attrName>
+                                        </p:attrNameLst>
+                                      </p:cBhvr>
+                                      <p:to>
+                                        <p:strVal val="visible"/>
+                                      </p:to>
+                                    </p:set>
+                                    <p:animEffect transition="in" filter="fade">
+                                      <p:cBhvr>
+                                        <p:cTn id="7" dur="700"/>
+                                        <p:tgtEl>
+                                          <p:spTgt spid="6"/>
+                                        </p:tgtEl>
+                                      </p:cBhvr>
+                                    </p:animEffect>
+                                  </p:childTnLst>
+                                </p:cTn>
+                              </p:par>
+                              <p:par>
+                                <p:cTn id="8" presetID="10" presetClass="entr" presetSubtype="0" fill="hold" grpId="0" nodeType="withEffect">
+                                  <p:stCondLst>
+                                    <p:cond delay="1000"/>
+                                  </p:stCondLst>
+                                  <p:iterate type="lt">
+                                    <p:tmPct val="10000"/>
+                                  </p:iterate>
+                                  <p:childTnLst>
+                                    <p:set>
+                                      <p:cBhvr>
+                                        <p:cTn id="9" dur="1" fill="hold">
+                                          <p:stCondLst>
+                                            <p:cond delay="0"/>
+                                          </p:stCondLst>
+                                        </p:cTn>
+                                        <p:tgtEl>
+                                          <p:spTgt spid="2"/>
+                                        </p:tgtEl>
+                                        <p:attrNameLst>
+                                          <p:attrName>style.visibility</p:attrName>
+                                        </p:attrNameLst>
+                                      </p:cBhvr>
+                                      <p:to>
+                                        <p:strVal val="visible"/>
+                                      </p:to>
+                                    </p:set>
+                                    <p:animEffect transition="in" filter="fade">
+                                      <p:cBhvr>
+                                        <p:cTn id="10" dur="400"/>
+                                        <p:tgtEl>
+                                          <p:spTgt spid="2"/>
+                                        </p:tgtEl>
+                                      </p:cBhvr>
+                                    </p:animEffect>
+                                  </p:childTnLst>
+                                </p:cTn>
+                              </p:par>
+                            </p:childTnLst>
+                          </p:cTn>
+                        </p:par>
+                      </p:childTnLst>
+                    </p:cTn>
+                  </p:par>
+                </p:childTnLst>
+              </p:cTn>
+              <p:prevCondLst>
+                <p:cond evt="onPrev" delay="0">
+                  <p:tgtEl>
+                    <p:sldTgt/>
+                  </p:tgtEl>
+                </p:cond>
+              </p:prevCondLst>
+              <p:nextCondLst>
+                <p:cond evt="onNext" delay="0">
+                  <p:tgtEl>
+                    <p:sldTgt/>
+                  </p:tgtEl>
+                </p:cond>
+              </p:nextCondLst>
+            </p:seq>
+          </p:childTnLst>
+        </p:cTn>
+      </p:par>
+    </p:tnLst>
+    <p:bldLst>
+      <p:bldP spid="2" grpId="0"/>
+    </p:bldLst>
+  </p:timing>
+</p:sld>
+</file>
+
 <file path=ppt/slides/slide2.xml><?xml version="1.0" encoding="utf-8"?>
 <p:sld xmlns:a="http://schemas.openxmlformats.org/drawingml/2006/main" xmlns:r="http://schemas.openxmlformats.org/officeDocument/2006/relationships" xmlns:p="http://schemas.openxmlformats.org/presentationml/2006/main">
   <p:cSld>
@@ -14651,6 +15819,647 @@
 <file path=ppt/slides/slide3.xml><?xml version="1.0" encoding="utf-8"?>
 <p:sld xmlns:a="http://schemas.openxmlformats.org/drawingml/2006/main" xmlns:r="http://schemas.openxmlformats.org/officeDocument/2006/relationships" xmlns:p="http://schemas.openxmlformats.org/presentationml/2006/main">
   <p:cSld>
+    <p:bg>
+      <p:bgPr>
+        <a:solidFill>
+          <a:schemeClr val="bg1"/>
+        </a:solidFill>
+        <a:effectLst/>
+      </p:bgPr>
+    </p:bg>
+    <p:spTree>
+      <p:nvGrpSpPr>
+        <p:cNvPr id="1" name=""/>
+        <p:cNvGrpSpPr/>
+        <p:nvPr/>
+      </p:nvGrpSpPr>
+      <p:grpSpPr>
+        <a:xfrm>
+          <a:off x="0" y="0"/>
+          <a:ext cx="0" cy="0"/>
+          <a:chOff x="0" y="0"/>
+          <a:chExt cx="0" cy="0"/>
+        </a:xfrm>
+      </p:grpSpPr>
+      <p:sp>
+        <p:nvSpPr>
+          <p:cNvPr id="21" name="Rectangle 20">
+            <a:extLst>
+              <a:ext uri="{FF2B5EF4-FFF2-40B4-BE49-F238E27FC236}">
+                <a16:creationId xmlns:a16="http://schemas.microsoft.com/office/drawing/2014/main" id="{8D06CE56-3881-4ADA-8CEF-D18B02C242A3}"/>
+              </a:ext>
+              <a:ext uri="{C183D7F6-B498-43B3-948B-1728B52AA6E4}">
+                <adec:decorative xmlns:adec="http://schemas.microsoft.com/office/drawing/2017/decorative" val="1"/>
+              </a:ext>
+            </a:extLst>
+          </p:cNvPr>
+          <p:cNvSpPr>
+            <a:spLocks noGrp="1" noRot="1" noChangeAspect="1" noMove="1" noResize="1" noEditPoints="1" noAdjustHandles="1" noChangeArrowheads="1" noChangeShapeType="1" noTextEdit="1"/>
+          </p:cNvSpPr>
+          <p:nvPr>
+            <p:extLst>
+              <p:ext uri="{386F3935-93C4-4BCD-93E2-E3B085C9AB24}">
+                <p16:designElem xmlns:p16="http://schemas.microsoft.com/office/powerpoint/2015/main" val="1"/>
+              </p:ext>
+            </p:extLst>
+          </p:nvPr>
+        </p:nvSpPr>
+        <p:spPr>
+          <a:xfrm rot="5400000">
+            <a:off x="857544" y="346791"/>
+            <a:ext cx="146304" cy="704088"/>
+          </a:xfrm>
+          <a:prstGeom prst="rect">
+            <a:avLst/>
+          </a:prstGeom>
+          <a:solidFill>
+            <a:schemeClr val="accent1"/>
+          </a:solidFill>
+          <a:ln>
+            <a:noFill/>
+          </a:ln>
+        </p:spPr>
+        <p:style>
+          <a:lnRef idx="2">
+            <a:schemeClr val="accent1">
+              <a:shade val="50000"/>
+            </a:schemeClr>
+          </a:lnRef>
+          <a:fillRef idx="1">
+            <a:schemeClr val="accent1"/>
+          </a:fillRef>
+          <a:effectRef idx="0">
+            <a:schemeClr val="accent1"/>
+          </a:effectRef>
+          <a:fontRef idx="minor">
+            <a:schemeClr val="lt1"/>
+          </a:fontRef>
+        </p:style>
+        <p:txBody>
+          <a:bodyPr rtlCol="0" anchor="ctr"/>
+          <a:lstStyle/>
+          <a:p>
+            <a:pPr marL="0" marR="0" lvl="0" indent="0" algn="ctr" defTabSz="914400" rtl="0" eaLnBrk="1" fontAlgn="auto" latinLnBrk="0" hangingPunct="1">
+              <a:lnSpc>
+                <a:spcPct val="100000"/>
+              </a:lnSpc>
+              <a:spcBef>
+                <a:spcPts val="0"/>
+              </a:spcBef>
+              <a:spcAft>
+                <a:spcPts val="0"/>
+              </a:spcAft>
+              <a:buClrTx/>
+              <a:buSzTx/>
+              <a:buFontTx/>
+              <a:buNone/>
+              <a:tabLst/>
+              <a:defRPr/>
+            </a:pPr>
+            <a:endParaRPr kumimoji="0" lang="en-US" sz="1800" b="0" i="0" u="none" strike="noStrike" kern="1200" cap="none" spc="0" normalizeH="0" baseline="0" noProof="0">
+              <a:ln>
+                <a:noFill/>
+              </a:ln>
+              <a:solidFill>
+                <a:prstClr val="white"/>
+              </a:solidFill>
+              <a:effectLst/>
+              <a:uLnTx/>
+              <a:uFillTx/>
+              <a:latin typeface="Calibri" panose="020F0502020204030204"/>
+              <a:ea typeface="+mn-ea"/>
+              <a:cs typeface="+mn-cs"/>
+            </a:endParaRPr>
+          </a:p>
+        </p:txBody>
+      </p:sp>
+      <p:sp>
+        <p:nvSpPr>
+          <p:cNvPr id="23" name="Rectangle 22">
+            <a:extLst>
+              <a:ext uri="{FF2B5EF4-FFF2-40B4-BE49-F238E27FC236}">
+                <a16:creationId xmlns:a16="http://schemas.microsoft.com/office/drawing/2014/main" id="{79F3C543-62EC-4433-9C93-A2CD8764E9B4}"/>
+              </a:ext>
+              <a:ext uri="{C183D7F6-B498-43B3-948B-1728B52AA6E4}">
+                <adec:decorative xmlns:adec="http://schemas.microsoft.com/office/drawing/2017/decorative" val="1"/>
+              </a:ext>
+            </a:extLst>
+          </p:cNvPr>
+          <p:cNvSpPr>
+            <a:spLocks noGrp="1" noRot="1" noChangeAspect="1" noMove="1" noResize="1" noEditPoints="1" noAdjustHandles="1" noChangeArrowheads="1" noChangeShapeType="1" noTextEdit="1"/>
+          </p:cNvSpPr>
+          <p:nvPr>
+            <p:extLst>
+              <p:ext uri="{386F3935-93C4-4BCD-93E2-E3B085C9AB24}">
+                <p16:designElem xmlns:p16="http://schemas.microsoft.com/office/powerpoint/2015/main" val="1"/>
+              </p:ext>
+            </p:extLst>
+          </p:nvPr>
+        </p:nvSpPr>
+        <p:spPr>
+          <a:xfrm flipV="1">
+            <a:off x="578652" y="4501201"/>
+            <a:ext cx="11034696" cy="18288"/>
+          </a:xfrm>
+          <a:prstGeom prst="rect">
+            <a:avLst/>
+          </a:prstGeom>
+          <a:solidFill>
+            <a:schemeClr val="tx2">
+              <a:lumMod val="25000"/>
+              <a:lumOff val="75000"/>
+            </a:schemeClr>
+          </a:solidFill>
+          <a:ln w="3175">
+            <a:noFill/>
+          </a:ln>
+          <a:effectLst/>
+        </p:spPr>
+        <p:style>
+          <a:lnRef idx="2">
+            <a:schemeClr val="accent1">
+              <a:shade val="50000"/>
+            </a:schemeClr>
+          </a:lnRef>
+          <a:fillRef idx="1">
+            <a:schemeClr val="accent1"/>
+          </a:fillRef>
+          <a:effectRef idx="0">
+            <a:schemeClr val="accent1"/>
+          </a:effectRef>
+          <a:fontRef idx="minor">
+            <a:schemeClr val="lt1"/>
+          </a:fontRef>
+        </p:style>
+        <p:txBody>
+          <a:bodyPr rtlCol="0" anchor="ctr"/>
+          <a:lstStyle/>
+          <a:p>
+            <a:pPr marL="0" marR="0" lvl="0" indent="0" algn="ctr" defTabSz="914400" rtl="0" eaLnBrk="1" fontAlgn="auto" latinLnBrk="0" hangingPunct="1">
+              <a:lnSpc>
+                <a:spcPct val="100000"/>
+              </a:lnSpc>
+              <a:spcBef>
+                <a:spcPts val="0"/>
+              </a:spcBef>
+              <a:spcAft>
+                <a:spcPts val="0"/>
+              </a:spcAft>
+              <a:buClrTx/>
+              <a:buSzTx/>
+              <a:buFontTx/>
+              <a:buNone/>
+              <a:tabLst/>
+              <a:defRPr/>
+            </a:pPr>
+            <a:endParaRPr kumimoji="0" lang="en-US" sz="1800" b="0" i="0" u="none" strike="noStrike" kern="1200" cap="none" spc="0" normalizeH="0" baseline="0" noProof="0">
+              <a:ln>
+                <a:noFill/>
+              </a:ln>
+              <a:solidFill>
+                <a:prstClr val="white"/>
+              </a:solidFill>
+              <a:effectLst/>
+              <a:uLnTx/>
+              <a:uFillTx/>
+              <a:latin typeface="Calibri" panose="020F0502020204030204"/>
+              <a:ea typeface="+mn-ea"/>
+              <a:cs typeface="+mn-cs"/>
+            </a:endParaRPr>
+          </a:p>
+        </p:txBody>
+      </p:sp>
+      <p:sp useBgFill="1">
+        <p:nvSpPr>
+          <p:cNvPr id="25" name="Rectangle 24">
+            <a:extLst>
+              <a:ext uri="{FF2B5EF4-FFF2-40B4-BE49-F238E27FC236}">
+                <a16:creationId xmlns:a16="http://schemas.microsoft.com/office/drawing/2014/main" id="{68AF5748-FED8-45BA-8631-26D1D10F3246}"/>
+              </a:ext>
+              <a:ext uri="{C183D7F6-B498-43B3-948B-1728B52AA6E4}">
+                <adec:decorative xmlns:adec="http://schemas.microsoft.com/office/drawing/2017/decorative" val="1"/>
+              </a:ext>
+            </a:extLst>
+          </p:cNvPr>
+          <p:cNvSpPr>
+            <a:spLocks noGrp="1" noRot="1" noChangeAspect="1" noMove="1" noResize="1" noEditPoints="1" noAdjustHandles="1" noChangeArrowheads="1" noChangeShapeType="1" noTextEdit="1"/>
+          </p:cNvSpPr>
+          <p:nvPr>
+            <p:extLst>
+              <p:ext uri="{386F3935-93C4-4BCD-93E2-E3B085C9AB24}">
+                <p16:designElem xmlns:p16="http://schemas.microsoft.com/office/powerpoint/2015/main" val="1"/>
+              </p:ext>
+            </p:extLst>
+          </p:nvPr>
+        </p:nvSpPr>
+        <p:spPr>
+          <a:xfrm>
+            <a:off x="0" y="0"/>
+            <a:ext cx="12192000" cy="6858000"/>
+          </a:xfrm>
+          <a:prstGeom prst="rect">
+            <a:avLst/>
+          </a:prstGeom>
+          <a:ln>
+            <a:noFill/>
+          </a:ln>
+        </p:spPr>
+        <p:style>
+          <a:lnRef idx="2">
+            <a:schemeClr val="accent1">
+              <a:shade val="50000"/>
+            </a:schemeClr>
+          </a:lnRef>
+          <a:fillRef idx="1">
+            <a:schemeClr val="accent1"/>
+          </a:fillRef>
+          <a:effectRef idx="0">
+            <a:schemeClr val="accent1"/>
+          </a:effectRef>
+          <a:fontRef idx="minor">
+            <a:schemeClr val="lt1"/>
+          </a:fontRef>
+        </p:style>
+        <p:txBody>
+          <a:bodyPr rtlCol="0" anchor="ctr"/>
+          <a:lstStyle/>
+          <a:p>
+            <a:pPr algn="ctr"/>
+            <a:endParaRPr lang="en-US"/>
+          </a:p>
+        </p:txBody>
+      </p:sp>
+      <p:sp>
+        <p:nvSpPr>
+          <p:cNvPr id="2" name="Заголовок 1">
+            <a:extLst>
+              <a:ext uri="{FF2B5EF4-FFF2-40B4-BE49-F238E27FC236}">
+                <a16:creationId xmlns:a16="http://schemas.microsoft.com/office/drawing/2014/main" id="{7371F8A5-0B11-1B33-1E9A-C9C4811778BF}"/>
+              </a:ext>
+            </a:extLst>
+          </p:cNvPr>
+          <p:cNvSpPr>
+            <a:spLocks noGrp="1"/>
+          </p:cNvSpPr>
+          <p:nvPr>
+            <p:ph type="title"/>
+          </p:nvPr>
+        </p:nvSpPr>
+        <p:spPr>
+          <a:xfrm>
+            <a:off x="477981" y="1122363"/>
+            <a:ext cx="4023360" cy="3204134"/>
+          </a:xfrm>
+        </p:spPr>
+        <p:txBody>
+          <a:bodyPr vert="horz" lIns="91440" tIns="45720" rIns="91440" bIns="45720" rtlCol="0" anchor="b">
+            <a:normAutofit/>
+          </a:bodyPr>
+          <a:lstStyle/>
+          <a:p>
+            <a:r>
+              <a:rPr lang="en-US" sz="8800" dirty="0" err="1"/>
+              <a:t>Код</a:t>
+            </a:r>
+            <a:endParaRPr lang="en-US" sz="8800" dirty="0"/>
+          </a:p>
+        </p:txBody>
+      </p:sp>
+      <p:sp>
+        <p:nvSpPr>
+          <p:cNvPr id="27" name="Rectangle 26">
+            <a:extLst>
+              <a:ext uri="{FF2B5EF4-FFF2-40B4-BE49-F238E27FC236}">
+                <a16:creationId xmlns:a16="http://schemas.microsoft.com/office/drawing/2014/main" id="{AF2F604E-43BE-4DC3-B983-E071523364F8}"/>
+              </a:ext>
+              <a:ext uri="{C183D7F6-B498-43B3-948B-1728B52AA6E4}">
+                <adec:decorative xmlns:adec="http://schemas.microsoft.com/office/drawing/2017/decorative" val="1"/>
+              </a:ext>
+            </a:extLst>
+          </p:cNvPr>
+          <p:cNvSpPr>
+            <a:spLocks noGrp="1" noRot="1" noChangeAspect="1" noMove="1" noResize="1" noEditPoints="1" noAdjustHandles="1" noChangeArrowheads="1" noChangeShapeType="1" noTextEdit="1"/>
+          </p:cNvSpPr>
+          <p:nvPr>
+            <p:extLst>
+              <p:ext uri="{386F3935-93C4-4BCD-93E2-E3B085C9AB24}">
+                <p16:designElem xmlns:p16="http://schemas.microsoft.com/office/powerpoint/2015/main" val="1"/>
+              </p:ext>
+            </p:extLst>
+          </p:nvPr>
+        </p:nvSpPr>
+        <p:spPr>
+          <a:xfrm rot="5400000">
+            <a:off x="759921" y="346791"/>
+            <a:ext cx="146304" cy="704088"/>
+          </a:xfrm>
+          <a:prstGeom prst="rect">
+            <a:avLst/>
+          </a:prstGeom>
+          <a:solidFill>
+            <a:schemeClr val="accent1"/>
+          </a:solidFill>
+          <a:ln>
+            <a:noFill/>
+          </a:ln>
+        </p:spPr>
+        <p:style>
+          <a:lnRef idx="2">
+            <a:schemeClr val="accent1">
+              <a:shade val="50000"/>
+            </a:schemeClr>
+          </a:lnRef>
+          <a:fillRef idx="1">
+            <a:schemeClr val="accent1"/>
+          </a:fillRef>
+          <a:effectRef idx="0">
+            <a:schemeClr val="accent1"/>
+          </a:effectRef>
+          <a:fontRef idx="minor">
+            <a:schemeClr val="lt1"/>
+          </a:fontRef>
+        </p:style>
+        <p:txBody>
+          <a:bodyPr rtlCol="0" anchor="ctr"/>
+          <a:lstStyle/>
+          <a:p>
+            <a:pPr marL="0" marR="0" lvl="0" indent="0" algn="ctr" defTabSz="914400" rtl="0" eaLnBrk="1" fontAlgn="auto" latinLnBrk="0" hangingPunct="1">
+              <a:lnSpc>
+                <a:spcPct val="100000"/>
+              </a:lnSpc>
+              <a:spcBef>
+                <a:spcPts val="0"/>
+              </a:spcBef>
+              <a:spcAft>
+                <a:spcPts val="0"/>
+              </a:spcAft>
+              <a:buClrTx/>
+              <a:buSzTx/>
+              <a:buFontTx/>
+              <a:buNone/>
+              <a:tabLst/>
+              <a:defRPr/>
+            </a:pPr>
+            <a:endParaRPr kumimoji="0" lang="en-US" sz="1800" b="0" i="0" u="none" strike="noStrike" kern="1200" cap="none" spc="0" normalizeH="0" baseline="0" noProof="0">
+              <a:ln>
+                <a:noFill/>
+              </a:ln>
+              <a:solidFill>
+                <a:prstClr val="white"/>
+              </a:solidFill>
+              <a:effectLst/>
+              <a:uLnTx/>
+              <a:uFillTx/>
+              <a:latin typeface="Calibri" panose="020F0502020204030204"/>
+              <a:ea typeface="+mn-ea"/>
+              <a:cs typeface="+mn-cs"/>
+            </a:endParaRPr>
+          </a:p>
+        </p:txBody>
+      </p:sp>
+      <p:sp>
+        <p:nvSpPr>
+          <p:cNvPr id="29" name="Rectangle 28">
+            <a:extLst>
+              <a:ext uri="{FF2B5EF4-FFF2-40B4-BE49-F238E27FC236}">
+                <a16:creationId xmlns:a16="http://schemas.microsoft.com/office/drawing/2014/main" id="{08C9B587-E65E-4B52-B37C-ABEBB6E87928}"/>
+              </a:ext>
+              <a:ext uri="{C183D7F6-B498-43B3-948B-1728B52AA6E4}">
+                <adec:decorative xmlns:adec="http://schemas.microsoft.com/office/drawing/2017/decorative" val="1"/>
+              </a:ext>
+            </a:extLst>
+          </p:cNvPr>
+          <p:cNvSpPr>
+            <a:spLocks noGrp="1" noRot="1" noChangeAspect="1" noMove="1" noResize="1" noEditPoints="1" noAdjustHandles="1" noChangeArrowheads="1" noChangeShapeType="1" noTextEdit="1"/>
+          </p:cNvSpPr>
+          <p:nvPr>
+            <p:extLst>
+              <p:ext uri="{386F3935-93C4-4BCD-93E2-E3B085C9AB24}">
+                <p16:designElem xmlns:p16="http://schemas.microsoft.com/office/powerpoint/2015/main" val="1"/>
+              </p:ext>
+            </p:extLst>
+          </p:nvPr>
+        </p:nvSpPr>
+        <p:spPr>
+          <a:xfrm>
+            <a:off x="481029" y="4546920"/>
+            <a:ext cx="4023360" cy="18288"/>
+          </a:xfrm>
+          <a:prstGeom prst="rect">
+            <a:avLst/>
+          </a:prstGeom>
+          <a:solidFill>
+            <a:schemeClr val="tx2">
+              <a:lumMod val="25000"/>
+              <a:lumOff val="75000"/>
+            </a:schemeClr>
+          </a:solidFill>
+          <a:ln w="3175">
+            <a:noFill/>
+          </a:ln>
+          <a:effectLst/>
+        </p:spPr>
+        <p:style>
+          <a:lnRef idx="2">
+            <a:schemeClr val="accent1">
+              <a:shade val="50000"/>
+            </a:schemeClr>
+          </a:lnRef>
+          <a:fillRef idx="1">
+            <a:schemeClr val="accent1"/>
+          </a:fillRef>
+          <a:effectRef idx="0">
+            <a:schemeClr val="accent1"/>
+          </a:effectRef>
+          <a:fontRef idx="minor">
+            <a:schemeClr val="lt1"/>
+          </a:fontRef>
+        </p:style>
+        <p:txBody>
+          <a:bodyPr rtlCol="0" anchor="ctr"/>
+          <a:lstStyle/>
+          <a:p>
+            <a:pPr marL="0" marR="0" lvl="0" indent="0" algn="ctr" defTabSz="914400" rtl="0" eaLnBrk="1" fontAlgn="auto" latinLnBrk="0" hangingPunct="1">
+              <a:lnSpc>
+                <a:spcPct val="100000"/>
+              </a:lnSpc>
+              <a:spcBef>
+                <a:spcPts val="0"/>
+              </a:spcBef>
+              <a:spcAft>
+                <a:spcPts val="0"/>
+              </a:spcAft>
+              <a:buClrTx/>
+              <a:buSzTx/>
+              <a:buFontTx/>
+              <a:buNone/>
+              <a:tabLst/>
+              <a:defRPr/>
+            </a:pPr>
+            <a:endParaRPr kumimoji="0" lang="en-US" sz="1800" b="0" i="0" u="none" strike="noStrike" kern="1200" cap="none" spc="0" normalizeH="0" baseline="0" noProof="0">
+              <a:ln>
+                <a:noFill/>
+              </a:ln>
+              <a:solidFill>
+                <a:prstClr val="white"/>
+              </a:solidFill>
+              <a:effectLst/>
+              <a:uLnTx/>
+              <a:uFillTx/>
+              <a:latin typeface="Calibri" panose="020F0502020204030204"/>
+              <a:ea typeface="+mn-ea"/>
+              <a:cs typeface="+mn-cs"/>
+            </a:endParaRPr>
+          </a:p>
+        </p:txBody>
+      </p:sp>
+      <p:pic>
+        <p:nvPicPr>
+          <p:cNvPr id="18" name="Graphic 17" descr="Код">
+            <a:extLst>
+              <a:ext uri="{FF2B5EF4-FFF2-40B4-BE49-F238E27FC236}">
+                <a16:creationId xmlns:a16="http://schemas.microsoft.com/office/drawing/2014/main" id="{F6B5E541-CF37-8A4C-D09E-4FEEE0631F56}"/>
+              </a:ext>
+            </a:extLst>
+          </p:cNvPr>
+          <p:cNvPicPr>
+            <a:picLocks noChangeAspect="1"/>
+          </p:cNvPicPr>
+          <p:nvPr/>
+        </p:nvPicPr>
+        <p:blipFill>
+          <a:blip r:embed="rId2">
+            <a:extLst>
+              <a:ext uri="{28A0092B-C50C-407E-A947-70E740481C1C}">
+                <a14:useLocalDpi xmlns:a14="http://schemas.microsoft.com/office/drawing/2010/main" val="0"/>
+              </a:ext>
+              <a:ext uri="{96DAC541-7B7A-43D3-8B79-37D633B846F1}">
+                <asvg:svgBlip xmlns:asvg="http://schemas.microsoft.com/office/drawing/2016/SVG/main" r:embed="rId3"/>
+              </a:ext>
+            </a:extLst>
+          </a:blip>
+          <a:stretch>
+            <a:fillRect/>
+          </a:stretch>
+        </p:blipFill>
+        <p:spPr>
+          <a:xfrm>
+            <a:off x="5560099" y="625683"/>
+            <a:ext cx="5455380" cy="5455380"/>
+          </a:xfrm>
+          <a:prstGeom prst="rect">
+            <a:avLst/>
+          </a:prstGeom>
+        </p:spPr>
+      </p:pic>
+    </p:spTree>
+    <p:extLst>
+      <p:ext uri="{BB962C8B-B14F-4D97-AF65-F5344CB8AC3E}">
+        <p14:creationId xmlns:p14="http://schemas.microsoft.com/office/powerpoint/2010/main" val="2241962149"/>
+      </p:ext>
+    </p:extLst>
+  </p:cSld>
+  <p:clrMapOvr>
+    <a:masterClrMapping/>
+  </p:clrMapOvr>
+  <p:timing>
+    <p:tnLst>
+      <p:par>
+        <p:cTn id="1" dur="indefinite" restart="never" nodeType="tmRoot">
+          <p:childTnLst>
+            <p:seq concurrent="1" nextAc="seek">
+              <p:cTn id="2" dur="indefinite" nodeType="mainSeq">
+                <p:childTnLst>
+                  <p:par>
+                    <p:cTn id="3" fill="hold">
+                      <p:stCondLst>
+                        <p:cond delay="indefinite"/>
+                        <p:cond evt="onBegin" delay="0">
+                          <p:tn val="2"/>
+                        </p:cond>
+                      </p:stCondLst>
+                      <p:childTnLst>
+                        <p:par>
+                          <p:cTn id="4" fill="hold">
+                            <p:stCondLst>
+                              <p:cond delay="0"/>
+                            </p:stCondLst>
+                            <p:childTnLst>
+                              <p:par>
+                                <p:cTn id="5" presetID="10" presetClass="entr" presetSubtype="0" fill="hold" grpId="0" nodeType="withEffect">
+                                  <p:stCondLst>
+                                    <p:cond delay="1000"/>
+                                  </p:stCondLst>
+                                  <p:iterate>
+                                    <p:tmPct val="10000"/>
+                                  </p:iterate>
+                                  <p:childTnLst>
+                                    <p:set>
+                                      <p:cBhvr>
+                                        <p:cTn id="6" dur="1" fill="hold">
+                                          <p:stCondLst>
+                                            <p:cond delay="0"/>
+                                          </p:stCondLst>
+                                        </p:cTn>
+                                        <p:tgtEl>
+                                          <p:spTgt spid="2"/>
+                                        </p:tgtEl>
+                                        <p:attrNameLst>
+                                          <p:attrName>style.visibility</p:attrName>
+                                        </p:attrNameLst>
+                                      </p:cBhvr>
+                                      <p:to>
+                                        <p:strVal val="visible"/>
+                                      </p:to>
+                                    </p:set>
+                                    <p:animEffect transition="in" filter="fade">
+                                      <p:cBhvr>
+                                        <p:cTn id="7" dur="700"/>
+                                        <p:tgtEl>
+                                          <p:spTgt spid="2"/>
+                                        </p:tgtEl>
+                                      </p:cBhvr>
+                                    </p:animEffect>
+                                  </p:childTnLst>
+                                </p:cTn>
+                              </p:par>
+                            </p:childTnLst>
+                          </p:cTn>
+                        </p:par>
+                      </p:childTnLst>
+                    </p:cTn>
+                  </p:par>
+                </p:childTnLst>
+              </p:cTn>
+              <p:prevCondLst>
+                <p:cond evt="onPrev" delay="0">
+                  <p:tgtEl>
+                    <p:sldTgt/>
+                  </p:tgtEl>
+                </p:cond>
+              </p:prevCondLst>
+              <p:nextCondLst>
+                <p:cond evt="onNext" delay="0">
+                  <p:tgtEl>
+                    <p:sldTgt/>
+                  </p:tgtEl>
+                </p:cond>
+              </p:nextCondLst>
+            </p:seq>
+          </p:childTnLst>
+        </p:cTn>
+      </p:par>
+    </p:tnLst>
+    <p:bldLst>
+      <p:bldP spid="2" grpId="0"/>
+    </p:bldLst>
+  </p:timing>
+</p:sld>
+</file>
+
+<file path=ppt/slides/slide4.xml><?xml version="1.0" encoding="utf-8"?>
+<p:sld xmlns:a="http://schemas.openxmlformats.org/drawingml/2006/main" xmlns:r="http://schemas.openxmlformats.org/officeDocument/2006/relationships" xmlns:p="http://schemas.openxmlformats.org/presentationml/2006/main">
+  <p:cSld>
     <p:spTree>
       <p:nvGrpSpPr>
         <p:cNvPr id="1" name=""/>
@@ -14906,7 +16715,7 @@
 </p:sld>
 </file>
 
-<file path=ppt/slides/slide4.xml><?xml version="1.0" encoding="utf-8"?>
+<file path=ppt/slides/slide5.xml><?xml version="1.0" encoding="utf-8"?>
 <p:sld xmlns:a="http://schemas.openxmlformats.org/drawingml/2006/main" xmlns:r="http://schemas.openxmlformats.org/officeDocument/2006/relationships" xmlns:p="http://schemas.openxmlformats.org/presentationml/2006/main">
   <p:cSld>
     <p:spTree>
@@ -15810,7 +17619,7 @@
 </p:sld>
 </file>
 
-<file path=ppt/slides/slide5.xml><?xml version="1.0" encoding="utf-8"?>
+<file path=ppt/slides/slide6.xml><?xml version="1.0" encoding="utf-8"?>
 <p:sld xmlns:a="http://schemas.openxmlformats.org/drawingml/2006/main" xmlns:r="http://schemas.openxmlformats.org/officeDocument/2006/relationships" xmlns:p="http://schemas.openxmlformats.org/presentationml/2006/main">
   <p:cSld>
     <p:spTree>
@@ -15894,7 +17703,7 @@
 </p:sld>
 </file>
 
-<file path=ppt/slides/slide6.xml><?xml version="1.0" encoding="utf-8"?>
+<file path=ppt/slides/slide7.xml><?xml version="1.0" encoding="utf-8"?>
 <p:sld xmlns:a="http://schemas.openxmlformats.org/drawingml/2006/main" xmlns:r="http://schemas.openxmlformats.org/officeDocument/2006/relationships" xmlns:p="http://schemas.openxmlformats.org/presentationml/2006/main">
   <p:cSld>
     <p:spTree>
@@ -15983,7 +17792,7 @@
 </p:sld>
 </file>
 
-<file path=ppt/slides/slide7.xml><?xml version="1.0" encoding="utf-8"?>
+<file path=ppt/slides/slide8.xml><?xml version="1.0" encoding="utf-8"?>
 <p:sld xmlns:a="http://schemas.openxmlformats.org/drawingml/2006/main" xmlns:r="http://schemas.openxmlformats.org/officeDocument/2006/relationships" xmlns:p="http://schemas.openxmlformats.org/presentationml/2006/main">
   <p:cSld>
     <p:bg>
@@ -16335,6 +18144,554 @@
 </p:sld>
 </file>
 
+<file path=ppt/slides/slide9.xml><?xml version="1.0" encoding="utf-8"?>
+<p:sld xmlns:a="http://schemas.openxmlformats.org/drawingml/2006/main" xmlns:r="http://schemas.openxmlformats.org/officeDocument/2006/relationships" xmlns:p="http://schemas.openxmlformats.org/presentationml/2006/main">
+  <p:cSld>
+    <p:bg>
+      <p:bgPr>
+        <a:solidFill>
+          <a:schemeClr val="bg1"/>
+        </a:solidFill>
+        <a:effectLst/>
+      </p:bgPr>
+    </p:bg>
+    <p:spTree>
+      <p:nvGrpSpPr>
+        <p:cNvPr id="1" name=""/>
+        <p:cNvGrpSpPr/>
+        <p:nvPr/>
+      </p:nvGrpSpPr>
+      <p:grpSpPr>
+        <a:xfrm>
+          <a:off x="0" y="0"/>
+          <a:ext cx="0" cy="0"/>
+          <a:chOff x="0" y="0"/>
+          <a:chExt cx="0" cy="0"/>
+        </a:xfrm>
+      </p:grpSpPr>
+      <p:sp>
+        <p:nvSpPr>
+          <p:cNvPr id="9" name="Rectangle 8">
+            <a:extLst>
+              <a:ext uri="{FF2B5EF4-FFF2-40B4-BE49-F238E27FC236}">
+                <a16:creationId xmlns:a16="http://schemas.microsoft.com/office/drawing/2014/main" id="{8D06CE56-3881-4ADA-8CEF-D18B02C242A3}"/>
+              </a:ext>
+              <a:ext uri="{C183D7F6-B498-43B3-948B-1728B52AA6E4}">
+                <adec:decorative xmlns:adec="http://schemas.microsoft.com/office/drawing/2017/decorative" val="1"/>
+              </a:ext>
+            </a:extLst>
+          </p:cNvPr>
+          <p:cNvSpPr>
+            <a:spLocks noGrp="1" noRot="1" noChangeAspect="1" noMove="1" noResize="1" noEditPoints="1" noAdjustHandles="1" noChangeArrowheads="1" noChangeShapeType="1" noTextEdit="1"/>
+          </p:cNvSpPr>
+          <p:nvPr>
+            <p:extLst>
+              <p:ext uri="{386F3935-93C4-4BCD-93E2-E3B085C9AB24}">
+                <p16:designElem xmlns:p16="http://schemas.microsoft.com/office/powerpoint/2015/main" val="1"/>
+              </p:ext>
+            </p:extLst>
+          </p:nvPr>
+        </p:nvSpPr>
+        <p:spPr>
+          <a:xfrm rot="5400000">
+            <a:off x="857544" y="346791"/>
+            <a:ext cx="146304" cy="704088"/>
+          </a:xfrm>
+          <a:prstGeom prst="rect">
+            <a:avLst/>
+          </a:prstGeom>
+          <a:solidFill>
+            <a:schemeClr val="accent1"/>
+          </a:solidFill>
+          <a:ln>
+            <a:noFill/>
+          </a:ln>
+        </p:spPr>
+        <p:style>
+          <a:lnRef idx="2">
+            <a:schemeClr val="accent1">
+              <a:shade val="50000"/>
+            </a:schemeClr>
+          </a:lnRef>
+          <a:fillRef idx="1">
+            <a:schemeClr val="accent1"/>
+          </a:fillRef>
+          <a:effectRef idx="0">
+            <a:schemeClr val="accent1"/>
+          </a:effectRef>
+          <a:fontRef idx="minor">
+            <a:schemeClr val="lt1"/>
+          </a:fontRef>
+        </p:style>
+        <p:txBody>
+          <a:bodyPr rtlCol="0" anchor="ctr"/>
+          <a:lstStyle/>
+          <a:p>
+            <a:pPr marL="0" marR="0" lvl="0" indent="0" algn="ctr" defTabSz="914400" rtl="0" eaLnBrk="1" fontAlgn="auto" latinLnBrk="0" hangingPunct="1">
+              <a:lnSpc>
+                <a:spcPct val="100000"/>
+              </a:lnSpc>
+              <a:spcBef>
+                <a:spcPts val="0"/>
+              </a:spcBef>
+              <a:spcAft>
+                <a:spcPts val="0"/>
+              </a:spcAft>
+              <a:buClrTx/>
+              <a:buSzTx/>
+              <a:buFontTx/>
+              <a:buNone/>
+              <a:tabLst/>
+              <a:defRPr/>
+            </a:pPr>
+            <a:endParaRPr kumimoji="0" lang="en-US" sz="1800" b="0" i="0" u="none" strike="noStrike" kern="1200" cap="none" spc="0" normalizeH="0" baseline="0" noProof="0">
+              <a:ln>
+                <a:noFill/>
+              </a:ln>
+              <a:solidFill>
+                <a:prstClr val="white"/>
+              </a:solidFill>
+              <a:effectLst/>
+              <a:uLnTx/>
+              <a:uFillTx/>
+              <a:latin typeface="Calibri" panose="020F0502020204030204"/>
+              <a:ea typeface="+mn-ea"/>
+              <a:cs typeface="+mn-cs"/>
+            </a:endParaRPr>
+          </a:p>
+        </p:txBody>
+      </p:sp>
+      <p:sp>
+        <p:nvSpPr>
+          <p:cNvPr id="11" name="Rectangle 10">
+            <a:extLst>
+              <a:ext uri="{FF2B5EF4-FFF2-40B4-BE49-F238E27FC236}">
+                <a16:creationId xmlns:a16="http://schemas.microsoft.com/office/drawing/2014/main" id="{79F3C543-62EC-4433-9C93-A2CD8764E9B4}"/>
+              </a:ext>
+              <a:ext uri="{C183D7F6-B498-43B3-948B-1728B52AA6E4}">
+                <adec:decorative xmlns:adec="http://schemas.microsoft.com/office/drawing/2017/decorative" val="1"/>
+              </a:ext>
+            </a:extLst>
+          </p:cNvPr>
+          <p:cNvSpPr>
+            <a:spLocks noGrp="1" noRot="1" noChangeAspect="1" noMove="1" noResize="1" noEditPoints="1" noAdjustHandles="1" noChangeArrowheads="1" noChangeShapeType="1" noTextEdit="1"/>
+          </p:cNvSpPr>
+          <p:nvPr>
+            <p:extLst>
+              <p:ext uri="{386F3935-93C4-4BCD-93E2-E3B085C9AB24}">
+                <p16:designElem xmlns:p16="http://schemas.microsoft.com/office/powerpoint/2015/main" val="1"/>
+              </p:ext>
+            </p:extLst>
+          </p:nvPr>
+        </p:nvSpPr>
+        <p:spPr>
+          <a:xfrm flipV="1">
+            <a:off x="578652" y="4501201"/>
+            <a:ext cx="11034696" cy="18288"/>
+          </a:xfrm>
+          <a:prstGeom prst="rect">
+            <a:avLst/>
+          </a:prstGeom>
+          <a:solidFill>
+            <a:schemeClr val="tx2">
+              <a:lumMod val="25000"/>
+              <a:lumOff val="75000"/>
+            </a:schemeClr>
+          </a:solidFill>
+          <a:ln w="3175">
+            <a:noFill/>
+          </a:ln>
+          <a:effectLst/>
+        </p:spPr>
+        <p:style>
+          <a:lnRef idx="2">
+            <a:schemeClr val="accent1">
+              <a:shade val="50000"/>
+            </a:schemeClr>
+          </a:lnRef>
+          <a:fillRef idx="1">
+            <a:schemeClr val="accent1"/>
+          </a:fillRef>
+          <a:effectRef idx="0">
+            <a:schemeClr val="accent1"/>
+          </a:effectRef>
+          <a:fontRef idx="minor">
+            <a:schemeClr val="lt1"/>
+          </a:fontRef>
+        </p:style>
+        <p:txBody>
+          <a:bodyPr rtlCol="0" anchor="ctr"/>
+          <a:lstStyle/>
+          <a:p>
+            <a:pPr marL="0" marR="0" lvl="0" indent="0" algn="ctr" defTabSz="914400" rtl="0" eaLnBrk="1" fontAlgn="auto" latinLnBrk="0" hangingPunct="1">
+              <a:lnSpc>
+                <a:spcPct val="100000"/>
+              </a:lnSpc>
+              <a:spcBef>
+                <a:spcPts val="0"/>
+              </a:spcBef>
+              <a:spcAft>
+                <a:spcPts val="0"/>
+              </a:spcAft>
+              <a:buClrTx/>
+              <a:buSzTx/>
+              <a:buFontTx/>
+              <a:buNone/>
+              <a:tabLst/>
+              <a:defRPr/>
+            </a:pPr>
+            <a:endParaRPr kumimoji="0" lang="en-US" sz="1800" b="0" i="0" u="none" strike="noStrike" kern="1200" cap="none" spc="0" normalizeH="0" baseline="0" noProof="0">
+              <a:ln>
+                <a:noFill/>
+              </a:ln>
+              <a:solidFill>
+                <a:prstClr val="white"/>
+              </a:solidFill>
+              <a:effectLst/>
+              <a:uLnTx/>
+              <a:uFillTx/>
+              <a:latin typeface="Calibri" panose="020F0502020204030204"/>
+              <a:ea typeface="+mn-ea"/>
+              <a:cs typeface="+mn-cs"/>
+            </a:endParaRPr>
+          </a:p>
+        </p:txBody>
+      </p:sp>
+      <p:sp useBgFill="1">
+        <p:nvSpPr>
+          <p:cNvPr id="13" name="Rectangle 12">
+            <a:extLst>
+              <a:ext uri="{FF2B5EF4-FFF2-40B4-BE49-F238E27FC236}">
+                <a16:creationId xmlns:a16="http://schemas.microsoft.com/office/drawing/2014/main" id="{68AF5748-FED8-45BA-8631-26D1D10F3246}"/>
+              </a:ext>
+              <a:ext uri="{C183D7F6-B498-43B3-948B-1728B52AA6E4}">
+                <adec:decorative xmlns:adec="http://schemas.microsoft.com/office/drawing/2017/decorative" val="1"/>
+              </a:ext>
+            </a:extLst>
+          </p:cNvPr>
+          <p:cNvSpPr>
+            <a:spLocks noGrp="1" noRot="1" noChangeAspect="1" noMove="1" noResize="1" noEditPoints="1" noAdjustHandles="1" noChangeArrowheads="1" noChangeShapeType="1" noTextEdit="1"/>
+          </p:cNvSpPr>
+          <p:nvPr>
+            <p:extLst>
+              <p:ext uri="{386F3935-93C4-4BCD-93E2-E3B085C9AB24}">
+                <p16:designElem xmlns:p16="http://schemas.microsoft.com/office/powerpoint/2015/main" val="1"/>
+              </p:ext>
+            </p:extLst>
+          </p:nvPr>
+        </p:nvSpPr>
+        <p:spPr>
+          <a:xfrm>
+            <a:off x="0" y="0"/>
+            <a:ext cx="12192000" cy="6858000"/>
+          </a:xfrm>
+          <a:prstGeom prst="rect">
+            <a:avLst/>
+          </a:prstGeom>
+          <a:ln>
+            <a:noFill/>
+          </a:ln>
+        </p:spPr>
+        <p:style>
+          <a:lnRef idx="2">
+            <a:schemeClr val="accent1">
+              <a:shade val="50000"/>
+            </a:schemeClr>
+          </a:lnRef>
+          <a:fillRef idx="1">
+            <a:schemeClr val="accent1"/>
+          </a:fillRef>
+          <a:effectRef idx="0">
+            <a:schemeClr val="accent1"/>
+          </a:effectRef>
+          <a:fontRef idx="minor">
+            <a:schemeClr val="lt1"/>
+          </a:fontRef>
+        </p:style>
+        <p:txBody>
+          <a:bodyPr rtlCol="0" anchor="ctr"/>
+          <a:lstStyle/>
+          <a:p>
+            <a:pPr algn="ctr"/>
+            <a:endParaRPr lang="en-US"/>
+          </a:p>
+        </p:txBody>
+      </p:sp>
+      <p:sp>
+        <p:nvSpPr>
+          <p:cNvPr id="2" name="Заголовок 1">
+            <a:extLst>
+              <a:ext uri="{FF2B5EF4-FFF2-40B4-BE49-F238E27FC236}">
+                <a16:creationId xmlns:a16="http://schemas.microsoft.com/office/drawing/2014/main" id="{A1C7FF14-D589-F389-FC94-5A51102B4648}"/>
+              </a:ext>
+            </a:extLst>
+          </p:cNvPr>
+          <p:cNvSpPr>
+            <a:spLocks noGrp="1"/>
+          </p:cNvSpPr>
+          <p:nvPr>
+            <p:ph type="title"/>
+          </p:nvPr>
+        </p:nvSpPr>
+        <p:spPr>
+          <a:xfrm>
+            <a:off x="477981" y="1122363"/>
+            <a:ext cx="4023360" cy="3204134"/>
+          </a:xfrm>
+        </p:spPr>
+        <p:txBody>
+          <a:bodyPr vert="horz" lIns="91440" tIns="45720" rIns="91440" bIns="45720" rtlCol="0" anchor="b">
+            <a:normAutofit/>
+          </a:bodyPr>
+          <a:lstStyle/>
+          <a:p>
+            <a:r>
+              <a:rPr lang="en-US" sz="4800"/>
+              <a:t>Геймплей</a:t>
+            </a:r>
+          </a:p>
+        </p:txBody>
+      </p:sp>
+      <p:sp>
+        <p:nvSpPr>
+          <p:cNvPr id="15" name="Rectangle 14">
+            <a:extLst>
+              <a:ext uri="{FF2B5EF4-FFF2-40B4-BE49-F238E27FC236}">
+                <a16:creationId xmlns:a16="http://schemas.microsoft.com/office/drawing/2014/main" id="{AF2F604E-43BE-4DC3-B983-E071523364F8}"/>
+              </a:ext>
+              <a:ext uri="{C183D7F6-B498-43B3-948B-1728B52AA6E4}">
+                <adec:decorative xmlns:adec="http://schemas.microsoft.com/office/drawing/2017/decorative" val="1"/>
+              </a:ext>
+            </a:extLst>
+          </p:cNvPr>
+          <p:cNvSpPr>
+            <a:spLocks noGrp="1" noRot="1" noChangeAspect="1" noMove="1" noResize="1" noEditPoints="1" noAdjustHandles="1" noChangeArrowheads="1" noChangeShapeType="1" noTextEdit="1"/>
+          </p:cNvSpPr>
+          <p:nvPr>
+            <p:extLst>
+              <p:ext uri="{386F3935-93C4-4BCD-93E2-E3B085C9AB24}">
+                <p16:designElem xmlns:p16="http://schemas.microsoft.com/office/powerpoint/2015/main" val="1"/>
+              </p:ext>
+            </p:extLst>
+          </p:nvPr>
+        </p:nvSpPr>
+        <p:spPr>
+          <a:xfrm rot="5400000">
+            <a:off x="759921" y="346791"/>
+            <a:ext cx="146304" cy="704088"/>
+          </a:xfrm>
+          <a:prstGeom prst="rect">
+            <a:avLst/>
+          </a:prstGeom>
+          <a:solidFill>
+            <a:schemeClr val="accent1"/>
+          </a:solidFill>
+          <a:ln>
+            <a:noFill/>
+          </a:ln>
+        </p:spPr>
+        <p:style>
+          <a:lnRef idx="2">
+            <a:schemeClr val="accent1">
+              <a:shade val="50000"/>
+            </a:schemeClr>
+          </a:lnRef>
+          <a:fillRef idx="1">
+            <a:schemeClr val="accent1"/>
+          </a:fillRef>
+          <a:effectRef idx="0">
+            <a:schemeClr val="accent1"/>
+          </a:effectRef>
+          <a:fontRef idx="minor">
+            <a:schemeClr val="lt1"/>
+          </a:fontRef>
+        </p:style>
+        <p:txBody>
+          <a:bodyPr rtlCol="0" anchor="ctr"/>
+          <a:lstStyle/>
+          <a:p>
+            <a:pPr marL="0" marR="0" lvl="0" indent="0" algn="ctr" defTabSz="914400" rtl="0" eaLnBrk="1" fontAlgn="auto" latinLnBrk="0" hangingPunct="1">
+              <a:lnSpc>
+                <a:spcPct val="100000"/>
+              </a:lnSpc>
+              <a:spcBef>
+                <a:spcPts val="0"/>
+              </a:spcBef>
+              <a:spcAft>
+                <a:spcPts val="0"/>
+              </a:spcAft>
+              <a:buClrTx/>
+              <a:buSzTx/>
+              <a:buFontTx/>
+              <a:buNone/>
+              <a:tabLst/>
+              <a:defRPr/>
+            </a:pPr>
+            <a:endParaRPr kumimoji="0" lang="en-US" sz="1800" b="0" i="0" u="none" strike="noStrike" kern="1200" cap="none" spc="0" normalizeH="0" baseline="0" noProof="0">
+              <a:ln>
+                <a:noFill/>
+              </a:ln>
+              <a:solidFill>
+                <a:prstClr val="white"/>
+              </a:solidFill>
+              <a:effectLst/>
+              <a:uLnTx/>
+              <a:uFillTx/>
+              <a:latin typeface="Calibri" panose="020F0502020204030204"/>
+              <a:ea typeface="+mn-ea"/>
+              <a:cs typeface="+mn-cs"/>
+            </a:endParaRPr>
+          </a:p>
+        </p:txBody>
+      </p:sp>
+      <p:sp>
+        <p:nvSpPr>
+          <p:cNvPr id="17" name="Rectangle 16">
+            <a:extLst>
+              <a:ext uri="{FF2B5EF4-FFF2-40B4-BE49-F238E27FC236}">
+                <a16:creationId xmlns:a16="http://schemas.microsoft.com/office/drawing/2014/main" id="{08C9B587-E65E-4B52-B37C-ABEBB6E87928}"/>
+              </a:ext>
+              <a:ext uri="{C183D7F6-B498-43B3-948B-1728B52AA6E4}">
+                <adec:decorative xmlns:adec="http://schemas.microsoft.com/office/drawing/2017/decorative" val="1"/>
+              </a:ext>
+            </a:extLst>
+          </p:cNvPr>
+          <p:cNvSpPr>
+            <a:spLocks noGrp="1" noRot="1" noChangeAspect="1" noMove="1" noResize="1" noEditPoints="1" noAdjustHandles="1" noChangeArrowheads="1" noChangeShapeType="1" noTextEdit="1"/>
+          </p:cNvSpPr>
+          <p:nvPr>
+            <p:extLst>
+              <p:ext uri="{386F3935-93C4-4BCD-93E2-E3B085C9AB24}">
+                <p16:designElem xmlns:p16="http://schemas.microsoft.com/office/powerpoint/2015/main" val="1"/>
+              </p:ext>
+            </p:extLst>
+          </p:nvPr>
+        </p:nvSpPr>
+        <p:spPr>
+          <a:xfrm>
+            <a:off x="481029" y="4546920"/>
+            <a:ext cx="4023360" cy="18288"/>
+          </a:xfrm>
+          <a:prstGeom prst="rect">
+            <a:avLst/>
+          </a:prstGeom>
+          <a:solidFill>
+            <a:schemeClr val="tx2">
+              <a:lumMod val="25000"/>
+              <a:lumOff val="75000"/>
+            </a:schemeClr>
+          </a:solidFill>
+          <a:ln w="3175">
+            <a:noFill/>
+          </a:ln>
+          <a:effectLst/>
+        </p:spPr>
+        <p:style>
+          <a:lnRef idx="2">
+            <a:schemeClr val="accent1">
+              <a:shade val="50000"/>
+            </a:schemeClr>
+          </a:lnRef>
+          <a:fillRef idx="1">
+            <a:schemeClr val="accent1"/>
+          </a:fillRef>
+          <a:effectRef idx="0">
+            <a:schemeClr val="accent1"/>
+          </a:effectRef>
+          <a:fontRef idx="minor">
+            <a:schemeClr val="lt1"/>
+          </a:fontRef>
+        </p:style>
+        <p:txBody>
+          <a:bodyPr rtlCol="0" anchor="ctr"/>
+          <a:lstStyle/>
+          <a:p>
+            <a:pPr marL="0" marR="0" lvl="0" indent="0" algn="ctr" defTabSz="914400" rtl="0" eaLnBrk="1" fontAlgn="auto" latinLnBrk="0" hangingPunct="1">
+              <a:lnSpc>
+                <a:spcPct val="100000"/>
+              </a:lnSpc>
+              <a:spcBef>
+                <a:spcPts val="0"/>
+              </a:spcBef>
+              <a:spcAft>
+                <a:spcPts val="0"/>
+              </a:spcAft>
+              <a:buClrTx/>
+              <a:buSzTx/>
+              <a:buFontTx/>
+              <a:buNone/>
+              <a:tabLst/>
+              <a:defRPr/>
+            </a:pPr>
+            <a:endParaRPr kumimoji="0" lang="en-US" sz="1800" b="0" i="0" u="none" strike="noStrike" kern="1200" cap="none" spc="0" normalizeH="0" baseline="0" noProof="0">
+              <a:ln>
+                <a:noFill/>
+              </a:ln>
+              <a:solidFill>
+                <a:prstClr val="white"/>
+              </a:solidFill>
+              <a:effectLst/>
+              <a:uLnTx/>
+              <a:uFillTx/>
+              <a:latin typeface="Calibri" panose="020F0502020204030204"/>
+              <a:ea typeface="+mn-ea"/>
+              <a:cs typeface="+mn-cs"/>
+            </a:endParaRPr>
+          </a:p>
+        </p:txBody>
+      </p:sp>
+      <p:pic>
+        <p:nvPicPr>
+          <p:cNvPr id="6" name="Graphic 5" descr="Game controller">
+            <a:extLst>
+              <a:ext uri="{FF2B5EF4-FFF2-40B4-BE49-F238E27FC236}">
+                <a16:creationId xmlns:a16="http://schemas.microsoft.com/office/drawing/2014/main" id="{5F214639-61AA-47DF-888B-098C92D36044}"/>
+              </a:ext>
+            </a:extLst>
+          </p:cNvPr>
+          <p:cNvPicPr>
+            <a:picLocks noChangeAspect="1"/>
+          </p:cNvPicPr>
+          <p:nvPr/>
+        </p:nvPicPr>
+        <p:blipFill>
+          <a:blip r:embed="rId2">
+            <a:extLst>
+              <a:ext uri="{28A0092B-C50C-407E-A947-70E740481C1C}">
+                <a14:useLocalDpi xmlns:a14="http://schemas.microsoft.com/office/drawing/2010/main" val="0"/>
+              </a:ext>
+              <a:ext uri="{96DAC541-7B7A-43D3-8B79-37D633B846F1}">
+                <asvg:svgBlip xmlns:asvg="http://schemas.microsoft.com/office/drawing/2016/SVG/main" r:embed="rId3"/>
+              </a:ext>
+            </a:extLst>
+          </a:blip>
+          <a:stretch>
+            <a:fillRect/>
+          </a:stretch>
+        </p:blipFill>
+        <p:spPr>
+          <a:xfrm>
+            <a:off x="5560099" y="625683"/>
+            <a:ext cx="5455380" cy="5455380"/>
+          </a:xfrm>
+          <a:prstGeom prst="rect">
+            <a:avLst/>
+          </a:prstGeom>
+        </p:spPr>
+      </p:pic>
+    </p:spTree>
+    <p:extLst>
+      <p:ext uri="{BB962C8B-B14F-4D97-AF65-F5344CB8AC3E}">
+        <p14:creationId xmlns:p14="http://schemas.microsoft.com/office/powerpoint/2010/main" val="39136323"/>
+      </p:ext>
+    </p:extLst>
+  </p:cSld>
+  <p:clrMapOvr>
+    <a:masterClrMapping/>
+  </p:clrMapOvr>
+</p:sld>
+</file>
+
 <file path=ppt/theme/theme1.xml><?xml version="1.0" encoding="utf-8"?>
 <a:theme xmlns:a="http://schemas.openxmlformats.org/drawingml/2006/main" name="AccentBoxVTI">
   <a:themeElements>
